--- a/src/Branching/TFVC Illustration Collection 1 New Style.pptx
+++ b/src/Branching/TFVC Illustration Collection 1 New Style.pptx
@@ -35287,14 +35287,16 @@
         <p:nvCxnSpPr>
           <p:cNvPr id="112" name="Straight Arrow Connector 111"/>
           <p:cNvCxnSpPr>
+            <a:cxnSpLocks/>
             <a:stCxn id="67" idx="6"/>
+            <a:endCxn id="25" idx="1"/>
           </p:cNvCxnSpPr>
           <p:nvPr/>
         </p:nvCxnSpPr>
         <p:spPr>
           <a:xfrm flipV="1">
             <a:off x="9077419" y="3351227"/>
-            <a:ext cx="1841809" cy="1"/>
+            <a:ext cx="1265561" cy="1"/>
           </a:xfrm>
           <a:prstGeom prst="straightConnector1">
             <a:avLst/>
@@ -35457,8 +35459,8 @@
         </p:nvSpPr>
         <p:spPr>
           <a:xfrm>
-            <a:off x="851492" y="3043451"/>
-            <a:ext cx="569067" cy="615553"/>
+            <a:off x="832002" y="3197339"/>
+            <a:ext cx="527388" cy="307777"/>
           </a:xfrm>
           <a:prstGeom prst="rect">
             <a:avLst/>
@@ -35483,38 +35485,6 @@
               </a:rPr>
               <a:t>main</a:t>
             </a:r>
-            <a:br>
-              <a:rPr lang="en-CA" sz="2000" dirty="0">
-                <a:solidFill>
-                  <a:schemeClr val="tx1">
-                    <a:lumMod val="65000"/>
-                    <a:lumOff val="35000"/>
-                  </a:schemeClr>
-                </a:solidFill>
-                <a:latin typeface="Segoe UI Light" pitchFamily="34" charset="0"/>
-              </a:rPr>
-            </a:br>
-            <a:r>
-              <a:rPr lang="en-CA" sz="2000" dirty="0" err="1">
-                <a:solidFill>
-                  <a:schemeClr val="tx1">
-                    <a:lumMod val="65000"/>
-                    <a:lumOff val="35000"/>
-                  </a:schemeClr>
-                </a:solidFill>
-                <a:latin typeface="Segoe UI Light" pitchFamily="34" charset="0"/>
-              </a:rPr>
-              <a:t>vnext</a:t>
-            </a:r>
-            <a:endParaRPr lang="en-CA" sz="2000" dirty="0">
-              <a:solidFill>
-                <a:schemeClr val="tx1">
-                  <a:lumMod val="65000"/>
-                  <a:lumOff val="35000"/>
-                </a:schemeClr>
-              </a:solidFill>
-              <a:latin typeface="Segoe UI Light" pitchFamily="34" charset="0"/>
-            </a:endParaRPr>
           </a:p>
         </p:txBody>
       </p:sp>
@@ -35529,8 +35499,8 @@
         </p:nvCxnSpPr>
         <p:spPr>
           <a:xfrm>
-            <a:off x="1420559" y="3351228"/>
-            <a:ext cx="662766" cy="0"/>
+            <a:off x="1359390" y="3351228"/>
+            <a:ext cx="723935" cy="0"/>
           </a:xfrm>
           <a:prstGeom prst="straightConnector1">
             <a:avLst/>
@@ -36136,6 +36106,70 @@
               </a:rPr>
               <a:t>Iteration4</a:t>
             </a:r>
+          </a:p>
+        </p:txBody>
+      </p:sp>
+      <p:sp>
+        <p:nvSpPr>
+          <p:cNvPr id="25" name="TextBox 24">
+            <a:extLst>
+              <a:ext uri="{FF2B5EF4-FFF2-40B4-BE49-F238E27FC236}">
+                <a16:creationId xmlns:a16="http://schemas.microsoft.com/office/drawing/2014/main" id="{24FF450B-2DCC-4C04-8095-A519B20A104D}"/>
+              </a:ext>
+            </a:extLst>
+          </p:cNvPr>
+          <p:cNvSpPr txBox="1"/>
+          <p:nvPr/>
+        </p:nvSpPr>
+        <p:spPr>
+          <a:xfrm>
+            <a:off x="10342980" y="3197338"/>
+            <a:ext cx="639599" cy="307777"/>
+          </a:xfrm>
+          <a:prstGeom prst="rect">
+            <a:avLst/>
+          </a:prstGeom>
+          <a:noFill/>
+        </p:spPr>
+        <p:txBody>
+          <a:bodyPr wrap="none" lIns="0" tIns="0" rIns="0" bIns="0" rtlCol="0">
+            <a:spAutoFit/>
+          </a:bodyPr>
+          <a:lstStyle/>
+          <a:p>
+            <a:r>
+              <a:rPr lang="en-CA" sz="2000" dirty="0">
+                <a:solidFill>
+                  <a:schemeClr val="tx1">
+                    <a:lumMod val="65000"/>
+                    <a:lumOff val="35000"/>
+                  </a:schemeClr>
+                </a:solidFill>
+                <a:latin typeface="Segoe UI Light" pitchFamily="34" charset="0"/>
+              </a:rPr>
+              <a:t> </a:t>
+            </a:r>
+            <a:r>
+              <a:rPr lang="en-CA" sz="2000" dirty="0" err="1">
+                <a:solidFill>
+                  <a:schemeClr val="tx1">
+                    <a:lumMod val="65000"/>
+                    <a:lumOff val="35000"/>
+                  </a:schemeClr>
+                </a:solidFill>
+                <a:latin typeface="Segoe UI Light" pitchFamily="34" charset="0"/>
+              </a:rPr>
+              <a:t>vnext</a:t>
+            </a:r>
+            <a:endParaRPr lang="en-CA" sz="2000" dirty="0">
+              <a:solidFill>
+                <a:schemeClr val="tx1">
+                  <a:lumMod val="65000"/>
+                  <a:lumOff val="35000"/>
+                </a:schemeClr>
+              </a:solidFill>
+              <a:latin typeface="Segoe UI Light" pitchFamily="34" charset="0"/>
+            </a:endParaRPr>
           </a:p>
         </p:txBody>
       </p:sp>
@@ -48504,14 +48538,16 @@
         <p:nvCxnSpPr>
           <p:cNvPr id="5" name="Straight Arrow Connector 4"/>
           <p:cNvCxnSpPr>
+            <a:cxnSpLocks/>
             <a:stCxn id="83" idx="6"/>
+            <a:endCxn id="35" idx="1"/>
           </p:cNvCxnSpPr>
           <p:nvPr/>
         </p:nvCxnSpPr>
         <p:spPr>
-          <a:xfrm>
-            <a:off x="9075922" y="2484823"/>
-            <a:ext cx="1868359" cy="15429"/>
+          <a:xfrm flipV="1">
+            <a:off x="9075922" y="2482326"/>
+            <a:ext cx="1239314" cy="2497"/>
           </a:xfrm>
           <a:prstGeom prst="straightConnector1">
             <a:avLst/>
@@ -48877,8 +48913,8 @@
         </p:nvSpPr>
         <p:spPr>
           <a:xfrm>
-            <a:off x="876302" y="2192475"/>
-            <a:ext cx="656339" cy="615553"/>
+            <a:off x="880081" y="2347256"/>
+            <a:ext cx="656339" cy="307777"/>
           </a:xfrm>
           <a:prstGeom prst="rect">
             <a:avLst/>
@@ -48903,38 +48939,6 @@
               </a:rPr>
               <a:t>main</a:t>
             </a:r>
-            <a:br>
-              <a:rPr lang="en-CA" sz="2000" dirty="0">
-                <a:solidFill>
-                  <a:schemeClr val="tx1">
-                    <a:lumMod val="65000"/>
-                    <a:lumOff val="35000"/>
-                  </a:schemeClr>
-                </a:solidFill>
-                <a:latin typeface="Segoe UI Light" pitchFamily="34" charset="0"/>
-              </a:rPr>
-            </a:br>
-            <a:r>
-              <a:rPr lang="en-CA" sz="2000" dirty="0" err="1">
-                <a:solidFill>
-                  <a:schemeClr val="tx1">
-                    <a:lumMod val="65000"/>
-                    <a:lumOff val="35000"/>
-                  </a:schemeClr>
-                </a:solidFill>
-                <a:latin typeface="Segoe UI Light" pitchFamily="34" charset="0"/>
-              </a:rPr>
-              <a:t>vnext</a:t>
-            </a:r>
-            <a:endParaRPr lang="en-CA" sz="2000" dirty="0">
-              <a:solidFill>
-                <a:schemeClr val="tx1">
-                  <a:lumMod val="65000"/>
-                  <a:lumOff val="35000"/>
-                </a:schemeClr>
-              </a:solidFill>
-              <a:latin typeface="Segoe UI Light" pitchFamily="34" charset="0"/>
-            </a:endParaRPr>
           </a:p>
         </p:txBody>
       </p:sp>
@@ -48950,8 +48954,8 @@
         </p:nvCxnSpPr>
         <p:spPr>
           <a:xfrm flipH="1">
-            <a:off x="1532641" y="2500252"/>
-            <a:ext cx="336465" cy="0"/>
+            <a:off x="1536420" y="2500252"/>
+            <a:ext cx="332686" cy="893"/>
           </a:xfrm>
           <a:prstGeom prst="straightConnector1">
             <a:avLst/>
@@ -49917,6 +49921,70 @@
               </a:rPr>
               <a:t>C</a:t>
             </a:r>
+          </a:p>
+        </p:txBody>
+      </p:sp>
+      <p:sp>
+        <p:nvSpPr>
+          <p:cNvPr id="35" name="TextBox 34">
+            <a:extLst>
+              <a:ext uri="{FF2B5EF4-FFF2-40B4-BE49-F238E27FC236}">
+                <a16:creationId xmlns:a16="http://schemas.microsoft.com/office/drawing/2014/main" id="{F440B7C0-23E7-4BA4-95AF-42DEC001F74E}"/>
+              </a:ext>
+            </a:extLst>
+          </p:cNvPr>
+          <p:cNvSpPr txBox="1"/>
+          <p:nvPr/>
+        </p:nvSpPr>
+        <p:spPr>
+          <a:xfrm>
+            <a:off x="10315236" y="2328437"/>
+            <a:ext cx="639599" cy="307777"/>
+          </a:xfrm>
+          <a:prstGeom prst="rect">
+            <a:avLst/>
+          </a:prstGeom>
+          <a:noFill/>
+        </p:spPr>
+        <p:txBody>
+          <a:bodyPr wrap="none" lIns="0" tIns="0" rIns="0" bIns="0" rtlCol="0">
+            <a:spAutoFit/>
+          </a:bodyPr>
+          <a:lstStyle/>
+          <a:p>
+            <a:r>
+              <a:rPr lang="en-CA" sz="2000" dirty="0">
+                <a:solidFill>
+                  <a:schemeClr val="tx1">
+                    <a:lumMod val="65000"/>
+                    <a:lumOff val="35000"/>
+                  </a:schemeClr>
+                </a:solidFill>
+                <a:latin typeface="Segoe UI Light" pitchFamily="34" charset="0"/>
+              </a:rPr>
+              <a:t> </a:t>
+            </a:r>
+            <a:r>
+              <a:rPr lang="en-CA" sz="2000" dirty="0" err="1">
+                <a:solidFill>
+                  <a:schemeClr val="tx1">
+                    <a:lumMod val="65000"/>
+                    <a:lumOff val="35000"/>
+                  </a:schemeClr>
+                </a:solidFill>
+                <a:latin typeface="Segoe UI Light" pitchFamily="34" charset="0"/>
+              </a:rPr>
+              <a:t>vnext</a:t>
+            </a:r>
+            <a:endParaRPr lang="en-CA" sz="2000" dirty="0">
+              <a:solidFill>
+                <a:schemeClr val="tx1">
+                  <a:lumMod val="65000"/>
+                  <a:lumOff val="35000"/>
+                </a:schemeClr>
+              </a:solidFill>
+              <a:latin typeface="Segoe UI Light" pitchFamily="34" charset="0"/>
+            </a:endParaRPr>
           </a:p>
         </p:txBody>
       </p:sp>

--- a/src/Branching/TFVC Illustration Collection 1 New Style.pptx
+++ b/src/Branching/TFVC Illustration Collection 1 New Style.pptx
@@ -13,11 +13,12 @@
     <p:sldId id="267" r:id="rId7"/>
     <p:sldId id="259" r:id="rId8"/>
     <p:sldId id="270" r:id="rId9"/>
-    <p:sldId id="262" r:id="rId10"/>
-    <p:sldId id="263" r:id="rId11"/>
-    <p:sldId id="265" r:id="rId12"/>
-    <p:sldId id="266" r:id="rId13"/>
-    <p:sldId id="264" r:id="rId14"/>
+    <p:sldId id="271" r:id="rId10"/>
+    <p:sldId id="262" r:id="rId11"/>
+    <p:sldId id="263" r:id="rId12"/>
+    <p:sldId id="265" r:id="rId13"/>
+    <p:sldId id="266" r:id="rId14"/>
+    <p:sldId id="264" r:id="rId15"/>
   </p:sldIdLst>
   <p:sldSz cx="12192000" cy="6858000"/>
   <p:notesSz cx="6858000" cy="9144000"/>
@@ -4195,6 +4196,1916 @@
       </p:grpSpPr>
       <p:grpSp>
         <p:nvGrpSpPr>
+          <p:cNvPr id="13" name="Group 12"/>
+          <p:cNvGrpSpPr/>
+          <p:nvPr/>
+        </p:nvGrpSpPr>
+        <p:grpSpPr>
+          <a:xfrm>
+            <a:off x="4502047" y="3673312"/>
+            <a:ext cx="2653777" cy="1429468"/>
+            <a:chOff x="4502047" y="3673312"/>
+            <a:chExt cx="2653777" cy="1429468"/>
+          </a:xfrm>
+        </p:grpSpPr>
+        <p:cxnSp>
+          <p:nvCxnSpPr>
+            <p:cNvPr id="33" name="Straight Arrow Connector 32"/>
+            <p:cNvCxnSpPr>
+              <a:stCxn id="50" idx="6"/>
+              <a:endCxn id="34" idx="2"/>
+            </p:cNvCxnSpPr>
+            <p:nvPr/>
+          </p:nvCxnSpPr>
+          <p:spPr>
+            <a:xfrm flipV="1">
+              <a:off x="4502047" y="3781312"/>
+              <a:ext cx="2322975" cy="20204"/>
+            </a:xfrm>
+            <a:prstGeom prst="straightConnector1">
+              <a:avLst/>
+            </a:prstGeom>
+            <a:ln w="38100">
+              <a:solidFill>
+                <a:srgbClr val="002060"/>
+              </a:solidFill>
+              <a:tailEnd type="none" w="lg" len="med"/>
+            </a:ln>
+          </p:spPr>
+          <p:style>
+            <a:lnRef idx="2">
+              <a:schemeClr val="accent5"/>
+            </a:lnRef>
+            <a:fillRef idx="0">
+              <a:schemeClr val="accent5"/>
+            </a:fillRef>
+            <a:effectRef idx="1">
+              <a:schemeClr val="accent5"/>
+            </a:effectRef>
+            <a:fontRef idx="minor">
+              <a:schemeClr val="tx1"/>
+            </a:fontRef>
+          </p:style>
+        </p:cxnSp>
+        <p:grpSp>
+          <p:nvGrpSpPr>
+            <p:cNvPr id="3" name="Group 2"/>
+            <p:cNvGrpSpPr/>
+            <p:nvPr/>
+          </p:nvGrpSpPr>
+          <p:grpSpPr>
+            <a:xfrm>
+              <a:off x="5687662" y="3673312"/>
+              <a:ext cx="1468162" cy="1429468"/>
+              <a:chOff x="5687662" y="3673312"/>
+              <a:chExt cx="1468162" cy="1429468"/>
+            </a:xfrm>
+          </p:grpSpPr>
+          <p:grpSp>
+            <p:nvGrpSpPr>
+              <p:cNvPr id="31" name="Group 30"/>
+              <p:cNvGrpSpPr/>
+              <p:nvPr/>
+            </p:nvGrpSpPr>
+            <p:grpSpPr>
+              <a:xfrm>
+                <a:off x="5687662" y="3673312"/>
+                <a:ext cx="1353360" cy="1429468"/>
+                <a:chOff x="6438448" y="1869683"/>
+                <a:chExt cx="1353360" cy="1429468"/>
+              </a:xfrm>
+            </p:grpSpPr>
+            <p:sp>
+              <p:nvSpPr>
+                <p:cNvPr id="34" name="Oval 33"/>
+                <p:cNvSpPr/>
+                <p:nvPr/>
+              </p:nvSpPr>
+              <p:spPr bwMode="auto">
+                <a:xfrm>
+                  <a:off x="7575808" y="1869683"/>
+                  <a:ext cx="216000" cy="216000"/>
+                </a:xfrm>
+                <a:prstGeom prst="ellipse">
+                  <a:avLst/>
+                </a:prstGeom>
+                <a:solidFill>
+                  <a:schemeClr val="bg1"/>
+                </a:solidFill>
+                <a:ln w="25400">
+                  <a:solidFill>
+                    <a:srgbClr val="002060"/>
+                  </a:solidFill>
+                  <a:headEnd type="none" w="med" len="med"/>
+                  <a:tailEnd type="none" w="med" len="med"/>
+                </a:ln>
+                <a:effectLst/>
+              </p:spPr>
+              <p:style>
+                <a:lnRef idx="1">
+                  <a:schemeClr val="accent2"/>
+                </a:lnRef>
+                <a:fillRef idx="3">
+                  <a:schemeClr val="accent2"/>
+                </a:fillRef>
+                <a:effectRef idx="2">
+                  <a:schemeClr val="accent2"/>
+                </a:effectRef>
+                <a:fontRef idx="minor">
+                  <a:schemeClr val="lt1"/>
+                </a:fontRef>
+              </p:style>
+              <p:txBody>
+                <a:bodyPr rot="0" spcFirstLastPara="0" vertOverflow="overflow" horzOverflow="overflow" vert="horz" wrap="square" lIns="0" tIns="0" rIns="0" bIns="0" numCol="1" spcCol="0" rtlCol="0" fromWordArt="0" anchor="b" anchorCtr="0" forceAA="0" compatLnSpc="1">
+                  <a:prstTxWarp prst="textNoShape">
+                    <a:avLst/>
+                  </a:prstTxWarp>
+                  <a:noAutofit/>
+                </a:bodyPr>
+                <a:lstStyle/>
+                <a:p>
+                  <a:pPr algn="ctr" defTabSz="914099" fontAlgn="base">
+                    <a:spcBef>
+                      <a:spcPct val="0"/>
+                    </a:spcBef>
+                    <a:spcAft>
+                      <a:spcPct val="0"/>
+                    </a:spcAft>
+                  </a:pPr>
+                  <a:r>
+                    <a:rPr lang="en-CA" sz="1000" spc="-50" dirty="0">
+                      <a:solidFill>
+                        <a:srgbClr val="002060"/>
+                      </a:solidFill>
+                      <a:latin typeface="Segoe UI" pitchFamily="34" charset="0"/>
+                      <a:ea typeface="Segoe UI" pitchFamily="34" charset="0"/>
+                      <a:cs typeface="Segoe UI" pitchFamily="34" charset="0"/>
+                    </a:rPr>
+                    <a:t>M</a:t>
+                  </a:r>
+                </a:p>
+              </p:txBody>
+            </p:sp>
+            <p:cxnSp>
+              <p:nvCxnSpPr>
+                <p:cNvPr id="35" name="Curved Connector 34"/>
+                <p:cNvCxnSpPr>
+                  <a:stCxn id="34" idx="2"/>
+                </p:cNvCxnSpPr>
+                <p:nvPr/>
+              </p:nvCxnSpPr>
+              <p:spPr>
+                <a:xfrm rot="10800000" flipV="1">
+                  <a:off x="6438448" y="1977682"/>
+                  <a:ext cx="1137361" cy="1321469"/>
+                </a:xfrm>
+                <a:prstGeom prst="curvedConnector3">
+                  <a:avLst>
+                    <a:gd name="adj1" fmla="val 50000"/>
+                  </a:avLst>
+                </a:prstGeom>
+                <a:ln w="38100">
+                  <a:solidFill>
+                    <a:srgbClr val="002060"/>
+                  </a:solidFill>
+                </a:ln>
+              </p:spPr>
+              <p:style>
+                <a:lnRef idx="1">
+                  <a:schemeClr val="accent1"/>
+                </a:lnRef>
+                <a:fillRef idx="0">
+                  <a:schemeClr val="accent1"/>
+                </a:fillRef>
+                <a:effectRef idx="0">
+                  <a:schemeClr val="accent1"/>
+                </a:effectRef>
+                <a:fontRef idx="minor">
+                  <a:schemeClr val="tx1"/>
+                </a:fontRef>
+              </p:style>
+            </p:cxnSp>
+            <p:sp>
+              <p:nvSpPr>
+                <p:cNvPr id="36" name="Isosceles Triangle 35"/>
+                <p:cNvSpPr/>
+                <p:nvPr/>
+              </p:nvSpPr>
+              <p:spPr>
+                <a:xfrm>
+                  <a:off x="6912166" y="2483628"/>
+                  <a:ext cx="216000" cy="164892"/>
+                </a:xfrm>
+                <a:prstGeom prst="triangle">
+                  <a:avLst/>
+                </a:prstGeom>
+                <a:solidFill>
+                  <a:srgbClr val="002060"/>
+                </a:solidFill>
+                <a:ln>
+                  <a:noFill/>
+                </a:ln>
+              </p:spPr>
+              <p:style>
+                <a:lnRef idx="2">
+                  <a:schemeClr val="accent1">
+                    <a:shade val="50000"/>
+                  </a:schemeClr>
+                </a:lnRef>
+                <a:fillRef idx="1">
+                  <a:schemeClr val="accent1"/>
+                </a:fillRef>
+                <a:effectRef idx="0">
+                  <a:schemeClr val="accent1"/>
+                </a:effectRef>
+                <a:fontRef idx="minor">
+                  <a:schemeClr val="lt1"/>
+                </a:fontRef>
+              </p:style>
+              <p:txBody>
+                <a:bodyPr rtlCol="0" anchor="ctr"/>
+                <a:lstStyle/>
+                <a:p>
+                  <a:pPr algn="ctr"/>
+                  <a:endParaRPr lang="en-CA" dirty="0"/>
+                </a:p>
+              </p:txBody>
+            </p:sp>
+          </p:grpSp>
+          <p:sp>
+            <p:nvSpPr>
+              <p:cNvPr id="32" name="TextBox 31"/>
+              <p:cNvSpPr txBox="1"/>
+              <p:nvPr/>
+            </p:nvSpPr>
+            <p:spPr>
+              <a:xfrm>
+                <a:off x="5899011" y="4089201"/>
+                <a:ext cx="367408" cy="369332"/>
+              </a:xfrm>
+              <a:prstGeom prst="rect">
+                <a:avLst/>
+              </a:prstGeom>
+              <a:noFill/>
+            </p:spPr>
+            <p:txBody>
+              <a:bodyPr wrap="none" rtlCol="0">
+                <a:spAutoFit/>
+              </a:bodyPr>
+              <a:lstStyle/>
+              <a:p>
+                <a:r>
+                  <a:rPr lang="en-CA" dirty="0"/>
+                  <a:t>RI</a:t>
+                </a:r>
+              </a:p>
+            </p:txBody>
+          </p:sp>
+          <p:sp>
+            <p:nvSpPr>
+              <p:cNvPr id="18" name="TextBox 17"/>
+              <p:cNvSpPr txBox="1"/>
+              <p:nvPr/>
+            </p:nvSpPr>
+            <p:spPr>
+              <a:xfrm>
+                <a:off x="6463327" y="4393220"/>
+                <a:ext cx="692497" cy="307777"/>
+              </a:xfrm>
+              <a:prstGeom prst="rect">
+                <a:avLst/>
+              </a:prstGeom>
+              <a:noFill/>
+            </p:spPr>
+            <p:txBody>
+              <a:bodyPr wrap="none" lIns="0" tIns="0" rIns="0" bIns="0" rtlCol="0">
+                <a:spAutoFit/>
+              </a:bodyPr>
+              <a:lstStyle/>
+              <a:p>
+                <a:r>
+                  <a:rPr lang="en-CA" sz="2000" dirty="0">
+                    <a:solidFill>
+                      <a:schemeClr val="tx1">
+                        <a:lumMod val="65000"/>
+                        <a:lumOff val="35000"/>
+                      </a:schemeClr>
+                    </a:solidFill>
+                    <a:latin typeface="Segoe UI Light" pitchFamily="34" charset="0"/>
+                  </a:rPr>
+                  <a:t>hot-fix</a:t>
+                </a:r>
+              </a:p>
+            </p:txBody>
+          </p:sp>
+        </p:grpSp>
+      </p:grpSp>
+      <p:sp>
+        <p:nvSpPr>
+          <p:cNvPr id="2" name="Title 1"/>
+          <p:cNvSpPr>
+            <a:spLocks noGrp="1"/>
+          </p:cNvSpPr>
+          <p:nvPr>
+            <p:ph type="title"/>
+          </p:nvPr>
+        </p:nvSpPr>
+        <p:spPr>
+          <a:xfrm>
+            <a:off x="325812" y="228600"/>
+            <a:ext cx="11396721" cy="387798"/>
+          </a:xfrm>
+        </p:spPr>
+        <p:txBody>
+          <a:bodyPr>
+            <a:normAutofit fontScale="90000"/>
+          </a:bodyPr>
+          <a:lstStyle/>
+          <a:p>
+            <a:pPr algn="r">
+              <a:tabLst>
+                <a:tab pos="111125" algn="l"/>
+                <a:tab pos="11314113" algn="r"/>
+              </a:tabLst>
+            </a:pPr>
+            <a:r>
+              <a:rPr lang="en-US" sz="2800" dirty="0">
+                <a:solidFill>
+                  <a:srgbClr val="9B4F96"/>
+                </a:solidFill>
+              </a:rPr>
+              <a:t>VISUAL STUDIO READINESS 	Service &amp; Release Isolation</a:t>
+            </a:r>
+          </a:p>
+        </p:txBody>
+      </p:sp>
+      <p:sp>
+        <p:nvSpPr>
+          <p:cNvPr id="79" name="Rectangle 78"/>
+          <p:cNvSpPr/>
+          <p:nvPr/>
+        </p:nvSpPr>
+        <p:spPr bwMode="auto">
+          <a:xfrm>
+            <a:off x="378686" y="617479"/>
+            <a:ext cx="11396721" cy="82550"/>
+          </a:xfrm>
+          <a:prstGeom prst="rect">
+            <a:avLst/>
+          </a:prstGeom>
+          <a:solidFill>
+            <a:srgbClr val="9B4F96"/>
+          </a:solidFill>
+          <a:ln>
+            <a:noFill/>
+            <a:headEnd type="none" w="med" len="med"/>
+            <a:tailEnd type="none" w="med" len="med"/>
+          </a:ln>
+          <a:effectLst/>
+        </p:spPr>
+        <p:style>
+          <a:lnRef idx="1">
+            <a:schemeClr val="accent2"/>
+          </a:lnRef>
+          <a:fillRef idx="3">
+            <a:schemeClr val="accent2"/>
+          </a:fillRef>
+          <a:effectRef idx="2">
+            <a:schemeClr val="accent2"/>
+          </a:effectRef>
+          <a:fontRef idx="minor">
+            <a:schemeClr val="lt1"/>
+          </a:fontRef>
+        </p:style>
+        <p:txBody>
+          <a:bodyPr rot="0" spcFirstLastPara="0" vertOverflow="overflow" horzOverflow="overflow" vert="horz" wrap="square" lIns="91440" tIns="45720" rIns="45720" bIns="91440" numCol="1" spcCol="0" rtlCol="0" fromWordArt="0" anchor="b" anchorCtr="0" forceAA="0" compatLnSpc="1">
+            <a:prstTxWarp prst="textNoShape">
+              <a:avLst/>
+            </a:prstTxWarp>
+            <a:noAutofit/>
+          </a:bodyPr>
+          <a:lstStyle/>
+          <a:p>
+            <a:pPr algn="ctr" defTabSz="914099" fontAlgn="base">
+              <a:spcBef>
+                <a:spcPct val="0"/>
+              </a:spcBef>
+              <a:spcAft>
+                <a:spcPct val="0"/>
+              </a:spcAft>
+            </a:pPr>
+            <a:endParaRPr lang="en-CA" spc="-50" dirty="0" err="1">
+              <a:gradFill>
+                <a:gsLst>
+                  <a:gs pos="0">
+                    <a:srgbClr val="FFFFFF"/>
+                  </a:gs>
+                  <a:gs pos="100000">
+                    <a:srgbClr val="FFFFFF"/>
+                  </a:gs>
+                </a:gsLst>
+                <a:lin ang="5400000" scaled="0"/>
+              </a:gradFill>
+              <a:latin typeface="Segoe UI" pitchFamily="34" charset="0"/>
+              <a:ea typeface="Segoe UI" pitchFamily="34" charset="0"/>
+              <a:cs typeface="Segoe UI" pitchFamily="34" charset="0"/>
+            </a:endParaRPr>
+          </a:p>
+        </p:txBody>
+      </p:sp>
+      <p:pic>
+        <p:nvPicPr>
+          <p:cNvPr id="80" name="Picture 79"/>
+          <p:cNvPicPr>
+            <a:picLocks noChangeAspect="1"/>
+          </p:cNvPicPr>
+          <p:nvPr/>
+        </p:nvPicPr>
+        <p:blipFill>
+          <a:blip r:embed="rId2" cstate="print">
+            <a:extLst>
+              <a:ext uri="{28A0092B-C50C-407E-A947-70E740481C1C}">
+                <a14:useLocalDpi xmlns:a14="http://schemas.microsoft.com/office/drawing/2010/main" val="0"/>
+              </a:ext>
+            </a:extLst>
+          </a:blip>
+          <a:stretch>
+            <a:fillRect/>
+          </a:stretch>
+        </p:blipFill>
+        <p:spPr>
+          <a:xfrm>
+            <a:off x="129775" y="5753686"/>
+            <a:ext cx="3219537" cy="1080000"/>
+          </a:xfrm>
+          <a:prstGeom prst="rect">
+            <a:avLst/>
+          </a:prstGeom>
+        </p:spPr>
+      </p:pic>
+      <p:cxnSp>
+        <p:nvCxnSpPr>
+          <p:cNvPr id="6" name="Straight Arrow Connector 5"/>
+          <p:cNvCxnSpPr>
+            <a:stCxn id="66" idx="6"/>
+          </p:cNvCxnSpPr>
+          <p:nvPr/>
+        </p:nvCxnSpPr>
+        <p:spPr>
+          <a:xfrm>
+            <a:off x="8811879" y="2486613"/>
+            <a:ext cx="2099961" cy="13639"/>
+          </a:xfrm>
+          <a:prstGeom prst="straightConnector1">
+            <a:avLst/>
+          </a:prstGeom>
+          <a:ln w="38100">
+            <a:solidFill>
+              <a:srgbClr val="002060"/>
+            </a:solidFill>
+            <a:tailEnd type="triangle" w="lg" len="med"/>
+          </a:ln>
+        </p:spPr>
+        <p:style>
+          <a:lnRef idx="2">
+            <a:schemeClr val="accent5"/>
+          </a:lnRef>
+          <a:fillRef idx="0">
+            <a:schemeClr val="accent5"/>
+          </a:fillRef>
+          <a:effectRef idx="1">
+            <a:schemeClr val="accent5"/>
+          </a:effectRef>
+          <a:fontRef idx="minor">
+            <a:schemeClr val="tx1"/>
+          </a:fontRef>
+        </p:style>
+      </p:cxnSp>
+      <p:cxnSp>
+        <p:nvCxnSpPr>
+          <p:cNvPr id="8" name="Straight Arrow Connector 7"/>
+          <p:cNvCxnSpPr>
+            <a:stCxn id="51" idx="6"/>
+          </p:cNvCxnSpPr>
+          <p:nvPr/>
+        </p:nvCxnSpPr>
+        <p:spPr>
+          <a:xfrm flipV="1">
+            <a:off x="5687662" y="5083081"/>
+            <a:ext cx="1467273" cy="19699"/>
+          </a:xfrm>
+          <a:prstGeom prst="straightConnector1">
+            <a:avLst/>
+          </a:prstGeom>
+          <a:ln w="38100">
+            <a:solidFill>
+              <a:srgbClr val="002060"/>
+            </a:solidFill>
+            <a:tailEnd type="triangle" w="lg" len="med"/>
+          </a:ln>
+        </p:spPr>
+        <p:style>
+          <a:lnRef idx="2">
+            <a:schemeClr val="accent5"/>
+          </a:lnRef>
+          <a:fillRef idx="0">
+            <a:schemeClr val="accent5"/>
+          </a:fillRef>
+          <a:effectRef idx="1">
+            <a:schemeClr val="accent5"/>
+          </a:effectRef>
+          <a:fontRef idx="minor">
+            <a:schemeClr val="tx1"/>
+          </a:fontRef>
+        </p:style>
+      </p:cxnSp>
+      <p:grpSp>
+        <p:nvGrpSpPr>
+          <p:cNvPr id="9" name="Group 8"/>
+          <p:cNvGrpSpPr/>
+          <p:nvPr/>
+        </p:nvGrpSpPr>
+        <p:grpSpPr>
+          <a:xfrm>
+            <a:off x="2304658" y="2385180"/>
+            <a:ext cx="1820950" cy="216000"/>
+            <a:chOff x="2304658" y="2385180"/>
+            <a:chExt cx="1820950" cy="216000"/>
+          </a:xfrm>
+        </p:grpSpPr>
+        <p:sp>
+          <p:nvSpPr>
+            <p:cNvPr id="41" name="Oval 40"/>
+            <p:cNvSpPr/>
+            <p:nvPr/>
+          </p:nvSpPr>
+          <p:spPr bwMode="auto">
+            <a:xfrm>
+              <a:off x="3909608" y="2385180"/>
+              <a:ext cx="216000" cy="216000"/>
+            </a:xfrm>
+            <a:prstGeom prst="ellipse">
+              <a:avLst/>
+            </a:prstGeom>
+            <a:solidFill>
+              <a:schemeClr val="bg1"/>
+            </a:solidFill>
+            <a:ln w="25400">
+              <a:solidFill>
+                <a:srgbClr val="002060"/>
+              </a:solidFill>
+              <a:headEnd type="none" w="med" len="med"/>
+              <a:tailEnd type="none" w="med" len="med"/>
+            </a:ln>
+            <a:effectLst/>
+          </p:spPr>
+          <p:style>
+            <a:lnRef idx="1">
+              <a:schemeClr val="accent2"/>
+            </a:lnRef>
+            <a:fillRef idx="3">
+              <a:schemeClr val="accent2"/>
+            </a:fillRef>
+            <a:effectRef idx="2">
+              <a:schemeClr val="accent2"/>
+            </a:effectRef>
+            <a:fontRef idx="minor">
+              <a:schemeClr val="lt1"/>
+            </a:fontRef>
+          </p:style>
+          <p:txBody>
+            <a:bodyPr rot="0" spcFirstLastPara="0" vertOverflow="overflow" horzOverflow="overflow" vert="horz" wrap="square" lIns="0" tIns="0" rIns="0" bIns="0" numCol="1" spcCol="0" rtlCol="0" fromWordArt="0" anchor="b" anchorCtr="0" forceAA="0" compatLnSpc="1">
+              <a:prstTxWarp prst="textNoShape">
+                <a:avLst/>
+              </a:prstTxWarp>
+              <a:noAutofit/>
+            </a:bodyPr>
+            <a:lstStyle/>
+            <a:p>
+              <a:pPr algn="ctr" defTabSz="914099" fontAlgn="base">
+                <a:spcBef>
+                  <a:spcPct val="0"/>
+                </a:spcBef>
+                <a:spcAft>
+                  <a:spcPct val="0"/>
+                </a:spcAft>
+              </a:pPr>
+              <a:r>
+                <a:rPr lang="en-CA" sz="1000" spc="-50" dirty="0">
+                  <a:solidFill>
+                    <a:srgbClr val="002060"/>
+                  </a:solidFill>
+                  <a:latin typeface="Segoe UI" pitchFamily="34" charset="0"/>
+                  <a:ea typeface="Segoe UI" pitchFamily="34" charset="0"/>
+                  <a:cs typeface="Segoe UI" pitchFamily="34" charset="0"/>
+                </a:rPr>
+                <a:t>C</a:t>
+              </a:r>
+            </a:p>
+          </p:txBody>
+        </p:sp>
+        <p:cxnSp>
+          <p:nvCxnSpPr>
+            <p:cNvPr id="42" name="Straight Arrow Connector 41"/>
+            <p:cNvCxnSpPr>
+              <a:stCxn id="43" idx="6"/>
+              <a:endCxn id="41" idx="2"/>
+            </p:cNvCxnSpPr>
+            <p:nvPr/>
+          </p:nvCxnSpPr>
+          <p:spPr>
+            <a:xfrm flipV="1">
+              <a:off x="2304658" y="2493180"/>
+              <a:ext cx="1604950" cy="7072"/>
+            </a:xfrm>
+            <a:prstGeom prst="straightConnector1">
+              <a:avLst/>
+            </a:prstGeom>
+            <a:ln w="38100">
+              <a:solidFill>
+                <a:srgbClr val="002060"/>
+              </a:solidFill>
+              <a:tailEnd type="none" w="lg" len="med"/>
+            </a:ln>
+          </p:spPr>
+          <p:style>
+            <a:lnRef idx="2">
+              <a:schemeClr val="accent5"/>
+            </a:lnRef>
+            <a:fillRef idx="0">
+              <a:schemeClr val="accent5"/>
+            </a:fillRef>
+            <a:effectRef idx="1">
+              <a:schemeClr val="accent5"/>
+            </a:effectRef>
+            <a:fontRef idx="minor">
+              <a:schemeClr val="tx1"/>
+            </a:fontRef>
+          </p:style>
+        </p:cxnSp>
+      </p:grpSp>
+      <p:grpSp>
+        <p:nvGrpSpPr>
+          <p:cNvPr id="7" name="Group 6"/>
+          <p:cNvGrpSpPr/>
+          <p:nvPr/>
+        </p:nvGrpSpPr>
+        <p:grpSpPr>
+          <a:xfrm>
+            <a:off x="1148338" y="2392252"/>
+            <a:ext cx="2080677" cy="1570224"/>
+            <a:chOff x="1148338" y="2392252"/>
+            <a:chExt cx="2080677" cy="1570224"/>
+          </a:xfrm>
+        </p:grpSpPr>
+        <p:sp>
+          <p:nvSpPr>
+            <p:cNvPr id="43" name="Oval 42"/>
+            <p:cNvSpPr/>
+            <p:nvPr/>
+          </p:nvSpPr>
+          <p:spPr bwMode="auto">
+            <a:xfrm>
+              <a:off x="2088658" y="2392252"/>
+              <a:ext cx="216000" cy="216000"/>
+            </a:xfrm>
+            <a:prstGeom prst="ellipse">
+              <a:avLst/>
+            </a:prstGeom>
+            <a:solidFill>
+              <a:schemeClr val="bg1"/>
+            </a:solidFill>
+            <a:ln w="25400">
+              <a:solidFill>
+                <a:srgbClr val="002060"/>
+              </a:solidFill>
+              <a:headEnd type="none" w="med" len="med"/>
+              <a:tailEnd type="none" w="med" len="med"/>
+            </a:ln>
+            <a:effectLst/>
+          </p:spPr>
+          <p:style>
+            <a:lnRef idx="1">
+              <a:schemeClr val="accent2"/>
+            </a:lnRef>
+            <a:fillRef idx="3">
+              <a:schemeClr val="accent2"/>
+            </a:fillRef>
+            <a:effectRef idx="2">
+              <a:schemeClr val="accent2"/>
+            </a:effectRef>
+            <a:fontRef idx="minor">
+              <a:schemeClr val="lt1"/>
+            </a:fontRef>
+          </p:style>
+          <p:txBody>
+            <a:bodyPr rot="0" spcFirstLastPara="0" vertOverflow="overflow" horzOverflow="overflow" vert="horz" wrap="square" lIns="0" tIns="0" rIns="0" bIns="0" numCol="1" spcCol="0" rtlCol="0" fromWordArt="0" anchor="b" anchorCtr="0" forceAA="0" compatLnSpc="1">
+              <a:prstTxWarp prst="textNoShape">
+                <a:avLst/>
+              </a:prstTxWarp>
+              <a:noAutofit/>
+            </a:bodyPr>
+            <a:lstStyle/>
+            <a:p>
+              <a:pPr algn="ctr" defTabSz="914099" fontAlgn="base">
+                <a:spcBef>
+                  <a:spcPct val="0"/>
+                </a:spcBef>
+                <a:spcAft>
+                  <a:spcPct val="0"/>
+                </a:spcAft>
+              </a:pPr>
+              <a:r>
+                <a:rPr lang="en-CA" sz="1000" spc="-50" dirty="0">
+                  <a:solidFill>
+                    <a:srgbClr val="002060"/>
+                  </a:solidFill>
+                  <a:latin typeface="Segoe UI" pitchFamily="34" charset="0"/>
+                  <a:ea typeface="Segoe UI" pitchFamily="34" charset="0"/>
+                  <a:cs typeface="Segoe UI" pitchFamily="34" charset="0"/>
+                </a:rPr>
+                <a:t>B</a:t>
+              </a:r>
+            </a:p>
+          </p:txBody>
+        </p:sp>
+        <p:sp>
+          <p:nvSpPr>
+            <p:cNvPr id="44" name="Oval 43"/>
+            <p:cNvSpPr/>
+            <p:nvPr/>
+          </p:nvSpPr>
+          <p:spPr bwMode="auto">
+            <a:xfrm>
+              <a:off x="3013015" y="3693516"/>
+              <a:ext cx="216000" cy="216000"/>
+            </a:xfrm>
+            <a:prstGeom prst="ellipse">
+              <a:avLst/>
+            </a:prstGeom>
+            <a:solidFill>
+              <a:schemeClr val="bg1"/>
+            </a:solidFill>
+            <a:ln w="25400">
+              <a:solidFill>
+                <a:srgbClr val="002060"/>
+              </a:solidFill>
+              <a:headEnd type="none" w="med" len="med"/>
+              <a:tailEnd type="none" w="med" len="med"/>
+            </a:ln>
+            <a:effectLst/>
+          </p:spPr>
+          <p:style>
+            <a:lnRef idx="1">
+              <a:schemeClr val="accent2"/>
+            </a:lnRef>
+            <a:fillRef idx="3">
+              <a:schemeClr val="accent2"/>
+            </a:fillRef>
+            <a:effectRef idx="2">
+              <a:schemeClr val="accent2"/>
+            </a:effectRef>
+            <a:fontRef idx="minor">
+              <a:schemeClr val="lt1"/>
+            </a:fontRef>
+          </p:style>
+          <p:txBody>
+            <a:bodyPr rot="0" spcFirstLastPara="0" vertOverflow="overflow" horzOverflow="overflow" vert="horz" wrap="square" lIns="0" tIns="0" rIns="0" bIns="0" numCol="1" spcCol="0" rtlCol="0" fromWordArt="0" anchor="b" anchorCtr="0" forceAA="0" compatLnSpc="1">
+              <a:prstTxWarp prst="textNoShape">
+                <a:avLst/>
+              </a:prstTxWarp>
+              <a:noAutofit/>
+            </a:bodyPr>
+            <a:lstStyle/>
+            <a:p>
+              <a:pPr algn="ctr" defTabSz="914099" fontAlgn="base">
+                <a:spcBef>
+                  <a:spcPct val="0"/>
+                </a:spcBef>
+                <a:spcAft>
+                  <a:spcPct val="0"/>
+                </a:spcAft>
+              </a:pPr>
+              <a:r>
+                <a:rPr lang="en-CA" sz="1000" spc="-50" dirty="0">
+                  <a:solidFill>
+                    <a:srgbClr val="002060"/>
+                  </a:solidFill>
+                  <a:latin typeface="Segoe UI" pitchFamily="34" charset="0"/>
+                  <a:ea typeface="Segoe UI" pitchFamily="34" charset="0"/>
+                  <a:cs typeface="Segoe UI" pitchFamily="34" charset="0"/>
+                </a:rPr>
+                <a:t>C</a:t>
+              </a:r>
+            </a:p>
+          </p:txBody>
+        </p:sp>
+        <p:cxnSp>
+          <p:nvCxnSpPr>
+            <p:cNvPr id="45" name="Curved Connector 44"/>
+            <p:cNvCxnSpPr>
+              <a:stCxn id="43" idx="6"/>
+              <a:endCxn id="44" idx="2"/>
+            </p:cNvCxnSpPr>
+            <p:nvPr/>
+          </p:nvCxnSpPr>
+          <p:spPr>
+            <a:xfrm>
+              <a:off x="2304658" y="2500252"/>
+              <a:ext cx="708357" cy="1301264"/>
+            </a:xfrm>
+            <a:prstGeom prst="curvedConnector3">
+              <a:avLst>
+                <a:gd name="adj1" fmla="val 50000"/>
+              </a:avLst>
+            </a:prstGeom>
+            <a:ln w="38100">
+              <a:solidFill>
+                <a:srgbClr val="002060"/>
+              </a:solidFill>
+            </a:ln>
+          </p:spPr>
+          <p:style>
+            <a:lnRef idx="1">
+              <a:schemeClr val="accent1"/>
+            </a:lnRef>
+            <a:fillRef idx="0">
+              <a:schemeClr val="accent1"/>
+            </a:fillRef>
+            <a:effectRef idx="0">
+              <a:schemeClr val="accent1"/>
+            </a:effectRef>
+            <a:fontRef idx="minor">
+              <a:schemeClr val="tx1"/>
+            </a:fontRef>
+          </p:style>
+        </p:cxnSp>
+        <p:sp>
+          <p:nvSpPr>
+            <p:cNvPr id="46" name="TextBox 45"/>
+            <p:cNvSpPr txBox="1"/>
+            <p:nvPr/>
+          </p:nvSpPr>
+          <p:spPr>
+            <a:xfrm>
+              <a:off x="1148338" y="3654699"/>
+              <a:ext cx="1588192" cy="307777"/>
+            </a:xfrm>
+            <a:prstGeom prst="rect">
+              <a:avLst/>
+            </a:prstGeom>
+            <a:noFill/>
+          </p:spPr>
+          <p:txBody>
+            <a:bodyPr wrap="none" lIns="0" tIns="0" rIns="0" bIns="0" rtlCol="0">
+              <a:spAutoFit/>
+            </a:bodyPr>
+            <a:lstStyle/>
+            <a:p>
+              <a:r>
+                <a:rPr lang="en-CA" sz="2000" dirty="0">
+                  <a:solidFill>
+                    <a:schemeClr val="tx1">
+                      <a:lumMod val="65000"/>
+                      <a:lumOff val="35000"/>
+                    </a:schemeClr>
+                  </a:solidFill>
+                  <a:latin typeface="Segoe UI Light" pitchFamily="34" charset="0"/>
+                </a:rPr>
+                <a:t>servicing r1.sp1</a:t>
+              </a:r>
+            </a:p>
+          </p:txBody>
+        </p:sp>
+      </p:grpSp>
+      <p:grpSp>
+        <p:nvGrpSpPr>
+          <p:cNvPr id="5" name="Group 4"/>
+          <p:cNvGrpSpPr/>
+          <p:nvPr/>
+        </p:nvGrpSpPr>
+        <p:grpSpPr>
+          <a:xfrm>
+            <a:off x="835054" y="2346363"/>
+            <a:ext cx="1253604" cy="307777"/>
+            <a:chOff x="835054" y="2346363"/>
+            <a:chExt cx="1253604" cy="307777"/>
+          </a:xfrm>
+        </p:grpSpPr>
+        <p:sp>
+          <p:nvSpPr>
+            <p:cNvPr id="39" name="TextBox 38"/>
+            <p:cNvSpPr txBox="1"/>
+            <p:nvPr/>
+          </p:nvSpPr>
+          <p:spPr>
+            <a:xfrm>
+              <a:off x="835054" y="2346363"/>
+              <a:ext cx="603029" cy="307777"/>
+            </a:xfrm>
+            <a:prstGeom prst="rect">
+              <a:avLst/>
+            </a:prstGeom>
+            <a:noFill/>
+          </p:spPr>
+          <p:txBody>
+            <a:bodyPr wrap="square" lIns="0" tIns="0" rIns="0" bIns="0" rtlCol="0">
+              <a:spAutoFit/>
+            </a:bodyPr>
+            <a:lstStyle/>
+            <a:p>
+              <a:r>
+                <a:rPr lang="en-CA" sz="2000" dirty="0">
+                  <a:solidFill>
+                    <a:schemeClr val="tx1">
+                      <a:lumMod val="65000"/>
+                      <a:lumOff val="35000"/>
+                    </a:schemeClr>
+                  </a:solidFill>
+                  <a:latin typeface="Segoe UI Light" pitchFamily="34" charset="0"/>
+                </a:rPr>
+                <a:t>main</a:t>
+              </a:r>
+            </a:p>
+          </p:txBody>
+        </p:sp>
+        <p:cxnSp>
+          <p:nvCxnSpPr>
+            <p:cNvPr id="40" name="Straight Arrow Connector 39"/>
+            <p:cNvCxnSpPr>
+              <a:stCxn id="43" idx="2"/>
+              <a:endCxn id="39" idx="3"/>
+            </p:cNvCxnSpPr>
+            <p:nvPr/>
+          </p:nvCxnSpPr>
+          <p:spPr>
+            <a:xfrm flipH="1">
+              <a:off x="1438083" y="2500252"/>
+              <a:ext cx="650575" cy="0"/>
+            </a:xfrm>
+            <a:prstGeom prst="straightConnector1">
+              <a:avLst/>
+            </a:prstGeom>
+            <a:ln w="38100">
+              <a:solidFill>
+                <a:srgbClr val="002060"/>
+              </a:solidFill>
+              <a:tailEnd type="none" w="lg" len="med"/>
+            </a:ln>
+          </p:spPr>
+          <p:style>
+            <a:lnRef idx="2">
+              <a:schemeClr val="accent5"/>
+            </a:lnRef>
+            <a:fillRef idx="0">
+              <a:schemeClr val="accent5"/>
+            </a:fillRef>
+            <a:effectRef idx="1">
+              <a:schemeClr val="accent5"/>
+            </a:effectRef>
+            <a:fontRef idx="minor">
+              <a:schemeClr val="tx1"/>
+            </a:fontRef>
+          </p:style>
+        </p:cxnSp>
+      </p:grpSp>
+      <p:grpSp>
+        <p:nvGrpSpPr>
+          <p:cNvPr id="10" name="Group 9"/>
+          <p:cNvGrpSpPr/>
+          <p:nvPr/>
+        </p:nvGrpSpPr>
+        <p:grpSpPr>
+          <a:xfrm>
+            <a:off x="4125608" y="2385180"/>
+            <a:ext cx="1028887" cy="216000"/>
+            <a:chOff x="4125608" y="2385180"/>
+            <a:chExt cx="1028887" cy="216000"/>
+          </a:xfrm>
+        </p:grpSpPr>
+        <p:sp>
+          <p:nvSpPr>
+            <p:cNvPr id="37" name="Oval 36"/>
+            <p:cNvSpPr/>
+            <p:nvPr/>
+          </p:nvSpPr>
+          <p:spPr bwMode="auto">
+            <a:xfrm>
+              <a:off x="4933348" y="2385180"/>
+              <a:ext cx="221147" cy="216000"/>
+            </a:xfrm>
+            <a:prstGeom prst="ellipse">
+              <a:avLst/>
+            </a:prstGeom>
+            <a:solidFill>
+              <a:schemeClr val="bg1"/>
+            </a:solidFill>
+            <a:ln w="25400">
+              <a:solidFill>
+                <a:srgbClr val="002060"/>
+              </a:solidFill>
+              <a:headEnd type="none" w="med" len="med"/>
+              <a:tailEnd type="none" w="med" len="med"/>
+            </a:ln>
+            <a:effectLst/>
+          </p:spPr>
+          <p:style>
+            <a:lnRef idx="1">
+              <a:schemeClr val="accent2"/>
+            </a:lnRef>
+            <a:fillRef idx="3">
+              <a:schemeClr val="accent2"/>
+            </a:fillRef>
+            <a:effectRef idx="2">
+              <a:schemeClr val="accent2"/>
+            </a:effectRef>
+            <a:fontRef idx="minor">
+              <a:schemeClr val="lt1"/>
+            </a:fontRef>
+          </p:style>
+          <p:txBody>
+            <a:bodyPr rot="0" spcFirstLastPara="0" vertOverflow="overflow" horzOverflow="overflow" vert="horz" wrap="square" lIns="0" tIns="0" rIns="0" bIns="0" numCol="1" spcCol="0" rtlCol="0" fromWordArt="0" anchor="b" anchorCtr="0" forceAA="0" compatLnSpc="1">
+              <a:prstTxWarp prst="textNoShape">
+                <a:avLst/>
+              </a:prstTxWarp>
+              <a:noAutofit/>
+            </a:bodyPr>
+            <a:lstStyle/>
+            <a:p>
+              <a:pPr algn="ctr" defTabSz="914099" fontAlgn="base">
+                <a:spcBef>
+                  <a:spcPct val="0"/>
+                </a:spcBef>
+                <a:spcAft>
+                  <a:spcPct val="0"/>
+                </a:spcAft>
+              </a:pPr>
+              <a:r>
+                <a:rPr lang="en-CA" sz="1000" spc="-50" dirty="0">
+                  <a:solidFill>
+                    <a:srgbClr val="002060"/>
+                  </a:solidFill>
+                  <a:latin typeface="Segoe UI" pitchFamily="34" charset="0"/>
+                  <a:ea typeface="Segoe UI" pitchFamily="34" charset="0"/>
+                  <a:cs typeface="Segoe UI" pitchFamily="34" charset="0"/>
+                </a:rPr>
+                <a:t>C</a:t>
+              </a:r>
+            </a:p>
+          </p:txBody>
+        </p:sp>
+        <p:cxnSp>
+          <p:nvCxnSpPr>
+            <p:cNvPr id="38" name="Straight Arrow Connector 37"/>
+            <p:cNvCxnSpPr>
+              <a:stCxn id="41" idx="6"/>
+              <a:endCxn id="37" idx="2"/>
+            </p:cNvCxnSpPr>
+            <p:nvPr/>
+          </p:nvCxnSpPr>
+          <p:spPr>
+            <a:xfrm>
+              <a:off x="4125608" y="2493180"/>
+              <a:ext cx="807740" cy="0"/>
+            </a:xfrm>
+            <a:prstGeom prst="straightConnector1">
+              <a:avLst/>
+            </a:prstGeom>
+            <a:ln w="38100">
+              <a:solidFill>
+                <a:srgbClr val="002060"/>
+              </a:solidFill>
+              <a:tailEnd type="none" w="lg" len="med"/>
+            </a:ln>
+          </p:spPr>
+          <p:style>
+            <a:lnRef idx="2">
+              <a:schemeClr val="accent5"/>
+            </a:lnRef>
+            <a:fillRef idx="0">
+              <a:schemeClr val="accent5"/>
+            </a:fillRef>
+            <a:effectRef idx="1">
+              <a:schemeClr val="accent5"/>
+            </a:effectRef>
+            <a:fontRef idx="minor">
+              <a:schemeClr val="tx1"/>
+            </a:fontRef>
+          </p:style>
+        </p:cxnSp>
+      </p:grpSp>
+      <p:grpSp>
+        <p:nvGrpSpPr>
+          <p:cNvPr id="11" name="Group 10"/>
+          <p:cNvGrpSpPr/>
+          <p:nvPr/>
+        </p:nvGrpSpPr>
+        <p:grpSpPr>
+          <a:xfrm>
+            <a:off x="5154495" y="2378613"/>
+            <a:ext cx="1830545" cy="216000"/>
+            <a:chOff x="5154495" y="2378613"/>
+            <a:chExt cx="1830545" cy="216000"/>
+          </a:xfrm>
+        </p:grpSpPr>
+        <p:cxnSp>
+          <p:nvCxnSpPr>
+            <p:cNvPr id="29" name="Straight Arrow Connector 28"/>
+            <p:cNvCxnSpPr>
+              <a:stCxn id="37" idx="6"/>
+              <a:endCxn id="30" idx="2"/>
+            </p:cNvCxnSpPr>
+            <p:nvPr/>
+          </p:nvCxnSpPr>
+          <p:spPr>
+            <a:xfrm flipV="1">
+              <a:off x="5154495" y="2486613"/>
+              <a:ext cx="1614545" cy="6567"/>
+            </a:xfrm>
+            <a:prstGeom prst="straightConnector1">
+              <a:avLst/>
+            </a:prstGeom>
+            <a:ln w="38100">
+              <a:solidFill>
+                <a:srgbClr val="002060"/>
+              </a:solidFill>
+              <a:tailEnd type="none" w="lg" len="med"/>
+            </a:ln>
+          </p:spPr>
+          <p:style>
+            <a:lnRef idx="2">
+              <a:schemeClr val="accent5"/>
+            </a:lnRef>
+            <a:fillRef idx="0">
+              <a:schemeClr val="accent5"/>
+            </a:fillRef>
+            <a:effectRef idx="1">
+              <a:schemeClr val="accent5"/>
+            </a:effectRef>
+            <a:fontRef idx="minor">
+              <a:schemeClr val="tx1"/>
+            </a:fontRef>
+          </p:style>
+        </p:cxnSp>
+        <p:sp>
+          <p:nvSpPr>
+            <p:cNvPr id="30" name="Oval 29"/>
+            <p:cNvSpPr/>
+            <p:nvPr/>
+          </p:nvSpPr>
+          <p:spPr bwMode="auto">
+            <a:xfrm>
+              <a:off x="6769040" y="2378613"/>
+              <a:ext cx="216000" cy="216000"/>
+            </a:xfrm>
+            <a:prstGeom prst="ellipse">
+              <a:avLst/>
+            </a:prstGeom>
+            <a:solidFill>
+              <a:schemeClr val="bg1"/>
+            </a:solidFill>
+            <a:ln w="25400">
+              <a:solidFill>
+                <a:srgbClr val="002060"/>
+              </a:solidFill>
+              <a:headEnd type="none" w="med" len="med"/>
+              <a:tailEnd type="none" w="med" len="med"/>
+            </a:ln>
+            <a:effectLst/>
+          </p:spPr>
+          <p:style>
+            <a:lnRef idx="1">
+              <a:schemeClr val="accent2"/>
+            </a:lnRef>
+            <a:fillRef idx="3">
+              <a:schemeClr val="accent2"/>
+            </a:fillRef>
+            <a:effectRef idx="2">
+              <a:schemeClr val="accent2"/>
+            </a:effectRef>
+            <a:fontRef idx="minor">
+              <a:schemeClr val="lt1"/>
+            </a:fontRef>
+          </p:style>
+          <p:txBody>
+            <a:bodyPr rot="0" spcFirstLastPara="0" vertOverflow="overflow" horzOverflow="overflow" vert="horz" wrap="square" lIns="0" tIns="0" rIns="0" bIns="0" numCol="1" spcCol="0" rtlCol="0" fromWordArt="0" anchor="b" anchorCtr="0" forceAA="0" compatLnSpc="1">
+              <a:prstTxWarp prst="textNoShape">
+                <a:avLst/>
+              </a:prstTxWarp>
+              <a:noAutofit/>
+            </a:bodyPr>
+            <a:lstStyle/>
+            <a:p>
+              <a:pPr algn="ctr" defTabSz="914099" fontAlgn="base">
+                <a:spcBef>
+                  <a:spcPct val="0"/>
+                </a:spcBef>
+                <a:spcAft>
+                  <a:spcPct val="0"/>
+                </a:spcAft>
+              </a:pPr>
+              <a:r>
+                <a:rPr lang="en-CA" sz="1000" spc="-50" dirty="0">
+                  <a:solidFill>
+                    <a:srgbClr val="002060"/>
+                  </a:solidFill>
+                  <a:latin typeface="Segoe UI" pitchFamily="34" charset="0"/>
+                  <a:ea typeface="Segoe UI" pitchFamily="34" charset="0"/>
+                  <a:cs typeface="Segoe UI" pitchFamily="34" charset="0"/>
+                </a:rPr>
+                <a:t>C</a:t>
+              </a:r>
+            </a:p>
+          </p:txBody>
+        </p:sp>
+      </p:grpSp>
+      <p:grpSp>
+        <p:nvGrpSpPr>
+          <p:cNvPr id="14" name="Group 13"/>
+          <p:cNvGrpSpPr/>
+          <p:nvPr/>
+        </p:nvGrpSpPr>
+        <p:grpSpPr>
+          <a:xfrm>
+            <a:off x="3229015" y="3693516"/>
+            <a:ext cx="2458647" cy="1553302"/>
+            <a:chOff x="3229015" y="3693516"/>
+            <a:chExt cx="2458647" cy="1553302"/>
+          </a:xfrm>
+        </p:grpSpPr>
+        <p:cxnSp>
+          <p:nvCxnSpPr>
+            <p:cNvPr id="20" name="Straight Arrow Connector 19"/>
+            <p:cNvCxnSpPr>
+              <a:stCxn id="44" idx="6"/>
+              <a:endCxn id="50" idx="2"/>
+            </p:cNvCxnSpPr>
+            <p:nvPr/>
+          </p:nvCxnSpPr>
+          <p:spPr>
+            <a:xfrm>
+              <a:off x="3229015" y="3801516"/>
+              <a:ext cx="1057032" cy="0"/>
+            </a:xfrm>
+            <a:prstGeom prst="straightConnector1">
+              <a:avLst/>
+            </a:prstGeom>
+            <a:ln w="38100">
+              <a:solidFill>
+                <a:srgbClr val="002060"/>
+              </a:solidFill>
+              <a:tailEnd type="none" w="lg" len="med"/>
+            </a:ln>
+          </p:spPr>
+          <p:style>
+            <a:lnRef idx="2">
+              <a:schemeClr val="accent5"/>
+            </a:lnRef>
+            <a:fillRef idx="0">
+              <a:schemeClr val="accent5"/>
+            </a:fillRef>
+            <a:effectRef idx="1">
+              <a:schemeClr val="accent5"/>
+            </a:effectRef>
+            <a:fontRef idx="minor">
+              <a:schemeClr val="tx1"/>
+            </a:fontRef>
+          </p:style>
+        </p:cxnSp>
+        <p:grpSp>
+          <p:nvGrpSpPr>
+            <p:cNvPr id="49" name="Group 48"/>
+            <p:cNvGrpSpPr/>
+            <p:nvPr/>
+          </p:nvGrpSpPr>
+          <p:grpSpPr>
+            <a:xfrm>
+              <a:off x="4038856" y="3693516"/>
+              <a:ext cx="1648806" cy="1553302"/>
+              <a:chOff x="1700506" y="3669637"/>
+              <a:chExt cx="1648806" cy="1553302"/>
+            </a:xfrm>
+          </p:grpSpPr>
+          <p:sp>
+            <p:nvSpPr>
+              <p:cNvPr id="50" name="Oval 49"/>
+              <p:cNvSpPr/>
+              <p:nvPr/>
+            </p:nvSpPr>
+            <p:spPr bwMode="auto">
+              <a:xfrm>
+                <a:off x="1947697" y="3669637"/>
+                <a:ext cx="216000" cy="216000"/>
+              </a:xfrm>
+              <a:prstGeom prst="ellipse">
+                <a:avLst/>
+              </a:prstGeom>
+              <a:solidFill>
+                <a:schemeClr val="bg1"/>
+              </a:solidFill>
+              <a:ln w="25400">
+                <a:solidFill>
+                  <a:srgbClr val="002060"/>
+                </a:solidFill>
+                <a:headEnd type="none" w="med" len="med"/>
+                <a:tailEnd type="none" w="med" len="med"/>
+              </a:ln>
+              <a:effectLst/>
+            </p:spPr>
+            <p:style>
+              <a:lnRef idx="1">
+                <a:schemeClr val="accent2"/>
+              </a:lnRef>
+              <a:fillRef idx="3">
+                <a:schemeClr val="accent2"/>
+              </a:fillRef>
+              <a:effectRef idx="2">
+                <a:schemeClr val="accent2"/>
+              </a:effectRef>
+              <a:fontRef idx="minor">
+                <a:schemeClr val="lt1"/>
+              </a:fontRef>
+            </p:style>
+            <p:txBody>
+              <a:bodyPr rot="0" spcFirstLastPara="0" vertOverflow="overflow" horzOverflow="overflow" vert="horz" wrap="square" lIns="0" tIns="0" rIns="0" bIns="0" numCol="1" spcCol="0" rtlCol="0" fromWordArt="0" anchor="b" anchorCtr="0" forceAA="0" compatLnSpc="1">
+                <a:prstTxWarp prst="textNoShape">
+                  <a:avLst/>
+                </a:prstTxWarp>
+                <a:noAutofit/>
+              </a:bodyPr>
+              <a:lstStyle/>
+              <a:p>
+                <a:pPr algn="ctr" defTabSz="914099" fontAlgn="base">
+                  <a:spcBef>
+                    <a:spcPct val="0"/>
+                  </a:spcBef>
+                  <a:spcAft>
+                    <a:spcPct val="0"/>
+                  </a:spcAft>
+                </a:pPr>
+                <a:r>
+                  <a:rPr lang="en-CA" sz="1000" spc="-50" dirty="0">
+                    <a:solidFill>
+                      <a:srgbClr val="002060"/>
+                    </a:solidFill>
+                    <a:latin typeface="Segoe UI" pitchFamily="34" charset="0"/>
+                    <a:ea typeface="Segoe UI" pitchFamily="34" charset="0"/>
+                    <a:cs typeface="Segoe UI" pitchFamily="34" charset="0"/>
+                  </a:rPr>
+                  <a:t>B</a:t>
+                </a:r>
+              </a:p>
+            </p:txBody>
+          </p:sp>
+          <p:sp>
+            <p:nvSpPr>
+              <p:cNvPr id="51" name="Oval 50"/>
+              <p:cNvSpPr/>
+              <p:nvPr/>
+            </p:nvSpPr>
+            <p:spPr bwMode="auto">
+              <a:xfrm>
+                <a:off x="3133312" y="4970901"/>
+                <a:ext cx="216000" cy="216000"/>
+              </a:xfrm>
+              <a:prstGeom prst="ellipse">
+                <a:avLst/>
+              </a:prstGeom>
+              <a:solidFill>
+                <a:schemeClr val="bg1"/>
+              </a:solidFill>
+              <a:ln w="25400">
+                <a:solidFill>
+                  <a:srgbClr val="002060"/>
+                </a:solidFill>
+                <a:headEnd type="none" w="med" len="med"/>
+                <a:tailEnd type="none" w="med" len="med"/>
+              </a:ln>
+              <a:effectLst/>
+            </p:spPr>
+            <p:style>
+              <a:lnRef idx="1">
+                <a:schemeClr val="accent2"/>
+              </a:lnRef>
+              <a:fillRef idx="3">
+                <a:schemeClr val="accent2"/>
+              </a:fillRef>
+              <a:effectRef idx="2">
+                <a:schemeClr val="accent2"/>
+              </a:effectRef>
+              <a:fontRef idx="minor">
+                <a:schemeClr val="lt1"/>
+              </a:fontRef>
+            </p:style>
+            <p:txBody>
+              <a:bodyPr rot="0" spcFirstLastPara="0" vertOverflow="overflow" horzOverflow="overflow" vert="horz" wrap="square" lIns="0" tIns="0" rIns="0" bIns="0" numCol="1" spcCol="0" rtlCol="0" fromWordArt="0" anchor="b" anchorCtr="0" forceAA="0" compatLnSpc="1">
+                <a:prstTxWarp prst="textNoShape">
+                  <a:avLst/>
+                </a:prstTxWarp>
+                <a:noAutofit/>
+              </a:bodyPr>
+              <a:lstStyle/>
+              <a:p>
+                <a:pPr algn="ctr" defTabSz="914099" fontAlgn="base">
+                  <a:spcBef>
+                    <a:spcPct val="0"/>
+                  </a:spcBef>
+                  <a:spcAft>
+                    <a:spcPct val="0"/>
+                  </a:spcAft>
+                </a:pPr>
+                <a:r>
+                  <a:rPr lang="en-CA" sz="1000" spc="-50" dirty="0">
+                    <a:solidFill>
+                      <a:srgbClr val="002060"/>
+                    </a:solidFill>
+                    <a:latin typeface="Segoe UI" pitchFamily="34" charset="0"/>
+                    <a:ea typeface="Segoe UI" pitchFamily="34" charset="0"/>
+                    <a:cs typeface="Segoe UI" pitchFamily="34" charset="0"/>
+                  </a:rPr>
+                  <a:t>C</a:t>
+                </a:r>
+              </a:p>
+            </p:txBody>
+          </p:sp>
+          <p:cxnSp>
+            <p:nvCxnSpPr>
+              <p:cNvPr id="52" name="Curved Connector 51"/>
+              <p:cNvCxnSpPr>
+                <a:stCxn id="50" idx="6"/>
+                <a:endCxn id="51" idx="2"/>
+              </p:cNvCxnSpPr>
+              <p:nvPr/>
+            </p:nvCxnSpPr>
+            <p:spPr>
+              <a:xfrm>
+                <a:off x="2163697" y="3777637"/>
+                <a:ext cx="969615" cy="1301264"/>
+              </a:xfrm>
+              <a:prstGeom prst="curvedConnector3">
+                <a:avLst>
+                  <a:gd name="adj1" fmla="val 50000"/>
+                </a:avLst>
+              </a:prstGeom>
+              <a:ln w="38100">
+                <a:solidFill>
+                  <a:srgbClr val="002060"/>
+                </a:solidFill>
+              </a:ln>
+            </p:spPr>
+            <p:style>
+              <a:lnRef idx="1">
+                <a:schemeClr val="accent1"/>
+              </a:lnRef>
+              <a:fillRef idx="0">
+                <a:schemeClr val="accent1"/>
+              </a:fillRef>
+              <a:effectRef idx="0">
+                <a:schemeClr val="accent1"/>
+              </a:effectRef>
+              <a:fontRef idx="minor">
+                <a:schemeClr val="tx1"/>
+              </a:fontRef>
+            </p:style>
+          </p:cxnSp>
+          <p:sp>
+            <p:nvSpPr>
+              <p:cNvPr id="53" name="TextBox 52"/>
+              <p:cNvSpPr txBox="1"/>
+              <p:nvPr/>
+            </p:nvSpPr>
+            <p:spPr>
+              <a:xfrm>
+                <a:off x="1700506" y="4915162"/>
+                <a:ext cx="1027204" cy="307777"/>
+              </a:xfrm>
+              <a:prstGeom prst="rect">
+                <a:avLst/>
+              </a:prstGeom>
+              <a:noFill/>
+            </p:spPr>
+            <p:txBody>
+              <a:bodyPr wrap="none" lIns="0" tIns="0" rIns="0" bIns="0" rtlCol="0">
+                <a:spAutoFit/>
+              </a:bodyPr>
+              <a:lstStyle/>
+              <a:p>
+                <a:r>
+                  <a:rPr lang="en-CA" sz="2000" dirty="0">
+                    <a:solidFill>
+                      <a:schemeClr val="tx1">
+                        <a:lumMod val="65000"/>
+                        <a:lumOff val="35000"/>
+                      </a:schemeClr>
+                    </a:solidFill>
+                    <a:latin typeface="Segoe UI Light" pitchFamily="34" charset="0"/>
+                  </a:rPr>
+                  <a:t>release v1</a:t>
+                </a:r>
+              </a:p>
+            </p:txBody>
+          </p:sp>
+        </p:grpSp>
+      </p:grpSp>
+      <p:cxnSp>
+        <p:nvCxnSpPr>
+          <p:cNvPr id="60" name="Straight Arrow Connector 59"/>
+          <p:cNvCxnSpPr>
+            <a:stCxn id="34" idx="6"/>
+          </p:cNvCxnSpPr>
+          <p:nvPr/>
+        </p:nvCxnSpPr>
+        <p:spPr>
+          <a:xfrm>
+            <a:off x="7041022" y="3781312"/>
+            <a:ext cx="2174098" cy="22629"/>
+          </a:xfrm>
+          <a:prstGeom prst="straightConnector1">
+            <a:avLst/>
+          </a:prstGeom>
+          <a:ln w="38100">
+            <a:solidFill>
+              <a:srgbClr val="002060"/>
+            </a:solidFill>
+            <a:tailEnd type="triangle" w="lg" len="med"/>
+          </a:ln>
+        </p:spPr>
+        <p:style>
+          <a:lnRef idx="2">
+            <a:schemeClr val="accent5"/>
+          </a:lnRef>
+          <a:fillRef idx="0">
+            <a:schemeClr val="accent5"/>
+          </a:fillRef>
+          <a:effectRef idx="1">
+            <a:schemeClr val="accent5"/>
+          </a:effectRef>
+          <a:fontRef idx="minor">
+            <a:schemeClr val="tx1"/>
+          </a:fontRef>
+        </p:style>
+      </p:cxnSp>
+      <p:grpSp>
+        <p:nvGrpSpPr>
+          <p:cNvPr id="12" name="Group 11"/>
+          <p:cNvGrpSpPr/>
+          <p:nvPr/>
+        </p:nvGrpSpPr>
+        <p:grpSpPr>
+          <a:xfrm>
+            <a:off x="6985040" y="2378613"/>
+            <a:ext cx="1826839" cy="1402698"/>
+            <a:chOff x="6985040" y="2378613"/>
+            <a:chExt cx="1826839" cy="1402698"/>
+          </a:xfrm>
+        </p:grpSpPr>
+        <p:grpSp>
+          <p:nvGrpSpPr>
+            <p:cNvPr id="4" name="Group 3"/>
+            <p:cNvGrpSpPr/>
+            <p:nvPr/>
+          </p:nvGrpSpPr>
+          <p:grpSpPr>
+            <a:xfrm>
+              <a:off x="7041023" y="2378613"/>
+              <a:ext cx="1770856" cy="1402698"/>
+              <a:chOff x="7041023" y="2378613"/>
+              <a:chExt cx="1770856" cy="1402698"/>
+            </a:xfrm>
+          </p:grpSpPr>
+          <p:grpSp>
+            <p:nvGrpSpPr>
+              <p:cNvPr id="63" name="Group 62"/>
+              <p:cNvGrpSpPr/>
+              <p:nvPr/>
+            </p:nvGrpSpPr>
+            <p:grpSpPr>
+              <a:xfrm>
+                <a:off x="7041023" y="2378613"/>
+                <a:ext cx="1770856" cy="1402698"/>
+                <a:chOff x="5573310" y="1884541"/>
+                <a:chExt cx="1770856" cy="1402698"/>
+              </a:xfrm>
+            </p:grpSpPr>
+            <p:sp>
+              <p:nvSpPr>
+                <p:cNvPr id="66" name="Oval 65"/>
+                <p:cNvSpPr/>
+                <p:nvPr/>
+              </p:nvSpPr>
+              <p:spPr bwMode="auto">
+                <a:xfrm>
+                  <a:off x="7128166" y="1884541"/>
+                  <a:ext cx="216000" cy="216000"/>
+                </a:xfrm>
+                <a:prstGeom prst="ellipse">
+                  <a:avLst/>
+                </a:prstGeom>
+                <a:solidFill>
+                  <a:schemeClr val="bg1"/>
+                </a:solidFill>
+                <a:ln w="25400">
+                  <a:solidFill>
+                    <a:srgbClr val="002060"/>
+                  </a:solidFill>
+                  <a:headEnd type="none" w="med" len="med"/>
+                  <a:tailEnd type="none" w="med" len="med"/>
+                </a:ln>
+                <a:effectLst/>
+              </p:spPr>
+              <p:style>
+                <a:lnRef idx="1">
+                  <a:schemeClr val="accent2"/>
+                </a:lnRef>
+                <a:fillRef idx="3">
+                  <a:schemeClr val="accent2"/>
+                </a:fillRef>
+                <a:effectRef idx="2">
+                  <a:schemeClr val="accent2"/>
+                </a:effectRef>
+                <a:fontRef idx="minor">
+                  <a:schemeClr val="lt1"/>
+                </a:fontRef>
+              </p:style>
+              <p:txBody>
+                <a:bodyPr rot="0" spcFirstLastPara="0" vertOverflow="overflow" horzOverflow="overflow" vert="horz" wrap="square" lIns="0" tIns="0" rIns="0" bIns="0" numCol="1" spcCol="0" rtlCol="0" fromWordArt="0" anchor="b" anchorCtr="0" forceAA="0" compatLnSpc="1">
+                  <a:prstTxWarp prst="textNoShape">
+                    <a:avLst/>
+                  </a:prstTxWarp>
+                  <a:noAutofit/>
+                </a:bodyPr>
+                <a:lstStyle/>
+                <a:p>
+                  <a:pPr algn="ctr" defTabSz="914099" fontAlgn="base">
+                    <a:spcBef>
+                      <a:spcPct val="0"/>
+                    </a:spcBef>
+                    <a:spcAft>
+                      <a:spcPct val="0"/>
+                    </a:spcAft>
+                  </a:pPr>
+                  <a:r>
+                    <a:rPr lang="en-CA" sz="1000" spc="-50" dirty="0">
+                      <a:solidFill>
+                        <a:srgbClr val="002060"/>
+                      </a:solidFill>
+                      <a:latin typeface="Segoe UI" pitchFamily="34" charset="0"/>
+                      <a:ea typeface="Segoe UI" pitchFamily="34" charset="0"/>
+                      <a:cs typeface="Segoe UI" pitchFamily="34" charset="0"/>
+                    </a:rPr>
+                    <a:t>M</a:t>
+                  </a:r>
+                </a:p>
+              </p:txBody>
+            </p:sp>
+            <p:cxnSp>
+              <p:nvCxnSpPr>
+                <p:cNvPr id="67" name="Curved Connector 66"/>
+                <p:cNvCxnSpPr>
+                  <a:stCxn id="66" idx="2"/>
+                  <a:endCxn id="34" idx="6"/>
+                </p:cNvCxnSpPr>
+                <p:nvPr/>
+              </p:nvCxnSpPr>
+              <p:spPr>
+                <a:xfrm rot="10800000" flipV="1">
+                  <a:off x="5573310" y="1992540"/>
+                  <a:ext cx="1554857" cy="1294699"/>
+                </a:xfrm>
+                <a:prstGeom prst="curvedConnector3">
+                  <a:avLst>
+                    <a:gd name="adj1" fmla="val 50000"/>
+                  </a:avLst>
+                </a:prstGeom>
+                <a:ln w="38100">
+                  <a:solidFill>
+                    <a:srgbClr val="002060"/>
+                  </a:solidFill>
+                </a:ln>
+              </p:spPr>
+              <p:style>
+                <a:lnRef idx="1">
+                  <a:schemeClr val="accent1"/>
+                </a:lnRef>
+                <a:fillRef idx="0">
+                  <a:schemeClr val="accent1"/>
+                </a:fillRef>
+                <a:effectRef idx="0">
+                  <a:schemeClr val="accent1"/>
+                </a:effectRef>
+                <a:fontRef idx="minor">
+                  <a:schemeClr val="tx1"/>
+                </a:fontRef>
+              </p:style>
+            </p:cxnSp>
+            <p:sp>
+              <p:nvSpPr>
+                <p:cNvPr id="68" name="Isosceles Triangle 67"/>
+                <p:cNvSpPr/>
+                <p:nvPr/>
+              </p:nvSpPr>
+              <p:spPr>
+                <a:xfrm>
+                  <a:off x="6259672" y="2514045"/>
+                  <a:ext cx="216000" cy="164892"/>
+                </a:xfrm>
+                <a:prstGeom prst="triangle">
+                  <a:avLst/>
+                </a:prstGeom>
+                <a:solidFill>
+                  <a:srgbClr val="002060"/>
+                </a:solidFill>
+                <a:ln>
+                  <a:noFill/>
+                </a:ln>
+              </p:spPr>
+              <p:style>
+                <a:lnRef idx="2">
+                  <a:schemeClr val="accent1">
+                    <a:shade val="50000"/>
+                  </a:schemeClr>
+                </a:lnRef>
+                <a:fillRef idx="1">
+                  <a:schemeClr val="accent1"/>
+                </a:fillRef>
+                <a:effectRef idx="0">
+                  <a:schemeClr val="accent1"/>
+                </a:effectRef>
+                <a:fontRef idx="minor">
+                  <a:schemeClr val="lt1"/>
+                </a:fontRef>
+              </p:style>
+              <p:txBody>
+                <a:bodyPr rtlCol="0" anchor="ctr"/>
+                <a:lstStyle/>
+                <a:p>
+                  <a:pPr algn="ctr"/>
+                  <a:endParaRPr lang="en-CA" dirty="0"/>
+                </a:p>
+              </p:txBody>
+            </p:sp>
+          </p:grpSp>
+          <p:sp>
+            <p:nvSpPr>
+              <p:cNvPr id="64" name="TextBox 63"/>
+              <p:cNvSpPr txBox="1"/>
+              <p:nvPr/>
+            </p:nvSpPr>
+            <p:spPr>
+              <a:xfrm>
+                <a:off x="7850747" y="2913167"/>
+                <a:ext cx="367408" cy="369332"/>
+              </a:xfrm>
+              <a:prstGeom prst="rect">
+                <a:avLst/>
+              </a:prstGeom>
+              <a:noFill/>
+            </p:spPr>
+            <p:txBody>
+              <a:bodyPr wrap="none" rtlCol="0">
+                <a:spAutoFit/>
+              </a:bodyPr>
+              <a:lstStyle/>
+              <a:p>
+                <a:r>
+                  <a:rPr lang="en-CA" dirty="0"/>
+                  <a:t>RI</a:t>
+                </a:r>
+              </a:p>
+            </p:txBody>
+          </p:sp>
+        </p:grpSp>
+        <p:cxnSp>
+          <p:nvCxnSpPr>
+            <p:cNvPr id="65" name="Straight Arrow Connector 64"/>
+            <p:cNvCxnSpPr>
+              <a:stCxn id="30" idx="6"/>
+              <a:endCxn id="66" idx="2"/>
+            </p:cNvCxnSpPr>
+            <p:nvPr/>
+          </p:nvCxnSpPr>
+          <p:spPr>
+            <a:xfrm>
+              <a:off x="6985040" y="2486613"/>
+              <a:ext cx="1610839" cy="0"/>
+            </a:xfrm>
+            <a:prstGeom prst="straightConnector1">
+              <a:avLst/>
+            </a:prstGeom>
+            <a:ln w="38100">
+              <a:solidFill>
+                <a:srgbClr val="002060"/>
+              </a:solidFill>
+              <a:tailEnd type="none" w="lg" len="med"/>
+            </a:ln>
+          </p:spPr>
+          <p:style>
+            <a:lnRef idx="2">
+              <a:schemeClr val="accent5"/>
+            </a:lnRef>
+            <a:fillRef idx="0">
+              <a:schemeClr val="accent5"/>
+            </a:fillRef>
+            <a:effectRef idx="1">
+              <a:schemeClr val="accent5"/>
+            </a:effectRef>
+            <a:fontRef idx="minor">
+              <a:schemeClr val="tx1"/>
+            </a:fontRef>
+          </p:style>
+        </p:cxnSp>
+      </p:grpSp>
+      <p:sp>
+        <p:nvSpPr>
+          <p:cNvPr id="48" name="Rectangle 47"/>
+          <p:cNvSpPr/>
+          <p:nvPr/>
+        </p:nvSpPr>
+        <p:spPr>
+          <a:xfrm>
+            <a:off x="762001" y="2198927"/>
+            <a:ext cx="10231120" cy="3135073"/>
+          </a:xfrm>
+          <a:prstGeom prst="rect">
+            <a:avLst/>
+          </a:prstGeom>
+          <a:noFill/>
+          <a:ln w="6350">
+            <a:solidFill>
+              <a:srgbClr val="FFC000"/>
+            </a:solidFill>
+            <a:prstDash val="sysDot"/>
+          </a:ln>
+        </p:spPr>
+        <p:style>
+          <a:lnRef idx="2">
+            <a:schemeClr val="accent1">
+              <a:shade val="50000"/>
+            </a:schemeClr>
+          </a:lnRef>
+          <a:fillRef idx="1">
+            <a:schemeClr val="accent1"/>
+          </a:fillRef>
+          <a:effectRef idx="0">
+            <a:schemeClr val="accent1"/>
+          </a:effectRef>
+          <a:fontRef idx="minor">
+            <a:schemeClr val="lt1"/>
+          </a:fontRef>
+        </p:style>
+        <p:txBody>
+          <a:bodyPr rtlCol="0" anchor="ctr"/>
+          <a:lstStyle/>
+          <a:p>
+            <a:pPr algn="ctr"/>
+            <a:endParaRPr lang="en-CA"/>
+          </a:p>
+        </p:txBody>
+      </p:sp>
+    </p:spTree>
+    <p:extLst>
+      <p:ext uri="{BB962C8B-B14F-4D97-AF65-F5344CB8AC3E}">
+        <p14:creationId xmlns:p14="http://schemas.microsoft.com/office/powerpoint/2010/main" val="1600542662"/>
+      </p:ext>
+    </p:extLst>
+  </p:cSld>
+  <p:clrMapOvr>
+    <a:masterClrMapping/>
+  </p:clrMapOvr>
+  <mc:AlternateContent xmlns:mc="http://schemas.openxmlformats.org/markup-compatibility/2006" xmlns:p14="http://schemas.microsoft.com/office/powerpoint/2010/main">
+    <mc:Choice Requires="p14">
+      <p:transition spd="slow" p14:dur="1500">
+        <p:push/>
+      </p:transition>
+    </mc:Choice>
+    <mc:Fallback xmlns="">
+      <p:transition spd="slow">
+        <p:push/>
+      </p:transition>
+    </mc:Fallback>
+  </mc:AlternateContent>
+</p:sld>
+</file>
+
+<file path=ppt/slides/slide11.xml><?xml version="1.0" encoding="utf-8"?>
+<p:sld xmlns:a="http://schemas.openxmlformats.org/drawingml/2006/main" xmlns:r="http://schemas.openxmlformats.org/officeDocument/2006/relationships" xmlns:p="http://schemas.openxmlformats.org/presentationml/2006/main">
+  <p:cSld>
+    <p:spTree>
+      <p:nvGrpSpPr>
+        <p:cNvPr id="1" name=""/>
+        <p:cNvGrpSpPr/>
+        <p:nvPr/>
+      </p:nvGrpSpPr>
+      <p:grpSpPr>
+        <a:xfrm>
+          <a:off x="0" y="0"/>
+          <a:ext cx="0" cy="0"/>
+          <a:chOff x="0" y="0"/>
+          <a:chExt cx="0" cy="0"/>
+        </a:xfrm>
+      </p:grpSpPr>
+      <p:grpSp>
+        <p:nvGrpSpPr>
           <p:cNvPr id="63" name="Group 62"/>
           <p:cNvGrpSpPr/>
           <p:nvPr/>
@@ -6538,7 +8449,7 @@
 </p:sld>
 </file>
 
-<file path=ppt/slides/slide11.xml><?xml version="1.0" encoding="utf-8"?>
+<file path=ppt/slides/slide12.xml><?xml version="1.0" encoding="utf-8"?>
 <p:sld xmlns:a="http://schemas.openxmlformats.org/drawingml/2006/main" xmlns:r="http://schemas.openxmlformats.org/officeDocument/2006/relationships" xmlns:p="http://schemas.openxmlformats.org/presentationml/2006/main">
   <p:cSld>
     <p:spTree>
@@ -15110,7 +17021,7 @@
 </p:sld>
 </file>
 
-<file path=ppt/slides/slide12.xml><?xml version="1.0" encoding="utf-8"?>
+<file path=ppt/slides/slide13.xml><?xml version="1.0" encoding="utf-8"?>
 <p:sld xmlns:a="http://schemas.openxmlformats.org/drawingml/2006/main" xmlns:r="http://schemas.openxmlformats.org/officeDocument/2006/relationships" xmlns:p="http://schemas.openxmlformats.org/presentationml/2006/main">
   <p:cSld>
     <p:spTree>
@@ -34645,7 +36556,7 @@
 </p:sld>
 </file>
 
-<file path=ppt/slides/slide13.xml><?xml version="1.0" encoding="utf-8"?>
+<file path=ppt/slides/slide14.xml><?xml version="1.0" encoding="utf-8"?>
 <p:sld xmlns:a="http://schemas.openxmlformats.org/drawingml/2006/main" xmlns:r="http://schemas.openxmlformats.org/officeDocument/2006/relationships" xmlns:p="http://schemas.openxmlformats.org/presentationml/2006/main">
   <p:cSld>
     <p:spTree>
@@ -35460,7 +37371,7 @@
         <p:spPr>
           <a:xfrm>
             <a:off x="832002" y="3197339"/>
-            <a:ext cx="527388" cy="307777"/>
+            <a:ext cx="597921" cy="307777"/>
           </a:xfrm>
           <a:prstGeom prst="rect">
             <a:avLst/>
@@ -35483,7 +37394,7 @@
                 </a:solidFill>
                 <a:latin typeface="Segoe UI Light" pitchFamily="34" charset="0"/>
               </a:rPr>
-              <a:t>main</a:t>
+              <a:t>main </a:t>
             </a:r>
           </a:p>
         </p:txBody>
@@ -35499,8 +37410,8 @@
         </p:nvCxnSpPr>
         <p:spPr>
           <a:xfrm>
-            <a:off x="1359390" y="3351228"/>
-            <a:ext cx="723935" cy="0"/>
+            <a:off x="1429923" y="3351228"/>
+            <a:ext cx="653402" cy="0"/>
           </a:xfrm>
           <a:prstGeom prst="straightConnector1">
             <a:avLst/>
@@ -50030,312 +51941,45 @@
           <a:chExt cx="0" cy="0"/>
         </a:xfrm>
       </p:grpSpPr>
-      <p:grpSp>
-        <p:nvGrpSpPr>
-          <p:cNvPr id="13" name="Group 12"/>
-          <p:cNvGrpSpPr/>
+      <p:cxnSp>
+        <p:nvCxnSpPr>
+          <p:cNvPr id="31" name="Straight Arrow Connector 30"/>
+          <p:cNvCxnSpPr>
+            <a:cxnSpLocks/>
+            <a:stCxn id="29" idx="6"/>
+          </p:cNvCxnSpPr>
           <p:nvPr/>
-        </p:nvGrpSpPr>
-        <p:grpSpPr>
-          <a:xfrm>
-            <a:off x="4502047" y="3673312"/>
-            <a:ext cx="2653777" cy="1429468"/>
-            <a:chOff x="4502047" y="3673312"/>
-            <a:chExt cx="2653777" cy="1429468"/>
+        </p:nvCxnSpPr>
+        <p:spPr>
+          <a:xfrm flipV="1">
+            <a:off x="5272604" y="4983363"/>
+            <a:ext cx="723447" cy="6873"/>
           </a:xfrm>
-        </p:grpSpPr>
-        <p:cxnSp>
-          <p:nvCxnSpPr>
-            <p:cNvPr id="33" name="Straight Arrow Connector 32"/>
-            <p:cNvCxnSpPr>
-              <a:stCxn id="50" idx="6"/>
-              <a:endCxn id="34" idx="2"/>
-            </p:cNvCxnSpPr>
-            <p:nvPr/>
-          </p:nvCxnSpPr>
-          <p:spPr>
-            <a:xfrm flipV="1">
-              <a:off x="4502047" y="3781312"/>
-              <a:ext cx="2322975" cy="20204"/>
-            </a:xfrm>
-            <a:prstGeom prst="straightConnector1">
-              <a:avLst/>
-            </a:prstGeom>
-            <a:ln w="38100">
-              <a:solidFill>
-                <a:srgbClr val="002060"/>
-              </a:solidFill>
-              <a:tailEnd type="none" w="lg" len="med"/>
-            </a:ln>
-          </p:spPr>
-          <p:style>
-            <a:lnRef idx="2">
-              <a:schemeClr val="accent5"/>
-            </a:lnRef>
-            <a:fillRef idx="0">
-              <a:schemeClr val="accent5"/>
-            </a:fillRef>
-            <a:effectRef idx="1">
-              <a:schemeClr val="accent5"/>
-            </a:effectRef>
-            <a:fontRef idx="minor">
-              <a:schemeClr val="tx1"/>
-            </a:fontRef>
-          </p:style>
-        </p:cxnSp>
-        <p:grpSp>
-          <p:nvGrpSpPr>
-            <p:cNvPr id="3" name="Group 2"/>
-            <p:cNvGrpSpPr/>
-            <p:nvPr/>
-          </p:nvGrpSpPr>
-          <p:grpSpPr>
-            <a:xfrm>
-              <a:off x="5687662" y="3673312"/>
-              <a:ext cx="1468162" cy="1429468"/>
-              <a:chOff x="5687662" y="3673312"/>
-              <a:chExt cx="1468162" cy="1429468"/>
-            </a:xfrm>
-          </p:grpSpPr>
-          <p:grpSp>
-            <p:nvGrpSpPr>
-              <p:cNvPr id="31" name="Group 30"/>
-              <p:cNvGrpSpPr/>
-              <p:nvPr/>
-            </p:nvGrpSpPr>
-            <p:grpSpPr>
-              <a:xfrm>
-                <a:off x="5687662" y="3673312"/>
-                <a:ext cx="1353360" cy="1429468"/>
-                <a:chOff x="6438448" y="1869683"/>
-                <a:chExt cx="1353360" cy="1429468"/>
-              </a:xfrm>
-            </p:grpSpPr>
-            <p:sp>
-              <p:nvSpPr>
-                <p:cNvPr id="34" name="Oval 33"/>
-                <p:cNvSpPr/>
-                <p:nvPr/>
-              </p:nvSpPr>
-              <p:spPr bwMode="auto">
-                <a:xfrm>
-                  <a:off x="7575808" y="1869683"/>
-                  <a:ext cx="216000" cy="216000"/>
-                </a:xfrm>
-                <a:prstGeom prst="ellipse">
-                  <a:avLst/>
-                </a:prstGeom>
-                <a:solidFill>
-                  <a:schemeClr val="bg1"/>
-                </a:solidFill>
-                <a:ln w="25400">
-                  <a:solidFill>
-                    <a:srgbClr val="002060"/>
-                  </a:solidFill>
-                  <a:headEnd type="none" w="med" len="med"/>
-                  <a:tailEnd type="none" w="med" len="med"/>
-                </a:ln>
-                <a:effectLst/>
-              </p:spPr>
-              <p:style>
-                <a:lnRef idx="1">
-                  <a:schemeClr val="accent2"/>
-                </a:lnRef>
-                <a:fillRef idx="3">
-                  <a:schemeClr val="accent2"/>
-                </a:fillRef>
-                <a:effectRef idx="2">
-                  <a:schemeClr val="accent2"/>
-                </a:effectRef>
-                <a:fontRef idx="minor">
-                  <a:schemeClr val="lt1"/>
-                </a:fontRef>
-              </p:style>
-              <p:txBody>
-                <a:bodyPr rot="0" spcFirstLastPara="0" vertOverflow="overflow" horzOverflow="overflow" vert="horz" wrap="square" lIns="0" tIns="0" rIns="0" bIns="0" numCol="1" spcCol="0" rtlCol="0" fromWordArt="0" anchor="b" anchorCtr="0" forceAA="0" compatLnSpc="1">
-                  <a:prstTxWarp prst="textNoShape">
-                    <a:avLst/>
-                  </a:prstTxWarp>
-                  <a:noAutofit/>
-                </a:bodyPr>
-                <a:lstStyle/>
-                <a:p>
-                  <a:pPr algn="ctr" defTabSz="914099" fontAlgn="base">
-                    <a:spcBef>
-                      <a:spcPct val="0"/>
-                    </a:spcBef>
-                    <a:spcAft>
-                      <a:spcPct val="0"/>
-                    </a:spcAft>
-                  </a:pPr>
-                  <a:r>
-                    <a:rPr lang="en-CA" sz="1000" spc="-50" dirty="0">
-                      <a:solidFill>
-                        <a:srgbClr val="002060"/>
-                      </a:solidFill>
-                      <a:latin typeface="Segoe UI" pitchFamily="34" charset="0"/>
-                      <a:ea typeface="Segoe UI" pitchFamily="34" charset="0"/>
-                      <a:cs typeface="Segoe UI" pitchFamily="34" charset="0"/>
-                    </a:rPr>
-                    <a:t>M</a:t>
-                  </a:r>
-                </a:p>
-              </p:txBody>
-            </p:sp>
-            <p:cxnSp>
-              <p:nvCxnSpPr>
-                <p:cNvPr id="35" name="Curved Connector 34"/>
-                <p:cNvCxnSpPr>
-                  <a:stCxn id="34" idx="2"/>
-                </p:cNvCxnSpPr>
-                <p:nvPr/>
-              </p:nvCxnSpPr>
-              <p:spPr>
-                <a:xfrm rot="10800000" flipV="1">
-                  <a:off x="6438448" y="1977682"/>
-                  <a:ext cx="1137361" cy="1321469"/>
-                </a:xfrm>
-                <a:prstGeom prst="curvedConnector3">
-                  <a:avLst>
-                    <a:gd name="adj1" fmla="val 50000"/>
-                  </a:avLst>
-                </a:prstGeom>
-                <a:ln w="38100">
-                  <a:solidFill>
-                    <a:srgbClr val="002060"/>
-                  </a:solidFill>
-                </a:ln>
-              </p:spPr>
-              <p:style>
-                <a:lnRef idx="1">
-                  <a:schemeClr val="accent1"/>
-                </a:lnRef>
-                <a:fillRef idx="0">
-                  <a:schemeClr val="accent1"/>
-                </a:fillRef>
-                <a:effectRef idx="0">
-                  <a:schemeClr val="accent1"/>
-                </a:effectRef>
-                <a:fontRef idx="minor">
-                  <a:schemeClr val="tx1"/>
-                </a:fontRef>
-              </p:style>
-            </p:cxnSp>
-            <p:sp>
-              <p:nvSpPr>
-                <p:cNvPr id="36" name="Isosceles Triangle 35"/>
-                <p:cNvSpPr/>
-                <p:nvPr/>
-              </p:nvSpPr>
-              <p:spPr>
-                <a:xfrm>
-                  <a:off x="6912166" y="2483628"/>
-                  <a:ext cx="216000" cy="164892"/>
-                </a:xfrm>
-                <a:prstGeom prst="triangle">
-                  <a:avLst/>
-                </a:prstGeom>
-                <a:solidFill>
-                  <a:srgbClr val="002060"/>
-                </a:solidFill>
-                <a:ln>
-                  <a:noFill/>
-                </a:ln>
-              </p:spPr>
-              <p:style>
-                <a:lnRef idx="2">
-                  <a:schemeClr val="accent1">
-                    <a:shade val="50000"/>
-                  </a:schemeClr>
-                </a:lnRef>
-                <a:fillRef idx="1">
-                  <a:schemeClr val="accent1"/>
-                </a:fillRef>
-                <a:effectRef idx="0">
-                  <a:schemeClr val="accent1"/>
-                </a:effectRef>
-                <a:fontRef idx="minor">
-                  <a:schemeClr val="lt1"/>
-                </a:fontRef>
-              </p:style>
-              <p:txBody>
-                <a:bodyPr rtlCol="0" anchor="ctr"/>
-                <a:lstStyle/>
-                <a:p>
-                  <a:pPr algn="ctr"/>
-                  <a:endParaRPr lang="en-CA" dirty="0"/>
-                </a:p>
-              </p:txBody>
-            </p:sp>
-          </p:grpSp>
-          <p:sp>
-            <p:nvSpPr>
-              <p:cNvPr id="32" name="TextBox 31"/>
-              <p:cNvSpPr txBox="1"/>
-              <p:nvPr/>
-            </p:nvSpPr>
-            <p:spPr>
-              <a:xfrm>
-                <a:off x="5899011" y="4089201"/>
-                <a:ext cx="367408" cy="369332"/>
-              </a:xfrm>
-              <a:prstGeom prst="rect">
-                <a:avLst/>
-              </a:prstGeom>
-              <a:noFill/>
-            </p:spPr>
-            <p:txBody>
-              <a:bodyPr wrap="none" rtlCol="0">
-                <a:spAutoFit/>
-              </a:bodyPr>
-              <a:lstStyle/>
-              <a:p>
-                <a:r>
-                  <a:rPr lang="en-CA" dirty="0"/>
-                  <a:t>RI</a:t>
-                </a:r>
-              </a:p>
-            </p:txBody>
-          </p:sp>
-          <p:sp>
-            <p:nvSpPr>
-              <p:cNvPr id="18" name="TextBox 17"/>
-              <p:cNvSpPr txBox="1"/>
-              <p:nvPr/>
-            </p:nvSpPr>
-            <p:spPr>
-              <a:xfrm>
-                <a:off x="6463327" y="4393220"/>
-                <a:ext cx="692497" cy="307777"/>
-              </a:xfrm>
-              <a:prstGeom prst="rect">
-                <a:avLst/>
-              </a:prstGeom>
-              <a:noFill/>
-            </p:spPr>
-            <p:txBody>
-              <a:bodyPr wrap="none" lIns="0" tIns="0" rIns="0" bIns="0" rtlCol="0">
-                <a:spAutoFit/>
-              </a:bodyPr>
-              <a:lstStyle/>
-              <a:p>
-                <a:r>
-                  <a:rPr lang="en-CA" sz="2000" dirty="0">
-                    <a:solidFill>
-                      <a:schemeClr val="tx1">
-                        <a:lumMod val="65000"/>
-                        <a:lumOff val="35000"/>
-                      </a:schemeClr>
-                    </a:solidFill>
-                    <a:latin typeface="Segoe UI Light" pitchFamily="34" charset="0"/>
-                  </a:rPr>
-                  <a:t>hot-fix</a:t>
-                </a:r>
-              </a:p>
-            </p:txBody>
-          </p:sp>
-        </p:grpSp>
-      </p:grpSp>
+          <a:prstGeom prst="straightConnector1">
+            <a:avLst/>
+          </a:prstGeom>
+          <a:ln w="38100">
+            <a:solidFill>
+              <a:srgbClr val="002060"/>
+            </a:solidFill>
+            <a:tailEnd type="triangle" w="lg" len="med"/>
+          </a:ln>
+        </p:spPr>
+        <p:style>
+          <a:lnRef idx="2">
+            <a:schemeClr val="accent5"/>
+          </a:lnRef>
+          <a:fillRef idx="0">
+            <a:schemeClr val="accent5"/>
+          </a:fillRef>
+          <a:effectRef idx="1">
+            <a:schemeClr val="accent5"/>
+          </a:effectRef>
+          <a:fontRef idx="minor">
+            <a:schemeClr val="tx1"/>
+          </a:fontRef>
+        </p:style>
+      </p:cxnSp>
       <p:sp>
         <p:nvSpPr>
           <p:cNvPr id="2" name="Title 1"/>
@@ -50370,7 +52014,7 @@
                   <a:srgbClr val="9B4F96"/>
                 </a:solidFill>
               </a:rPr>
-              <a:t>VISUAL STUDIO READINESS 	Service &amp; Release Isolation</a:t>
+              <a:t>VISUAL STUDIO READINESS 	Release 2 Isolation – DevOps Article</a:t>
             </a:r>
           </a:p>
         </p:txBody>
@@ -50481,16 +52125,18 @@
       </p:pic>
       <p:cxnSp>
         <p:nvCxnSpPr>
-          <p:cNvPr id="6" name="Straight Arrow Connector 5"/>
+          <p:cNvPr id="5" name="Straight Arrow Connector 4"/>
           <p:cNvCxnSpPr>
-            <a:stCxn id="66" idx="6"/>
+            <a:cxnSpLocks/>
+            <a:stCxn id="47" idx="6"/>
+            <a:endCxn id="35" idx="1"/>
           </p:cNvCxnSpPr>
           <p:nvPr/>
         </p:nvCxnSpPr>
         <p:spPr>
           <a:xfrm>
-            <a:off x="8811879" y="2486613"/>
-            <a:ext cx="2099961" cy="13639"/>
+            <a:off x="10052069" y="3680455"/>
+            <a:ext cx="263167" cy="1"/>
           </a:xfrm>
           <a:prstGeom prst="straightConnector1">
             <a:avLst/>
@@ -50517,18 +52163,311 @@
           </a:fontRef>
         </p:style>
       </p:cxnSp>
+      <p:sp>
+        <p:nvSpPr>
+          <p:cNvPr id="7" name="Oval 6"/>
+          <p:cNvSpPr/>
+          <p:nvPr/>
+        </p:nvSpPr>
+        <p:spPr bwMode="auto">
+          <a:xfrm>
+            <a:off x="1869106" y="3572455"/>
+            <a:ext cx="216000" cy="216000"/>
+          </a:xfrm>
+          <a:prstGeom prst="ellipse">
+            <a:avLst/>
+          </a:prstGeom>
+          <a:solidFill>
+            <a:schemeClr val="bg1"/>
+          </a:solidFill>
+          <a:ln w="25400">
+            <a:solidFill>
+              <a:srgbClr val="002060"/>
+            </a:solidFill>
+            <a:headEnd type="none" w="med" len="med"/>
+            <a:tailEnd type="none" w="med" len="med"/>
+          </a:ln>
+          <a:effectLst/>
+        </p:spPr>
+        <p:style>
+          <a:lnRef idx="1">
+            <a:schemeClr val="accent2"/>
+          </a:lnRef>
+          <a:fillRef idx="3">
+            <a:schemeClr val="accent2"/>
+          </a:fillRef>
+          <a:effectRef idx="2">
+            <a:schemeClr val="accent2"/>
+          </a:effectRef>
+          <a:fontRef idx="minor">
+            <a:schemeClr val="lt1"/>
+          </a:fontRef>
+        </p:style>
+        <p:txBody>
+          <a:bodyPr rot="0" spcFirstLastPara="0" vertOverflow="overflow" horzOverflow="overflow" vert="horz" wrap="square" lIns="0" tIns="0" rIns="0" bIns="0" numCol="1" spcCol="0" rtlCol="0" fromWordArt="0" anchor="b" anchorCtr="0" forceAA="0" compatLnSpc="1">
+            <a:prstTxWarp prst="textNoShape">
+              <a:avLst/>
+            </a:prstTxWarp>
+            <a:noAutofit/>
+          </a:bodyPr>
+          <a:lstStyle/>
+          <a:p>
+            <a:pPr algn="ctr" defTabSz="914099" fontAlgn="base">
+              <a:spcBef>
+                <a:spcPct val="0"/>
+              </a:spcBef>
+              <a:spcAft>
+                <a:spcPct val="0"/>
+              </a:spcAft>
+            </a:pPr>
+            <a:r>
+              <a:rPr lang="en-CA" sz="1000" spc="-50" dirty="0">
+                <a:solidFill>
+                  <a:srgbClr val="002060"/>
+                </a:solidFill>
+                <a:latin typeface="Segoe UI" pitchFamily="34" charset="0"/>
+                <a:ea typeface="Segoe UI" pitchFamily="34" charset="0"/>
+                <a:cs typeface="Segoe UI" pitchFamily="34" charset="0"/>
+              </a:rPr>
+              <a:t>C</a:t>
+            </a:r>
+          </a:p>
+        </p:txBody>
+      </p:sp>
+      <p:sp>
+        <p:nvSpPr>
+          <p:cNvPr id="10" name="Oval 9"/>
+          <p:cNvSpPr/>
+          <p:nvPr/>
+        </p:nvSpPr>
+        <p:spPr bwMode="auto">
+          <a:xfrm>
+            <a:off x="4187923" y="4882236"/>
+            <a:ext cx="216000" cy="216000"/>
+          </a:xfrm>
+          <a:prstGeom prst="ellipse">
+            <a:avLst/>
+          </a:prstGeom>
+          <a:solidFill>
+            <a:schemeClr val="bg1"/>
+          </a:solidFill>
+          <a:ln w="25400">
+            <a:solidFill>
+              <a:srgbClr val="002060"/>
+            </a:solidFill>
+            <a:headEnd type="none" w="med" len="med"/>
+            <a:tailEnd type="none" w="med" len="med"/>
+          </a:ln>
+          <a:effectLst/>
+        </p:spPr>
+        <p:style>
+          <a:lnRef idx="1">
+            <a:schemeClr val="accent2"/>
+          </a:lnRef>
+          <a:fillRef idx="3">
+            <a:schemeClr val="accent2"/>
+          </a:fillRef>
+          <a:effectRef idx="2">
+            <a:schemeClr val="accent2"/>
+          </a:effectRef>
+          <a:fontRef idx="minor">
+            <a:schemeClr val="lt1"/>
+          </a:fontRef>
+        </p:style>
+        <p:txBody>
+          <a:bodyPr rot="0" spcFirstLastPara="0" vertOverflow="overflow" horzOverflow="overflow" vert="horz" wrap="square" lIns="0" tIns="0" rIns="0" bIns="0" numCol="1" spcCol="0" rtlCol="0" fromWordArt="0" anchor="b" anchorCtr="0" forceAA="0" compatLnSpc="1">
+            <a:prstTxWarp prst="textNoShape">
+              <a:avLst/>
+            </a:prstTxWarp>
+            <a:noAutofit/>
+          </a:bodyPr>
+          <a:lstStyle/>
+          <a:p>
+            <a:pPr algn="ctr" defTabSz="914099" fontAlgn="base">
+              <a:spcBef>
+                <a:spcPct val="0"/>
+              </a:spcBef>
+              <a:spcAft>
+                <a:spcPct val="0"/>
+              </a:spcAft>
+            </a:pPr>
+            <a:r>
+              <a:rPr lang="en-CA" sz="1000" spc="-50" dirty="0">
+                <a:solidFill>
+                  <a:srgbClr val="002060"/>
+                </a:solidFill>
+                <a:latin typeface="Segoe UI" pitchFamily="34" charset="0"/>
+                <a:ea typeface="Segoe UI" pitchFamily="34" charset="0"/>
+                <a:cs typeface="Segoe UI" pitchFamily="34" charset="0"/>
+              </a:rPr>
+              <a:t>C</a:t>
+            </a:r>
+          </a:p>
+        </p:txBody>
+      </p:sp>
       <p:cxnSp>
         <p:nvCxnSpPr>
-          <p:cNvPr id="8" name="Straight Arrow Connector 7"/>
+          <p:cNvPr id="11" name="Curved Connector 10"/>
           <p:cNvCxnSpPr>
-            <a:stCxn id="51" idx="6"/>
+            <a:cxnSpLocks/>
+            <a:stCxn id="39" idx="6"/>
+            <a:endCxn id="10" idx="2"/>
           </p:cNvCxnSpPr>
           <p:nvPr/>
         </p:nvCxnSpPr>
         <p:spPr>
-          <a:xfrm flipV="1">
-            <a:off x="5687662" y="5083081"/>
-            <a:ext cx="1467273" cy="19699"/>
+          <a:xfrm>
+            <a:off x="3356891" y="3680455"/>
+            <a:ext cx="831032" cy="1309781"/>
+          </a:xfrm>
+          <a:prstGeom prst="curvedConnector3">
+            <a:avLst>
+              <a:gd name="adj1" fmla="val 50000"/>
+            </a:avLst>
+          </a:prstGeom>
+          <a:ln w="38100">
+            <a:solidFill>
+              <a:srgbClr val="002060"/>
+            </a:solidFill>
+          </a:ln>
+        </p:spPr>
+        <p:style>
+          <a:lnRef idx="1">
+            <a:schemeClr val="accent1"/>
+          </a:lnRef>
+          <a:fillRef idx="0">
+            <a:schemeClr val="accent1"/>
+          </a:fillRef>
+          <a:effectRef idx="0">
+            <a:schemeClr val="accent1"/>
+          </a:effectRef>
+          <a:fontRef idx="minor">
+            <a:schemeClr val="tx1"/>
+          </a:fontRef>
+        </p:style>
+      </p:cxnSp>
+      <p:sp>
+        <p:nvSpPr>
+          <p:cNvPr id="9" name="TextBox 8"/>
+          <p:cNvSpPr txBox="1"/>
+          <p:nvPr/>
+        </p:nvSpPr>
+        <p:spPr>
+          <a:xfrm>
+            <a:off x="2742834" y="4836346"/>
+            <a:ext cx="868828" cy="307777"/>
+          </a:xfrm>
+          <a:prstGeom prst="rect">
+            <a:avLst/>
+          </a:prstGeom>
+          <a:noFill/>
+        </p:spPr>
+        <p:txBody>
+          <a:bodyPr wrap="none" lIns="0" tIns="0" rIns="0" bIns="0" rtlCol="0">
+            <a:spAutoFit/>
+          </a:bodyPr>
+          <a:lstStyle/>
+          <a:p>
+            <a:r>
+              <a:rPr lang="en-CA" sz="2000" dirty="0">
+                <a:solidFill>
+                  <a:schemeClr val="tx1">
+                    <a:lumMod val="65000"/>
+                    <a:lumOff val="35000"/>
+                  </a:schemeClr>
+                </a:solidFill>
+                <a:latin typeface="Segoe UI Light" pitchFamily="34" charset="0"/>
+              </a:rPr>
+              <a:t>V1.00RC</a:t>
+            </a:r>
+          </a:p>
+        </p:txBody>
+      </p:sp>
+      <p:sp>
+        <p:nvSpPr>
+          <p:cNvPr id="33" name="Oval 32"/>
+          <p:cNvSpPr/>
+          <p:nvPr/>
+        </p:nvSpPr>
+        <p:spPr bwMode="auto">
+          <a:xfrm>
+            <a:off x="2304305" y="3572455"/>
+            <a:ext cx="216000" cy="216000"/>
+          </a:xfrm>
+          <a:prstGeom prst="ellipse">
+            <a:avLst/>
+          </a:prstGeom>
+          <a:solidFill>
+            <a:schemeClr val="bg1"/>
+          </a:solidFill>
+          <a:ln w="25400">
+            <a:solidFill>
+              <a:srgbClr val="002060"/>
+            </a:solidFill>
+            <a:headEnd type="none" w="med" len="med"/>
+            <a:tailEnd type="none" w="med" len="med"/>
+          </a:ln>
+          <a:effectLst/>
+        </p:spPr>
+        <p:style>
+          <a:lnRef idx="1">
+            <a:schemeClr val="accent2"/>
+          </a:lnRef>
+          <a:fillRef idx="3">
+            <a:schemeClr val="accent2"/>
+          </a:fillRef>
+          <a:effectRef idx="2">
+            <a:schemeClr val="accent2"/>
+          </a:effectRef>
+          <a:fontRef idx="minor">
+            <a:schemeClr val="lt1"/>
+          </a:fontRef>
+        </p:style>
+        <p:txBody>
+          <a:bodyPr rot="0" spcFirstLastPara="0" vertOverflow="overflow" horzOverflow="overflow" vert="horz" wrap="square" lIns="0" tIns="0" rIns="0" bIns="0" numCol="1" spcCol="0" rtlCol="0" fromWordArt="0" anchor="b" anchorCtr="0" forceAA="0" compatLnSpc="1">
+            <a:prstTxWarp prst="textNoShape">
+              <a:avLst/>
+            </a:prstTxWarp>
+            <a:noAutofit/>
+          </a:bodyPr>
+          <a:lstStyle/>
+          <a:p>
+            <a:pPr algn="ctr" defTabSz="914099" fontAlgn="base">
+              <a:spcBef>
+                <a:spcPct val="0"/>
+              </a:spcBef>
+              <a:spcAft>
+                <a:spcPct val="0"/>
+              </a:spcAft>
+            </a:pPr>
+            <a:r>
+              <a:rPr lang="en-CA" sz="1000" spc="-50" dirty="0">
+                <a:solidFill>
+                  <a:srgbClr val="002060"/>
+                </a:solidFill>
+                <a:latin typeface="Segoe UI" pitchFamily="34" charset="0"/>
+                <a:ea typeface="Segoe UI" pitchFamily="34" charset="0"/>
+                <a:cs typeface="Segoe UI" pitchFamily="34" charset="0"/>
+              </a:rPr>
+              <a:t>C</a:t>
+            </a:r>
+          </a:p>
+        </p:txBody>
+      </p:sp>
+      <p:cxnSp>
+        <p:nvCxnSpPr>
+          <p:cNvPr id="34" name="Straight Arrow Connector 33"/>
+          <p:cNvCxnSpPr>
+            <a:cxnSpLocks/>
+            <a:stCxn id="7" idx="6"/>
+            <a:endCxn id="33" idx="2"/>
+          </p:cNvCxnSpPr>
+          <p:nvPr/>
+        </p:nvCxnSpPr>
+        <p:spPr>
+          <a:xfrm>
+            <a:off x="2085106" y="3680455"/>
+            <a:ext cx="219199" cy="0"/>
           </a:xfrm>
           <a:prstGeom prst="straightConnector1">
             <a:avLst/>
@@ -50537,7 +52476,7 @@
             <a:solidFill>
               <a:srgbClr val="002060"/>
             </a:solidFill>
-            <a:tailEnd type="triangle" w="lg" len="med"/>
+            <a:tailEnd type="none" w="lg" len="med"/>
           </a:ln>
         </p:spPr>
         <p:style>
@@ -50555,1006 +52494,57 @@
           </a:fontRef>
         </p:style>
       </p:cxnSp>
-      <p:grpSp>
-        <p:nvGrpSpPr>
-          <p:cNvPr id="9" name="Group 8"/>
-          <p:cNvGrpSpPr/>
+      <p:sp>
+        <p:nvSpPr>
+          <p:cNvPr id="36" name="TextBox 35"/>
+          <p:cNvSpPr txBox="1"/>
           <p:nvPr/>
-        </p:nvGrpSpPr>
-        <p:grpSpPr>
+        </p:nvSpPr>
+        <p:spPr>
           <a:xfrm>
-            <a:off x="2304658" y="2385180"/>
-            <a:ext cx="1820950" cy="216000"/>
-            <a:chOff x="2304658" y="2385180"/>
-            <a:chExt cx="1820950" cy="216000"/>
+            <a:off x="880081" y="3526567"/>
+            <a:ext cx="656339" cy="307777"/>
           </a:xfrm>
-        </p:grpSpPr>
-        <p:sp>
-          <p:nvSpPr>
-            <p:cNvPr id="41" name="Oval 40"/>
-            <p:cNvSpPr/>
-            <p:nvPr/>
-          </p:nvSpPr>
-          <p:spPr bwMode="auto">
-            <a:xfrm>
-              <a:off x="3909608" y="2385180"/>
-              <a:ext cx="216000" cy="216000"/>
-            </a:xfrm>
-            <a:prstGeom prst="ellipse">
-              <a:avLst/>
-            </a:prstGeom>
-            <a:solidFill>
-              <a:schemeClr val="bg1"/>
-            </a:solidFill>
-            <a:ln w="25400">
-              <a:solidFill>
-                <a:srgbClr val="002060"/>
-              </a:solidFill>
-              <a:headEnd type="none" w="med" len="med"/>
-              <a:tailEnd type="none" w="med" len="med"/>
-            </a:ln>
-            <a:effectLst/>
-          </p:spPr>
-          <p:style>
-            <a:lnRef idx="1">
-              <a:schemeClr val="accent2"/>
-            </a:lnRef>
-            <a:fillRef idx="3">
-              <a:schemeClr val="accent2"/>
-            </a:fillRef>
-            <a:effectRef idx="2">
-              <a:schemeClr val="accent2"/>
-            </a:effectRef>
-            <a:fontRef idx="minor">
-              <a:schemeClr val="lt1"/>
-            </a:fontRef>
-          </p:style>
-          <p:txBody>
-            <a:bodyPr rot="0" spcFirstLastPara="0" vertOverflow="overflow" horzOverflow="overflow" vert="horz" wrap="square" lIns="0" tIns="0" rIns="0" bIns="0" numCol="1" spcCol="0" rtlCol="0" fromWordArt="0" anchor="b" anchorCtr="0" forceAA="0" compatLnSpc="1">
-              <a:prstTxWarp prst="textNoShape">
-                <a:avLst/>
-              </a:prstTxWarp>
-              <a:noAutofit/>
-            </a:bodyPr>
-            <a:lstStyle/>
-            <a:p>
-              <a:pPr algn="ctr" defTabSz="914099" fontAlgn="base">
-                <a:spcBef>
-                  <a:spcPct val="0"/>
-                </a:spcBef>
-                <a:spcAft>
-                  <a:spcPct val="0"/>
-                </a:spcAft>
-              </a:pPr>
-              <a:r>
-                <a:rPr lang="en-CA" sz="1000" spc="-50" dirty="0">
-                  <a:solidFill>
-                    <a:srgbClr val="002060"/>
-                  </a:solidFill>
-                  <a:latin typeface="Segoe UI" pitchFamily="34" charset="0"/>
-                  <a:ea typeface="Segoe UI" pitchFamily="34" charset="0"/>
-                  <a:cs typeface="Segoe UI" pitchFamily="34" charset="0"/>
-                </a:rPr>
-                <a:t>C</a:t>
-              </a:r>
-            </a:p>
-          </p:txBody>
-        </p:sp>
-        <p:cxnSp>
-          <p:nvCxnSpPr>
-            <p:cNvPr id="42" name="Straight Arrow Connector 41"/>
-            <p:cNvCxnSpPr>
-              <a:stCxn id="43" idx="6"/>
-              <a:endCxn id="41" idx="2"/>
-            </p:cNvCxnSpPr>
-            <p:nvPr/>
-          </p:nvCxnSpPr>
-          <p:spPr>
-            <a:xfrm flipV="1">
-              <a:off x="2304658" y="2493180"/>
-              <a:ext cx="1604950" cy="7072"/>
-            </a:xfrm>
-            <a:prstGeom prst="straightConnector1">
-              <a:avLst/>
-            </a:prstGeom>
-            <a:ln w="38100">
-              <a:solidFill>
-                <a:srgbClr val="002060"/>
-              </a:solidFill>
-              <a:tailEnd type="none" w="lg" len="med"/>
-            </a:ln>
-          </p:spPr>
-          <p:style>
-            <a:lnRef idx="2">
-              <a:schemeClr val="accent5"/>
-            </a:lnRef>
-            <a:fillRef idx="0">
-              <a:schemeClr val="accent5"/>
-            </a:fillRef>
-            <a:effectRef idx="1">
-              <a:schemeClr val="accent5"/>
-            </a:effectRef>
-            <a:fontRef idx="minor">
-              <a:schemeClr val="tx1"/>
-            </a:fontRef>
-          </p:style>
-        </p:cxnSp>
-      </p:grpSp>
-      <p:grpSp>
-        <p:nvGrpSpPr>
-          <p:cNvPr id="7" name="Group 6"/>
-          <p:cNvGrpSpPr/>
-          <p:nvPr/>
-        </p:nvGrpSpPr>
-        <p:grpSpPr>
-          <a:xfrm>
-            <a:off x="1148338" y="2392252"/>
-            <a:ext cx="2080677" cy="1570224"/>
-            <a:chOff x="1148338" y="2392252"/>
-            <a:chExt cx="2080677" cy="1570224"/>
-          </a:xfrm>
-        </p:grpSpPr>
-        <p:sp>
-          <p:nvSpPr>
-            <p:cNvPr id="43" name="Oval 42"/>
-            <p:cNvSpPr/>
-            <p:nvPr/>
-          </p:nvSpPr>
-          <p:spPr bwMode="auto">
-            <a:xfrm>
-              <a:off x="2088658" y="2392252"/>
-              <a:ext cx="216000" cy="216000"/>
-            </a:xfrm>
-            <a:prstGeom prst="ellipse">
-              <a:avLst/>
-            </a:prstGeom>
-            <a:solidFill>
-              <a:schemeClr val="bg1"/>
-            </a:solidFill>
-            <a:ln w="25400">
-              <a:solidFill>
-                <a:srgbClr val="002060"/>
-              </a:solidFill>
-              <a:headEnd type="none" w="med" len="med"/>
-              <a:tailEnd type="none" w="med" len="med"/>
-            </a:ln>
-            <a:effectLst/>
-          </p:spPr>
-          <p:style>
-            <a:lnRef idx="1">
-              <a:schemeClr val="accent2"/>
-            </a:lnRef>
-            <a:fillRef idx="3">
-              <a:schemeClr val="accent2"/>
-            </a:fillRef>
-            <a:effectRef idx="2">
-              <a:schemeClr val="accent2"/>
-            </a:effectRef>
-            <a:fontRef idx="minor">
-              <a:schemeClr val="lt1"/>
-            </a:fontRef>
-          </p:style>
-          <p:txBody>
-            <a:bodyPr rot="0" spcFirstLastPara="0" vertOverflow="overflow" horzOverflow="overflow" vert="horz" wrap="square" lIns="0" tIns="0" rIns="0" bIns="0" numCol="1" spcCol="0" rtlCol="0" fromWordArt="0" anchor="b" anchorCtr="0" forceAA="0" compatLnSpc="1">
-              <a:prstTxWarp prst="textNoShape">
-                <a:avLst/>
-              </a:prstTxWarp>
-              <a:noAutofit/>
-            </a:bodyPr>
-            <a:lstStyle/>
-            <a:p>
-              <a:pPr algn="ctr" defTabSz="914099" fontAlgn="base">
-                <a:spcBef>
-                  <a:spcPct val="0"/>
-                </a:spcBef>
-                <a:spcAft>
-                  <a:spcPct val="0"/>
-                </a:spcAft>
-              </a:pPr>
-              <a:r>
-                <a:rPr lang="en-CA" sz="1000" spc="-50" dirty="0">
-                  <a:solidFill>
-                    <a:srgbClr val="002060"/>
-                  </a:solidFill>
-                  <a:latin typeface="Segoe UI" pitchFamily="34" charset="0"/>
-                  <a:ea typeface="Segoe UI" pitchFamily="34" charset="0"/>
-                  <a:cs typeface="Segoe UI" pitchFamily="34" charset="0"/>
-                </a:rPr>
-                <a:t>B</a:t>
-              </a:r>
-            </a:p>
-          </p:txBody>
-        </p:sp>
-        <p:sp>
-          <p:nvSpPr>
-            <p:cNvPr id="44" name="Oval 43"/>
-            <p:cNvSpPr/>
-            <p:nvPr/>
-          </p:nvSpPr>
-          <p:spPr bwMode="auto">
-            <a:xfrm>
-              <a:off x="3013015" y="3693516"/>
-              <a:ext cx="216000" cy="216000"/>
-            </a:xfrm>
-            <a:prstGeom prst="ellipse">
-              <a:avLst/>
-            </a:prstGeom>
-            <a:solidFill>
-              <a:schemeClr val="bg1"/>
-            </a:solidFill>
-            <a:ln w="25400">
-              <a:solidFill>
-                <a:srgbClr val="002060"/>
-              </a:solidFill>
-              <a:headEnd type="none" w="med" len="med"/>
-              <a:tailEnd type="none" w="med" len="med"/>
-            </a:ln>
-            <a:effectLst/>
-          </p:spPr>
-          <p:style>
-            <a:lnRef idx="1">
-              <a:schemeClr val="accent2"/>
-            </a:lnRef>
-            <a:fillRef idx="3">
-              <a:schemeClr val="accent2"/>
-            </a:fillRef>
-            <a:effectRef idx="2">
-              <a:schemeClr val="accent2"/>
-            </a:effectRef>
-            <a:fontRef idx="minor">
-              <a:schemeClr val="lt1"/>
-            </a:fontRef>
-          </p:style>
-          <p:txBody>
-            <a:bodyPr rot="0" spcFirstLastPara="0" vertOverflow="overflow" horzOverflow="overflow" vert="horz" wrap="square" lIns="0" tIns="0" rIns="0" bIns="0" numCol="1" spcCol="0" rtlCol="0" fromWordArt="0" anchor="b" anchorCtr="0" forceAA="0" compatLnSpc="1">
-              <a:prstTxWarp prst="textNoShape">
-                <a:avLst/>
-              </a:prstTxWarp>
-              <a:noAutofit/>
-            </a:bodyPr>
-            <a:lstStyle/>
-            <a:p>
-              <a:pPr algn="ctr" defTabSz="914099" fontAlgn="base">
-                <a:spcBef>
-                  <a:spcPct val="0"/>
-                </a:spcBef>
-                <a:spcAft>
-                  <a:spcPct val="0"/>
-                </a:spcAft>
-              </a:pPr>
-              <a:r>
-                <a:rPr lang="en-CA" sz="1000" spc="-50" dirty="0">
-                  <a:solidFill>
-                    <a:srgbClr val="002060"/>
-                  </a:solidFill>
-                  <a:latin typeface="Segoe UI" pitchFamily="34" charset="0"/>
-                  <a:ea typeface="Segoe UI" pitchFamily="34" charset="0"/>
-                  <a:cs typeface="Segoe UI" pitchFamily="34" charset="0"/>
-                </a:rPr>
-                <a:t>C</a:t>
-              </a:r>
-            </a:p>
-          </p:txBody>
-        </p:sp>
-        <p:cxnSp>
-          <p:nvCxnSpPr>
-            <p:cNvPr id="45" name="Curved Connector 44"/>
-            <p:cNvCxnSpPr>
-              <a:stCxn id="43" idx="6"/>
-              <a:endCxn id="44" idx="2"/>
-            </p:cNvCxnSpPr>
-            <p:nvPr/>
-          </p:nvCxnSpPr>
-          <p:spPr>
-            <a:xfrm>
-              <a:off x="2304658" y="2500252"/>
-              <a:ext cx="708357" cy="1301264"/>
-            </a:xfrm>
-            <a:prstGeom prst="curvedConnector3">
-              <a:avLst>
-                <a:gd name="adj1" fmla="val 50000"/>
-              </a:avLst>
-            </a:prstGeom>
-            <a:ln w="38100">
-              <a:solidFill>
-                <a:srgbClr val="002060"/>
-              </a:solidFill>
-            </a:ln>
-          </p:spPr>
-          <p:style>
-            <a:lnRef idx="1">
-              <a:schemeClr val="accent1"/>
-            </a:lnRef>
-            <a:fillRef idx="0">
-              <a:schemeClr val="accent1"/>
-            </a:fillRef>
-            <a:effectRef idx="0">
-              <a:schemeClr val="accent1"/>
-            </a:effectRef>
-            <a:fontRef idx="minor">
-              <a:schemeClr val="tx1"/>
-            </a:fontRef>
-          </p:style>
-        </p:cxnSp>
-        <p:sp>
-          <p:nvSpPr>
-            <p:cNvPr id="46" name="TextBox 45"/>
-            <p:cNvSpPr txBox="1"/>
-            <p:nvPr/>
-          </p:nvSpPr>
-          <p:spPr>
-            <a:xfrm>
-              <a:off x="1148338" y="3654699"/>
-              <a:ext cx="1588192" cy="307777"/>
-            </a:xfrm>
-            <a:prstGeom prst="rect">
-              <a:avLst/>
-            </a:prstGeom>
-            <a:noFill/>
-          </p:spPr>
-          <p:txBody>
-            <a:bodyPr wrap="none" lIns="0" tIns="0" rIns="0" bIns="0" rtlCol="0">
-              <a:spAutoFit/>
-            </a:bodyPr>
-            <a:lstStyle/>
-            <a:p>
-              <a:r>
-                <a:rPr lang="en-CA" sz="2000" dirty="0">
-                  <a:solidFill>
-                    <a:schemeClr val="tx1">
-                      <a:lumMod val="65000"/>
-                      <a:lumOff val="35000"/>
-                    </a:schemeClr>
-                  </a:solidFill>
-                  <a:latin typeface="Segoe UI Light" pitchFamily="34" charset="0"/>
-                </a:rPr>
-                <a:t>servicing r1.sp1</a:t>
-              </a:r>
-            </a:p>
-          </p:txBody>
-        </p:sp>
-      </p:grpSp>
-      <p:grpSp>
-        <p:nvGrpSpPr>
-          <p:cNvPr id="5" name="Group 4"/>
-          <p:cNvGrpSpPr/>
-          <p:nvPr/>
-        </p:nvGrpSpPr>
-        <p:grpSpPr>
-          <a:xfrm>
-            <a:off x="835054" y="2346363"/>
-            <a:ext cx="1253604" cy="307777"/>
-            <a:chOff x="835054" y="2346363"/>
-            <a:chExt cx="1253604" cy="307777"/>
-          </a:xfrm>
-        </p:grpSpPr>
-        <p:sp>
-          <p:nvSpPr>
-            <p:cNvPr id="39" name="TextBox 38"/>
-            <p:cNvSpPr txBox="1"/>
-            <p:nvPr/>
-          </p:nvSpPr>
-          <p:spPr>
-            <a:xfrm>
-              <a:off x="835054" y="2346363"/>
-              <a:ext cx="603029" cy="307777"/>
-            </a:xfrm>
-            <a:prstGeom prst="rect">
-              <a:avLst/>
-            </a:prstGeom>
-            <a:noFill/>
-          </p:spPr>
-          <p:txBody>
-            <a:bodyPr wrap="square" lIns="0" tIns="0" rIns="0" bIns="0" rtlCol="0">
-              <a:spAutoFit/>
-            </a:bodyPr>
-            <a:lstStyle/>
-            <a:p>
-              <a:r>
-                <a:rPr lang="en-CA" sz="2000" dirty="0">
-                  <a:solidFill>
-                    <a:schemeClr val="tx1">
-                      <a:lumMod val="65000"/>
-                      <a:lumOff val="35000"/>
-                    </a:schemeClr>
-                  </a:solidFill>
-                  <a:latin typeface="Segoe UI Light" pitchFamily="34" charset="0"/>
-                </a:rPr>
-                <a:t>main</a:t>
-              </a:r>
-            </a:p>
-          </p:txBody>
-        </p:sp>
-        <p:cxnSp>
-          <p:nvCxnSpPr>
-            <p:cNvPr id="40" name="Straight Arrow Connector 39"/>
-            <p:cNvCxnSpPr>
-              <a:stCxn id="43" idx="2"/>
-              <a:endCxn id="39" idx="3"/>
-            </p:cNvCxnSpPr>
-            <p:nvPr/>
-          </p:nvCxnSpPr>
-          <p:spPr>
-            <a:xfrm flipH="1">
-              <a:off x="1438083" y="2500252"/>
-              <a:ext cx="650575" cy="0"/>
-            </a:xfrm>
-            <a:prstGeom prst="straightConnector1">
-              <a:avLst/>
-            </a:prstGeom>
-            <a:ln w="38100">
-              <a:solidFill>
-                <a:srgbClr val="002060"/>
-              </a:solidFill>
-              <a:tailEnd type="none" w="lg" len="med"/>
-            </a:ln>
-          </p:spPr>
-          <p:style>
-            <a:lnRef idx="2">
-              <a:schemeClr val="accent5"/>
-            </a:lnRef>
-            <a:fillRef idx="0">
-              <a:schemeClr val="accent5"/>
-            </a:fillRef>
-            <a:effectRef idx="1">
-              <a:schemeClr val="accent5"/>
-            </a:effectRef>
-            <a:fontRef idx="minor">
-              <a:schemeClr val="tx1"/>
-            </a:fontRef>
-          </p:style>
-        </p:cxnSp>
-      </p:grpSp>
-      <p:grpSp>
-        <p:nvGrpSpPr>
-          <p:cNvPr id="10" name="Group 9"/>
-          <p:cNvGrpSpPr/>
-          <p:nvPr/>
-        </p:nvGrpSpPr>
-        <p:grpSpPr>
-          <a:xfrm>
-            <a:off x="4125608" y="2385180"/>
-            <a:ext cx="1028887" cy="216000"/>
-            <a:chOff x="4125608" y="2385180"/>
-            <a:chExt cx="1028887" cy="216000"/>
-          </a:xfrm>
-        </p:grpSpPr>
-        <p:sp>
-          <p:nvSpPr>
-            <p:cNvPr id="37" name="Oval 36"/>
-            <p:cNvSpPr/>
-            <p:nvPr/>
-          </p:nvSpPr>
-          <p:spPr bwMode="auto">
-            <a:xfrm>
-              <a:off x="4933348" y="2385180"/>
-              <a:ext cx="221147" cy="216000"/>
-            </a:xfrm>
-            <a:prstGeom prst="ellipse">
-              <a:avLst/>
-            </a:prstGeom>
-            <a:solidFill>
-              <a:schemeClr val="bg1"/>
-            </a:solidFill>
-            <a:ln w="25400">
-              <a:solidFill>
-                <a:srgbClr val="002060"/>
-              </a:solidFill>
-              <a:headEnd type="none" w="med" len="med"/>
-              <a:tailEnd type="none" w="med" len="med"/>
-            </a:ln>
-            <a:effectLst/>
-          </p:spPr>
-          <p:style>
-            <a:lnRef idx="1">
-              <a:schemeClr val="accent2"/>
-            </a:lnRef>
-            <a:fillRef idx="3">
-              <a:schemeClr val="accent2"/>
-            </a:fillRef>
-            <a:effectRef idx="2">
-              <a:schemeClr val="accent2"/>
-            </a:effectRef>
-            <a:fontRef idx="minor">
-              <a:schemeClr val="lt1"/>
-            </a:fontRef>
-          </p:style>
-          <p:txBody>
-            <a:bodyPr rot="0" spcFirstLastPara="0" vertOverflow="overflow" horzOverflow="overflow" vert="horz" wrap="square" lIns="0" tIns="0" rIns="0" bIns="0" numCol="1" spcCol="0" rtlCol="0" fromWordArt="0" anchor="b" anchorCtr="0" forceAA="0" compatLnSpc="1">
-              <a:prstTxWarp prst="textNoShape">
-                <a:avLst/>
-              </a:prstTxWarp>
-              <a:noAutofit/>
-            </a:bodyPr>
-            <a:lstStyle/>
-            <a:p>
-              <a:pPr algn="ctr" defTabSz="914099" fontAlgn="base">
-                <a:spcBef>
-                  <a:spcPct val="0"/>
-                </a:spcBef>
-                <a:spcAft>
-                  <a:spcPct val="0"/>
-                </a:spcAft>
-              </a:pPr>
-              <a:r>
-                <a:rPr lang="en-CA" sz="1000" spc="-50" dirty="0">
-                  <a:solidFill>
-                    <a:srgbClr val="002060"/>
-                  </a:solidFill>
-                  <a:latin typeface="Segoe UI" pitchFamily="34" charset="0"/>
-                  <a:ea typeface="Segoe UI" pitchFamily="34" charset="0"/>
-                  <a:cs typeface="Segoe UI" pitchFamily="34" charset="0"/>
-                </a:rPr>
-                <a:t>C</a:t>
-              </a:r>
-            </a:p>
-          </p:txBody>
-        </p:sp>
-        <p:cxnSp>
-          <p:nvCxnSpPr>
-            <p:cNvPr id="38" name="Straight Arrow Connector 37"/>
-            <p:cNvCxnSpPr>
-              <a:stCxn id="41" idx="6"/>
-              <a:endCxn id="37" idx="2"/>
-            </p:cNvCxnSpPr>
-            <p:nvPr/>
-          </p:nvCxnSpPr>
-          <p:spPr>
-            <a:xfrm>
-              <a:off x="4125608" y="2493180"/>
-              <a:ext cx="807740" cy="0"/>
-            </a:xfrm>
-            <a:prstGeom prst="straightConnector1">
-              <a:avLst/>
-            </a:prstGeom>
-            <a:ln w="38100">
-              <a:solidFill>
-                <a:srgbClr val="002060"/>
-              </a:solidFill>
-              <a:tailEnd type="none" w="lg" len="med"/>
-            </a:ln>
-          </p:spPr>
-          <p:style>
-            <a:lnRef idx="2">
-              <a:schemeClr val="accent5"/>
-            </a:lnRef>
-            <a:fillRef idx="0">
-              <a:schemeClr val="accent5"/>
-            </a:fillRef>
-            <a:effectRef idx="1">
-              <a:schemeClr val="accent5"/>
-            </a:effectRef>
-            <a:fontRef idx="minor">
-              <a:schemeClr val="tx1"/>
-            </a:fontRef>
-          </p:style>
-        </p:cxnSp>
-      </p:grpSp>
-      <p:grpSp>
-        <p:nvGrpSpPr>
-          <p:cNvPr id="11" name="Group 10"/>
-          <p:cNvGrpSpPr/>
-          <p:nvPr/>
-        </p:nvGrpSpPr>
-        <p:grpSpPr>
-          <a:xfrm>
-            <a:off x="5154495" y="2378613"/>
-            <a:ext cx="1830545" cy="216000"/>
-            <a:chOff x="5154495" y="2378613"/>
-            <a:chExt cx="1830545" cy="216000"/>
-          </a:xfrm>
-        </p:grpSpPr>
-        <p:cxnSp>
-          <p:nvCxnSpPr>
-            <p:cNvPr id="29" name="Straight Arrow Connector 28"/>
-            <p:cNvCxnSpPr>
-              <a:stCxn id="37" idx="6"/>
-              <a:endCxn id="30" idx="2"/>
-            </p:cNvCxnSpPr>
-            <p:nvPr/>
-          </p:nvCxnSpPr>
-          <p:spPr>
-            <a:xfrm flipV="1">
-              <a:off x="5154495" y="2486613"/>
-              <a:ext cx="1614545" cy="6567"/>
-            </a:xfrm>
-            <a:prstGeom prst="straightConnector1">
-              <a:avLst/>
-            </a:prstGeom>
-            <a:ln w="38100">
-              <a:solidFill>
-                <a:srgbClr val="002060"/>
-              </a:solidFill>
-              <a:tailEnd type="none" w="lg" len="med"/>
-            </a:ln>
-          </p:spPr>
-          <p:style>
-            <a:lnRef idx="2">
-              <a:schemeClr val="accent5"/>
-            </a:lnRef>
-            <a:fillRef idx="0">
-              <a:schemeClr val="accent5"/>
-            </a:fillRef>
-            <a:effectRef idx="1">
-              <a:schemeClr val="accent5"/>
-            </a:effectRef>
-            <a:fontRef idx="minor">
-              <a:schemeClr val="tx1"/>
-            </a:fontRef>
-          </p:style>
-        </p:cxnSp>
-        <p:sp>
-          <p:nvSpPr>
-            <p:cNvPr id="30" name="Oval 29"/>
-            <p:cNvSpPr/>
-            <p:nvPr/>
-          </p:nvSpPr>
-          <p:spPr bwMode="auto">
-            <a:xfrm>
-              <a:off x="6769040" y="2378613"/>
-              <a:ext cx="216000" cy="216000"/>
-            </a:xfrm>
-            <a:prstGeom prst="ellipse">
-              <a:avLst/>
-            </a:prstGeom>
-            <a:solidFill>
-              <a:schemeClr val="bg1"/>
-            </a:solidFill>
-            <a:ln w="25400">
-              <a:solidFill>
-                <a:srgbClr val="002060"/>
-              </a:solidFill>
-              <a:headEnd type="none" w="med" len="med"/>
-              <a:tailEnd type="none" w="med" len="med"/>
-            </a:ln>
-            <a:effectLst/>
-          </p:spPr>
-          <p:style>
-            <a:lnRef idx="1">
-              <a:schemeClr val="accent2"/>
-            </a:lnRef>
-            <a:fillRef idx="3">
-              <a:schemeClr val="accent2"/>
-            </a:fillRef>
-            <a:effectRef idx="2">
-              <a:schemeClr val="accent2"/>
-            </a:effectRef>
-            <a:fontRef idx="minor">
-              <a:schemeClr val="lt1"/>
-            </a:fontRef>
-          </p:style>
-          <p:txBody>
-            <a:bodyPr rot="0" spcFirstLastPara="0" vertOverflow="overflow" horzOverflow="overflow" vert="horz" wrap="square" lIns="0" tIns="0" rIns="0" bIns="0" numCol="1" spcCol="0" rtlCol="0" fromWordArt="0" anchor="b" anchorCtr="0" forceAA="0" compatLnSpc="1">
-              <a:prstTxWarp prst="textNoShape">
-                <a:avLst/>
-              </a:prstTxWarp>
-              <a:noAutofit/>
-            </a:bodyPr>
-            <a:lstStyle/>
-            <a:p>
-              <a:pPr algn="ctr" defTabSz="914099" fontAlgn="base">
-                <a:spcBef>
-                  <a:spcPct val="0"/>
-                </a:spcBef>
-                <a:spcAft>
-                  <a:spcPct val="0"/>
-                </a:spcAft>
-              </a:pPr>
-              <a:r>
-                <a:rPr lang="en-CA" sz="1000" spc="-50" dirty="0">
-                  <a:solidFill>
-                    <a:srgbClr val="002060"/>
-                  </a:solidFill>
-                  <a:latin typeface="Segoe UI" pitchFamily="34" charset="0"/>
-                  <a:ea typeface="Segoe UI" pitchFamily="34" charset="0"/>
-                  <a:cs typeface="Segoe UI" pitchFamily="34" charset="0"/>
-                </a:rPr>
-                <a:t>C</a:t>
-              </a:r>
-            </a:p>
-          </p:txBody>
-        </p:sp>
-      </p:grpSp>
-      <p:grpSp>
-        <p:nvGrpSpPr>
-          <p:cNvPr id="14" name="Group 13"/>
-          <p:cNvGrpSpPr/>
-          <p:nvPr/>
-        </p:nvGrpSpPr>
-        <p:grpSpPr>
-          <a:xfrm>
-            <a:off x="3229015" y="3693516"/>
-            <a:ext cx="2458647" cy="1553302"/>
-            <a:chOff x="3229015" y="3693516"/>
-            <a:chExt cx="2458647" cy="1553302"/>
-          </a:xfrm>
-        </p:grpSpPr>
-        <p:cxnSp>
-          <p:nvCxnSpPr>
-            <p:cNvPr id="20" name="Straight Arrow Connector 19"/>
-            <p:cNvCxnSpPr>
-              <a:stCxn id="44" idx="6"/>
-              <a:endCxn id="50" idx="2"/>
-            </p:cNvCxnSpPr>
-            <p:nvPr/>
-          </p:nvCxnSpPr>
-          <p:spPr>
-            <a:xfrm>
-              <a:off x="3229015" y="3801516"/>
-              <a:ext cx="1057032" cy="0"/>
-            </a:xfrm>
-            <a:prstGeom prst="straightConnector1">
-              <a:avLst/>
-            </a:prstGeom>
-            <a:ln w="38100">
-              <a:solidFill>
-                <a:srgbClr val="002060"/>
-              </a:solidFill>
-              <a:tailEnd type="none" w="lg" len="med"/>
-            </a:ln>
-          </p:spPr>
-          <p:style>
-            <a:lnRef idx="2">
-              <a:schemeClr val="accent5"/>
-            </a:lnRef>
-            <a:fillRef idx="0">
-              <a:schemeClr val="accent5"/>
-            </a:fillRef>
-            <a:effectRef idx="1">
-              <a:schemeClr val="accent5"/>
-            </a:effectRef>
-            <a:fontRef idx="minor">
-              <a:schemeClr val="tx1"/>
-            </a:fontRef>
-          </p:style>
-        </p:cxnSp>
-        <p:grpSp>
-          <p:nvGrpSpPr>
-            <p:cNvPr id="49" name="Group 48"/>
-            <p:cNvGrpSpPr/>
-            <p:nvPr/>
-          </p:nvGrpSpPr>
-          <p:grpSpPr>
-            <a:xfrm>
-              <a:off x="4038856" y="3693516"/>
-              <a:ext cx="1648806" cy="1553302"/>
-              <a:chOff x="1700506" y="3669637"/>
-              <a:chExt cx="1648806" cy="1553302"/>
-            </a:xfrm>
-          </p:grpSpPr>
-          <p:sp>
-            <p:nvSpPr>
-              <p:cNvPr id="50" name="Oval 49"/>
-              <p:cNvSpPr/>
-              <p:nvPr/>
-            </p:nvSpPr>
-            <p:spPr bwMode="auto">
-              <a:xfrm>
-                <a:off x="1947697" y="3669637"/>
-                <a:ext cx="216000" cy="216000"/>
-              </a:xfrm>
-              <a:prstGeom prst="ellipse">
-                <a:avLst/>
-              </a:prstGeom>
-              <a:solidFill>
-                <a:schemeClr val="bg1"/>
-              </a:solidFill>
-              <a:ln w="25400">
+          <a:prstGeom prst="rect">
+            <a:avLst/>
+          </a:prstGeom>
+          <a:noFill/>
+        </p:spPr>
+        <p:txBody>
+          <a:bodyPr wrap="square" lIns="0" tIns="0" rIns="0" bIns="0" rtlCol="0">
+            <a:spAutoFit/>
+          </a:bodyPr>
+          <a:lstStyle/>
+          <a:p>
+            <a:r>
+              <a:rPr lang="en-CA" sz="2000" dirty="0">
                 <a:solidFill>
-                  <a:srgbClr val="002060"/>
+                  <a:schemeClr val="tx1">
+                    <a:lumMod val="65000"/>
+                    <a:lumOff val="35000"/>
+                  </a:schemeClr>
                 </a:solidFill>
-                <a:headEnd type="none" w="med" len="med"/>
-                <a:tailEnd type="none" w="med" len="med"/>
-              </a:ln>
-              <a:effectLst/>
-            </p:spPr>
-            <p:style>
-              <a:lnRef idx="1">
-                <a:schemeClr val="accent2"/>
-              </a:lnRef>
-              <a:fillRef idx="3">
-                <a:schemeClr val="accent2"/>
-              </a:fillRef>
-              <a:effectRef idx="2">
-                <a:schemeClr val="accent2"/>
-              </a:effectRef>
-              <a:fontRef idx="minor">
-                <a:schemeClr val="lt1"/>
-              </a:fontRef>
-            </p:style>
-            <p:txBody>
-              <a:bodyPr rot="0" spcFirstLastPara="0" vertOverflow="overflow" horzOverflow="overflow" vert="horz" wrap="square" lIns="0" tIns="0" rIns="0" bIns="0" numCol="1" spcCol="0" rtlCol="0" fromWordArt="0" anchor="b" anchorCtr="0" forceAA="0" compatLnSpc="1">
-                <a:prstTxWarp prst="textNoShape">
-                  <a:avLst/>
-                </a:prstTxWarp>
-                <a:noAutofit/>
-              </a:bodyPr>
-              <a:lstStyle/>
-              <a:p>
-                <a:pPr algn="ctr" defTabSz="914099" fontAlgn="base">
-                  <a:spcBef>
-                    <a:spcPct val="0"/>
-                  </a:spcBef>
-                  <a:spcAft>
-                    <a:spcPct val="0"/>
-                  </a:spcAft>
-                </a:pPr>
-                <a:r>
-                  <a:rPr lang="en-CA" sz="1000" spc="-50" dirty="0">
-                    <a:solidFill>
-                      <a:srgbClr val="002060"/>
-                    </a:solidFill>
-                    <a:latin typeface="Segoe UI" pitchFamily="34" charset="0"/>
-                    <a:ea typeface="Segoe UI" pitchFamily="34" charset="0"/>
-                    <a:cs typeface="Segoe UI" pitchFamily="34" charset="0"/>
-                  </a:rPr>
-                  <a:t>B</a:t>
-                </a:r>
-              </a:p>
-            </p:txBody>
-          </p:sp>
-          <p:sp>
-            <p:nvSpPr>
-              <p:cNvPr id="51" name="Oval 50"/>
-              <p:cNvSpPr/>
-              <p:nvPr/>
-            </p:nvSpPr>
-            <p:spPr bwMode="auto">
-              <a:xfrm>
-                <a:off x="3133312" y="4970901"/>
-                <a:ext cx="216000" cy="216000"/>
-              </a:xfrm>
-              <a:prstGeom prst="ellipse">
-                <a:avLst/>
-              </a:prstGeom>
-              <a:solidFill>
-                <a:schemeClr val="bg1"/>
-              </a:solidFill>
-              <a:ln w="25400">
-                <a:solidFill>
-                  <a:srgbClr val="002060"/>
-                </a:solidFill>
-                <a:headEnd type="none" w="med" len="med"/>
-                <a:tailEnd type="none" w="med" len="med"/>
-              </a:ln>
-              <a:effectLst/>
-            </p:spPr>
-            <p:style>
-              <a:lnRef idx="1">
-                <a:schemeClr val="accent2"/>
-              </a:lnRef>
-              <a:fillRef idx="3">
-                <a:schemeClr val="accent2"/>
-              </a:fillRef>
-              <a:effectRef idx="2">
-                <a:schemeClr val="accent2"/>
-              </a:effectRef>
-              <a:fontRef idx="minor">
-                <a:schemeClr val="lt1"/>
-              </a:fontRef>
-            </p:style>
-            <p:txBody>
-              <a:bodyPr rot="0" spcFirstLastPara="0" vertOverflow="overflow" horzOverflow="overflow" vert="horz" wrap="square" lIns="0" tIns="0" rIns="0" bIns="0" numCol="1" spcCol="0" rtlCol="0" fromWordArt="0" anchor="b" anchorCtr="0" forceAA="0" compatLnSpc="1">
-                <a:prstTxWarp prst="textNoShape">
-                  <a:avLst/>
-                </a:prstTxWarp>
-                <a:noAutofit/>
-              </a:bodyPr>
-              <a:lstStyle/>
-              <a:p>
-                <a:pPr algn="ctr" defTabSz="914099" fontAlgn="base">
-                  <a:spcBef>
-                    <a:spcPct val="0"/>
-                  </a:spcBef>
-                  <a:spcAft>
-                    <a:spcPct val="0"/>
-                  </a:spcAft>
-                </a:pPr>
-                <a:r>
-                  <a:rPr lang="en-CA" sz="1000" spc="-50" dirty="0">
-                    <a:solidFill>
-                      <a:srgbClr val="002060"/>
-                    </a:solidFill>
-                    <a:latin typeface="Segoe UI" pitchFamily="34" charset="0"/>
-                    <a:ea typeface="Segoe UI" pitchFamily="34" charset="0"/>
-                    <a:cs typeface="Segoe UI" pitchFamily="34" charset="0"/>
-                  </a:rPr>
-                  <a:t>C</a:t>
-                </a:r>
-              </a:p>
-            </p:txBody>
-          </p:sp>
-          <p:cxnSp>
-            <p:nvCxnSpPr>
-              <p:cNvPr id="52" name="Curved Connector 51"/>
-              <p:cNvCxnSpPr>
-                <a:stCxn id="50" idx="6"/>
-                <a:endCxn id="51" idx="2"/>
-              </p:cNvCxnSpPr>
-              <p:nvPr/>
-            </p:nvCxnSpPr>
-            <p:spPr>
-              <a:xfrm>
-                <a:off x="2163697" y="3777637"/>
-                <a:ext cx="969615" cy="1301264"/>
-              </a:xfrm>
-              <a:prstGeom prst="curvedConnector3">
-                <a:avLst>
-                  <a:gd name="adj1" fmla="val 50000"/>
-                </a:avLst>
-              </a:prstGeom>
-              <a:ln w="38100">
-                <a:solidFill>
-                  <a:srgbClr val="002060"/>
-                </a:solidFill>
-              </a:ln>
-            </p:spPr>
-            <p:style>
-              <a:lnRef idx="1">
-                <a:schemeClr val="accent1"/>
-              </a:lnRef>
-              <a:fillRef idx="0">
-                <a:schemeClr val="accent1"/>
-              </a:fillRef>
-              <a:effectRef idx="0">
-                <a:schemeClr val="accent1"/>
-              </a:effectRef>
-              <a:fontRef idx="minor">
-                <a:schemeClr val="tx1"/>
-              </a:fontRef>
-            </p:style>
-          </p:cxnSp>
-          <p:sp>
-            <p:nvSpPr>
-              <p:cNvPr id="53" name="TextBox 52"/>
-              <p:cNvSpPr txBox="1"/>
-              <p:nvPr/>
-            </p:nvSpPr>
-            <p:spPr>
-              <a:xfrm>
-                <a:off x="1700506" y="4915162"/>
-                <a:ext cx="1027204" cy="307777"/>
-              </a:xfrm>
-              <a:prstGeom prst="rect">
-                <a:avLst/>
-              </a:prstGeom>
-              <a:noFill/>
-            </p:spPr>
-            <p:txBody>
-              <a:bodyPr wrap="none" lIns="0" tIns="0" rIns="0" bIns="0" rtlCol="0">
-                <a:spAutoFit/>
-              </a:bodyPr>
-              <a:lstStyle/>
-              <a:p>
-                <a:r>
-                  <a:rPr lang="en-CA" sz="2000" dirty="0">
-                    <a:solidFill>
-                      <a:schemeClr val="tx1">
-                        <a:lumMod val="65000"/>
-                        <a:lumOff val="35000"/>
-                      </a:schemeClr>
-                    </a:solidFill>
-                    <a:latin typeface="Segoe UI Light" pitchFamily="34" charset="0"/>
-                  </a:rPr>
-                  <a:t>release v1</a:t>
-                </a:r>
-              </a:p>
-            </p:txBody>
-          </p:sp>
-        </p:grpSp>
-      </p:grpSp>
+                <a:latin typeface="Segoe UI Light" pitchFamily="34" charset="0"/>
+              </a:rPr>
+              <a:t>main</a:t>
+            </a:r>
+          </a:p>
+        </p:txBody>
+      </p:sp>
       <p:cxnSp>
         <p:nvCxnSpPr>
-          <p:cNvPr id="60" name="Straight Arrow Connector 59"/>
+          <p:cNvPr id="37" name="Straight Arrow Connector 36"/>
           <p:cNvCxnSpPr>
-            <a:stCxn id="34" idx="6"/>
+            <a:cxnSpLocks/>
+            <a:stCxn id="7" idx="2"/>
+            <a:endCxn id="36" idx="3"/>
           </p:cNvCxnSpPr>
           <p:nvPr/>
         </p:nvCxnSpPr>
         <p:spPr>
-          <a:xfrm>
-            <a:off x="7041022" y="3781312"/>
-            <a:ext cx="2174098" cy="22629"/>
+          <a:xfrm flipH="1">
+            <a:off x="1536420" y="3680455"/>
+            <a:ext cx="332686" cy="1"/>
           </a:xfrm>
           <a:prstGeom prst="straightConnector1">
             <a:avLst/>
@@ -51563,7 +52553,7 @@
             <a:solidFill>
               <a:srgbClr val="002060"/>
             </a:solidFill>
-            <a:tailEnd type="triangle" w="lg" len="med"/>
+            <a:tailEnd type="none" w="lg" len="med"/>
           </a:ln>
         </p:spPr>
         <p:style>
@@ -51581,286 +52571,576 @@
           </a:fontRef>
         </p:style>
       </p:cxnSp>
-      <p:grpSp>
-        <p:nvGrpSpPr>
-          <p:cNvPr id="12" name="Group 11"/>
-          <p:cNvGrpSpPr/>
+      <p:sp>
+        <p:nvSpPr>
+          <p:cNvPr id="39" name="Oval 38"/>
+          <p:cNvSpPr/>
           <p:nvPr/>
-        </p:nvGrpSpPr>
-        <p:grpSpPr>
+        </p:nvSpPr>
+        <p:spPr bwMode="auto">
           <a:xfrm>
-            <a:off x="6985040" y="2378613"/>
-            <a:ext cx="1826839" cy="1402698"/>
-            <a:chOff x="6985040" y="2378613"/>
-            <a:chExt cx="1826839" cy="1402698"/>
+            <a:off x="3135744" y="3572455"/>
+            <a:ext cx="221147" cy="216000"/>
           </a:xfrm>
-        </p:grpSpPr>
-        <p:grpSp>
-          <p:nvGrpSpPr>
-            <p:cNvPr id="4" name="Group 3"/>
-            <p:cNvGrpSpPr/>
-            <p:nvPr/>
-          </p:nvGrpSpPr>
-          <p:grpSpPr>
-            <a:xfrm>
-              <a:off x="7041023" y="2378613"/>
-              <a:ext cx="1770856" cy="1402698"/>
-              <a:chOff x="7041023" y="2378613"/>
-              <a:chExt cx="1770856" cy="1402698"/>
-            </a:xfrm>
-          </p:grpSpPr>
-          <p:grpSp>
-            <p:nvGrpSpPr>
-              <p:cNvPr id="63" name="Group 62"/>
-              <p:cNvGrpSpPr/>
-              <p:nvPr/>
-            </p:nvGrpSpPr>
-            <p:grpSpPr>
-              <a:xfrm>
-                <a:off x="7041023" y="2378613"/>
-                <a:ext cx="1770856" cy="1402698"/>
-                <a:chOff x="5573310" y="1884541"/>
-                <a:chExt cx="1770856" cy="1402698"/>
-              </a:xfrm>
-            </p:grpSpPr>
-            <p:sp>
-              <p:nvSpPr>
-                <p:cNvPr id="66" name="Oval 65"/>
-                <p:cNvSpPr/>
-                <p:nvPr/>
-              </p:nvSpPr>
-              <p:spPr bwMode="auto">
-                <a:xfrm>
-                  <a:off x="7128166" y="1884541"/>
-                  <a:ext cx="216000" cy="216000"/>
-                </a:xfrm>
-                <a:prstGeom prst="ellipse">
-                  <a:avLst/>
-                </a:prstGeom>
-                <a:solidFill>
-                  <a:schemeClr val="bg1"/>
-                </a:solidFill>
-                <a:ln w="25400">
-                  <a:solidFill>
-                    <a:srgbClr val="002060"/>
-                  </a:solidFill>
-                  <a:headEnd type="none" w="med" len="med"/>
-                  <a:tailEnd type="none" w="med" len="med"/>
-                </a:ln>
-                <a:effectLst/>
-              </p:spPr>
-              <p:style>
-                <a:lnRef idx="1">
-                  <a:schemeClr val="accent2"/>
-                </a:lnRef>
-                <a:fillRef idx="3">
-                  <a:schemeClr val="accent2"/>
-                </a:fillRef>
-                <a:effectRef idx="2">
-                  <a:schemeClr val="accent2"/>
-                </a:effectRef>
-                <a:fontRef idx="minor">
-                  <a:schemeClr val="lt1"/>
-                </a:fontRef>
-              </p:style>
-              <p:txBody>
-                <a:bodyPr rot="0" spcFirstLastPara="0" vertOverflow="overflow" horzOverflow="overflow" vert="horz" wrap="square" lIns="0" tIns="0" rIns="0" bIns="0" numCol="1" spcCol="0" rtlCol="0" fromWordArt="0" anchor="b" anchorCtr="0" forceAA="0" compatLnSpc="1">
-                  <a:prstTxWarp prst="textNoShape">
-                    <a:avLst/>
-                  </a:prstTxWarp>
-                  <a:noAutofit/>
-                </a:bodyPr>
-                <a:lstStyle/>
-                <a:p>
-                  <a:pPr algn="ctr" defTabSz="914099" fontAlgn="base">
-                    <a:spcBef>
-                      <a:spcPct val="0"/>
-                    </a:spcBef>
-                    <a:spcAft>
-                      <a:spcPct val="0"/>
-                    </a:spcAft>
-                  </a:pPr>
-                  <a:r>
-                    <a:rPr lang="en-CA" sz="1000" spc="-50" dirty="0">
-                      <a:solidFill>
-                        <a:srgbClr val="002060"/>
-                      </a:solidFill>
-                      <a:latin typeface="Segoe UI" pitchFamily="34" charset="0"/>
-                      <a:ea typeface="Segoe UI" pitchFamily="34" charset="0"/>
-                      <a:cs typeface="Segoe UI" pitchFamily="34" charset="0"/>
-                    </a:rPr>
-                    <a:t>M</a:t>
-                  </a:r>
-                </a:p>
-              </p:txBody>
-            </p:sp>
-            <p:cxnSp>
-              <p:nvCxnSpPr>
-                <p:cNvPr id="67" name="Curved Connector 66"/>
-                <p:cNvCxnSpPr>
-                  <a:stCxn id="66" idx="2"/>
-                  <a:endCxn id="34" idx="6"/>
-                </p:cNvCxnSpPr>
-                <p:nvPr/>
-              </p:nvCxnSpPr>
-              <p:spPr>
-                <a:xfrm rot="10800000" flipV="1">
-                  <a:off x="5573310" y="1992540"/>
-                  <a:ext cx="1554857" cy="1294699"/>
-                </a:xfrm>
-                <a:prstGeom prst="curvedConnector3">
-                  <a:avLst>
-                    <a:gd name="adj1" fmla="val 50000"/>
-                  </a:avLst>
-                </a:prstGeom>
-                <a:ln w="38100">
-                  <a:solidFill>
-                    <a:srgbClr val="002060"/>
-                  </a:solidFill>
-                </a:ln>
-              </p:spPr>
-              <p:style>
-                <a:lnRef idx="1">
-                  <a:schemeClr val="accent1"/>
-                </a:lnRef>
-                <a:fillRef idx="0">
-                  <a:schemeClr val="accent1"/>
-                </a:fillRef>
-                <a:effectRef idx="0">
-                  <a:schemeClr val="accent1"/>
-                </a:effectRef>
-                <a:fontRef idx="minor">
-                  <a:schemeClr val="tx1"/>
-                </a:fontRef>
-              </p:style>
-            </p:cxnSp>
-            <p:sp>
-              <p:nvSpPr>
-                <p:cNvPr id="68" name="Isosceles Triangle 67"/>
-                <p:cNvSpPr/>
-                <p:nvPr/>
-              </p:nvSpPr>
-              <p:spPr>
-                <a:xfrm>
-                  <a:off x="6259672" y="2514045"/>
-                  <a:ext cx="216000" cy="164892"/>
-                </a:xfrm>
-                <a:prstGeom prst="triangle">
-                  <a:avLst/>
-                </a:prstGeom>
+          <a:prstGeom prst="ellipse">
+            <a:avLst/>
+          </a:prstGeom>
+          <a:solidFill>
+            <a:schemeClr val="bg1"/>
+          </a:solidFill>
+          <a:ln w="25400">
+            <a:solidFill>
+              <a:srgbClr val="002060"/>
+            </a:solidFill>
+            <a:headEnd type="none" w="med" len="med"/>
+            <a:tailEnd type="none" w="med" len="med"/>
+          </a:ln>
+          <a:effectLst/>
+        </p:spPr>
+        <p:style>
+          <a:lnRef idx="1">
+            <a:schemeClr val="accent2"/>
+          </a:lnRef>
+          <a:fillRef idx="3">
+            <a:schemeClr val="accent2"/>
+          </a:fillRef>
+          <a:effectRef idx="2">
+            <a:schemeClr val="accent2"/>
+          </a:effectRef>
+          <a:fontRef idx="minor">
+            <a:schemeClr val="lt1"/>
+          </a:fontRef>
+        </p:style>
+        <p:txBody>
+          <a:bodyPr rot="0" spcFirstLastPara="0" vertOverflow="overflow" horzOverflow="overflow" vert="horz" wrap="square" lIns="0" tIns="0" rIns="0" bIns="0" numCol="1" spcCol="0" rtlCol="0" fromWordArt="0" anchor="b" anchorCtr="0" forceAA="0" compatLnSpc="1">
+            <a:prstTxWarp prst="textNoShape">
+              <a:avLst/>
+            </a:prstTxWarp>
+            <a:noAutofit/>
+          </a:bodyPr>
+          <a:lstStyle/>
+          <a:p>
+            <a:pPr algn="ctr" defTabSz="914099" fontAlgn="base">
+              <a:spcBef>
+                <a:spcPct val="0"/>
+              </a:spcBef>
+              <a:spcAft>
+                <a:spcPct val="0"/>
+              </a:spcAft>
+            </a:pPr>
+            <a:r>
+              <a:rPr lang="en-CA" sz="1000" spc="-50" dirty="0">
                 <a:solidFill>
                   <a:srgbClr val="002060"/>
                 </a:solidFill>
-                <a:ln>
-                  <a:noFill/>
-                </a:ln>
-              </p:spPr>
-              <p:style>
-                <a:lnRef idx="2">
-                  <a:schemeClr val="accent1">
-                    <a:shade val="50000"/>
-                  </a:schemeClr>
-                </a:lnRef>
-                <a:fillRef idx="1">
-                  <a:schemeClr val="accent1"/>
-                </a:fillRef>
-                <a:effectRef idx="0">
-                  <a:schemeClr val="accent1"/>
-                </a:effectRef>
-                <a:fontRef idx="minor">
-                  <a:schemeClr val="lt1"/>
-                </a:fontRef>
-              </p:style>
-              <p:txBody>
-                <a:bodyPr rtlCol="0" anchor="ctr"/>
-                <a:lstStyle/>
-                <a:p>
-                  <a:pPr algn="ctr"/>
-                  <a:endParaRPr lang="en-CA" dirty="0"/>
-                </a:p>
-              </p:txBody>
-            </p:sp>
-          </p:grpSp>
-          <p:sp>
-            <p:nvSpPr>
-              <p:cNvPr id="64" name="TextBox 63"/>
-              <p:cNvSpPr txBox="1"/>
-              <p:nvPr/>
-            </p:nvSpPr>
-            <p:spPr>
-              <a:xfrm>
-                <a:off x="7850747" y="2913167"/>
-                <a:ext cx="367408" cy="369332"/>
-              </a:xfrm>
-              <a:prstGeom prst="rect">
-                <a:avLst/>
-              </a:prstGeom>
-              <a:noFill/>
-            </p:spPr>
-            <p:txBody>
-              <a:bodyPr wrap="none" rtlCol="0">
-                <a:spAutoFit/>
-              </a:bodyPr>
-              <a:lstStyle/>
-              <a:p>
-                <a:r>
-                  <a:rPr lang="en-CA" dirty="0"/>
-                  <a:t>RI</a:t>
-                </a:r>
-              </a:p>
-            </p:txBody>
-          </p:sp>
-        </p:grpSp>
-        <p:cxnSp>
-          <p:nvCxnSpPr>
-            <p:cNvPr id="65" name="Straight Arrow Connector 64"/>
-            <p:cNvCxnSpPr>
-              <a:stCxn id="30" idx="6"/>
-              <a:endCxn id="66" idx="2"/>
-            </p:cNvCxnSpPr>
-            <p:nvPr/>
-          </p:nvCxnSpPr>
-          <p:spPr>
-            <a:xfrm>
-              <a:off x="6985040" y="2486613"/>
-              <a:ext cx="1610839" cy="0"/>
-            </a:xfrm>
-            <a:prstGeom prst="straightConnector1">
-              <a:avLst/>
-            </a:prstGeom>
-            <a:ln w="38100">
-              <a:solidFill>
-                <a:srgbClr val="002060"/>
-              </a:solidFill>
-              <a:tailEnd type="none" w="lg" len="med"/>
-            </a:ln>
-          </p:spPr>
-          <p:style>
-            <a:lnRef idx="2">
-              <a:schemeClr val="accent5"/>
-            </a:lnRef>
-            <a:fillRef idx="0">
-              <a:schemeClr val="accent5"/>
-            </a:fillRef>
-            <a:effectRef idx="1">
-              <a:schemeClr val="accent5"/>
-            </a:effectRef>
-            <a:fontRef idx="minor">
-              <a:schemeClr val="tx1"/>
-            </a:fontRef>
-          </p:style>
-        </p:cxnSp>
-      </p:grpSp>
+                <a:latin typeface="Segoe UI" pitchFamily="34" charset="0"/>
+                <a:ea typeface="Segoe UI" pitchFamily="34" charset="0"/>
+                <a:cs typeface="Segoe UI" pitchFamily="34" charset="0"/>
+              </a:rPr>
+              <a:t>B</a:t>
+            </a:r>
+          </a:p>
+        </p:txBody>
+      </p:sp>
+      <p:cxnSp>
+        <p:nvCxnSpPr>
+          <p:cNvPr id="40" name="Straight Arrow Connector 39"/>
+          <p:cNvCxnSpPr>
+            <a:cxnSpLocks/>
+            <a:stCxn id="33" idx="6"/>
+            <a:endCxn id="39" idx="2"/>
+          </p:cNvCxnSpPr>
+          <p:nvPr/>
+        </p:nvCxnSpPr>
+        <p:spPr>
+          <a:xfrm>
+            <a:off x="2520305" y="3680455"/>
+            <a:ext cx="615439" cy="0"/>
+          </a:xfrm>
+          <a:prstGeom prst="straightConnector1">
+            <a:avLst/>
+          </a:prstGeom>
+          <a:ln w="38100">
+            <a:solidFill>
+              <a:srgbClr val="002060"/>
+            </a:solidFill>
+            <a:tailEnd type="none" w="lg" len="med"/>
+          </a:ln>
+        </p:spPr>
+        <p:style>
+          <a:lnRef idx="2">
+            <a:schemeClr val="accent5"/>
+          </a:lnRef>
+          <a:fillRef idx="0">
+            <a:schemeClr val="accent5"/>
+          </a:fillRef>
+          <a:effectRef idx="1">
+            <a:schemeClr val="accent5"/>
+          </a:effectRef>
+          <a:fontRef idx="minor">
+            <a:schemeClr val="tx1"/>
+          </a:fontRef>
+        </p:style>
+      </p:cxnSp>
       <p:sp>
         <p:nvSpPr>
-          <p:cNvPr id="48" name="Rectangle 47"/>
+          <p:cNvPr id="67" name="Oval 66"/>
+          <p:cNvSpPr/>
+          <p:nvPr/>
+        </p:nvSpPr>
+        <p:spPr bwMode="auto">
+          <a:xfrm>
+            <a:off x="4568618" y="3572455"/>
+            <a:ext cx="216000" cy="216000"/>
+          </a:xfrm>
+          <a:prstGeom prst="ellipse">
+            <a:avLst/>
+          </a:prstGeom>
+          <a:solidFill>
+            <a:schemeClr val="bg1"/>
+          </a:solidFill>
+          <a:ln w="25400">
+            <a:solidFill>
+              <a:srgbClr val="002060"/>
+            </a:solidFill>
+            <a:headEnd type="none" w="med" len="med"/>
+            <a:tailEnd type="none" w="med" len="med"/>
+          </a:ln>
+          <a:effectLst/>
+        </p:spPr>
+        <p:style>
+          <a:lnRef idx="1">
+            <a:schemeClr val="accent2"/>
+          </a:lnRef>
+          <a:fillRef idx="3">
+            <a:schemeClr val="accent2"/>
+          </a:fillRef>
+          <a:effectRef idx="2">
+            <a:schemeClr val="accent2"/>
+          </a:effectRef>
+          <a:fontRef idx="minor">
+            <a:schemeClr val="lt1"/>
+          </a:fontRef>
+        </p:style>
+        <p:txBody>
+          <a:bodyPr rot="0" spcFirstLastPara="0" vertOverflow="overflow" horzOverflow="overflow" vert="horz" wrap="square" lIns="0" tIns="0" rIns="0" bIns="0" numCol="1" spcCol="0" rtlCol="0" fromWordArt="0" anchor="b" anchorCtr="0" forceAA="0" compatLnSpc="1">
+            <a:prstTxWarp prst="textNoShape">
+              <a:avLst/>
+            </a:prstTxWarp>
+            <a:noAutofit/>
+          </a:bodyPr>
+          <a:lstStyle/>
+          <a:p>
+            <a:pPr algn="ctr" defTabSz="914099" fontAlgn="base">
+              <a:spcBef>
+                <a:spcPct val="0"/>
+              </a:spcBef>
+              <a:spcAft>
+                <a:spcPct val="0"/>
+              </a:spcAft>
+            </a:pPr>
+            <a:r>
+              <a:rPr lang="en-CA" sz="1000" spc="-50" dirty="0">
+                <a:solidFill>
+                  <a:srgbClr val="002060"/>
+                </a:solidFill>
+                <a:latin typeface="Segoe UI" pitchFamily="34" charset="0"/>
+                <a:ea typeface="Segoe UI" pitchFamily="34" charset="0"/>
+                <a:cs typeface="Segoe UI" pitchFamily="34" charset="0"/>
+              </a:rPr>
+              <a:t>C</a:t>
+            </a:r>
+          </a:p>
+        </p:txBody>
+      </p:sp>
+      <p:cxnSp>
+        <p:nvCxnSpPr>
+          <p:cNvPr id="82" name="Straight Arrow Connector 81"/>
+          <p:cNvCxnSpPr>
+            <a:cxnSpLocks/>
+            <a:stCxn id="67" idx="6"/>
+            <a:endCxn id="81" idx="2"/>
+          </p:cNvCxnSpPr>
+          <p:nvPr/>
+        </p:nvCxnSpPr>
+        <p:spPr>
+          <a:xfrm>
+            <a:off x="4784618" y="3680455"/>
+            <a:ext cx="637317" cy="0"/>
+          </a:xfrm>
+          <a:prstGeom prst="straightConnector1">
+            <a:avLst/>
+          </a:prstGeom>
+          <a:ln w="38100">
+            <a:solidFill>
+              <a:srgbClr val="002060"/>
+            </a:solidFill>
+            <a:tailEnd type="none" w="lg" len="med"/>
+          </a:ln>
+        </p:spPr>
+        <p:style>
+          <a:lnRef idx="2">
+            <a:schemeClr val="accent5"/>
+          </a:lnRef>
+          <a:fillRef idx="0">
+            <a:schemeClr val="accent5"/>
+          </a:fillRef>
+          <a:effectRef idx="1">
+            <a:schemeClr val="accent5"/>
+          </a:effectRef>
+          <a:fontRef idx="minor">
+            <a:schemeClr val="tx1"/>
+          </a:fontRef>
+        </p:style>
+      </p:cxnSp>
+      <p:sp>
+        <p:nvSpPr>
+          <p:cNvPr id="83" name="Oval 82"/>
+          <p:cNvSpPr/>
+          <p:nvPr/>
+        </p:nvSpPr>
+        <p:spPr bwMode="auto">
+          <a:xfrm>
+            <a:off x="6314842" y="3572455"/>
+            <a:ext cx="216000" cy="216000"/>
+          </a:xfrm>
+          <a:prstGeom prst="ellipse">
+            <a:avLst/>
+          </a:prstGeom>
+          <a:solidFill>
+            <a:schemeClr val="bg1"/>
+          </a:solidFill>
+          <a:ln w="25400">
+            <a:solidFill>
+              <a:srgbClr val="002060"/>
+            </a:solidFill>
+            <a:headEnd type="none" w="med" len="med"/>
+            <a:tailEnd type="none" w="med" len="med"/>
+          </a:ln>
+          <a:effectLst/>
+        </p:spPr>
+        <p:style>
+          <a:lnRef idx="1">
+            <a:schemeClr val="accent2"/>
+          </a:lnRef>
+          <a:fillRef idx="3">
+            <a:schemeClr val="accent2"/>
+          </a:fillRef>
+          <a:effectRef idx="2">
+            <a:schemeClr val="accent2"/>
+          </a:effectRef>
+          <a:fontRef idx="minor">
+            <a:schemeClr val="lt1"/>
+          </a:fontRef>
+        </p:style>
+        <p:txBody>
+          <a:bodyPr rot="0" spcFirstLastPara="0" vertOverflow="overflow" horzOverflow="overflow" vert="horz" wrap="square" lIns="0" tIns="0" rIns="0" bIns="0" numCol="1" spcCol="0" rtlCol="0" fromWordArt="0" anchor="b" anchorCtr="0" forceAA="0" compatLnSpc="1">
+            <a:prstTxWarp prst="textNoShape">
+              <a:avLst/>
+            </a:prstTxWarp>
+            <a:noAutofit/>
+          </a:bodyPr>
+          <a:lstStyle/>
+          <a:p>
+            <a:pPr algn="ctr" defTabSz="914099" fontAlgn="base">
+              <a:spcBef>
+                <a:spcPct val="0"/>
+              </a:spcBef>
+              <a:spcAft>
+                <a:spcPct val="0"/>
+              </a:spcAft>
+            </a:pPr>
+            <a:r>
+              <a:rPr lang="en-CA" sz="1000" spc="-50" dirty="0">
+                <a:solidFill>
+                  <a:srgbClr val="002060"/>
+                </a:solidFill>
+                <a:latin typeface="Segoe UI" pitchFamily="34" charset="0"/>
+                <a:ea typeface="Segoe UI" pitchFamily="34" charset="0"/>
+                <a:cs typeface="Segoe UI" pitchFamily="34" charset="0"/>
+              </a:rPr>
+              <a:t>M</a:t>
+            </a:r>
+          </a:p>
+        </p:txBody>
+      </p:sp>
+      <p:sp>
+        <p:nvSpPr>
+          <p:cNvPr id="29" name="Oval 28"/>
+          <p:cNvSpPr/>
+          <p:nvPr/>
+        </p:nvSpPr>
+        <p:spPr bwMode="auto">
+          <a:xfrm>
+            <a:off x="5056604" y="4882236"/>
+            <a:ext cx="216000" cy="216000"/>
+          </a:xfrm>
+          <a:prstGeom prst="ellipse">
+            <a:avLst/>
+          </a:prstGeom>
+          <a:solidFill>
+            <a:schemeClr val="bg1"/>
+          </a:solidFill>
+          <a:ln w="25400">
+            <a:solidFill>
+              <a:srgbClr val="002060"/>
+            </a:solidFill>
+            <a:headEnd type="none" w="med" len="med"/>
+            <a:tailEnd type="none" w="med" len="med"/>
+          </a:ln>
+          <a:effectLst/>
+        </p:spPr>
+        <p:style>
+          <a:lnRef idx="1">
+            <a:schemeClr val="accent2"/>
+          </a:lnRef>
+          <a:fillRef idx="3">
+            <a:schemeClr val="accent2"/>
+          </a:fillRef>
+          <a:effectRef idx="2">
+            <a:schemeClr val="accent2"/>
+          </a:effectRef>
+          <a:fontRef idx="minor">
+            <a:schemeClr val="lt1"/>
+          </a:fontRef>
+        </p:style>
+        <p:txBody>
+          <a:bodyPr rot="0" spcFirstLastPara="0" vertOverflow="overflow" horzOverflow="overflow" vert="horz" wrap="square" lIns="0" tIns="0" rIns="0" bIns="0" numCol="1" spcCol="0" rtlCol="0" fromWordArt="0" anchor="b" anchorCtr="0" forceAA="0" compatLnSpc="1">
+            <a:prstTxWarp prst="textNoShape">
+              <a:avLst/>
+            </a:prstTxWarp>
+            <a:noAutofit/>
+          </a:bodyPr>
+          <a:lstStyle/>
+          <a:p>
+            <a:pPr algn="ctr" defTabSz="914099" fontAlgn="base">
+              <a:spcBef>
+                <a:spcPct val="0"/>
+              </a:spcBef>
+              <a:spcAft>
+                <a:spcPct val="0"/>
+              </a:spcAft>
+            </a:pPr>
+            <a:r>
+              <a:rPr lang="en-CA" sz="1000" spc="-50" dirty="0">
+                <a:solidFill>
+                  <a:srgbClr val="002060"/>
+                </a:solidFill>
+                <a:latin typeface="Segoe UI" pitchFamily="34" charset="0"/>
+                <a:ea typeface="Segoe UI" pitchFamily="34" charset="0"/>
+                <a:cs typeface="Segoe UI" pitchFamily="34" charset="0"/>
+              </a:rPr>
+              <a:t>C</a:t>
+            </a:r>
+          </a:p>
+        </p:txBody>
+      </p:sp>
+      <p:cxnSp>
+        <p:nvCxnSpPr>
+          <p:cNvPr id="88" name="Straight Arrow Connector 87"/>
+          <p:cNvCxnSpPr>
+            <a:cxnSpLocks/>
+            <a:stCxn id="10" idx="6"/>
+            <a:endCxn id="29" idx="2"/>
+          </p:cNvCxnSpPr>
+          <p:nvPr/>
+        </p:nvCxnSpPr>
+        <p:spPr>
+          <a:xfrm>
+            <a:off x="4403923" y="4990236"/>
+            <a:ext cx="652681" cy="0"/>
+          </a:xfrm>
+          <a:prstGeom prst="straightConnector1">
+            <a:avLst/>
+          </a:prstGeom>
+          <a:ln w="38100">
+            <a:solidFill>
+              <a:srgbClr val="002060"/>
+            </a:solidFill>
+            <a:tailEnd type="none" w="lg" len="med"/>
+          </a:ln>
+        </p:spPr>
+        <p:style>
+          <a:lnRef idx="2">
+            <a:schemeClr val="accent5"/>
+          </a:lnRef>
+          <a:fillRef idx="0">
+            <a:schemeClr val="accent5"/>
+          </a:fillRef>
+          <a:effectRef idx="1">
+            <a:schemeClr val="accent5"/>
+          </a:effectRef>
+          <a:fontRef idx="minor">
+            <a:schemeClr val="tx1"/>
+          </a:fontRef>
+        </p:style>
+      </p:cxnSp>
+      <p:cxnSp>
+        <p:nvCxnSpPr>
+          <p:cNvPr id="23" name="Curved Connector 22"/>
+          <p:cNvCxnSpPr>
+            <a:cxnSpLocks/>
+            <a:stCxn id="83" idx="2"/>
+            <a:endCxn id="29" idx="6"/>
+          </p:cNvCxnSpPr>
+          <p:nvPr/>
+        </p:nvCxnSpPr>
+        <p:spPr>
+          <a:xfrm rot="10800000" flipV="1">
+            <a:off x="5272604" y="3680454"/>
+            <a:ext cx="1042238" cy="1309781"/>
+          </a:xfrm>
+          <a:prstGeom prst="curvedConnector3">
+            <a:avLst>
+              <a:gd name="adj1" fmla="val 50000"/>
+            </a:avLst>
+          </a:prstGeom>
+          <a:ln w="38100">
+            <a:solidFill>
+              <a:srgbClr val="002060"/>
+            </a:solidFill>
+          </a:ln>
+        </p:spPr>
+        <p:style>
+          <a:lnRef idx="1">
+            <a:schemeClr val="accent1"/>
+          </a:lnRef>
+          <a:fillRef idx="0">
+            <a:schemeClr val="accent1"/>
+          </a:fillRef>
+          <a:effectRef idx="0">
+            <a:schemeClr val="accent1"/>
+          </a:effectRef>
+          <a:fontRef idx="minor">
+            <a:schemeClr val="tx1"/>
+          </a:fontRef>
+        </p:style>
+      </p:cxnSp>
+      <p:sp>
+        <p:nvSpPr>
+          <p:cNvPr id="24" name="Isosceles Triangle 23"/>
           <p:cNvSpPr/>
           <p:nvPr/>
         </p:nvSpPr>
         <p:spPr>
           <a:xfrm>
-            <a:off x="762001" y="2198927"/>
-            <a:ext cx="10231120" cy="3135073"/>
+            <a:off x="5682837" y="4249442"/>
+            <a:ext cx="216000" cy="164892"/>
+          </a:xfrm>
+          <a:prstGeom prst="triangle">
+            <a:avLst/>
+          </a:prstGeom>
+          <a:solidFill>
+            <a:srgbClr val="002060"/>
+          </a:solidFill>
+          <a:ln>
+            <a:noFill/>
+          </a:ln>
+        </p:spPr>
+        <p:style>
+          <a:lnRef idx="2">
+            <a:schemeClr val="accent1">
+              <a:shade val="50000"/>
+            </a:schemeClr>
+          </a:lnRef>
+          <a:fillRef idx="1">
+            <a:schemeClr val="accent1"/>
+          </a:fillRef>
+          <a:effectRef idx="0">
+            <a:schemeClr val="accent1"/>
+          </a:effectRef>
+          <a:fontRef idx="minor">
+            <a:schemeClr val="lt1"/>
+          </a:fontRef>
+        </p:style>
+        <p:txBody>
+          <a:bodyPr rtlCol="0" anchor="ctr"/>
+          <a:lstStyle/>
+          <a:p>
+            <a:pPr algn="ctr"/>
+            <a:endParaRPr lang="en-CA" dirty="0"/>
+          </a:p>
+        </p:txBody>
+      </p:sp>
+      <p:sp>
+        <p:nvSpPr>
+          <p:cNvPr id="20" name="TextBox 19"/>
+          <p:cNvSpPr txBox="1"/>
+          <p:nvPr/>
+        </p:nvSpPr>
+        <p:spPr>
+          <a:xfrm>
+            <a:off x="5326380" y="4154938"/>
+            <a:ext cx="415896" cy="369332"/>
+          </a:xfrm>
+          <a:prstGeom prst="rect">
+            <a:avLst/>
+          </a:prstGeom>
+          <a:noFill/>
+        </p:spPr>
+        <p:txBody>
+          <a:bodyPr wrap="square" rtlCol="0">
+            <a:spAutoFit/>
+          </a:bodyPr>
+          <a:lstStyle/>
+          <a:p>
+            <a:r>
+              <a:rPr lang="en-CA" dirty="0"/>
+              <a:t>RI</a:t>
+            </a:r>
+          </a:p>
+        </p:txBody>
+      </p:sp>
+      <p:cxnSp>
+        <p:nvCxnSpPr>
+          <p:cNvPr id="62" name="Straight Arrow Connector 61"/>
+          <p:cNvCxnSpPr>
+            <a:cxnSpLocks/>
+            <a:stCxn id="39" idx="6"/>
+            <a:endCxn id="67" idx="2"/>
+          </p:cNvCxnSpPr>
+          <p:nvPr/>
+        </p:nvCxnSpPr>
+        <p:spPr>
+          <a:xfrm>
+            <a:off x="3356891" y="3680455"/>
+            <a:ext cx="1211727" cy="0"/>
+          </a:xfrm>
+          <a:prstGeom prst="straightConnector1">
+            <a:avLst/>
+          </a:prstGeom>
+          <a:ln w="38100">
+            <a:solidFill>
+              <a:srgbClr val="002060"/>
+            </a:solidFill>
+            <a:tailEnd type="none" w="lg" len="med"/>
+          </a:ln>
+        </p:spPr>
+        <p:style>
+          <a:lnRef idx="2">
+            <a:schemeClr val="accent5"/>
+          </a:lnRef>
+          <a:fillRef idx="0">
+            <a:schemeClr val="accent5"/>
+          </a:fillRef>
+          <a:effectRef idx="1">
+            <a:schemeClr val="accent5"/>
+          </a:effectRef>
+          <a:fontRef idx="minor">
+            <a:schemeClr val="tx1"/>
+          </a:fontRef>
+        </p:style>
+      </p:cxnSp>
+      <p:sp>
+        <p:nvSpPr>
+          <p:cNvPr id="51" name="Rectangle 50"/>
+          <p:cNvSpPr/>
+          <p:nvPr/>
+        </p:nvSpPr>
+        <p:spPr>
+          <a:xfrm>
+            <a:off x="783277" y="2316480"/>
+            <a:ext cx="10231120" cy="3493846"/>
           </a:xfrm>
           <a:prstGeom prst="rect">
             <a:avLst/>
@@ -51898,10 +53178,1708 @@
           </a:p>
         </p:txBody>
       </p:sp>
+      <p:sp>
+        <p:nvSpPr>
+          <p:cNvPr id="63" name="TextBox 62">
+            <a:extLst>
+              <a:ext uri="{FF2B5EF4-FFF2-40B4-BE49-F238E27FC236}">
+                <a16:creationId xmlns:a16="http://schemas.microsoft.com/office/drawing/2014/main" id="{934EC459-A3A5-42BF-994B-413EA71C58B4}"/>
+              </a:ext>
+            </a:extLst>
+          </p:cNvPr>
+          <p:cNvSpPr txBox="1"/>
+          <p:nvPr/>
+        </p:nvSpPr>
+        <p:spPr>
+          <a:xfrm>
+            <a:off x="3772407" y="5209259"/>
+            <a:ext cx="1942519" cy="307777"/>
+          </a:xfrm>
+          <a:prstGeom prst="rect">
+            <a:avLst/>
+          </a:prstGeom>
+          <a:noFill/>
+        </p:spPr>
+        <p:txBody>
+          <a:bodyPr wrap="none" lIns="0" tIns="0" rIns="0" bIns="0" rtlCol="0">
+            <a:spAutoFit/>
+          </a:bodyPr>
+          <a:lstStyle/>
+          <a:p>
+            <a:r>
+              <a:rPr lang="en-CA" sz="2000" dirty="0">
+                <a:solidFill>
+                  <a:schemeClr val="tx1">
+                    <a:lumMod val="65000"/>
+                    <a:lumOff val="35000"/>
+                  </a:schemeClr>
+                </a:solidFill>
+                <a:latin typeface="Segoe UI Light" pitchFamily="34" charset="0"/>
+              </a:rPr>
+              <a:t>Defect corrections</a:t>
+            </a:r>
+          </a:p>
+        </p:txBody>
+      </p:sp>
+      <p:sp>
+        <p:nvSpPr>
+          <p:cNvPr id="64" name="Rounded Rectangle 4">
+            <a:extLst>
+              <a:ext uri="{FF2B5EF4-FFF2-40B4-BE49-F238E27FC236}">
+                <a16:creationId xmlns:a16="http://schemas.microsoft.com/office/drawing/2014/main" id="{BAEB40E4-3A3F-4F2B-8C3F-EF0B9A3FD530}"/>
+              </a:ext>
+            </a:extLst>
+          </p:cNvPr>
+          <p:cNvSpPr/>
+          <p:nvPr/>
+        </p:nvSpPr>
+        <p:spPr>
+          <a:xfrm>
+            <a:off x="2884437" y="3297510"/>
+            <a:ext cx="723759" cy="186630"/>
+          </a:xfrm>
+          <a:prstGeom prst="roundRect">
+            <a:avLst/>
+          </a:prstGeom>
+          <a:noFill/>
+          <a:ln>
+            <a:solidFill>
+              <a:schemeClr val="accent5">
+                <a:lumMod val="50000"/>
+              </a:schemeClr>
+            </a:solidFill>
+          </a:ln>
+        </p:spPr>
+        <p:style>
+          <a:lnRef idx="2">
+            <a:schemeClr val="accent1">
+              <a:shade val="50000"/>
+            </a:schemeClr>
+          </a:lnRef>
+          <a:fillRef idx="1">
+            <a:schemeClr val="accent1"/>
+          </a:fillRef>
+          <a:effectRef idx="0">
+            <a:schemeClr val="accent1"/>
+          </a:effectRef>
+          <a:fontRef idx="minor">
+            <a:schemeClr val="lt1"/>
+          </a:fontRef>
+        </p:style>
+        <p:txBody>
+          <a:bodyPr lIns="36000" tIns="36000" rIns="36000" bIns="36000" rtlCol="0" anchor="ctr"/>
+          <a:lstStyle/>
+          <a:p>
+            <a:pPr algn="ctr"/>
+            <a:r>
+              <a:rPr lang="en-CA" sz="1000" dirty="0" err="1">
+                <a:solidFill>
+                  <a:srgbClr val="002060"/>
+                </a:solidFill>
+                <a:latin typeface="Segoe UI" panose="020B0502040204020203" pitchFamily="34" charset="0"/>
+                <a:cs typeface="Segoe UI" panose="020B0502040204020203" pitchFamily="34" charset="0"/>
+              </a:rPr>
+              <a:t>Rel</a:t>
+            </a:r>
+            <a:r>
+              <a:rPr lang="en-CA" sz="1000" dirty="0">
+                <a:solidFill>
+                  <a:srgbClr val="002060"/>
+                </a:solidFill>
+                <a:latin typeface="Segoe UI" panose="020B0502040204020203" pitchFamily="34" charset="0"/>
+                <a:cs typeface="Segoe UI" panose="020B0502040204020203" pitchFamily="34" charset="0"/>
+              </a:rPr>
+              <a:t> V1.0</a:t>
+            </a:r>
+          </a:p>
+        </p:txBody>
+      </p:sp>
+      <p:sp>
+        <p:nvSpPr>
+          <p:cNvPr id="68" name="Rounded Rectangle 4">
+            <a:extLst>
+              <a:ext uri="{FF2B5EF4-FFF2-40B4-BE49-F238E27FC236}">
+                <a16:creationId xmlns:a16="http://schemas.microsoft.com/office/drawing/2014/main" id="{2A909D0A-F159-440A-A1D6-E2D11FB7266E}"/>
+              </a:ext>
+            </a:extLst>
+          </p:cNvPr>
+          <p:cNvSpPr/>
+          <p:nvPr/>
+        </p:nvSpPr>
+        <p:spPr>
+          <a:xfrm>
+            <a:off x="2050425" y="3297510"/>
+            <a:ext cx="723759" cy="186630"/>
+          </a:xfrm>
+          <a:prstGeom prst="roundRect">
+            <a:avLst/>
+          </a:prstGeom>
+          <a:noFill/>
+          <a:ln>
+            <a:solidFill>
+              <a:schemeClr val="accent5">
+                <a:lumMod val="50000"/>
+              </a:schemeClr>
+            </a:solidFill>
+          </a:ln>
+        </p:spPr>
+        <p:style>
+          <a:lnRef idx="2">
+            <a:schemeClr val="accent1">
+              <a:shade val="50000"/>
+            </a:schemeClr>
+          </a:lnRef>
+          <a:fillRef idx="1">
+            <a:schemeClr val="accent1"/>
+          </a:fillRef>
+          <a:effectRef idx="0">
+            <a:schemeClr val="accent1"/>
+          </a:effectRef>
+          <a:fontRef idx="minor">
+            <a:schemeClr val="lt1"/>
+          </a:fontRef>
+        </p:style>
+        <p:txBody>
+          <a:bodyPr lIns="36000" tIns="36000" rIns="36000" bIns="36000" rtlCol="0" anchor="ctr"/>
+          <a:lstStyle/>
+          <a:p>
+            <a:pPr algn="ctr"/>
+            <a:r>
+              <a:rPr lang="en-CA" sz="1000" dirty="0">
+                <a:solidFill>
+                  <a:srgbClr val="002060"/>
+                </a:solidFill>
+                <a:latin typeface="Segoe UI" panose="020B0502040204020203" pitchFamily="34" charset="0"/>
+                <a:cs typeface="Segoe UI" panose="020B0502040204020203" pitchFamily="34" charset="0"/>
+              </a:rPr>
+              <a:t>Iteration n</a:t>
+            </a:r>
+          </a:p>
+        </p:txBody>
+      </p:sp>
+      <p:sp>
+        <p:nvSpPr>
+          <p:cNvPr id="75" name="Oval 74">
+            <a:extLst>
+              <a:ext uri="{FF2B5EF4-FFF2-40B4-BE49-F238E27FC236}">
+                <a16:creationId xmlns:a16="http://schemas.microsoft.com/office/drawing/2014/main" id="{F652058A-36C2-4A61-97E6-88C4249847A8}"/>
+              </a:ext>
+            </a:extLst>
+          </p:cNvPr>
+          <p:cNvSpPr/>
+          <p:nvPr/>
+        </p:nvSpPr>
+        <p:spPr bwMode="auto">
+          <a:xfrm>
+            <a:off x="4632266" y="4885190"/>
+            <a:ext cx="216000" cy="216000"/>
+          </a:xfrm>
+          <a:prstGeom prst="ellipse">
+            <a:avLst/>
+          </a:prstGeom>
+          <a:solidFill>
+            <a:schemeClr val="bg1"/>
+          </a:solidFill>
+          <a:ln w="25400">
+            <a:solidFill>
+              <a:srgbClr val="002060"/>
+            </a:solidFill>
+            <a:headEnd type="none" w="med" len="med"/>
+            <a:tailEnd type="none" w="med" len="med"/>
+          </a:ln>
+          <a:effectLst/>
+        </p:spPr>
+        <p:style>
+          <a:lnRef idx="1">
+            <a:schemeClr val="accent2"/>
+          </a:lnRef>
+          <a:fillRef idx="3">
+            <a:schemeClr val="accent2"/>
+          </a:fillRef>
+          <a:effectRef idx="2">
+            <a:schemeClr val="accent2"/>
+          </a:effectRef>
+          <a:fontRef idx="minor">
+            <a:schemeClr val="lt1"/>
+          </a:fontRef>
+        </p:style>
+        <p:txBody>
+          <a:bodyPr rot="0" spcFirstLastPara="0" vertOverflow="overflow" horzOverflow="overflow" vert="horz" wrap="square" lIns="0" tIns="0" rIns="0" bIns="0" numCol="1" spcCol="0" rtlCol="0" fromWordArt="0" anchor="b" anchorCtr="0" forceAA="0" compatLnSpc="1">
+            <a:prstTxWarp prst="textNoShape">
+              <a:avLst/>
+            </a:prstTxWarp>
+            <a:noAutofit/>
+          </a:bodyPr>
+          <a:lstStyle/>
+          <a:p>
+            <a:pPr algn="ctr" defTabSz="914099" fontAlgn="base">
+              <a:spcBef>
+                <a:spcPct val="0"/>
+              </a:spcBef>
+              <a:spcAft>
+                <a:spcPct val="0"/>
+              </a:spcAft>
+            </a:pPr>
+            <a:r>
+              <a:rPr lang="en-CA" sz="1000" spc="-50" dirty="0">
+                <a:solidFill>
+                  <a:srgbClr val="002060"/>
+                </a:solidFill>
+                <a:latin typeface="Segoe UI" pitchFamily="34" charset="0"/>
+                <a:ea typeface="Segoe UI" pitchFamily="34" charset="0"/>
+                <a:cs typeface="Segoe UI" pitchFamily="34" charset="0"/>
+              </a:rPr>
+              <a:t>C</a:t>
+            </a:r>
+          </a:p>
+        </p:txBody>
+      </p:sp>
+      <p:sp>
+        <p:nvSpPr>
+          <p:cNvPr id="35" name="TextBox 34">
+            <a:extLst>
+              <a:ext uri="{FF2B5EF4-FFF2-40B4-BE49-F238E27FC236}">
+                <a16:creationId xmlns:a16="http://schemas.microsoft.com/office/drawing/2014/main" id="{F440B7C0-23E7-4BA4-95AF-42DEC001F74E}"/>
+              </a:ext>
+            </a:extLst>
+          </p:cNvPr>
+          <p:cNvSpPr txBox="1"/>
+          <p:nvPr/>
+        </p:nvSpPr>
+        <p:spPr>
+          <a:xfrm>
+            <a:off x="10315236" y="3526567"/>
+            <a:ext cx="639599" cy="307777"/>
+          </a:xfrm>
+          <a:prstGeom prst="rect">
+            <a:avLst/>
+          </a:prstGeom>
+          <a:noFill/>
+        </p:spPr>
+        <p:txBody>
+          <a:bodyPr wrap="none" lIns="0" tIns="0" rIns="0" bIns="0" rtlCol="0">
+            <a:spAutoFit/>
+          </a:bodyPr>
+          <a:lstStyle/>
+          <a:p>
+            <a:r>
+              <a:rPr lang="en-CA" sz="2000" dirty="0">
+                <a:solidFill>
+                  <a:schemeClr val="tx1">
+                    <a:lumMod val="65000"/>
+                    <a:lumOff val="35000"/>
+                  </a:schemeClr>
+                </a:solidFill>
+                <a:latin typeface="Segoe UI Light" pitchFamily="34" charset="0"/>
+              </a:rPr>
+              <a:t> </a:t>
+            </a:r>
+            <a:r>
+              <a:rPr lang="en-CA" sz="2000" dirty="0" err="1">
+                <a:solidFill>
+                  <a:schemeClr val="tx1">
+                    <a:lumMod val="65000"/>
+                    <a:lumOff val="35000"/>
+                  </a:schemeClr>
+                </a:solidFill>
+                <a:latin typeface="Segoe UI Light" pitchFamily="34" charset="0"/>
+              </a:rPr>
+              <a:t>vnext</a:t>
+            </a:r>
+            <a:endParaRPr lang="en-CA" sz="2000" dirty="0">
+              <a:solidFill>
+                <a:schemeClr val="tx1">
+                  <a:lumMod val="65000"/>
+                  <a:lumOff val="35000"/>
+                </a:schemeClr>
+              </a:solidFill>
+              <a:latin typeface="Segoe UI Light" pitchFamily="34" charset="0"/>
+            </a:endParaRPr>
+          </a:p>
+        </p:txBody>
+      </p:sp>
+      <p:cxnSp>
+        <p:nvCxnSpPr>
+          <p:cNvPr id="38" name="Straight Arrow Connector 37">
+            <a:extLst>
+              <a:ext uri="{FF2B5EF4-FFF2-40B4-BE49-F238E27FC236}">
+                <a16:creationId xmlns:a16="http://schemas.microsoft.com/office/drawing/2014/main" id="{04FA2F02-FA2E-4CE8-8218-6C2AAA70BD30}"/>
+              </a:ext>
+            </a:extLst>
+          </p:cNvPr>
+          <p:cNvCxnSpPr>
+            <a:cxnSpLocks/>
+            <a:stCxn id="48" idx="6"/>
+          </p:cNvCxnSpPr>
+          <p:nvPr/>
+        </p:nvCxnSpPr>
+        <p:spPr>
+          <a:xfrm flipV="1">
+            <a:off x="8793831" y="4982708"/>
+            <a:ext cx="738789" cy="7222"/>
+          </a:xfrm>
+          <a:prstGeom prst="straightConnector1">
+            <a:avLst/>
+          </a:prstGeom>
+          <a:ln w="38100">
+            <a:solidFill>
+              <a:srgbClr val="002060"/>
+            </a:solidFill>
+            <a:tailEnd type="triangle" w="lg" len="med"/>
+          </a:ln>
+        </p:spPr>
+        <p:style>
+          <a:lnRef idx="2">
+            <a:schemeClr val="accent5"/>
+          </a:lnRef>
+          <a:fillRef idx="0">
+            <a:schemeClr val="accent5"/>
+          </a:fillRef>
+          <a:effectRef idx="1">
+            <a:schemeClr val="accent5"/>
+          </a:effectRef>
+          <a:fontRef idx="minor">
+            <a:schemeClr val="tx1"/>
+          </a:fontRef>
+        </p:style>
+      </p:cxnSp>
+      <p:sp>
+        <p:nvSpPr>
+          <p:cNvPr id="41" name="Oval 40">
+            <a:extLst>
+              <a:ext uri="{FF2B5EF4-FFF2-40B4-BE49-F238E27FC236}">
+                <a16:creationId xmlns:a16="http://schemas.microsoft.com/office/drawing/2014/main" id="{A21AC4CB-720A-4189-AD73-D4950F26C60D}"/>
+              </a:ext>
+            </a:extLst>
+          </p:cNvPr>
+          <p:cNvSpPr/>
+          <p:nvPr/>
+        </p:nvSpPr>
+        <p:spPr bwMode="auto">
+          <a:xfrm>
+            <a:off x="7709150" y="4881930"/>
+            <a:ext cx="216000" cy="216000"/>
+          </a:xfrm>
+          <a:prstGeom prst="ellipse">
+            <a:avLst/>
+          </a:prstGeom>
+          <a:solidFill>
+            <a:schemeClr val="bg1"/>
+          </a:solidFill>
+          <a:ln w="25400">
+            <a:solidFill>
+              <a:srgbClr val="002060"/>
+            </a:solidFill>
+            <a:headEnd type="none" w="med" len="med"/>
+            <a:tailEnd type="none" w="med" len="med"/>
+          </a:ln>
+          <a:effectLst/>
+        </p:spPr>
+        <p:style>
+          <a:lnRef idx="1">
+            <a:schemeClr val="accent2"/>
+          </a:lnRef>
+          <a:fillRef idx="3">
+            <a:schemeClr val="accent2"/>
+          </a:fillRef>
+          <a:effectRef idx="2">
+            <a:schemeClr val="accent2"/>
+          </a:effectRef>
+          <a:fontRef idx="minor">
+            <a:schemeClr val="lt1"/>
+          </a:fontRef>
+        </p:style>
+        <p:txBody>
+          <a:bodyPr rot="0" spcFirstLastPara="0" vertOverflow="overflow" horzOverflow="overflow" vert="horz" wrap="square" lIns="0" tIns="0" rIns="0" bIns="0" numCol="1" spcCol="0" rtlCol="0" fromWordArt="0" anchor="b" anchorCtr="0" forceAA="0" compatLnSpc="1">
+            <a:prstTxWarp prst="textNoShape">
+              <a:avLst/>
+            </a:prstTxWarp>
+            <a:noAutofit/>
+          </a:bodyPr>
+          <a:lstStyle/>
+          <a:p>
+            <a:pPr algn="ctr" defTabSz="914099" fontAlgn="base">
+              <a:spcBef>
+                <a:spcPct val="0"/>
+              </a:spcBef>
+              <a:spcAft>
+                <a:spcPct val="0"/>
+              </a:spcAft>
+            </a:pPr>
+            <a:r>
+              <a:rPr lang="en-CA" sz="1000" spc="-50" dirty="0">
+                <a:solidFill>
+                  <a:srgbClr val="002060"/>
+                </a:solidFill>
+                <a:latin typeface="Segoe UI" pitchFamily="34" charset="0"/>
+                <a:ea typeface="Segoe UI" pitchFamily="34" charset="0"/>
+                <a:cs typeface="Segoe UI" pitchFamily="34" charset="0"/>
+              </a:rPr>
+              <a:t>C</a:t>
+            </a:r>
+          </a:p>
+        </p:txBody>
+      </p:sp>
+      <p:cxnSp>
+        <p:nvCxnSpPr>
+          <p:cNvPr id="42" name="Curved Connector 10">
+            <a:extLst>
+              <a:ext uri="{FF2B5EF4-FFF2-40B4-BE49-F238E27FC236}">
+                <a16:creationId xmlns:a16="http://schemas.microsoft.com/office/drawing/2014/main" id="{D7BFCD1A-3569-41C0-B5D3-F44F93F9E15D}"/>
+              </a:ext>
+            </a:extLst>
+          </p:cNvPr>
+          <p:cNvCxnSpPr>
+            <a:cxnSpLocks/>
+            <a:stCxn id="44" idx="6"/>
+            <a:endCxn id="41" idx="2"/>
+          </p:cNvCxnSpPr>
+          <p:nvPr/>
+        </p:nvCxnSpPr>
+        <p:spPr>
+          <a:xfrm>
+            <a:off x="6878118" y="3680455"/>
+            <a:ext cx="831032" cy="1309475"/>
+          </a:xfrm>
+          <a:prstGeom prst="curvedConnector3">
+            <a:avLst>
+              <a:gd name="adj1" fmla="val 50000"/>
+            </a:avLst>
+          </a:prstGeom>
+          <a:ln w="38100">
+            <a:solidFill>
+              <a:srgbClr val="002060"/>
+            </a:solidFill>
+          </a:ln>
+        </p:spPr>
+        <p:style>
+          <a:lnRef idx="1">
+            <a:schemeClr val="accent1"/>
+          </a:lnRef>
+          <a:fillRef idx="0">
+            <a:schemeClr val="accent1"/>
+          </a:fillRef>
+          <a:effectRef idx="0">
+            <a:schemeClr val="accent1"/>
+          </a:effectRef>
+          <a:fontRef idx="minor">
+            <a:schemeClr val="tx1"/>
+          </a:fontRef>
+        </p:style>
+      </p:cxnSp>
+      <p:sp>
+        <p:nvSpPr>
+          <p:cNvPr id="43" name="TextBox 42">
+            <a:extLst>
+              <a:ext uri="{FF2B5EF4-FFF2-40B4-BE49-F238E27FC236}">
+                <a16:creationId xmlns:a16="http://schemas.microsoft.com/office/drawing/2014/main" id="{3541A8B8-4053-408E-A412-DD1D454345FD}"/>
+              </a:ext>
+            </a:extLst>
+          </p:cNvPr>
+          <p:cNvSpPr txBox="1"/>
+          <p:nvPr/>
+        </p:nvSpPr>
+        <p:spPr>
+          <a:xfrm>
+            <a:off x="6497423" y="4836041"/>
+            <a:ext cx="908903" cy="307777"/>
+          </a:xfrm>
+          <a:prstGeom prst="rect">
+            <a:avLst/>
+          </a:prstGeom>
+          <a:noFill/>
+        </p:spPr>
+        <p:txBody>
+          <a:bodyPr wrap="none" lIns="0" tIns="0" rIns="0" bIns="0" rtlCol="0">
+            <a:spAutoFit/>
+          </a:bodyPr>
+          <a:lstStyle/>
+          <a:p>
+            <a:r>
+              <a:rPr lang="en-CA" sz="2000" dirty="0">
+                <a:solidFill>
+                  <a:schemeClr val="tx1">
+                    <a:lumMod val="65000"/>
+                    <a:lumOff val="35000"/>
+                  </a:schemeClr>
+                </a:solidFill>
+                <a:latin typeface="Segoe UI Light" pitchFamily="34" charset="0"/>
+              </a:rPr>
+              <a:t>V2.00RC</a:t>
+            </a:r>
+          </a:p>
+        </p:txBody>
+      </p:sp>
+      <p:sp>
+        <p:nvSpPr>
+          <p:cNvPr id="44" name="Oval 43">
+            <a:extLst>
+              <a:ext uri="{FF2B5EF4-FFF2-40B4-BE49-F238E27FC236}">
+                <a16:creationId xmlns:a16="http://schemas.microsoft.com/office/drawing/2014/main" id="{138E82C1-BFC0-4A20-B2A1-F73FA27497C8}"/>
+              </a:ext>
+            </a:extLst>
+          </p:cNvPr>
+          <p:cNvSpPr/>
+          <p:nvPr/>
+        </p:nvSpPr>
+        <p:spPr bwMode="auto">
+          <a:xfrm>
+            <a:off x="6656971" y="3572455"/>
+            <a:ext cx="221147" cy="216000"/>
+          </a:xfrm>
+          <a:prstGeom prst="ellipse">
+            <a:avLst/>
+          </a:prstGeom>
+          <a:solidFill>
+            <a:schemeClr val="bg1"/>
+          </a:solidFill>
+          <a:ln w="25400">
+            <a:solidFill>
+              <a:srgbClr val="002060"/>
+            </a:solidFill>
+            <a:headEnd type="none" w="med" len="med"/>
+            <a:tailEnd type="none" w="med" len="med"/>
+          </a:ln>
+          <a:effectLst/>
+        </p:spPr>
+        <p:style>
+          <a:lnRef idx="1">
+            <a:schemeClr val="accent2"/>
+          </a:lnRef>
+          <a:fillRef idx="3">
+            <a:schemeClr val="accent2"/>
+          </a:fillRef>
+          <a:effectRef idx="2">
+            <a:schemeClr val="accent2"/>
+          </a:effectRef>
+          <a:fontRef idx="minor">
+            <a:schemeClr val="lt1"/>
+          </a:fontRef>
+        </p:style>
+        <p:txBody>
+          <a:bodyPr rot="0" spcFirstLastPara="0" vertOverflow="overflow" horzOverflow="overflow" vert="horz" wrap="square" lIns="0" tIns="0" rIns="0" bIns="0" numCol="1" spcCol="0" rtlCol="0" fromWordArt="0" anchor="b" anchorCtr="0" forceAA="0" compatLnSpc="1">
+            <a:prstTxWarp prst="textNoShape">
+              <a:avLst/>
+            </a:prstTxWarp>
+            <a:noAutofit/>
+          </a:bodyPr>
+          <a:lstStyle/>
+          <a:p>
+            <a:pPr algn="ctr" defTabSz="914099" fontAlgn="base">
+              <a:spcBef>
+                <a:spcPct val="0"/>
+              </a:spcBef>
+              <a:spcAft>
+                <a:spcPct val="0"/>
+              </a:spcAft>
+            </a:pPr>
+            <a:r>
+              <a:rPr lang="en-CA" sz="1000" spc="-50" dirty="0">
+                <a:solidFill>
+                  <a:srgbClr val="002060"/>
+                </a:solidFill>
+                <a:latin typeface="Segoe UI" pitchFamily="34" charset="0"/>
+                <a:ea typeface="Segoe UI" pitchFamily="34" charset="0"/>
+                <a:cs typeface="Segoe UI" pitchFamily="34" charset="0"/>
+              </a:rPr>
+              <a:t>B</a:t>
+            </a:r>
+          </a:p>
+        </p:txBody>
+      </p:sp>
+      <p:sp>
+        <p:nvSpPr>
+          <p:cNvPr id="45" name="Oval 44">
+            <a:extLst>
+              <a:ext uri="{FF2B5EF4-FFF2-40B4-BE49-F238E27FC236}">
+                <a16:creationId xmlns:a16="http://schemas.microsoft.com/office/drawing/2014/main" id="{FEE72148-F401-4715-BD96-9AC0426B04E5}"/>
+              </a:ext>
+            </a:extLst>
+          </p:cNvPr>
+          <p:cNvSpPr/>
+          <p:nvPr/>
+        </p:nvSpPr>
+        <p:spPr bwMode="auto">
+          <a:xfrm>
+            <a:off x="8662213" y="3572455"/>
+            <a:ext cx="216000" cy="216000"/>
+          </a:xfrm>
+          <a:prstGeom prst="ellipse">
+            <a:avLst/>
+          </a:prstGeom>
+          <a:solidFill>
+            <a:schemeClr val="bg1"/>
+          </a:solidFill>
+          <a:ln w="25400">
+            <a:solidFill>
+              <a:srgbClr val="002060"/>
+            </a:solidFill>
+            <a:headEnd type="none" w="med" len="med"/>
+            <a:tailEnd type="none" w="med" len="med"/>
+          </a:ln>
+          <a:effectLst/>
+        </p:spPr>
+        <p:style>
+          <a:lnRef idx="1">
+            <a:schemeClr val="accent2"/>
+          </a:lnRef>
+          <a:fillRef idx="3">
+            <a:schemeClr val="accent2"/>
+          </a:fillRef>
+          <a:effectRef idx="2">
+            <a:schemeClr val="accent2"/>
+          </a:effectRef>
+          <a:fontRef idx="minor">
+            <a:schemeClr val="lt1"/>
+          </a:fontRef>
+        </p:style>
+        <p:txBody>
+          <a:bodyPr rot="0" spcFirstLastPara="0" vertOverflow="overflow" horzOverflow="overflow" vert="horz" wrap="square" lIns="0" tIns="0" rIns="0" bIns="0" numCol="1" spcCol="0" rtlCol="0" fromWordArt="0" anchor="b" anchorCtr="0" forceAA="0" compatLnSpc="1">
+            <a:prstTxWarp prst="textNoShape">
+              <a:avLst/>
+            </a:prstTxWarp>
+            <a:noAutofit/>
+          </a:bodyPr>
+          <a:lstStyle/>
+          <a:p>
+            <a:pPr algn="ctr" defTabSz="914099" fontAlgn="base">
+              <a:spcBef>
+                <a:spcPct val="0"/>
+              </a:spcBef>
+              <a:spcAft>
+                <a:spcPct val="0"/>
+              </a:spcAft>
+            </a:pPr>
+            <a:r>
+              <a:rPr lang="en-CA" sz="1000" spc="-50" dirty="0">
+                <a:solidFill>
+                  <a:srgbClr val="002060"/>
+                </a:solidFill>
+                <a:latin typeface="Segoe UI" pitchFamily="34" charset="0"/>
+                <a:ea typeface="Segoe UI" pitchFamily="34" charset="0"/>
+                <a:cs typeface="Segoe UI" pitchFamily="34" charset="0"/>
+              </a:rPr>
+              <a:t>C</a:t>
+            </a:r>
+          </a:p>
+        </p:txBody>
+      </p:sp>
+      <p:cxnSp>
+        <p:nvCxnSpPr>
+          <p:cNvPr id="46" name="Straight Arrow Connector 45">
+            <a:extLst>
+              <a:ext uri="{FF2B5EF4-FFF2-40B4-BE49-F238E27FC236}">
+                <a16:creationId xmlns:a16="http://schemas.microsoft.com/office/drawing/2014/main" id="{2CCF40B4-80ED-4512-9370-08CEB9045256}"/>
+              </a:ext>
+            </a:extLst>
+          </p:cNvPr>
+          <p:cNvCxnSpPr>
+            <a:cxnSpLocks/>
+            <a:stCxn id="45" idx="6"/>
+            <a:endCxn id="47" idx="2"/>
+          </p:cNvCxnSpPr>
+          <p:nvPr/>
+        </p:nvCxnSpPr>
+        <p:spPr>
+          <a:xfrm>
+            <a:off x="8878213" y="3680455"/>
+            <a:ext cx="957856" cy="0"/>
+          </a:xfrm>
+          <a:prstGeom prst="straightConnector1">
+            <a:avLst/>
+          </a:prstGeom>
+          <a:ln w="38100">
+            <a:solidFill>
+              <a:srgbClr val="002060"/>
+            </a:solidFill>
+            <a:tailEnd type="none" w="lg" len="med"/>
+          </a:ln>
+        </p:spPr>
+        <p:style>
+          <a:lnRef idx="2">
+            <a:schemeClr val="accent5"/>
+          </a:lnRef>
+          <a:fillRef idx="0">
+            <a:schemeClr val="accent5"/>
+          </a:fillRef>
+          <a:effectRef idx="1">
+            <a:schemeClr val="accent5"/>
+          </a:effectRef>
+          <a:fontRef idx="minor">
+            <a:schemeClr val="tx1"/>
+          </a:fontRef>
+        </p:style>
+      </p:cxnSp>
+      <p:sp>
+        <p:nvSpPr>
+          <p:cNvPr id="47" name="Oval 46">
+            <a:extLst>
+              <a:ext uri="{FF2B5EF4-FFF2-40B4-BE49-F238E27FC236}">
+                <a16:creationId xmlns:a16="http://schemas.microsoft.com/office/drawing/2014/main" id="{8DF27064-D9AA-4ED1-9985-64BBE0DF02B6}"/>
+              </a:ext>
+            </a:extLst>
+          </p:cNvPr>
+          <p:cNvSpPr/>
+          <p:nvPr/>
+        </p:nvSpPr>
+        <p:spPr bwMode="auto">
+          <a:xfrm>
+            <a:off x="9836069" y="3572455"/>
+            <a:ext cx="216000" cy="216000"/>
+          </a:xfrm>
+          <a:prstGeom prst="ellipse">
+            <a:avLst/>
+          </a:prstGeom>
+          <a:solidFill>
+            <a:schemeClr val="bg1"/>
+          </a:solidFill>
+          <a:ln w="25400">
+            <a:solidFill>
+              <a:srgbClr val="002060"/>
+            </a:solidFill>
+            <a:headEnd type="none" w="med" len="med"/>
+            <a:tailEnd type="none" w="med" len="med"/>
+          </a:ln>
+          <a:effectLst/>
+        </p:spPr>
+        <p:style>
+          <a:lnRef idx="1">
+            <a:schemeClr val="accent2"/>
+          </a:lnRef>
+          <a:fillRef idx="3">
+            <a:schemeClr val="accent2"/>
+          </a:fillRef>
+          <a:effectRef idx="2">
+            <a:schemeClr val="accent2"/>
+          </a:effectRef>
+          <a:fontRef idx="minor">
+            <a:schemeClr val="lt1"/>
+          </a:fontRef>
+        </p:style>
+        <p:txBody>
+          <a:bodyPr rot="0" spcFirstLastPara="0" vertOverflow="overflow" horzOverflow="overflow" vert="horz" wrap="square" lIns="0" tIns="0" rIns="0" bIns="0" numCol="1" spcCol="0" rtlCol="0" fromWordArt="0" anchor="b" anchorCtr="0" forceAA="0" compatLnSpc="1">
+            <a:prstTxWarp prst="textNoShape">
+              <a:avLst/>
+            </a:prstTxWarp>
+            <a:noAutofit/>
+          </a:bodyPr>
+          <a:lstStyle/>
+          <a:p>
+            <a:pPr algn="ctr" defTabSz="914099" fontAlgn="base">
+              <a:spcBef>
+                <a:spcPct val="0"/>
+              </a:spcBef>
+              <a:spcAft>
+                <a:spcPct val="0"/>
+              </a:spcAft>
+            </a:pPr>
+            <a:r>
+              <a:rPr lang="en-CA" sz="1000" spc="-50" dirty="0">
+                <a:solidFill>
+                  <a:srgbClr val="002060"/>
+                </a:solidFill>
+                <a:latin typeface="Segoe UI" pitchFamily="34" charset="0"/>
+                <a:ea typeface="Segoe UI" pitchFamily="34" charset="0"/>
+                <a:cs typeface="Segoe UI" pitchFamily="34" charset="0"/>
+              </a:rPr>
+              <a:t>M</a:t>
+            </a:r>
+          </a:p>
+        </p:txBody>
+      </p:sp>
+      <p:sp>
+        <p:nvSpPr>
+          <p:cNvPr id="48" name="Oval 47">
+            <a:extLst>
+              <a:ext uri="{FF2B5EF4-FFF2-40B4-BE49-F238E27FC236}">
+                <a16:creationId xmlns:a16="http://schemas.microsoft.com/office/drawing/2014/main" id="{6567EF17-7E23-4E5A-8A3B-5307ED0F5214}"/>
+              </a:ext>
+            </a:extLst>
+          </p:cNvPr>
+          <p:cNvSpPr/>
+          <p:nvPr/>
+        </p:nvSpPr>
+        <p:spPr bwMode="auto">
+          <a:xfrm>
+            <a:off x="8577831" y="4881930"/>
+            <a:ext cx="216000" cy="216000"/>
+          </a:xfrm>
+          <a:prstGeom prst="ellipse">
+            <a:avLst/>
+          </a:prstGeom>
+          <a:solidFill>
+            <a:schemeClr val="bg1"/>
+          </a:solidFill>
+          <a:ln w="25400">
+            <a:solidFill>
+              <a:srgbClr val="002060"/>
+            </a:solidFill>
+            <a:headEnd type="none" w="med" len="med"/>
+            <a:tailEnd type="none" w="med" len="med"/>
+          </a:ln>
+          <a:effectLst/>
+        </p:spPr>
+        <p:style>
+          <a:lnRef idx="1">
+            <a:schemeClr val="accent2"/>
+          </a:lnRef>
+          <a:fillRef idx="3">
+            <a:schemeClr val="accent2"/>
+          </a:fillRef>
+          <a:effectRef idx="2">
+            <a:schemeClr val="accent2"/>
+          </a:effectRef>
+          <a:fontRef idx="minor">
+            <a:schemeClr val="lt1"/>
+          </a:fontRef>
+        </p:style>
+        <p:txBody>
+          <a:bodyPr rot="0" spcFirstLastPara="0" vertOverflow="overflow" horzOverflow="overflow" vert="horz" wrap="square" lIns="0" tIns="0" rIns="0" bIns="0" numCol="1" spcCol="0" rtlCol="0" fromWordArt="0" anchor="b" anchorCtr="0" forceAA="0" compatLnSpc="1">
+            <a:prstTxWarp prst="textNoShape">
+              <a:avLst/>
+            </a:prstTxWarp>
+            <a:noAutofit/>
+          </a:bodyPr>
+          <a:lstStyle/>
+          <a:p>
+            <a:pPr algn="ctr" defTabSz="914099" fontAlgn="base">
+              <a:spcBef>
+                <a:spcPct val="0"/>
+              </a:spcBef>
+              <a:spcAft>
+                <a:spcPct val="0"/>
+              </a:spcAft>
+            </a:pPr>
+            <a:r>
+              <a:rPr lang="en-CA" sz="1000" spc="-50" dirty="0">
+                <a:solidFill>
+                  <a:srgbClr val="002060"/>
+                </a:solidFill>
+                <a:latin typeface="Segoe UI" pitchFamily="34" charset="0"/>
+                <a:ea typeface="Segoe UI" pitchFamily="34" charset="0"/>
+                <a:cs typeface="Segoe UI" pitchFamily="34" charset="0"/>
+              </a:rPr>
+              <a:t>C</a:t>
+            </a:r>
+          </a:p>
+        </p:txBody>
+      </p:sp>
+      <p:cxnSp>
+        <p:nvCxnSpPr>
+          <p:cNvPr id="49" name="Straight Arrow Connector 48">
+            <a:extLst>
+              <a:ext uri="{FF2B5EF4-FFF2-40B4-BE49-F238E27FC236}">
+                <a16:creationId xmlns:a16="http://schemas.microsoft.com/office/drawing/2014/main" id="{A6440C88-B175-4F22-A21C-BE618CB43214}"/>
+              </a:ext>
+            </a:extLst>
+          </p:cNvPr>
+          <p:cNvCxnSpPr>
+            <a:cxnSpLocks/>
+            <a:stCxn id="41" idx="6"/>
+            <a:endCxn id="48" idx="2"/>
+          </p:cNvCxnSpPr>
+          <p:nvPr/>
+        </p:nvCxnSpPr>
+        <p:spPr>
+          <a:xfrm>
+            <a:off x="7925150" y="4989930"/>
+            <a:ext cx="652681" cy="0"/>
+          </a:xfrm>
+          <a:prstGeom prst="straightConnector1">
+            <a:avLst/>
+          </a:prstGeom>
+          <a:ln w="38100">
+            <a:solidFill>
+              <a:srgbClr val="002060"/>
+            </a:solidFill>
+            <a:tailEnd type="none" w="lg" len="med"/>
+          </a:ln>
+        </p:spPr>
+        <p:style>
+          <a:lnRef idx="2">
+            <a:schemeClr val="accent5"/>
+          </a:lnRef>
+          <a:fillRef idx="0">
+            <a:schemeClr val="accent5"/>
+          </a:fillRef>
+          <a:effectRef idx="1">
+            <a:schemeClr val="accent5"/>
+          </a:effectRef>
+          <a:fontRef idx="minor">
+            <a:schemeClr val="tx1"/>
+          </a:fontRef>
+        </p:style>
+      </p:cxnSp>
+      <p:cxnSp>
+        <p:nvCxnSpPr>
+          <p:cNvPr id="50" name="Curved Connector 22">
+            <a:extLst>
+              <a:ext uri="{FF2B5EF4-FFF2-40B4-BE49-F238E27FC236}">
+                <a16:creationId xmlns:a16="http://schemas.microsoft.com/office/drawing/2014/main" id="{08D7A676-22B9-40FC-9D46-449061E775B9}"/>
+              </a:ext>
+            </a:extLst>
+          </p:cNvPr>
+          <p:cNvCxnSpPr>
+            <a:cxnSpLocks/>
+            <a:stCxn id="47" idx="2"/>
+            <a:endCxn id="48" idx="6"/>
+          </p:cNvCxnSpPr>
+          <p:nvPr/>
+        </p:nvCxnSpPr>
+        <p:spPr>
+          <a:xfrm rot="10800000" flipV="1">
+            <a:off x="8793831" y="3680454"/>
+            <a:ext cx="1042238" cy="1309475"/>
+          </a:xfrm>
+          <a:prstGeom prst="curvedConnector3">
+            <a:avLst>
+              <a:gd name="adj1" fmla="val 50000"/>
+            </a:avLst>
+          </a:prstGeom>
+          <a:ln w="38100">
+            <a:solidFill>
+              <a:srgbClr val="002060"/>
+            </a:solidFill>
+          </a:ln>
+        </p:spPr>
+        <p:style>
+          <a:lnRef idx="1">
+            <a:schemeClr val="accent1"/>
+          </a:lnRef>
+          <a:fillRef idx="0">
+            <a:schemeClr val="accent1"/>
+          </a:fillRef>
+          <a:effectRef idx="0">
+            <a:schemeClr val="accent1"/>
+          </a:effectRef>
+          <a:fontRef idx="minor">
+            <a:schemeClr val="tx1"/>
+          </a:fontRef>
+        </p:style>
+      </p:cxnSp>
+      <p:sp>
+        <p:nvSpPr>
+          <p:cNvPr id="52" name="Isosceles Triangle 51">
+            <a:extLst>
+              <a:ext uri="{FF2B5EF4-FFF2-40B4-BE49-F238E27FC236}">
+                <a16:creationId xmlns:a16="http://schemas.microsoft.com/office/drawing/2014/main" id="{73FC5274-66FE-410D-A6CF-E4557024F62F}"/>
+              </a:ext>
+            </a:extLst>
+          </p:cNvPr>
+          <p:cNvSpPr/>
+          <p:nvPr/>
+        </p:nvSpPr>
+        <p:spPr>
+          <a:xfrm>
+            <a:off x="9204064" y="4249136"/>
+            <a:ext cx="216000" cy="164892"/>
+          </a:xfrm>
+          <a:prstGeom prst="triangle">
+            <a:avLst/>
+          </a:prstGeom>
+          <a:solidFill>
+            <a:srgbClr val="002060"/>
+          </a:solidFill>
+          <a:ln>
+            <a:noFill/>
+          </a:ln>
+        </p:spPr>
+        <p:style>
+          <a:lnRef idx="2">
+            <a:schemeClr val="accent1">
+              <a:shade val="50000"/>
+            </a:schemeClr>
+          </a:lnRef>
+          <a:fillRef idx="1">
+            <a:schemeClr val="accent1"/>
+          </a:fillRef>
+          <a:effectRef idx="0">
+            <a:schemeClr val="accent1"/>
+          </a:effectRef>
+          <a:fontRef idx="minor">
+            <a:schemeClr val="lt1"/>
+          </a:fontRef>
+        </p:style>
+        <p:txBody>
+          <a:bodyPr rtlCol="0" anchor="ctr"/>
+          <a:lstStyle/>
+          <a:p>
+            <a:pPr algn="ctr"/>
+            <a:endParaRPr lang="en-CA" dirty="0"/>
+          </a:p>
+        </p:txBody>
+      </p:sp>
+      <p:sp>
+        <p:nvSpPr>
+          <p:cNvPr id="53" name="TextBox 52">
+            <a:extLst>
+              <a:ext uri="{FF2B5EF4-FFF2-40B4-BE49-F238E27FC236}">
+                <a16:creationId xmlns:a16="http://schemas.microsoft.com/office/drawing/2014/main" id="{191911F1-C269-4869-826F-7CD36BD386A4}"/>
+              </a:ext>
+            </a:extLst>
+          </p:cNvPr>
+          <p:cNvSpPr txBox="1"/>
+          <p:nvPr/>
+        </p:nvSpPr>
+        <p:spPr>
+          <a:xfrm>
+            <a:off x="8847607" y="4154632"/>
+            <a:ext cx="415896" cy="369332"/>
+          </a:xfrm>
+          <a:prstGeom prst="rect">
+            <a:avLst/>
+          </a:prstGeom>
+          <a:noFill/>
+        </p:spPr>
+        <p:txBody>
+          <a:bodyPr wrap="square" rtlCol="0">
+            <a:spAutoFit/>
+          </a:bodyPr>
+          <a:lstStyle/>
+          <a:p>
+            <a:r>
+              <a:rPr lang="en-CA" dirty="0"/>
+              <a:t>RI</a:t>
+            </a:r>
+          </a:p>
+        </p:txBody>
+      </p:sp>
+      <p:cxnSp>
+        <p:nvCxnSpPr>
+          <p:cNvPr id="54" name="Straight Arrow Connector 53">
+            <a:extLst>
+              <a:ext uri="{FF2B5EF4-FFF2-40B4-BE49-F238E27FC236}">
+                <a16:creationId xmlns:a16="http://schemas.microsoft.com/office/drawing/2014/main" id="{8F8DF2F8-B6A7-467F-82C6-A34DDD95A8B3}"/>
+              </a:ext>
+            </a:extLst>
+          </p:cNvPr>
+          <p:cNvCxnSpPr>
+            <a:cxnSpLocks/>
+            <a:stCxn id="44" idx="6"/>
+            <a:endCxn id="45" idx="2"/>
+          </p:cNvCxnSpPr>
+          <p:nvPr/>
+        </p:nvCxnSpPr>
+        <p:spPr>
+          <a:xfrm>
+            <a:off x="6878118" y="3680455"/>
+            <a:ext cx="1784095" cy="0"/>
+          </a:xfrm>
+          <a:prstGeom prst="straightConnector1">
+            <a:avLst/>
+          </a:prstGeom>
+          <a:ln w="38100">
+            <a:solidFill>
+              <a:srgbClr val="002060"/>
+            </a:solidFill>
+            <a:tailEnd type="none" w="lg" len="med"/>
+          </a:ln>
+        </p:spPr>
+        <p:style>
+          <a:lnRef idx="2">
+            <a:schemeClr val="accent5"/>
+          </a:lnRef>
+          <a:fillRef idx="0">
+            <a:schemeClr val="accent5"/>
+          </a:fillRef>
+          <a:effectRef idx="1">
+            <a:schemeClr val="accent5"/>
+          </a:effectRef>
+          <a:fontRef idx="minor">
+            <a:schemeClr val="tx1"/>
+          </a:fontRef>
+        </p:style>
+      </p:cxnSp>
+      <p:sp>
+        <p:nvSpPr>
+          <p:cNvPr id="55" name="TextBox 54">
+            <a:extLst>
+              <a:ext uri="{FF2B5EF4-FFF2-40B4-BE49-F238E27FC236}">
+                <a16:creationId xmlns:a16="http://schemas.microsoft.com/office/drawing/2014/main" id="{D34CDA5E-20AC-4063-869B-1805E4F382A3}"/>
+              </a:ext>
+            </a:extLst>
+          </p:cNvPr>
+          <p:cNvSpPr txBox="1"/>
+          <p:nvPr/>
+        </p:nvSpPr>
+        <p:spPr>
+          <a:xfrm>
+            <a:off x="7293634" y="5208953"/>
+            <a:ext cx="1942519" cy="307777"/>
+          </a:xfrm>
+          <a:prstGeom prst="rect">
+            <a:avLst/>
+          </a:prstGeom>
+          <a:noFill/>
+        </p:spPr>
+        <p:txBody>
+          <a:bodyPr wrap="none" lIns="0" tIns="0" rIns="0" bIns="0" rtlCol="0">
+            <a:spAutoFit/>
+          </a:bodyPr>
+          <a:lstStyle/>
+          <a:p>
+            <a:r>
+              <a:rPr lang="en-CA" sz="2000" dirty="0">
+                <a:solidFill>
+                  <a:schemeClr val="tx1">
+                    <a:lumMod val="65000"/>
+                    <a:lumOff val="35000"/>
+                  </a:schemeClr>
+                </a:solidFill>
+                <a:latin typeface="Segoe UI Light" pitchFamily="34" charset="0"/>
+              </a:rPr>
+              <a:t>Defect corrections</a:t>
+            </a:r>
+          </a:p>
+        </p:txBody>
+      </p:sp>
+      <p:sp>
+        <p:nvSpPr>
+          <p:cNvPr id="56" name="Rounded Rectangle 4">
+            <a:extLst>
+              <a:ext uri="{FF2B5EF4-FFF2-40B4-BE49-F238E27FC236}">
+                <a16:creationId xmlns:a16="http://schemas.microsoft.com/office/drawing/2014/main" id="{88A4F3DF-E3E1-4C76-B51E-09ED7CCFB45F}"/>
+              </a:ext>
+            </a:extLst>
+          </p:cNvPr>
+          <p:cNvSpPr/>
+          <p:nvPr/>
+        </p:nvSpPr>
+        <p:spPr>
+          <a:xfrm>
+            <a:off x="6405664" y="3297204"/>
+            <a:ext cx="723759" cy="186630"/>
+          </a:xfrm>
+          <a:prstGeom prst="roundRect">
+            <a:avLst/>
+          </a:prstGeom>
+          <a:noFill/>
+          <a:ln>
+            <a:solidFill>
+              <a:schemeClr val="accent5">
+                <a:lumMod val="50000"/>
+              </a:schemeClr>
+            </a:solidFill>
+          </a:ln>
+        </p:spPr>
+        <p:style>
+          <a:lnRef idx="2">
+            <a:schemeClr val="accent1">
+              <a:shade val="50000"/>
+            </a:schemeClr>
+          </a:lnRef>
+          <a:fillRef idx="1">
+            <a:schemeClr val="accent1"/>
+          </a:fillRef>
+          <a:effectRef idx="0">
+            <a:schemeClr val="accent1"/>
+          </a:effectRef>
+          <a:fontRef idx="minor">
+            <a:schemeClr val="lt1"/>
+          </a:fontRef>
+        </p:style>
+        <p:txBody>
+          <a:bodyPr lIns="36000" tIns="36000" rIns="36000" bIns="36000" rtlCol="0" anchor="ctr"/>
+          <a:lstStyle/>
+          <a:p>
+            <a:pPr algn="ctr"/>
+            <a:r>
+              <a:rPr lang="en-CA" sz="1000" dirty="0" err="1">
+                <a:solidFill>
+                  <a:srgbClr val="002060"/>
+                </a:solidFill>
+                <a:latin typeface="Segoe UI" panose="020B0502040204020203" pitchFamily="34" charset="0"/>
+                <a:cs typeface="Segoe UI" panose="020B0502040204020203" pitchFamily="34" charset="0"/>
+              </a:rPr>
+              <a:t>Rel</a:t>
+            </a:r>
+            <a:r>
+              <a:rPr lang="en-CA" sz="1000" dirty="0">
+                <a:solidFill>
+                  <a:srgbClr val="002060"/>
+                </a:solidFill>
+                <a:latin typeface="Segoe UI" panose="020B0502040204020203" pitchFamily="34" charset="0"/>
+                <a:cs typeface="Segoe UI" panose="020B0502040204020203" pitchFamily="34" charset="0"/>
+              </a:rPr>
+              <a:t> V1.0</a:t>
+            </a:r>
+          </a:p>
+        </p:txBody>
+      </p:sp>
+      <p:cxnSp>
+        <p:nvCxnSpPr>
+          <p:cNvPr id="59" name="Straight Arrow Connector 58">
+            <a:extLst>
+              <a:ext uri="{FF2B5EF4-FFF2-40B4-BE49-F238E27FC236}">
+                <a16:creationId xmlns:a16="http://schemas.microsoft.com/office/drawing/2014/main" id="{3F50651B-02FD-423C-9B63-5F821AF00C5C}"/>
+              </a:ext>
+            </a:extLst>
+          </p:cNvPr>
+          <p:cNvCxnSpPr>
+            <a:cxnSpLocks/>
+            <a:stCxn id="83" idx="6"/>
+            <a:endCxn id="44" idx="2"/>
+          </p:cNvCxnSpPr>
+          <p:nvPr/>
+        </p:nvCxnSpPr>
+        <p:spPr>
+          <a:xfrm>
+            <a:off x="6530842" y="3680455"/>
+            <a:ext cx="126129" cy="0"/>
+          </a:xfrm>
+          <a:prstGeom prst="straightConnector1">
+            <a:avLst/>
+          </a:prstGeom>
+          <a:ln w="38100">
+            <a:solidFill>
+              <a:srgbClr val="002060"/>
+            </a:solidFill>
+            <a:tailEnd type="none" w="lg" len="med"/>
+          </a:ln>
+        </p:spPr>
+        <p:style>
+          <a:lnRef idx="2">
+            <a:schemeClr val="accent5"/>
+          </a:lnRef>
+          <a:fillRef idx="0">
+            <a:schemeClr val="accent5"/>
+          </a:fillRef>
+          <a:effectRef idx="1">
+            <a:schemeClr val="accent5"/>
+          </a:effectRef>
+          <a:fontRef idx="minor">
+            <a:schemeClr val="tx1"/>
+          </a:fontRef>
+        </p:style>
+      </p:cxnSp>
+      <p:sp>
+        <p:nvSpPr>
+          <p:cNvPr id="77" name="Oval 76">
+            <a:extLst>
+              <a:ext uri="{FF2B5EF4-FFF2-40B4-BE49-F238E27FC236}">
+                <a16:creationId xmlns:a16="http://schemas.microsoft.com/office/drawing/2014/main" id="{AC025247-256F-462B-A1C4-71F9829B40B7}"/>
+              </a:ext>
+            </a:extLst>
+          </p:cNvPr>
+          <p:cNvSpPr/>
+          <p:nvPr/>
+        </p:nvSpPr>
+        <p:spPr bwMode="auto">
+          <a:xfrm>
+            <a:off x="4295923" y="2814728"/>
+            <a:ext cx="216000" cy="216000"/>
+          </a:xfrm>
+          <a:prstGeom prst="ellipse">
+            <a:avLst/>
+          </a:prstGeom>
+          <a:solidFill>
+            <a:schemeClr val="bg1"/>
+          </a:solidFill>
+          <a:ln w="25400">
+            <a:solidFill>
+              <a:srgbClr val="002060"/>
+            </a:solidFill>
+            <a:headEnd type="none" w="med" len="med"/>
+            <a:tailEnd type="none" w="med" len="med"/>
+          </a:ln>
+          <a:effectLst/>
+        </p:spPr>
+        <p:style>
+          <a:lnRef idx="1">
+            <a:schemeClr val="accent2"/>
+          </a:lnRef>
+          <a:fillRef idx="3">
+            <a:schemeClr val="accent2"/>
+          </a:fillRef>
+          <a:effectRef idx="2">
+            <a:schemeClr val="accent2"/>
+          </a:effectRef>
+          <a:fontRef idx="minor">
+            <a:schemeClr val="lt1"/>
+          </a:fontRef>
+        </p:style>
+        <p:txBody>
+          <a:bodyPr rot="0" spcFirstLastPara="0" vertOverflow="overflow" horzOverflow="overflow" vert="horz" wrap="square" lIns="0" tIns="0" rIns="0" bIns="0" numCol="1" spcCol="0" rtlCol="0" fromWordArt="0" anchor="b" anchorCtr="0" forceAA="0" compatLnSpc="1">
+            <a:prstTxWarp prst="textNoShape">
+              <a:avLst/>
+            </a:prstTxWarp>
+            <a:noAutofit/>
+          </a:bodyPr>
+          <a:lstStyle/>
+          <a:p>
+            <a:pPr algn="ctr" defTabSz="914099" fontAlgn="base">
+              <a:spcBef>
+                <a:spcPct val="0"/>
+              </a:spcBef>
+              <a:spcAft>
+                <a:spcPct val="0"/>
+              </a:spcAft>
+            </a:pPr>
+            <a:r>
+              <a:rPr lang="en-CA" sz="1000" spc="-50" dirty="0">
+                <a:solidFill>
+                  <a:srgbClr val="002060"/>
+                </a:solidFill>
+                <a:latin typeface="Segoe UI" pitchFamily="34" charset="0"/>
+                <a:ea typeface="Segoe UI" pitchFamily="34" charset="0"/>
+                <a:cs typeface="Segoe UI" pitchFamily="34" charset="0"/>
+              </a:rPr>
+              <a:t>C</a:t>
+            </a:r>
+          </a:p>
+        </p:txBody>
+      </p:sp>
+      <p:cxnSp>
+        <p:nvCxnSpPr>
+          <p:cNvPr id="78" name="Curved Connector 10">
+            <a:extLst>
+              <a:ext uri="{FF2B5EF4-FFF2-40B4-BE49-F238E27FC236}">
+                <a16:creationId xmlns:a16="http://schemas.microsoft.com/office/drawing/2014/main" id="{267CF9EB-3E34-4023-A971-258C4144D14B}"/>
+              </a:ext>
+            </a:extLst>
+          </p:cNvPr>
+          <p:cNvCxnSpPr>
+            <a:cxnSpLocks/>
+            <a:stCxn id="39" idx="6"/>
+            <a:endCxn id="77" idx="2"/>
+          </p:cNvCxnSpPr>
+          <p:nvPr/>
+        </p:nvCxnSpPr>
+        <p:spPr>
+          <a:xfrm flipV="1">
+            <a:off x="3356891" y="2922728"/>
+            <a:ext cx="939032" cy="757727"/>
+          </a:xfrm>
+          <a:prstGeom prst="curvedConnector3">
+            <a:avLst>
+              <a:gd name="adj1" fmla="val 50000"/>
+            </a:avLst>
+          </a:prstGeom>
+          <a:ln w="38100">
+            <a:solidFill>
+              <a:srgbClr val="002060"/>
+            </a:solidFill>
+          </a:ln>
+        </p:spPr>
+        <p:style>
+          <a:lnRef idx="1">
+            <a:schemeClr val="accent1"/>
+          </a:lnRef>
+          <a:fillRef idx="0">
+            <a:schemeClr val="accent1"/>
+          </a:fillRef>
+          <a:effectRef idx="0">
+            <a:schemeClr val="accent1"/>
+          </a:effectRef>
+          <a:fontRef idx="minor">
+            <a:schemeClr val="tx1"/>
+          </a:fontRef>
+        </p:style>
+      </p:cxnSp>
+      <p:sp>
+        <p:nvSpPr>
+          <p:cNvPr id="81" name="Oval 80">
+            <a:extLst>
+              <a:ext uri="{FF2B5EF4-FFF2-40B4-BE49-F238E27FC236}">
+                <a16:creationId xmlns:a16="http://schemas.microsoft.com/office/drawing/2014/main" id="{AB8506AC-D47C-4D8B-B035-8D23B5F7C6AD}"/>
+              </a:ext>
+            </a:extLst>
+          </p:cNvPr>
+          <p:cNvSpPr/>
+          <p:nvPr/>
+        </p:nvSpPr>
+        <p:spPr bwMode="auto">
+          <a:xfrm>
+            <a:off x="5421935" y="3572455"/>
+            <a:ext cx="216000" cy="216000"/>
+          </a:xfrm>
+          <a:prstGeom prst="ellipse">
+            <a:avLst/>
+          </a:prstGeom>
+          <a:solidFill>
+            <a:schemeClr val="bg1"/>
+          </a:solidFill>
+          <a:ln w="25400">
+            <a:solidFill>
+              <a:srgbClr val="002060"/>
+            </a:solidFill>
+            <a:headEnd type="none" w="med" len="med"/>
+            <a:tailEnd type="none" w="med" len="med"/>
+          </a:ln>
+          <a:effectLst/>
+        </p:spPr>
+        <p:style>
+          <a:lnRef idx="1">
+            <a:schemeClr val="accent2"/>
+          </a:lnRef>
+          <a:fillRef idx="3">
+            <a:schemeClr val="accent2"/>
+          </a:fillRef>
+          <a:effectRef idx="2">
+            <a:schemeClr val="accent2"/>
+          </a:effectRef>
+          <a:fontRef idx="minor">
+            <a:schemeClr val="lt1"/>
+          </a:fontRef>
+        </p:style>
+        <p:txBody>
+          <a:bodyPr rot="0" spcFirstLastPara="0" vertOverflow="overflow" horzOverflow="overflow" vert="horz" wrap="square" lIns="0" tIns="0" rIns="0" bIns="0" numCol="1" spcCol="0" rtlCol="0" fromWordArt="0" anchor="b" anchorCtr="0" forceAA="0" compatLnSpc="1">
+            <a:prstTxWarp prst="textNoShape">
+              <a:avLst/>
+            </a:prstTxWarp>
+            <a:noAutofit/>
+          </a:bodyPr>
+          <a:lstStyle/>
+          <a:p>
+            <a:pPr algn="ctr" defTabSz="914099" fontAlgn="base">
+              <a:spcBef>
+                <a:spcPct val="0"/>
+              </a:spcBef>
+              <a:spcAft>
+                <a:spcPct val="0"/>
+              </a:spcAft>
+            </a:pPr>
+            <a:r>
+              <a:rPr lang="en-CA" sz="1000" spc="-50" dirty="0">
+                <a:solidFill>
+                  <a:srgbClr val="002060"/>
+                </a:solidFill>
+                <a:latin typeface="Segoe UI" pitchFamily="34" charset="0"/>
+                <a:ea typeface="Segoe UI" pitchFamily="34" charset="0"/>
+                <a:cs typeface="Segoe UI" pitchFamily="34" charset="0"/>
+              </a:rPr>
+              <a:t>M</a:t>
+            </a:r>
+          </a:p>
+        </p:txBody>
+      </p:sp>
+      <p:cxnSp>
+        <p:nvCxnSpPr>
+          <p:cNvPr id="84" name="Straight Arrow Connector 83">
+            <a:extLst>
+              <a:ext uri="{FF2B5EF4-FFF2-40B4-BE49-F238E27FC236}">
+                <a16:creationId xmlns:a16="http://schemas.microsoft.com/office/drawing/2014/main" id="{043CD200-FD60-4C96-A058-6125C5997A9C}"/>
+              </a:ext>
+            </a:extLst>
+          </p:cNvPr>
+          <p:cNvCxnSpPr>
+            <a:cxnSpLocks/>
+            <a:stCxn id="81" idx="6"/>
+            <a:endCxn id="83" idx="2"/>
+          </p:cNvCxnSpPr>
+          <p:nvPr/>
+        </p:nvCxnSpPr>
+        <p:spPr>
+          <a:xfrm>
+            <a:off x="5637935" y="3680455"/>
+            <a:ext cx="676907" cy="0"/>
+          </a:xfrm>
+          <a:prstGeom prst="straightConnector1">
+            <a:avLst/>
+          </a:prstGeom>
+          <a:ln w="38100">
+            <a:solidFill>
+              <a:srgbClr val="002060"/>
+            </a:solidFill>
+            <a:tailEnd type="none" w="lg" len="med"/>
+          </a:ln>
+        </p:spPr>
+        <p:style>
+          <a:lnRef idx="2">
+            <a:schemeClr val="accent5"/>
+          </a:lnRef>
+          <a:fillRef idx="0">
+            <a:schemeClr val="accent5"/>
+          </a:fillRef>
+          <a:effectRef idx="1">
+            <a:schemeClr val="accent5"/>
+          </a:effectRef>
+          <a:fontRef idx="minor">
+            <a:schemeClr val="tx1"/>
+          </a:fontRef>
+        </p:style>
+      </p:cxnSp>
+      <p:cxnSp>
+        <p:nvCxnSpPr>
+          <p:cNvPr id="86" name="Curved Connector 10">
+            <a:extLst>
+              <a:ext uri="{FF2B5EF4-FFF2-40B4-BE49-F238E27FC236}">
+                <a16:creationId xmlns:a16="http://schemas.microsoft.com/office/drawing/2014/main" id="{4C1A022B-1533-4334-A991-5ABC2C0D8910}"/>
+              </a:ext>
+            </a:extLst>
+          </p:cNvPr>
+          <p:cNvCxnSpPr>
+            <a:cxnSpLocks/>
+            <a:stCxn id="77" idx="6"/>
+            <a:endCxn id="81" idx="2"/>
+          </p:cNvCxnSpPr>
+          <p:nvPr/>
+        </p:nvCxnSpPr>
+        <p:spPr>
+          <a:xfrm>
+            <a:off x="4511923" y="2922728"/>
+            <a:ext cx="910012" cy="757727"/>
+          </a:xfrm>
+          <a:prstGeom prst="curvedConnector3">
+            <a:avLst>
+              <a:gd name="adj1" fmla="val 50000"/>
+            </a:avLst>
+          </a:prstGeom>
+          <a:ln w="38100">
+            <a:solidFill>
+              <a:srgbClr val="002060"/>
+            </a:solidFill>
+          </a:ln>
+        </p:spPr>
+        <p:style>
+          <a:lnRef idx="1">
+            <a:schemeClr val="accent1"/>
+          </a:lnRef>
+          <a:fillRef idx="0">
+            <a:schemeClr val="accent1"/>
+          </a:fillRef>
+          <a:effectRef idx="0">
+            <a:schemeClr val="accent1"/>
+          </a:effectRef>
+          <a:fontRef idx="minor">
+            <a:schemeClr val="tx1"/>
+          </a:fontRef>
+        </p:style>
+      </p:cxnSp>
+      <p:sp>
+        <p:nvSpPr>
+          <p:cNvPr id="93" name="TextBox 92">
+            <a:extLst>
+              <a:ext uri="{FF2B5EF4-FFF2-40B4-BE49-F238E27FC236}">
+                <a16:creationId xmlns:a16="http://schemas.microsoft.com/office/drawing/2014/main" id="{3E36F75C-4662-4C99-B02F-D6BCAF3E3378}"/>
+              </a:ext>
+            </a:extLst>
+          </p:cNvPr>
+          <p:cNvSpPr txBox="1"/>
+          <p:nvPr/>
+        </p:nvSpPr>
+        <p:spPr>
+          <a:xfrm>
+            <a:off x="3062547" y="2717737"/>
+            <a:ext cx="751488" cy="307777"/>
+          </a:xfrm>
+          <a:prstGeom prst="rect">
+            <a:avLst/>
+          </a:prstGeom>
+          <a:noFill/>
+        </p:spPr>
+        <p:txBody>
+          <a:bodyPr wrap="none" lIns="0" tIns="0" rIns="0" bIns="0" rtlCol="0">
+            <a:spAutoFit/>
+          </a:bodyPr>
+          <a:lstStyle/>
+          <a:p>
+            <a:r>
+              <a:rPr lang="en-CA" sz="2000" dirty="0">
+                <a:solidFill>
+                  <a:schemeClr val="tx1">
+                    <a:lumMod val="65000"/>
+                    <a:lumOff val="35000"/>
+                  </a:schemeClr>
+                </a:solidFill>
+                <a:latin typeface="Segoe UI Light" pitchFamily="34" charset="0"/>
+              </a:rPr>
+              <a:t>feature</a:t>
+            </a:r>
+          </a:p>
+        </p:txBody>
+      </p:sp>
+      <p:sp>
+        <p:nvSpPr>
+          <p:cNvPr id="94" name="Isosceles Triangle 93">
+            <a:extLst>
+              <a:ext uri="{FF2B5EF4-FFF2-40B4-BE49-F238E27FC236}">
+                <a16:creationId xmlns:a16="http://schemas.microsoft.com/office/drawing/2014/main" id="{5AD345A7-7A9B-46E9-BCF4-134348DEB9A7}"/>
+              </a:ext>
+            </a:extLst>
+          </p:cNvPr>
+          <p:cNvSpPr/>
+          <p:nvPr/>
+        </p:nvSpPr>
+        <p:spPr>
+          <a:xfrm rot="10800000">
+            <a:off x="4850185" y="3205973"/>
+            <a:ext cx="216000" cy="164892"/>
+          </a:xfrm>
+          <a:prstGeom prst="triangle">
+            <a:avLst/>
+          </a:prstGeom>
+          <a:solidFill>
+            <a:srgbClr val="002060"/>
+          </a:solidFill>
+          <a:ln>
+            <a:noFill/>
+          </a:ln>
+        </p:spPr>
+        <p:style>
+          <a:lnRef idx="2">
+            <a:schemeClr val="accent1">
+              <a:shade val="50000"/>
+            </a:schemeClr>
+          </a:lnRef>
+          <a:fillRef idx="1">
+            <a:schemeClr val="accent1"/>
+          </a:fillRef>
+          <a:effectRef idx="0">
+            <a:schemeClr val="accent1"/>
+          </a:effectRef>
+          <a:fontRef idx="minor">
+            <a:schemeClr val="lt1"/>
+          </a:fontRef>
+        </p:style>
+        <p:txBody>
+          <a:bodyPr rtlCol="0" anchor="ctr"/>
+          <a:lstStyle/>
+          <a:p>
+            <a:pPr algn="ctr"/>
+            <a:endParaRPr lang="en-CA" dirty="0"/>
+          </a:p>
+        </p:txBody>
+      </p:sp>
+      <p:sp>
+        <p:nvSpPr>
+          <p:cNvPr id="95" name="TextBox 94">
+            <a:extLst>
+              <a:ext uri="{FF2B5EF4-FFF2-40B4-BE49-F238E27FC236}">
+                <a16:creationId xmlns:a16="http://schemas.microsoft.com/office/drawing/2014/main" id="{A5A12982-FCC9-46EE-B129-502AA9DD9E44}"/>
+              </a:ext>
+            </a:extLst>
+          </p:cNvPr>
+          <p:cNvSpPr txBox="1"/>
+          <p:nvPr/>
+        </p:nvSpPr>
+        <p:spPr>
+          <a:xfrm>
+            <a:off x="4554375" y="3077780"/>
+            <a:ext cx="415896" cy="369332"/>
+          </a:xfrm>
+          <a:prstGeom prst="rect">
+            <a:avLst/>
+          </a:prstGeom>
+          <a:noFill/>
+        </p:spPr>
+        <p:txBody>
+          <a:bodyPr wrap="square" rtlCol="0">
+            <a:spAutoFit/>
+          </a:bodyPr>
+          <a:lstStyle/>
+          <a:p>
+            <a:r>
+              <a:rPr lang="en-CA" dirty="0"/>
+              <a:t>RI</a:t>
+            </a:r>
+          </a:p>
+        </p:txBody>
+      </p:sp>
     </p:spTree>
     <p:extLst>
       <p:ext uri="{BB962C8B-B14F-4D97-AF65-F5344CB8AC3E}">
-        <p14:creationId xmlns:p14="http://schemas.microsoft.com/office/powerpoint/2010/main" val="1600542662"/>
+        <p14:creationId xmlns:p14="http://schemas.microsoft.com/office/powerpoint/2010/main" val="1575912109"/>
       </p:ext>
     </p:extLst>
   </p:cSld>

--- a/src/Branching/TFVC Illustration Collection 1 New Style.pptx
+++ b/src/Branching/TFVC Illustration Collection 1 New Style.pptx
@@ -260,7 +260,7 @@
           <a:p>
             <a:fld id="{8A8F1003-D25F-438A-B75F-2326FCAC45A1}" type="datetimeFigureOut">
               <a:rPr lang="en-CA" smtClean="0"/>
-              <a:t>2017-03-08</a:t>
+              <a:t>2017-03-15</a:t>
             </a:fld>
             <a:endParaRPr lang="en-CA"/>
           </a:p>
@@ -430,7 +430,7 @@
           <a:p>
             <a:fld id="{8A8F1003-D25F-438A-B75F-2326FCAC45A1}" type="datetimeFigureOut">
               <a:rPr lang="en-CA" smtClean="0"/>
-              <a:t>2017-03-08</a:t>
+              <a:t>2017-03-15</a:t>
             </a:fld>
             <a:endParaRPr lang="en-CA"/>
           </a:p>
@@ -610,7 +610,7 @@
           <a:p>
             <a:fld id="{8A8F1003-D25F-438A-B75F-2326FCAC45A1}" type="datetimeFigureOut">
               <a:rPr lang="en-CA" smtClean="0"/>
-              <a:t>2017-03-08</a:t>
+              <a:t>2017-03-15</a:t>
             </a:fld>
             <a:endParaRPr lang="en-CA"/>
           </a:p>
@@ -929,7 +929,7 @@
           <a:p>
             <a:fld id="{8A8F1003-D25F-438A-B75F-2326FCAC45A1}" type="datetimeFigureOut">
               <a:rPr lang="en-CA" smtClean="0"/>
-              <a:t>2017-03-08</a:t>
+              <a:t>2017-03-15</a:t>
             </a:fld>
             <a:endParaRPr lang="en-CA"/>
           </a:p>
@@ -1175,7 +1175,7 @@
           <a:p>
             <a:fld id="{8A8F1003-D25F-438A-B75F-2326FCAC45A1}" type="datetimeFigureOut">
               <a:rPr lang="en-CA" smtClean="0"/>
-              <a:t>2017-03-08</a:t>
+              <a:t>2017-03-15</a:t>
             </a:fld>
             <a:endParaRPr lang="en-CA"/>
           </a:p>
@@ -1407,7 +1407,7 @@
           <a:p>
             <a:fld id="{8A8F1003-D25F-438A-B75F-2326FCAC45A1}" type="datetimeFigureOut">
               <a:rPr lang="en-CA" smtClean="0"/>
-              <a:t>2017-03-08</a:t>
+              <a:t>2017-03-15</a:t>
             </a:fld>
             <a:endParaRPr lang="en-CA"/>
           </a:p>
@@ -1774,7 +1774,7 @@
           <a:p>
             <a:fld id="{8A8F1003-D25F-438A-B75F-2326FCAC45A1}" type="datetimeFigureOut">
               <a:rPr lang="en-CA" smtClean="0"/>
-              <a:t>2017-03-08</a:t>
+              <a:t>2017-03-15</a:t>
             </a:fld>
             <a:endParaRPr lang="en-CA"/>
           </a:p>
@@ -1892,7 +1892,7 @@
           <a:p>
             <a:fld id="{8A8F1003-D25F-438A-B75F-2326FCAC45A1}" type="datetimeFigureOut">
               <a:rPr lang="en-CA" smtClean="0"/>
-              <a:t>2017-03-08</a:t>
+              <a:t>2017-03-15</a:t>
             </a:fld>
             <a:endParaRPr lang="en-CA"/>
           </a:p>
@@ -1987,7 +1987,7 @@
           <a:p>
             <a:fld id="{8A8F1003-D25F-438A-B75F-2326FCAC45A1}" type="datetimeFigureOut">
               <a:rPr lang="en-CA" smtClean="0"/>
-              <a:t>2017-03-08</a:t>
+              <a:t>2017-03-15</a:t>
             </a:fld>
             <a:endParaRPr lang="en-CA"/>
           </a:p>
@@ -2264,7 +2264,7 @@
           <a:p>
             <a:fld id="{8A8F1003-D25F-438A-B75F-2326FCAC45A1}" type="datetimeFigureOut">
               <a:rPr lang="en-CA" smtClean="0"/>
-              <a:t>2017-03-08</a:t>
+              <a:t>2017-03-15</a:t>
             </a:fld>
             <a:endParaRPr lang="en-CA"/>
           </a:p>
@@ -2517,7 +2517,7 @@
           <a:p>
             <a:fld id="{8A8F1003-D25F-438A-B75F-2326FCAC45A1}" type="datetimeFigureOut">
               <a:rPr lang="en-CA" smtClean="0"/>
-              <a:t>2017-03-08</a:t>
+              <a:t>2017-03-15</a:t>
             </a:fld>
             <a:endParaRPr lang="en-CA"/>
           </a:p>
@@ -2730,7 +2730,7 @@
           <a:p>
             <a:fld id="{8A8F1003-D25F-438A-B75F-2326FCAC45A1}" type="datetimeFigureOut">
               <a:rPr lang="en-CA" smtClean="0"/>
-              <a:t>2017-03-08</a:t>
+              <a:t>2017-03-15</a:t>
             </a:fld>
             <a:endParaRPr lang="en-CA"/>
           </a:p>
@@ -50676,8 +50676,8 @@
         </p:nvSpPr>
         <p:spPr>
           <a:xfrm>
-            <a:off x="3870594" y="3647626"/>
-            <a:ext cx="868828" cy="307777"/>
+            <a:off x="4116641" y="3641060"/>
+            <a:ext cx="436017" cy="307777"/>
           </a:xfrm>
           <a:prstGeom prst="rect">
             <a:avLst/>
@@ -50700,7 +50700,7 @@
                 </a:solidFill>
                 <a:latin typeface="Segoe UI Light" pitchFamily="34" charset="0"/>
               </a:rPr>
-              <a:t>V1.00RC</a:t>
+              <a:t>V1.0</a:t>
             </a:r>
           </a:p>
         </p:txBody>
@@ -51305,7 +51305,7 @@
         <p:spPr>
           <a:xfrm>
             <a:off x="8195160" y="2996995"/>
-            <a:ext cx="1064394" cy="307777"/>
+            <a:ext cx="625171" cy="307777"/>
           </a:xfrm>
           <a:prstGeom prst="rect">
             <a:avLst/>
@@ -51328,7 +51328,7 @@
                 </a:solidFill>
                 <a:latin typeface="Segoe UI Light" pitchFamily="34" charset="0"/>
               </a:rPr>
-              <a:t>Hot patch</a:t>
+              <a:t>Hotfix</a:t>
             </a:r>
           </a:p>
         </p:txBody>
@@ -52354,8 +52354,8 @@
         </p:nvSpPr>
         <p:spPr>
           <a:xfrm>
-            <a:off x="2742834" y="4836346"/>
-            <a:ext cx="868828" cy="307777"/>
+            <a:off x="2967779" y="4828819"/>
+            <a:ext cx="567463" cy="307777"/>
           </a:xfrm>
           <a:prstGeom prst="rect">
             <a:avLst/>
@@ -52378,7 +52378,7 @@
                 </a:solidFill>
                 <a:latin typeface="Segoe UI Light" pitchFamily="34" charset="0"/>
               </a:rPr>
-              <a:t>V1.00RC</a:t>
+              <a:t>V1.00</a:t>
             </a:r>
           </a:p>
         </p:txBody>
@@ -53139,7 +53139,7 @@
         </p:nvSpPr>
         <p:spPr>
           <a:xfrm>
-            <a:off x="783277" y="2316480"/>
+            <a:off x="850689" y="2335660"/>
             <a:ext cx="10231120" cy="3493846"/>
           </a:xfrm>
           <a:prstGeom prst="rect">
@@ -53682,7 +53682,7 @@
         <p:spPr>
           <a:xfrm>
             <a:off x="6497423" y="4836041"/>
-            <a:ext cx="908903" cy="307777"/>
+            <a:ext cx="607539" cy="307777"/>
           </a:xfrm>
           <a:prstGeom prst="rect">
             <a:avLst/>
@@ -53705,7 +53705,7 @@
                 </a:solidFill>
                 <a:latin typeface="Segoe UI Light" pitchFamily="34" charset="0"/>
               </a:rPr>
-              <a:t>V2.00RC</a:t>
+              <a:t>V2.00</a:t>
             </a:r>
           </a:p>
         </p:txBody>
@@ -54872,6 +54872,92 @@
             <a:r>
               <a:rPr lang="en-CA" dirty="0"/>
               <a:t>RI</a:t>
+            </a:r>
+          </a:p>
+        </p:txBody>
+      </p:sp>
+      <p:sp>
+        <p:nvSpPr>
+          <p:cNvPr id="57" name="TextBox 56">
+            <a:extLst>
+              <a:ext uri="{FF2B5EF4-FFF2-40B4-BE49-F238E27FC236}">
+                <a16:creationId xmlns:a16="http://schemas.microsoft.com/office/drawing/2014/main" id="{7A9C94A4-4E35-4966-A5BE-F68066D1AFC0}"/>
+              </a:ext>
+            </a:extLst>
+          </p:cNvPr>
+          <p:cNvSpPr txBox="1"/>
+          <p:nvPr/>
+        </p:nvSpPr>
+        <p:spPr>
+          <a:xfrm>
+            <a:off x="5966249" y="4185409"/>
+            <a:ext cx="625171" cy="307777"/>
+          </a:xfrm>
+          <a:prstGeom prst="rect">
+            <a:avLst/>
+          </a:prstGeom>
+          <a:noFill/>
+        </p:spPr>
+        <p:txBody>
+          <a:bodyPr wrap="none" lIns="0" tIns="0" rIns="0" bIns="0" rtlCol="0">
+            <a:spAutoFit/>
+          </a:bodyPr>
+          <a:lstStyle/>
+          <a:p>
+            <a:r>
+              <a:rPr lang="en-CA" sz="2000" dirty="0">
+                <a:solidFill>
+                  <a:schemeClr val="tx1">
+                    <a:lumMod val="65000"/>
+                    <a:lumOff val="35000"/>
+                  </a:schemeClr>
+                </a:solidFill>
+                <a:latin typeface="Segoe UI Light" pitchFamily="34" charset="0"/>
+              </a:rPr>
+              <a:t>Hotfix</a:t>
+            </a:r>
+          </a:p>
+        </p:txBody>
+      </p:sp>
+      <p:sp>
+        <p:nvSpPr>
+          <p:cNvPr id="58" name="TextBox 57">
+            <a:extLst>
+              <a:ext uri="{FF2B5EF4-FFF2-40B4-BE49-F238E27FC236}">
+                <a16:creationId xmlns:a16="http://schemas.microsoft.com/office/drawing/2014/main" id="{EF0FA4B3-860E-4B50-AA0E-CD617C50FFB8}"/>
+              </a:ext>
+            </a:extLst>
+          </p:cNvPr>
+          <p:cNvSpPr txBox="1"/>
+          <p:nvPr/>
+        </p:nvSpPr>
+        <p:spPr>
+          <a:xfrm>
+            <a:off x="9497181" y="4181306"/>
+            <a:ext cx="625171" cy="307777"/>
+          </a:xfrm>
+          <a:prstGeom prst="rect">
+            <a:avLst/>
+          </a:prstGeom>
+          <a:noFill/>
+        </p:spPr>
+        <p:txBody>
+          <a:bodyPr wrap="none" lIns="0" tIns="0" rIns="0" bIns="0" rtlCol="0">
+            <a:spAutoFit/>
+          </a:bodyPr>
+          <a:lstStyle/>
+          <a:p>
+            <a:r>
+              <a:rPr lang="en-CA" sz="2000" dirty="0">
+                <a:solidFill>
+                  <a:schemeClr val="tx1">
+                    <a:lumMod val="65000"/>
+                    <a:lumOff val="35000"/>
+                  </a:schemeClr>
+                </a:solidFill>
+                <a:latin typeface="Segoe UI Light" pitchFamily="34" charset="0"/>
+              </a:rPr>
+              <a:t>Hotfix</a:t>
             </a:r>
           </a:p>
         </p:txBody>

--- a/src/Branching/TFVC Illustration Collection 1 New Style.pptx
+++ b/src/Branching/TFVC Illustration Collection 1 New Style.pptx
@@ -6,19 +6,20 @@
   </p:sldMasterIdLst>
   <p:sldIdLst>
     <p:sldId id="269" r:id="rId2"/>
-    <p:sldId id="258" r:id="rId3"/>
-    <p:sldId id="261" r:id="rId4"/>
-    <p:sldId id="257" r:id="rId5"/>
-    <p:sldId id="268" r:id="rId6"/>
-    <p:sldId id="267" r:id="rId7"/>
-    <p:sldId id="259" r:id="rId8"/>
-    <p:sldId id="270" r:id="rId9"/>
-    <p:sldId id="271" r:id="rId10"/>
-    <p:sldId id="262" r:id="rId11"/>
-    <p:sldId id="263" r:id="rId12"/>
-    <p:sldId id="265" r:id="rId13"/>
-    <p:sldId id="266" r:id="rId14"/>
-    <p:sldId id="264" r:id="rId15"/>
+    <p:sldId id="272" r:id="rId3"/>
+    <p:sldId id="258" r:id="rId4"/>
+    <p:sldId id="261" r:id="rId5"/>
+    <p:sldId id="257" r:id="rId6"/>
+    <p:sldId id="268" r:id="rId7"/>
+    <p:sldId id="267" r:id="rId8"/>
+    <p:sldId id="259" r:id="rId9"/>
+    <p:sldId id="270" r:id="rId10"/>
+    <p:sldId id="273" r:id="rId11"/>
+    <p:sldId id="262" r:id="rId12"/>
+    <p:sldId id="263" r:id="rId13"/>
+    <p:sldId id="265" r:id="rId14"/>
+    <p:sldId id="266" r:id="rId15"/>
+    <p:sldId id="264" r:id="rId16"/>
   </p:sldIdLst>
   <p:sldSz cx="12192000" cy="6858000"/>
   <p:notesSz cx="6858000" cy="9144000"/>
@@ -123,10 +124,6 @@
     </p:ext>
   </p:extLst>
 </p:presentation>
-</file>
-
-<file path=ppt/revisionInfo.xml><?xml version="1.0" encoding="utf-8"?>
-<p1510:revInfo xmlns:a="http://schemas.openxmlformats.org/drawingml/2006/main" xmlns:r="http://schemas.openxmlformats.org/officeDocument/2006/relationships" xmlns:p1510="http://schemas.microsoft.com/office/powerpoint/2015/10/main"/>
 </file>
 
 <file path=ppt/slideLayouts/slideLayout1.xml><?xml version="1.0" encoding="utf-8"?>
@@ -260,7 +257,7 @@
           <a:p>
             <a:fld id="{8A8F1003-D25F-438A-B75F-2326FCAC45A1}" type="datetimeFigureOut">
               <a:rPr lang="en-CA" smtClean="0"/>
-              <a:t>2017-03-15</a:t>
+              <a:t>2018-04-25</a:t>
             </a:fld>
             <a:endParaRPr lang="en-CA"/>
           </a:p>
@@ -430,7 +427,7 @@
           <a:p>
             <a:fld id="{8A8F1003-D25F-438A-B75F-2326FCAC45A1}" type="datetimeFigureOut">
               <a:rPr lang="en-CA" smtClean="0"/>
-              <a:t>2017-03-15</a:t>
+              <a:t>2018-04-25</a:t>
             </a:fld>
             <a:endParaRPr lang="en-CA"/>
           </a:p>
@@ -610,7 +607,7 @@
           <a:p>
             <a:fld id="{8A8F1003-D25F-438A-B75F-2326FCAC45A1}" type="datetimeFigureOut">
               <a:rPr lang="en-CA" smtClean="0"/>
-              <a:t>2017-03-15</a:t>
+              <a:t>2018-04-25</a:t>
             </a:fld>
             <a:endParaRPr lang="en-CA"/>
           </a:p>
@@ -929,7 +926,7 @@
           <a:p>
             <a:fld id="{8A8F1003-D25F-438A-B75F-2326FCAC45A1}" type="datetimeFigureOut">
               <a:rPr lang="en-CA" smtClean="0"/>
-              <a:t>2017-03-15</a:t>
+              <a:t>2018-04-25</a:t>
             </a:fld>
             <a:endParaRPr lang="en-CA"/>
           </a:p>
@@ -1175,7 +1172,7 @@
           <a:p>
             <a:fld id="{8A8F1003-D25F-438A-B75F-2326FCAC45A1}" type="datetimeFigureOut">
               <a:rPr lang="en-CA" smtClean="0"/>
-              <a:t>2017-03-15</a:t>
+              <a:t>2018-04-25</a:t>
             </a:fld>
             <a:endParaRPr lang="en-CA"/>
           </a:p>
@@ -1407,7 +1404,7 @@
           <a:p>
             <a:fld id="{8A8F1003-D25F-438A-B75F-2326FCAC45A1}" type="datetimeFigureOut">
               <a:rPr lang="en-CA" smtClean="0"/>
-              <a:t>2017-03-15</a:t>
+              <a:t>2018-04-25</a:t>
             </a:fld>
             <a:endParaRPr lang="en-CA"/>
           </a:p>
@@ -1774,7 +1771,7 @@
           <a:p>
             <a:fld id="{8A8F1003-D25F-438A-B75F-2326FCAC45A1}" type="datetimeFigureOut">
               <a:rPr lang="en-CA" smtClean="0"/>
-              <a:t>2017-03-15</a:t>
+              <a:t>2018-04-25</a:t>
             </a:fld>
             <a:endParaRPr lang="en-CA"/>
           </a:p>
@@ -1892,7 +1889,7 @@
           <a:p>
             <a:fld id="{8A8F1003-D25F-438A-B75F-2326FCAC45A1}" type="datetimeFigureOut">
               <a:rPr lang="en-CA" smtClean="0"/>
-              <a:t>2017-03-15</a:t>
+              <a:t>2018-04-25</a:t>
             </a:fld>
             <a:endParaRPr lang="en-CA"/>
           </a:p>
@@ -1987,7 +1984,7 @@
           <a:p>
             <a:fld id="{8A8F1003-D25F-438A-B75F-2326FCAC45A1}" type="datetimeFigureOut">
               <a:rPr lang="en-CA" smtClean="0"/>
-              <a:t>2017-03-15</a:t>
+              <a:t>2018-04-25</a:t>
             </a:fld>
             <a:endParaRPr lang="en-CA"/>
           </a:p>
@@ -2264,7 +2261,7 @@
           <a:p>
             <a:fld id="{8A8F1003-D25F-438A-B75F-2326FCAC45A1}" type="datetimeFigureOut">
               <a:rPr lang="en-CA" smtClean="0"/>
-              <a:t>2017-03-15</a:t>
+              <a:t>2018-04-25</a:t>
             </a:fld>
             <a:endParaRPr lang="en-CA"/>
           </a:p>
@@ -2517,7 +2514,7 @@
           <a:p>
             <a:fld id="{8A8F1003-D25F-438A-B75F-2326FCAC45A1}" type="datetimeFigureOut">
               <a:rPr lang="en-CA" smtClean="0"/>
-              <a:t>2017-03-15</a:t>
+              <a:t>2018-04-25</a:t>
             </a:fld>
             <a:endParaRPr lang="en-CA"/>
           </a:p>
@@ -2730,7 +2727,7 @@
           <a:p>
             <a:fld id="{8A8F1003-D25F-438A-B75F-2326FCAC45A1}" type="datetimeFigureOut">
               <a:rPr lang="en-CA" smtClean="0"/>
-              <a:t>2017-03-15</a:t>
+              <a:t>2018-04-25</a:t>
             </a:fld>
             <a:endParaRPr lang="en-CA"/>
           </a:p>
@@ -4178,6 +4175,3069 @@
 </file>
 
 <file path=ppt/slides/slide10.xml><?xml version="1.0" encoding="utf-8"?>
+<p:sld xmlns:a="http://schemas.openxmlformats.org/drawingml/2006/main" xmlns:r="http://schemas.openxmlformats.org/officeDocument/2006/relationships" xmlns:p="http://schemas.openxmlformats.org/presentationml/2006/main">
+  <p:cSld>
+    <p:spTree>
+      <p:nvGrpSpPr>
+        <p:cNvPr id="1" name=""/>
+        <p:cNvGrpSpPr/>
+        <p:nvPr/>
+      </p:nvGrpSpPr>
+      <p:grpSpPr>
+        <a:xfrm>
+          <a:off x="0" y="0"/>
+          <a:ext cx="0" cy="0"/>
+          <a:chOff x="0" y="0"/>
+          <a:chExt cx="0" cy="0"/>
+        </a:xfrm>
+      </p:grpSpPr>
+      <p:cxnSp>
+        <p:nvCxnSpPr>
+          <p:cNvPr id="31" name="Straight Arrow Connector 30"/>
+          <p:cNvCxnSpPr>
+            <a:cxnSpLocks/>
+            <a:stCxn id="29" idx="6"/>
+          </p:cNvCxnSpPr>
+          <p:nvPr/>
+        </p:nvCxnSpPr>
+        <p:spPr>
+          <a:xfrm flipV="1">
+            <a:off x="5272604" y="4983363"/>
+            <a:ext cx="723447" cy="6873"/>
+          </a:xfrm>
+          <a:prstGeom prst="straightConnector1">
+            <a:avLst/>
+          </a:prstGeom>
+          <a:ln w="38100">
+            <a:solidFill>
+              <a:srgbClr val="002060"/>
+            </a:solidFill>
+            <a:tailEnd type="triangle" w="lg" len="med"/>
+          </a:ln>
+        </p:spPr>
+        <p:style>
+          <a:lnRef idx="2">
+            <a:schemeClr val="accent5"/>
+          </a:lnRef>
+          <a:fillRef idx="0">
+            <a:schemeClr val="accent5"/>
+          </a:fillRef>
+          <a:effectRef idx="1">
+            <a:schemeClr val="accent5"/>
+          </a:effectRef>
+          <a:fontRef idx="minor">
+            <a:schemeClr val="tx1"/>
+          </a:fontRef>
+        </p:style>
+      </p:cxnSp>
+      <p:sp>
+        <p:nvSpPr>
+          <p:cNvPr id="2" name="Title 1"/>
+          <p:cNvSpPr>
+            <a:spLocks noGrp="1"/>
+          </p:cNvSpPr>
+          <p:nvPr>
+            <p:ph type="title"/>
+          </p:nvPr>
+        </p:nvSpPr>
+        <p:spPr>
+          <a:xfrm>
+            <a:off x="325812" y="228600"/>
+            <a:ext cx="11396721" cy="387798"/>
+          </a:xfrm>
+        </p:spPr>
+        <p:txBody>
+          <a:bodyPr>
+            <a:normAutofit fontScale="90000"/>
+          </a:bodyPr>
+          <a:lstStyle/>
+          <a:p>
+            <a:pPr algn="r">
+              <a:tabLst>
+                <a:tab pos="111125" algn="l"/>
+                <a:tab pos="11314113" algn="r"/>
+              </a:tabLst>
+            </a:pPr>
+            <a:r>
+              <a:rPr lang="en-US" sz="2800" dirty="0">
+                <a:solidFill>
+                  <a:srgbClr val="9B4F96"/>
+                </a:solidFill>
+              </a:rPr>
+              <a:t>VISUAL STUDIO READINESS 	Release 2 Isolation – DevOps Article</a:t>
+            </a:r>
+          </a:p>
+        </p:txBody>
+      </p:sp>
+      <p:sp>
+        <p:nvSpPr>
+          <p:cNvPr id="79" name="Rectangle 78"/>
+          <p:cNvSpPr/>
+          <p:nvPr/>
+        </p:nvSpPr>
+        <p:spPr bwMode="auto">
+          <a:xfrm>
+            <a:off x="378686" y="617479"/>
+            <a:ext cx="11396721" cy="82550"/>
+          </a:xfrm>
+          <a:prstGeom prst="rect">
+            <a:avLst/>
+          </a:prstGeom>
+          <a:solidFill>
+            <a:srgbClr val="9B4F96"/>
+          </a:solidFill>
+          <a:ln>
+            <a:noFill/>
+            <a:headEnd type="none" w="med" len="med"/>
+            <a:tailEnd type="none" w="med" len="med"/>
+          </a:ln>
+          <a:effectLst/>
+        </p:spPr>
+        <p:style>
+          <a:lnRef idx="1">
+            <a:schemeClr val="accent2"/>
+          </a:lnRef>
+          <a:fillRef idx="3">
+            <a:schemeClr val="accent2"/>
+          </a:fillRef>
+          <a:effectRef idx="2">
+            <a:schemeClr val="accent2"/>
+          </a:effectRef>
+          <a:fontRef idx="minor">
+            <a:schemeClr val="lt1"/>
+          </a:fontRef>
+        </p:style>
+        <p:txBody>
+          <a:bodyPr rot="0" spcFirstLastPara="0" vertOverflow="overflow" horzOverflow="overflow" vert="horz" wrap="square" lIns="91440" tIns="45720" rIns="45720" bIns="91440" numCol="1" spcCol="0" rtlCol="0" fromWordArt="0" anchor="b" anchorCtr="0" forceAA="0" compatLnSpc="1">
+            <a:prstTxWarp prst="textNoShape">
+              <a:avLst/>
+            </a:prstTxWarp>
+            <a:noAutofit/>
+          </a:bodyPr>
+          <a:lstStyle/>
+          <a:p>
+            <a:pPr algn="ctr" defTabSz="914099" fontAlgn="base">
+              <a:spcBef>
+                <a:spcPct val="0"/>
+              </a:spcBef>
+              <a:spcAft>
+                <a:spcPct val="0"/>
+              </a:spcAft>
+            </a:pPr>
+            <a:endParaRPr lang="en-CA" spc="-50" dirty="0" err="1">
+              <a:gradFill>
+                <a:gsLst>
+                  <a:gs pos="0">
+                    <a:srgbClr val="FFFFFF"/>
+                  </a:gs>
+                  <a:gs pos="100000">
+                    <a:srgbClr val="FFFFFF"/>
+                  </a:gs>
+                </a:gsLst>
+                <a:lin ang="5400000" scaled="0"/>
+              </a:gradFill>
+              <a:latin typeface="Segoe UI" pitchFamily="34" charset="0"/>
+              <a:ea typeface="Segoe UI" pitchFamily="34" charset="0"/>
+              <a:cs typeface="Segoe UI" pitchFamily="34" charset="0"/>
+            </a:endParaRPr>
+          </a:p>
+        </p:txBody>
+      </p:sp>
+      <p:pic>
+        <p:nvPicPr>
+          <p:cNvPr id="80" name="Picture 79"/>
+          <p:cNvPicPr>
+            <a:picLocks noChangeAspect="1"/>
+          </p:cNvPicPr>
+          <p:nvPr/>
+        </p:nvPicPr>
+        <p:blipFill>
+          <a:blip r:embed="rId2" cstate="print">
+            <a:extLst>
+              <a:ext uri="{28A0092B-C50C-407E-A947-70E740481C1C}">
+                <a14:useLocalDpi xmlns:a14="http://schemas.microsoft.com/office/drawing/2010/main" val="0"/>
+              </a:ext>
+            </a:extLst>
+          </a:blip>
+          <a:stretch>
+            <a:fillRect/>
+          </a:stretch>
+        </p:blipFill>
+        <p:spPr>
+          <a:xfrm>
+            <a:off x="129775" y="5753686"/>
+            <a:ext cx="3219537" cy="1080000"/>
+          </a:xfrm>
+          <a:prstGeom prst="rect">
+            <a:avLst/>
+          </a:prstGeom>
+        </p:spPr>
+      </p:pic>
+      <p:cxnSp>
+        <p:nvCxnSpPr>
+          <p:cNvPr id="5" name="Straight Arrow Connector 4"/>
+          <p:cNvCxnSpPr>
+            <a:cxnSpLocks/>
+            <a:stCxn id="47" idx="6"/>
+            <a:endCxn id="35" idx="1"/>
+          </p:cNvCxnSpPr>
+          <p:nvPr/>
+        </p:nvCxnSpPr>
+        <p:spPr>
+          <a:xfrm>
+            <a:off x="10052069" y="3680455"/>
+            <a:ext cx="263167" cy="1"/>
+          </a:xfrm>
+          <a:prstGeom prst="straightConnector1">
+            <a:avLst/>
+          </a:prstGeom>
+          <a:ln w="38100">
+            <a:solidFill>
+              <a:srgbClr val="002060"/>
+            </a:solidFill>
+            <a:tailEnd type="triangle" w="lg" len="med"/>
+          </a:ln>
+        </p:spPr>
+        <p:style>
+          <a:lnRef idx="2">
+            <a:schemeClr val="accent5"/>
+          </a:lnRef>
+          <a:fillRef idx="0">
+            <a:schemeClr val="accent5"/>
+          </a:fillRef>
+          <a:effectRef idx="1">
+            <a:schemeClr val="accent5"/>
+          </a:effectRef>
+          <a:fontRef idx="minor">
+            <a:schemeClr val="tx1"/>
+          </a:fontRef>
+        </p:style>
+      </p:cxnSp>
+      <p:sp>
+        <p:nvSpPr>
+          <p:cNvPr id="7" name="Oval 6"/>
+          <p:cNvSpPr/>
+          <p:nvPr/>
+        </p:nvSpPr>
+        <p:spPr bwMode="auto">
+          <a:xfrm>
+            <a:off x="1869106" y="3572455"/>
+            <a:ext cx="216000" cy="216000"/>
+          </a:xfrm>
+          <a:prstGeom prst="ellipse">
+            <a:avLst/>
+          </a:prstGeom>
+          <a:solidFill>
+            <a:schemeClr val="bg1"/>
+          </a:solidFill>
+          <a:ln w="25400">
+            <a:solidFill>
+              <a:srgbClr val="002060"/>
+            </a:solidFill>
+            <a:headEnd type="none" w="med" len="med"/>
+            <a:tailEnd type="none" w="med" len="med"/>
+          </a:ln>
+          <a:effectLst/>
+        </p:spPr>
+        <p:style>
+          <a:lnRef idx="1">
+            <a:schemeClr val="accent2"/>
+          </a:lnRef>
+          <a:fillRef idx="3">
+            <a:schemeClr val="accent2"/>
+          </a:fillRef>
+          <a:effectRef idx="2">
+            <a:schemeClr val="accent2"/>
+          </a:effectRef>
+          <a:fontRef idx="minor">
+            <a:schemeClr val="lt1"/>
+          </a:fontRef>
+        </p:style>
+        <p:txBody>
+          <a:bodyPr rot="0" spcFirstLastPara="0" vertOverflow="overflow" horzOverflow="overflow" vert="horz" wrap="square" lIns="0" tIns="0" rIns="0" bIns="0" numCol="1" spcCol="0" rtlCol="0" fromWordArt="0" anchor="b" anchorCtr="0" forceAA="0" compatLnSpc="1">
+            <a:prstTxWarp prst="textNoShape">
+              <a:avLst/>
+            </a:prstTxWarp>
+            <a:noAutofit/>
+          </a:bodyPr>
+          <a:lstStyle/>
+          <a:p>
+            <a:pPr algn="ctr" defTabSz="914099" fontAlgn="base">
+              <a:spcBef>
+                <a:spcPct val="0"/>
+              </a:spcBef>
+              <a:spcAft>
+                <a:spcPct val="0"/>
+              </a:spcAft>
+            </a:pPr>
+            <a:r>
+              <a:rPr lang="en-CA" sz="1000" spc="-50" dirty="0">
+                <a:solidFill>
+                  <a:srgbClr val="002060"/>
+                </a:solidFill>
+                <a:latin typeface="Segoe UI" pitchFamily="34" charset="0"/>
+                <a:ea typeface="Segoe UI" pitchFamily="34" charset="0"/>
+                <a:cs typeface="Segoe UI" pitchFamily="34" charset="0"/>
+              </a:rPr>
+              <a:t>C</a:t>
+            </a:r>
+          </a:p>
+        </p:txBody>
+      </p:sp>
+      <p:sp>
+        <p:nvSpPr>
+          <p:cNvPr id="10" name="Oval 9"/>
+          <p:cNvSpPr/>
+          <p:nvPr/>
+        </p:nvSpPr>
+        <p:spPr bwMode="auto">
+          <a:xfrm>
+            <a:off x="4187923" y="4882236"/>
+            <a:ext cx="216000" cy="216000"/>
+          </a:xfrm>
+          <a:prstGeom prst="ellipse">
+            <a:avLst/>
+          </a:prstGeom>
+          <a:solidFill>
+            <a:schemeClr val="bg1"/>
+          </a:solidFill>
+          <a:ln w="25400">
+            <a:solidFill>
+              <a:srgbClr val="002060"/>
+            </a:solidFill>
+            <a:headEnd type="none" w="med" len="med"/>
+            <a:tailEnd type="none" w="med" len="med"/>
+          </a:ln>
+          <a:effectLst/>
+        </p:spPr>
+        <p:style>
+          <a:lnRef idx="1">
+            <a:schemeClr val="accent2"/>
+          </a:lnRef>
+          <a:fillRef idx="3">
+            <a:schemeClr val="accent2"/>
+          </a:fillRef>
+          <a:effectRef idx="2">
+            <a:schemeClr val="accent2"/>
+          </a:effectRef>
+          <a:fontRef idx="minor">
+            <a:schemeClr val="lt1"/>
+          </a:fontRef>
+        </p:style>
+        <p:txBody>
+          <a:bodyPr rot="0" spcFirstLastPara="0" vertOverflow="overflow" horzOverflow="overflow" vert="horz" wrap="square" lIns="0" tIns="0" rIns="0" bIns="0" numCol="1" spcCol="0" rtlCol="0" fromWordArt="0" anchor="b" anchorCtr="0" forceAA="0" compatLnSpc="1">
+            <a:prstTxWarp prst="textNoShape">
+              <a:avLst/>
+            </a:prstTxWarp>
+            <a:noAutofit/>
+          </a:bodyPr>
+          <a:lstStyle/>
+          <a:p>
+            <a:pPr algn="ctr" defTabSz="914099" fontAlgn="base">
+              <a:spcBef>
+                <a:spcPct val="0"/>
+              </a:spcBef>
+              <a:spcAft>
+                <a:spcPct val="0"/>
+              </a:spcAft>
+            </a:pPr>
+            <a:r>
+              <a:rPr lang="en-CA" sz="1000" spc="-50" dirty="0">
+                <a:solidFill>
+                  <a:srgbClr val="002060"/>
+                </a:solidFill>
+                <a:latin typeface="Segoe UI" pitchFamily="34" charset="0"/>
+                <a:ea typeface="Segoe UI" pitchFamily="34" charset="0"/>
+                <a:cs typeface="Segoe UI" pitchFamily="34" charset="0"/>
+              </a:rPr>
+              <a:t>C</a:t>
+            </a:r>
+          </a:p>
+        </p:txBody>
+      </p:sp>
+      <p:cxnSp>
+        <p:nvCxnSpPr>
+          <p:cNvPr id="11" name="Curved Connector 10"/>
+          <p:cNvCxnSpPr>
+            <a:cxnSpLocks/>
+            <a:stCxn id="39" idx="6"/>
+            <a:endCxn id="10" idx="2"/>
+          </p:cNvCxnSpPr>
+          <p:nvPr/>
+        </p:nvCxnSpPr>
+        <p:spPr>
+          <a:xfrm>
+            <a:off x="3356891" y="3680455"/>
+            <a:ext cx="831032" cy="1309781"/>
+          </a:xfrm>
+          <a:prstGeom prst="curvedConnector3">
+            <a:avLst>
+              <a:gd name="adj1" fmla="val 50000"/>
+            </a:avLst>
+          </a:prstGeom>
+          <a:ln w="38100">
+            <a:solidFill>
+              <a:srgbClr val="002060"/>
+            </a:solidFill>
+          </a:ln>
+        </p:spPr>
+        <p:style>
+          <a:lnRef idx="1">
+            <a:schemeClr val="accent1"/>
+          </a:lnRef>
+          <a:fillRef idx="0">
+            <a:schemeClr val="accent1"/>
+          </a:fillRef>
+          <a:effectRef idx="0">
+            <a:schemeClr val="accent1"/>
+          </a:effectRef>
+          <a:fontRef idx="minor">
+            <a:schemeClr val="tx1"/>
+          </a:fontRef>
+        </p:style>
+      </p:cxnSp>
+      <p:sp>
+        <p:nvSpPr>
+          <p:cNvPr id="9" name="TextBox 8"/>
+          <p:cNvSpPr txBox="1"/>
+          <p:nvPr/>
+        </p:nvSpPr>
+        <p:spPr>
+          <a:xfrm>
+            <a:off x="2967779" y="4828819"/>
+            <a:ext cx="567463" cy="307777"/>
+          </a:xfrm>
+          <a:prstGeom prst="rect">
+            <a:avLst/>
+          </a:prstGeom>
+          <a:noFill/>
+        </p:spPr>
+        <p:txBody>
+          <a:bodyPr wrap="none" lIns="0" tIns="0" rIns="0" bIns="0" rtlCol="0">
+            <a:spAutoFit/>
+          </a:bodyPr>
+          <a:lstStyle/>
+          <a:p>
+            <a:r>
+              <a:rPr lang="en-CA" sz="2000" dirty="0">
+                <a:solidFill>
+                  <a:schemeClr val="tx1">
+                    <a:lumMod val="65000"/>
+                    <a:lumOff val="35000"/>
+                  </a:schemeClr>
+                </a:solidFill>
+                <a:latin typeface="Segoe UI Light" pitchFamily="34" charset="0"/>
+              </a:rPr>
+              <a:t>V1.00</a:t>
+            </a:r>
+          </a:p>
+        </p:txBody>
+      </p:sp>
+      <p:sp>
+        <p:nvSpPr>
+          <p:cNvPr id="33" name="Oval 32"/>
+          <p:cNvSpPr/>
+          <p:nvPr/>
+        </p:nvSpPr>
+        <p:spPr bwMode="auto">
+          <a:xfrm>
+            <a:off x="2304305" y="3572455"/>
+            <a:ext cx="216000" cy="216000"/>
+          </a:xfrm>
+          <a:prstGeom prst="ellipse">
+            <a:avLst/>
+          </a:prstGeom>
+          <a:solidFill>
+            <a:schemeClr val="bg1"/>
+          </a:solidFill>
+          <a:ln w="25400">
+            <a:solidFill>
+              <a:srgbClr val="002060"/>
+            </a:solidFill>
+            <a:headEnd type="none" w="med" len="med"/>
+            <a:tailEnd type="none" w="med" len="med"/>
+          </a:ln>
+          <a:effectLst/>
+        </p:spPr>
+        <p:style>
+          <a:lnRef idx="1">
+            <a:schemeClr val="accent2"/>
+          </a:lnRef>
+          <a:fillRef idx="3">
+            <a:schemeClr val="accent2"/>
+          </a:fillRef>
+          <a:effectRef idx="2">
+            <a:schemeClr val="accent2"/>
+          </a:effectRef>
+          <a:fontRef idx="minor">
+            <a:schemeClr val="lt1"/>
+          </a:fontRef>
+        </p:style>
+        <p:txBody>
+          <a:bodyPr rot="0" spcFirstLastPara="0" vertOverflow="overflow" horzOverflow="overflow" vert="horz" wrap="square" lIns="0" tIns="0" rIns="0" bIns="0" numCol="1" spcCol="0" rtlCol="0" fromWordArt="0" anchor="b" anchorCtr="0" forceAA="0" compatLnSpc="1">
+            <a:prstTxWarp prst="textNoShape">
+              <a:avLst/>
+            </a:prstTxWarp>
+            <a:noAutofit/>
+          </a:bodyPr>
+          <a:lstStyle/>
+          <a:p>
+            <a:pPr algn="ctr" defTabSz="914099" fontAlgn="base">
+              <a:spcBef>
+                <a:spcPct val="0"/>
+              </a:spcBef>
+              <a:spcAft>
+                <a:spcPct val="0"/>
+              </a:spcAft>
+            </a:pPr>
+            <a:r>
+              <a:rPr lang="en-CA" sz="1000" spc="-50" dirty="0">
+                <a:solidFill>
+                  <a:srgbClr val="002060"/>
+                </a:solidFill>
+                <a:latin typeface="Segoe UI" pitchFamily="34" charset="0"/>
+                <a:ea typeface="Segoe UI" pitchFamily="34" charset="0"/>
+                <a:cs typeface="Segoe UI" pitchFamily="34" charset="0"/>
+              </a:rPr>
+              <a:t>C</a:t>
+            </a:r>
+          </a:p>
+        </p:txBody>
+      </p:sp>
+      <p:cxnSp>
+        <p:nvCxnSpPr>
+          <p:cNvPr id="34" name="Straight Arrow Connector 33"/>
+          <p:cNvCxnSpPr>
+            <a:cxnSpLocks/>
+            <a:stCxn id="7" idx="6"/>
+            <a:endCxn id="33" idx="2"/>
+          </p:cNvCxnSpPr>
+          <p:nvPr/>
+        </p:nvCxnSpPr>
+        <p:spPr>
+          <a:xfrm>
+            <a:off x="2085106" y="3680455"/>
+            <a:ext cx="219199" cy="0"/>
+          </a:xfrm>
+          <a:prstGeom prst="straightConnector1">
+            <a:avLst/>
+          </a:prstGeom>
+          <a:ln w="38100">
+            <a:solidFill>
+              <a:srgbClr val="002060"/>
+            </a:solidFill>
+            <a:tailEnd type="none" w="lg" len="med"/>
+          </a:ln>
+        </p:spPr>
+        <p:style>
+          <a:lnRef idx="2">
+            <a:schemeClr val="accent5"/>
+          </a:lnRef>
+          <a:fillRef idx="0">
+            <a:schemeClr val="accent5"/>
+          </a:fillRef>
+          <a:effectRef idx="1">
+            <a:schemeClr val="accent5"/>
+          </a:effectRef>
+          <a:fontRef idx="minor">
+            <a:schemeClr val="tx1"/>
+          </a:fontRef>
+        </p:style>
+      </p:cxnSp>
+      <p:sp>
+        <p:nvSpPr>
+          <p:cNvPr id="36" name="TextBox 35"/>
+          <p:cNvSpPr txBox="1"/>
+          <p:nvPr/>
+        </p:nvSpPr>
+        <p:spPr>
+          <a:xfrm>
+            <a:off x="880081" y="3526567"/>
+            <a:ext cx="656339" cy="307777"/>
+          </a:xfrm>
+          <a:prstGeom prst="rect">
+            <a:avLst/>
+          </a:prstGeom>
+          <a:noFill/>
+        </p:spPr>
+        <p:txBody>
+          <a:bodyPr wrap="square" lIns="0" tIns="0" rIns="0" bIns="0" rtlCol="0">
+            <a:spAutoFit/>
+          </a:bodyPr>
+          <a:lstStyle/>
+          <a:p>
+            <a:r>
+              <a:rPr lang="en-CA" sz="2000" dirty="0">
+                <a:solidFill>
+                  <a:schemeClr val="tx1">
+                    <a:lumMod val="65000"/>
+                    <a:lumOff val="35000"/>
+                  </a:schemeClr>
+                </a:solidFill>
+                <a:latin typeface="Segoe UI Light" pitchFamily="34" charset="0"/>
+              </a:rPr>
+              <a:t>main</a:t>
+            </a:r>
+          </a:p>
+        </p:txBody>
+      </p:sp>
+      <p:cxnSp>
+        <p:nvCxnSpPr>
+          <p:cNvPr id="37" name="Straight Arrow Connector 36"/>
+          <p:cNvCxnSpPr>
+            <a:cxnSpLocks/>
+            <a:stCxn id="7" idx="2"/>
+            <a:endCxn id="36" idx="3"/>
+          </p:cNvCxnSpPr>
+          <p:nvPr/>
+        </p:nvCxnSpPr>
+        <p:spPr>
+          <a:xfrm flipH="1">
+            <a:off x="1536420" y="3680455"/>
+            <a:ext cx="332686" cy="1"/>
+          </a:xfrm>
+          <a:prstGeom prst="straightConnector1">
+            <a:avLst/>
+          </a:prstGeom>
+          <a:ln w="38100">
+            <a:solidFill>
+              <a:srgbClr val="002060"/>
+            </a:solidFill>
+            <a:tailEnd type="none" w="lg" len="med"/>
+          </a:ln>
+        </p:spPr>
+        <p:style>
+          <a:lnRef idx="2">
+            <a:schemeClr val="accent5"/>
+          </a:lnRef>
+          <a:fillRef idx="0">
+            <a:schemeClr val="accent5"/>
+          </a:fillRef>
+          <a:effectRef idx="1">
+            <a:schemeClr val="accent5"/>
+          </a:effectRef>
+          <a:fontRef idx="minor">
+            <a:schemeClr val="tx1"/>
+          </a:fontRef>
+        </p:style>
+      </p:cxnSp>
+      <p:sp>
+        <p:nvSpPr>
+          <p:cNvPr id="39" name="Oval 38"/>
+          <p:cNvSpPr/>
+          <p:nvPr/>
+        </p:nvSpPr>
+        <p:spPr bwMode="auto">
+          <a:xfrm>
+            <a:off x="3135744" y="3572455"/>
+            <a:ext cx="221147" cy="216000"/>
+          </a:xfrm>
+          <a:prstGeom prst="ellipse">
+            <a:avLst/>
+          </a:prstGeom>
+          <a:solidFill>
+            <a:schemeClr val="bg1"/>
+          </a:solidFill>
+          <a:ln w="25400">
+            <a:solidFill>
+              <a:srgbClr val="002060"/>
+            </a:solidFill>
+            <a:headEnd type="none" w="med" len="med"/>
+            <a:tailEnd type="none" w="med" len="med"/>
+          </a:ln>
+          <a:effectLst/>
+        </p:spPr>
+        <p:style>
+          <a:lnRef idx="1">
+            <a:schemeClr val="accent2"/>
+          </a:lnRef>
+          <a:fillRef idx="3">
+            <a:schemeClr val="accent2"/>
+          </a:fillRef>
+          <a:effectRef idx="2">
+            <a:schemeClr val="accent2"/>
+          </a:effectRef>
+          <a:fontRef idx="minor">
+            <a:schemeClr val="lt1"/>
+          </a:fontRef>
+        </p:style>
+        <p:txBody>
+          <a:bodyPr rot="0" spcFirstLastPara="0" vertOverflow="overflow" horzOverflow="overflow" vert="horz" wrap="square" lIns="0" tIns="0" rIns="0" bIns="0" numCol="1" spcCol="0" rtlCol="0" fromWordArt="0" anchor="b" anchorCtr="0" forceAA="0" compatLnSpc="1">
+            <a:prstTxWarp prst="textNoShape">
+              <a:avLst/>
+            </a:prstTxWarp>
+            <a:noAutofit/>
+          </a:bodyPr>
+          <a:lstStyle/>
+          <a:p>
+            <a:pPr algn="ctr" defTabSz="914099" fontAlgn="base">
+              <a:spcBef>
+                <a:spcPct val="0"/>
+              </a:spcBef>
+              <a:spcAft>
+                <a:spcPct val="0"/>
+              </a:spcAft>
+            </a:pPr>
+            <a:r>
+              <a:rPr lang="en-CA" sz="1000" spc="-50" dirty="0">
+                <a:solidFill>
+                  <a:srgbClr val="002060"/>
+                </a:solidFill>
+                <a:latin typeface="Segoe UI" pitchFamily="34" charset="0"/>
+                <a:ea typeface="Segoe UI" pitchFamily="34" charset="0"/>
+                <a:cs typeface="Segoe UI" pitchFamily="34" charset="0"/>
+              </a:rPr>
+              <a:t>B</a:t>
+            </a:r>
+          </a:p>
+        </p:txBody>
+      </p:sp>
+      <p:cxnSp>
+        <p:nvCxnSpPr>
+          <p:cNvPr id="40" name="Straight Arrow Connector 39"/>
+          <p:cNvCxnSpPr>
+            <a:cxnSpLocks/>
+            <a:stCxn id="33" idx="6"/>
+            <a:endCxn id="39" idx="2"/>
+          </p:cNvCxnSpPr>
+          <p:nvPr/>
+        </p:nvCxnSpPr>
+        <p:spPr>
+          <a:xfrm>
+            <a:off x="2520305" y="3680455"/>
+            <a:ext cx="615439" cy="0"/>
+          </a:xfrm>
+          <a:prstGeom prst="straightConnector1">
+            <a:avLst/>
+          </a:prstGeom>
+          <a:ln w="38100">
+            <a:solidFill>
+              <a:srgbClr val="002060"/>
+            </a:solidFill>
+            <a:tailEnd type="none" w="lg" len="med"/>
+          </a:ln>
+        </p:spPr>
+        <p:style>
+          <a:lnRef idx="2">
+            <a:schemeClr val="accent5"/>
+          </a:lnRef>
+          <a:fillRef idx="0">
+            <a:schemeClr val="accent5"/>
+          </a:fillRef>
+          <a:effectRef idx="1">
+            <a:schemeClr val="accent5"/>
+          </a:effectRef>
+          <a:fontRef idx="minor">
+            <a:schemeClr val="tx1"/>
+          </a:fontRef>
+        </p:style>
+      </p:cxnSp>
+      <p:sp>
+        <p:nvSpPr>
+          <p:cNvPr id="67" name="Oval 66"/>
+          <p:cNvSpPr/>
+          <p:nvPr/>
+        </p:nvSpPr>
+        <p:spPr bwMode="auto">
+          <a:xfrm>
+            <a:off x="4568618" y="3572455"/>
+            <a:ext cx="216000" cy="216000"/>
+          </a:xfrm>
+          <a:prstGeom prst="ellipse">
+            <a:avLst/>
+          </a:prstGeom>
+          <a:solidFill>
+            <a:schemeClr val="bg1"/>
+          </a:solidFill>
+          <a:ln w="25400">
+            <a:solidFill>
+              <a:srgbClr val="002060"/>
+            </a:solidFill>
+            <a:headEnd type="none" w="med" len="med"/>
+            <a:tailEnd type="none" w="med" len="med"/>
+          </a:ln>
+          <a:effectLst/>
+        </p:spPr>
+        <p:style>
+          <a:lnRef idx="1">
+            <a:schemeClr val="accent2"/>
+          </a:lnRef>
+          <a:fillRef idx="3">
+            <a:schemeClr val="accent2"/>
+          </a:fillRef>
+          <a:effectRef idx="2">
+            <a:schemeClr val="accent2"/>
+          </a:effectRef>
+          <a:fontRef idx="minor">
+            <a:schemeClr val="lt1"/>
+          </a:fontRef>
+        </p:style>
+        <p:txBody>
+          <a:bodyPr rot="0" spcFirstLastPara="0" vertOverflow="overflow" horzOverflow="overflow" vert="horz" wrap="square" lIns="0" tIns="0" rIns="0" bIns="0" numCol="1" spcCol="0" rtlCol="0" fromWordArt="0" anchor="b" anchorCtr="0" forceAA="0" compatLnSpc="1">
+            <a:prstTxWarp prst="textNoShape">
+              <a:avLst/>
+            </a:prstTxWarp>
+            <a:noAutofit/>
+          </a:bodyPr>
+          <a:lstStyle/>
+          <a:p>
+            <a:pPr algn="ctr" defTabSz="914099" fontAlgn="base">
+              <a:spcBef>
+                <a:spcPct val="0"/>
+              </a:spcBef>
+              <a:spcAft>
+                <a:spcPct val="0"/>
+              </a:spcAft>
+            </a:pPr>
+            <a:r>
+              <a:rPr lang="en-CA" sz="1000" spc="-50" dirty="0">
+                <a:solidFill>
+                  <a:srgbClr val="002060"/>
+                </a:solidFill>
+                <a:latin typeface="Segoe UI" pitchFamily="34" charset="0"/>
+                <a:ea typeface="Segoe UI" pitchFamily="34" charset="0"/>
+                <a:cs typeface="Segoe UI" pitchFamily="34" charset="0"/>
+              </a:rPr>
+              <a:t>C</a:t>
+            </a:r>
+          </a:p>
+        </p:txBody>
+      </p:sp>
+      <p:cxnSp>
+        <p:nvCxnSpPr>
+          <p:cNvPr id="82" name="Straight Arrow Connector 81"/>
+          <p:cNvCxnSpPr>
+            <a:cxnSpLocks/>
+            <a:stCxn id="67" idx="6"/>
+            <a:endCxn id="81" idx="2"/>
+          </p:cNvCxnSpPr>
+          <p:nvPr/>
+        </p:nvCxnSpPr>
+        <p:spPr>
+          <a:xfrm>
+            <a:off x="4784618" y="3680455"/>
+            <a:ext cx="637317" cy="0"/>
+          </a:xfrm>
+          <a:prstGeom prst="straightConnector1">
+            <a:avLst/>
+          </a:prstGeom>
+          <a:ln w="38100">
+            <a:solidFill>
+              <a:srgbClr val="002060"/>
+            </a:solidFill>
+            <a:tailEnd type="none" w="lg" len="med"/>
+          </a:ln>
+        </p:spPr>
+        <p:style>
+          <a:lnRef idx="2">
+            <a:schemeClr val="accent5"/>
+          </a:lnRef>
+          <a:fillRef idx="0">
+            <a:schemeClr val="accent5"/>
+          </a:fillRef>
+          <a:effectRef idx="1">
+            <a:schemeClr val="accent5"/>
+          </a:effectRef>
+          <a:fontRef idx="minor">
+            <a:schemeClr val="tx1"/>
+          </a:fontRef>
+        </p:style>
+      </p:cxnSp>
+      <p:sp>
+        <p:nvSpPr>
+          <p:cNvPr id="83" name="Oval 82"/>
+          <p:cNvSpPr/>
+          <p:nvPr/>
+        </p:nvSpPr>
+        <p:spPr bwMode="auto">
+          <a:xfrm>
+            <a:off x="6314842" y="3572455"/>
+            <a:ext cx="216000" cy="216000"/>
+          </a:xfrm>
+          <a:prstGeom prst="ellipse">
+            <a:avLst/>
+          </a:prstGeom>
+          <a:solidFill>
+            <a:schemeClr val="bg1"/>
+          </a:solidFill>
+          <a:ln w="25400">
+            <a:solidFill>
+              <a:srgbClr val="002060"/>
+            </a:solidFill>
+            <a:headEnd type="none" w="med" len="med"/>
+            <a:tailEnd type="none" w="med" len="med"/>
+          </a:ln>
+          <a:effectLst/>
+        </p:spPr>
+        <p:style>
+          <a:lnRef idx="1">
+            <a:schemeClr val="accent2"/>
+          </a:lnRef>
+          <a:fillRef idx="3">
+            <a:schemeClr val="accent2"/>
+          </a:fillRef>
+          <a:effectRef idx="2">
+            <a:schemeClr val="accent2"/>
+          </a:effectRef>
+          <a:fontRef idx="minor">
+            <a:schemeClr val="lt1"/>
+          </a:fontRef>
+        </p:style>
+        <p:txBody>
+          <a:bodyPr rot="0" spcFirstLastPara="0" vertOverflow="overflow" horzOverflow="overflow" vert="horz" wrap="square" lIns="0" tIns="0" rIns="0" bIns="0" numCol="1" spcCol="0" rtlCol="0" fromWordArt="0" anchor="b" anchorCtr="0" forceAA="0" compatLnSpc="1">
+            <a:prstTxWarp prst="textNoShape">
+              <a:avLst/>
+            </a:prstTxWarp>
+            <a:noAutofit/>
+          </a:bodyPr>
+          <a:lstStyle/>
+          <a:p>
+            <a:pPr algn="ctr" defTabSz="914099" fontAlgn="base">
+              <a:spcBef>
+                <a:spcPct val="0"/>
+              </a:spcBef>
+              <a:spcAft>
+                <a:spcPct val="0"/>
+              </a:spcAft>
+            </a:pPr>
+            <a:r>
+              <a:rPr lang="en-CA" sz="1000" spc="-50" dirty="0">
+                <a:solidFill>
+                  <a:srgbClr val="002060"/>
+                </a:solidFill>
+                <a:latin typeface="Segoe UI" pitchFamily="34" charset="0"/>
+                <a:ea typeface="Segoe UI" pitchFamily="34" charset="0"/>
+                <a:cs typeface="Segoe UI" pitchFamily="34" charset="0"/>
+              </a:rPr>
+              <a:t>M</a:t>
+            </a:r>
+          </a:p>
+        </p:txBody>
+      </p:sp>
+      <p:sp>
+        <p:nvSpPr>
+          <p:cNvPr id="29" name="Oval 28"/>
+          <p:cNvSpPr/>
+          <p:nvPr/>
+        </p:nvSpPr>
+        <p:spPr bwMode="auto">
+          <a:xfrm>
+            <a:off x="5056604" y="4882236"/>
+            <a:ext cx="216000" cy="216000"/>
+          </a:xfrm>
+          <a:prstGeom prst="ellipse">
+            <a:avLst/>
+          </a:prstGeom>
+          <a:solidFill>
+            <a:schemeClr val="bg1"/>
+          </a:solidFill>
+          <a:ln w="25400">
+            <a:solidFill>
+              <a:srgbClr val="002060"/>
+            </a:solidFill>
+            <a:headEnd type="none" w="med" len="med"/>
+            <a:tailEnd type="none" w="med" len="med"/>
+          </a:ln>
+          <a:effectLst/>
+        </p:spPr>
+        <p:style>
+          <a:lnRef idx="1">
+            <a:schemeClr val="accent2"/>
+          </a:lnRef>
+          <a:fillRef idx="3">
+            <a:schemeClr val="accent2"/>
+          </a:fillRef>
+          <a:effectRef idx="2">
+            <a:schemeClr val="accent2"/>
+          </a:effectRef>
+          <a:fontRef idx="minor">
+            <a:schemeClr val="lt1"/>
+          </a:fontRef>
+        </p:style>
+        <p:txBody>
+          <a:bodyPr rot="0" spcFirstLastPara="0" vertOverflow="overflow" horzOverflow="overflow" vert="horz" wrap="square" lIns="0" tIns="0" rIns="0" bIns="0" numCol="1" spcCol="0" rtlCol="0" fromWordArt="0" anchor="b" anchorCtr="0" forceAA="0" compatLnSpc="1">
+            <a:prstTxWarp prst="textNoShape">
+              <a:avLst/>
+            </a:prstTxWarp>
+            <a:noAutofit/>
+          </a:bodyPr>
+          <a:lstStyle/>
+          <a:p>
+            <a:pPr algn="ctr" defTabSz="914099" fontAlgn="base">
+              <a:spcBef>
+                <a:spcPct val="0"/>
+              </a:spcBef>
+              <a:spcAft>
+                <a:spcPct val="0"/>
+              </a:spcAft>
+            </a:pPr>
+            <a:r>
+              <a:rPr lang="en-CA" sz="1000" spc="-50" dirty="0">
+                <a:solidFill>
+                  <a:srgbClr val="002060"/>
+                </a:solidFill>
+                <a:latin typeface="Segoe UI" pitchFamily="34" charset="0"/>
+                <a:ea typeface="Segoe UI" pitchFamily="34" charset="0"/>
+                <a:cs typeface="Segoe UI" pitchFamily="34" charset="0"/>
+              </a:rPr>
+              <a:t>C</a:t>
+            </a:r>
+          </a:p>
+        </p:txBody>
+      </p:sp>
+      <p:cxnSp>
+        <p:nvCxnSpPr>
+          <p:cNvPr id="88" name="Straight Arrow Connector 87"/>
+          <p:cNvCxnSpPr>
+            <a:cxnSpLocks/>
+            <a:stCxn id="10" idx="6"/>
+            <a:endCxn id="29" idx="2"/>
+          </p:cNvCxnSpPr>
+          <p:nvPr/>
+        </p:nvCxnSpPr>
+        <p:spPr>
+          <a:xfrm>
+            <a:off x="4403923" y="4990236"/>
+            <a:ext cx="652681" cy="0"/>
+          </a:xfrm>
+          <a:prstGeom prst="straightConnector1">
+            <a:avLst/>
+          </a:prstGeom>
+          <a:ln w="38100">
+            <a:solidFill>
+              <a:srgbClr val="002060"/>
+            </a:solidFill>
+            <a:tailEnd type="none" w="lg" len="med"/>
+          </a:ln>
+        </p:spPr>
+        <p:style>
+          <a:lnRef idx="2">
+            <a:schemeClr val="accent5"/>
+          </a:lnRef>
+          <a:fillRef idx="0">
+            <a:schemeClr val="accent5"/>
+          </a:fillRef>
+          <a:effectRef idx="1">
+            <a:schemeClr val="accent5"/>
+          </a:effectRef>
+          <a:fontRef idx="minor">
+            <a:schemeClr val="tx1"/>
+          </a:fontRef>
+        </p:style>
+      </p:cxnSp>
+      <p:cxnSp>
+        <p:nvCxnSpPr>
+          <p:cNvPr id="23" name="Curved Connector 22"/>
+          <p:cNvCxnSpPr>
+            <a:cxnSpLocks/>
+            <a:stCxn id="83" idx="2"/>
+            <a:endCxn id="29" idx="6"/>
+          </p:cNvCxnSpPr>
+          <p:nvPr/>
+        </p:nvCxnSpPr>
+        <p:spPr>
+          <a:xfrm rot="10800000" flipV="1">
+            <a:off x="5272604" y="3680454"/>
+            <a:ext cx="1042238" cy="1309781"/>
+          </a:xfrm>
+          <a:prstGeom prst="curvedConnector3">
+            <a:avLst>
+              <a:gd name="adj1" fmla="val 50000"/>
+            </a:avLst>
+          </a:prstGeom>
+          <a:ln w="38100">
+            <a:solidFill>
+              <a:srgbClr val="002060"/>
+            </a:solidFill>
+          </a:ln>
+        </p:spPr>
+        <p:style>
+          <a:lnRef idx="1">
+            <a:schemeClr val="accent1"/>
+          </a:lnRef>
+          <a:fillRef idx="0">
+            <a:schemeClr val="accent1"/>
+          </a:fillRef>
+          <a:effectRef idx="0">
+            <a:schemeClr val="accent1"/>
+          </a:effectRef>
+          <a:fontRef idx="minor">
+            <a:schemeClr val="tx1"/>
+          </a:fontRef>
+        </p:style>
+      </p:cxnSp>
+      <p:sp>
+        <p:nvSpPr>
+          <p:cNvPr id="24" name="Isosceles Triangle 23"/>
+          <p:cNvSpPr/>
+          <p:nvPr/>
+        </p:nvSpPr>
+        <p:spPr>
+          <a:xfrm>
+            <a:off x="5682837" y="4249442"/>
+            <a:ext cx="216000" cy="164892"/>
+          </a:xfrm>
+          <a:prstGeom prst="triangle">
+            <a:avLst/>
+          </a:prstGeom>
+          <a:solidFill>
+            <a:srgbClr val="002060"/>
+          </a:solidFill>
+          <a:ln>
+            <a:noFill/>
+          </a:ln>
+        </p:spPr>
+        <p:style>
+          <a:lnRef idx="2">
+            <a:schemeClr val="accent1">
+              <a:shade val="50000"/>
+            </a:schemeClr>
+          </a:lnRef>
+          <a:fillRef idx="1">
+            <a:schemeClr val="accent1"/>
+          </a:fillRef>
+          <a:effectRef idx="0">
+            <a:schemeClr val="accent1"/>
+          </a:effectRef>
+          <a:fontRef idx="minor">
+            <a:schemeClr val="lt1"/>
+          </a:fontRef>
+        </p:style>
+        <p:txBody>
+          <a:bodyPr rtlCol="0" anchor="ctr"/>
+          <a:lstStyle/>
+          <a:p>
+            <a:pPr algn="ctr"/>
+            <a:endParaRPr lang="en-CA" dirty="0"/>
+          </a:p>
+        </p:txBody>
+      </p:sp>
+      <p:sp>
+        <p:nvSpPr>
+          <p:cNvPr id="20" name="TextBox 19"/>
+          <p:cNvSpPr txBox="1"/>
+          <p:nvPr/>
+        </p:nvSpPr>
+        <p:spPr>
+          <a:xfrm>
+            <a:off x="5326380" y="4154938"/>
+            <a:ext cx="415896" cy="369332"/>
+          </a:xfrm>
+          <a:prstGeom prst="rect">
+            <a:avLst/>
+          </a:prstGeom>
+          <a:noFill/>
+        </p:spPr>
+        <p:txBody>
+          <a:bodyPr wrap="square" rtlCol="0">
+            <a:spAutoFit/>
+          </a:bodyPr>
+          <a:lstStyle/>
+          <a:p>
+            <a:r>
+              <a:rPr lang="en-CA" dirty="0"/>
+              <a:t>RI</a:t>
+            </a:r>
+          </a:p>
+        </p:txBody>
+      </p:sp>
+      <p:cxnSp>
+        <p:nvCxnSpPr>
+          <p:cNvPr id="62" name="Straight Arrow Connector 61"/>
+          <p:cNvCxnSpPr>
+            <a:cxnSpLocks/>
+            <a:stCxn id="39" idx="6"/>
+            <a:endCxn id="67" idx="2"/>
+          </p:cNvCxnSpPr>
+          <p:nvPr/>
+        </p:nvCxnSpPr>
+        <p:spPr>
+          <a:xfrm>
+            <a:off x="3356891" y="3680455"/>
+            <a:ext cx="1211727" cy="0"/>
+          </a:xfrm>
+          <a:prstGeom prst="straightConnector1">
+            <a:avLst/>
+          </a:prstGeom>
+          <a:ln w="38100">
+            <a:solidFill>
+              <a:srgbClr val="002060"/>
+            </a:solidFill>
+            <a:tailEnd type="none" w="lg" len="med"/>
+          </a:ln>
+        </p:spPr>
+        <p:style>
+          <a:lnRef idx="2">
+            <a:schemeClr val="accent5"/>
+          </a:lnRef>
+          <a:fillRef idx="0">
+            <a:schemeClr val="accent5"/>
+          </a:fillRef>
+          <a:effectRef idx="1">
+            <a:schemeClr val="accent5"/>
+          </a:effectRef>
+          <a:fontRef idx="minor">
+            <a:schemeClr val="tx1"/>
+          </a:fontRef>
+        </p:style>
+      </p:cxnSp>
+      <p:sp>
+        <p:nvSpPr>
+          <p:cNvPr id="51" name="Rectangle 50"/>
+          <p:cNvSpPr/>
+          <p:nvPr/>
+        </p:nvSpPr>
+        <p:spPr>
+          <a:xfrm>
+            <a:off x="850689" y="2335660"/>
+            <a:ext cx="10231120" cy="3493846"/>
+          </a:xfrm>
+          <a:prstGeom prst="rect">
+            <a:avLst/>
+          </a:prstGeom>
+          <a:noFill/>
+          <a:ln w="6350">
+            <a:solidFill>
+              <a:srgbClr val="FFC000"/>
+            </a:solidFill>
+            <a:prstDash val="sysDot"/>
+          </a:ln>
+        </p:spPr>
+        <p:style>
+          <a:lnRef idx="2">
+            <a:schemeClr val="accent1">
+              <a:shade val="50000"/>
+            </a:schemeClr>
+          </a:lnRef>
+          <a:fillRef idx="1">
+            <a:schemeClr val="accent1"/>
+          </a:fillRef>
+          <a:effectRef idx="0">
+            <a:schemeClr val="accent1"/>
+          </a:effectRef>
+          <a:fontRef idx="minor">
+            <a:schemeClr val="lt1"/>
+          </a:fontRef>
+        </p:style>
+        <p:txBody>
+          <a:bodyPr rtlCol="0" anchor="ctr"/>
+          <a:lstStyle/>
+          <a:p>
+            <a:pPr algn="ctr"/>
+            <a:endParaRPr lang="en-CA"/>
+          </a:p>
+        </p:txBody>
+      </p:sp>
+      <p:sp>
+        <p:nvSpPr>
+          <p:cNvPr id="63" name="TextBox 62">
+            <a:extLst>
+              <a:ext uri="{FF2B5EF4-FFF2-40B4-BE49-F238E27FC236}">
+                <a16:creationId xmlns:a16="http://schemas.microsoft.com/office/drawing/2014/main" id="{934EC459-A3A5-42BF-994B-413EA71C58B4}"/>
+              </a:ext>
+            </a:extLst>
+          </p:cNvPr>
+          <p:cNvSpPr txBox="1"/>
+          <p:nvPr/>
+        </p:nvSpPr>
+        <p:spPr>
+          <a:xfrm>
+            <a:off x="3772407" y="5209259"/>
+            <a:ext cx="1942519" cy="307777"/>
+          </a:xfrm>
+          <a:prstGeom prst="rect">
+            <a:avLst/>
+          </a:prstGeom>
+          <a:noFill/>
+        </p:spPr>
+        <p:txBody>
+          <a:bodyPr wrap="none" lIns="0" tIns="0" rIns="0" bIns="0" rtlCol="0">
+            <a:spAutoFit/>
+          </a:bodyPr>
+          <a:lstStyle/>
+          <a:p>
+            <a:r>
+              <a:rPr lang="en-CA" sz="2000" dirty="0">
+                <a:solidFill>
+                  <a:schemeClr val="tx1">
+                    <a:lumMod val="65000"/>
+                    <a:lumOff val="35000"/>
+                  </a:schemeClr>
+                </a:solidFill>
+                <a:latin typeface="Segoe UI Light" pitchFamily="34" charset="0"/>
+              </a:rPr>
+              <a:t>Defect corrections</a:t>
+            </a:r>
+          </a:p>
+        </p:txBody>
+      </p:sp>
+      <p:sp>
+        <p:nvSpPr>
+          <p:cNvPr id="64" name="Rounded Rectangle 4">
+            <a:extLst>
+              <a:ext uri="{FF2B5EF4-FFF2-40B4-BE49-F238E27FC236}">
+                <a16:creationId xmlns:a16="http://schemas.microsoft.com/office/drawing/2014/main" id="{BAEB40E4-3A3F-4F2B-8C3F-EF0B9A3FD530}"/>
+              </a:ext>
+            </a:extLst>
+          </p:cNvPr>
+          <p:cNvSpPr/>
+          <p:nvPr/>
+        </p:nvSpPr>
+        <p:spPr>
+          <a:xfrm>
+            <a:off x="2884437" y="3297510"/>
+            <a:ext cx="723759" cy="186630"/>
+          </a:xfrm>
+          <a:prstGeom prst="roundRect">
+            <a:avLst/>
+          </a:prstGeom>
+          <a:noFill/>
+          <a:ln>
+            <a:solidFill>
+              <a:schemeClr val="accent5">
+                <a:lumMod val="50000"/>
+              </a:schemeClr>
+            </a:solidFill>
+          </a:ln>
+        </p:spPr>
+        <p:style>
+          <a:lnRef idx="2">
+            <a:schemeClr val="accent1">
+              <a:shade val="50000"/>
+            </a:schemeClr>
+          </a:lnRef>
+          <a:fillRef idx="1">
+            <a:schemeClr val="accent1"/>
+          </a:fillRef>
+          <a:effectRef idx="0">
+            <a:schemeClr val="accent1"/>
+          </a:effectRef>
+          <a:fontRef idx="minor">
+            <a:schemeClr val="lt1"/>
+          </a:fontRef>
+        </p:style>
+        <p:txBody>
+          <a:bodyPr lIns="36000" tIns="36000" rIns="36000" bIns="36000" rtlCol="0" anchor="ctr"/>
+          <a:lstStyle/>
+          <a:p>
+            <a:pPr algn="ctr"/>
+            <a:r>
+              <a:rPr lang="en-CA" sz="1000" dirty="0" err="1">
+                <a:solidFill>
+                  <a:srgbClr val="002060"/>
+                </a:solidFill>
+                <a:latin typeface="Segoe UI" panose="020B0502040204020203" pitchFamily="34" charset="0"/>
+                <a:cs typeface="Segoe UI" panose="020B0502040204020203" pitchFamily="34" charset="0"/>
+              </a:rPr>
+              <a:t>Rel</a:t>
+            </a:r>
+            <a:r>
+              <a:rPr lang="en-CA" sz="1000" dirty="0">
+                <a:solidFill>
+                  <a:srgbClr val="002060"/>
+                </a:solidFill>
+                <a:latin typeface="Segoe UI" panose="020B0502040204020203" pitchFamily="34" charset="0"/>
+                <a:cs typeface="Segoe UI" panose="020B0502040204020203" pitchFamily="34" charset="0"/>
+              </a:rPr>
+              <a:t> V1.0</a:t>
+            </a:r>
+          </a:p>
+        </p:txBody>
+      </p:sp>
+      <p:sp>
+        <p:nvSpPr>
+          <p:cNvPr id="68" name="Rounded Rectangle 4">
+            <a:extLst>
+              <a:ext uri="{FF2B5EF4-FFF2-40B4-BE49-F238E27FC236}">
+                <a16:creationId xmlns:a16="http://schemas.microsoft.com/office/drawing/2014/main" id="{2A909D0A-F159-440A-A1D6-E2D11FB7266E}"/>
+              </a:ext>
+            </a:extLst>
+          </p:cNvPr>
+          <p:cNvSpPr/>
+          <p:nvPr/>
+        </p:nvSpPr>
+        <p:spPr>
+          <a:xfrm>
+            <a:off x="2050425" y="3297510"/>
+            <a:ext cx="723759" cy="186630"/>
+          </a:xfrm>
+          <a:prstGeom prst="roundRect">
+            <a:avLst/>
+          </a:prstGeom>
+          <a:noFill/>
+          <a:ln>
+            <a:solidFill>
+              <a:schemeClr val="accent5">
+                <a:lumMod val="50000"/>
+              </a:schemeClr>
+            </a:solidFill>
+          </a:ln>
+        </p:spPr>
+        <p:style>
+          <a:lnRef idx="2">
+            <a:schemeClr val="accent1">
+              <a:shade val="50000"/>
+            </a:schemeClr>
+          </a:lnRef>
+          <a:fillRef idx="1">
+            <a:schemeClr val="accent1"/>
+          </a:fillRef>
+          <a:effectRef idx="0">
+            <a:schemeClr val="accent1"/>
+          </a:effectRef>
+          <a:fontRef idx="minor">
+            <a:schemeClr val="lt1"/>
+          </a:fontRef>
+        </p:style>
+        <p:txBody>
+          <a:bodyPr lIns="36000" tIns="36000" rIns="36000" bIns="36000" rtlCol="0" anchor="ctr"/>
+          <a:lstStyle/>
+          <a:p>
+            <a:pPr algn="ctr"/>
+            <a:r>
+              <a:rPr lang="en-CA" sz="1000" dirty="0">
+                <a:solidFill>
+                  <a:srgbClr val="002060"/>
+                </a:solidFill>
+                <a:latin typeface="Segoe UI" panose="020B0502040204020203" pitchFamily="34" charset="0"/>
+                <a:cs typeface="Segoe UI" panose="020B0502040204020203" pitchFamily="34" charset="0"/>
+              </a:rPr>
+              <a:t>Iteration n</a:t>
+            </a:r>
+          </a:p>
+        </p:txBody>
+      </p:sp>
+      <p:sp>
+        <p:nvSpPr>
+          <p:cNvPr id="75" name="Oval 74">
+            <a:extLst>
+              <a:ext uri="{FF2B5EF4-FFF2-40B4-BE49-F238E27FC236}">
+                <a16:creationId xmlns:a16="http://schemas.microsoft.com/office/drawing/2014/main" id="{F652058A-36C2-4A61-97E6-88C4249847A8}"/>
+              </a:ext>
+            </a:extLst>
+          </p:cNvPr>
+          <p:cNvSpPr/>
+          <p:nvPr/>
+        </p:nvSpPr>
+        <p:spPr bwMode="auto">
+          <a:xfrm>
+            <a:off x="4632266" y="4885190"/>
+            <a:ext cx="216000" cy="216000"/>
+          </a:xfrm>
+          <a:prstGeom prst="ellipse">
+            <a:avLst/>
+          </a:prstGeom>
+          <a:solidFill>
+            <a:schemeClr val="bg1"/>
+          </a:solidFill>
+          <a:ln w="25400">
+            <a:solidFill>
+              <a:srgbClr val="002060"/>
+            </a:solidFill>
+            <a:headEnd type="none" w="med" len="med"/>
+            <a:tailEnd type="none" w="med" len="med"/>
+          </a:ln>
+          <a:effectLst/>
+        </p:spPr>
+        <p:style>
+          <a:lnRef idx="1">
+            <a:schemeClr val="accent2"/>
+          </a:lnRef>
+          <a:fillRef idx="3">
+            <a:schemeClr val="accent2"/>
+          </a:fillRef>
+          <a:effectRef idx="2">
+            <a:schemeClr val="accent2"/>
+          </a:effectRef>
+          <a:fontRef idx="minor">
+            <a:schemeClr val="lt1"/>
+          </a:fontRef>
+        </p:style>
+        <p:txBody>
+          <a:bodyPr rot="0" spcFirstLastPara="0" vertOverflow="overflow" horzOverflow="overflow" vert="horz" wrap="square" lIns="0" tIns="0" rIns="0" bIns="0" numCol="1" spcCol="0" rtlCol="0" fromWordArt="0" anchor="b" anchorCtr="0" forceAA="0" compatLnSpc="1">
+            <a:prstTxWarp prst="textNoShape">
+              <a:avLst/>
+            </a:prstTxWarp>
+            <a:noAutofit/>
+          </a:bodyPr>
+          <a:lstStyle/>
+          <a:p>
+            <a:pPr algn="ctr" defTabSz="914099" fontAlgn="base">
+              <a:spcBef>
+                <a:spcPct val="0"/>
+              </a:spcBef>
+              <a:spcAft>
+                <a:spcPct val="0"/>
+              </a:spcAft>
+            </a:pPr>
+            <a:r>
+              <a:rPr lang="en-CA" sz="1000" spc="-50" dirty="0">
+                <a:solidFill>
+                  <a:srgbClr val="002060"/>
+                </a:solidFill>
+                <a:latin typeface="Segoe UI" pitchFamily="34" charset="0"/>
+                <a:ea typeface="Segoe UI" pitchFamily="34" charset="0"/>
+                <a:cs typeface="Segoe UI" pitchFamily="34" charset="0"/>
+              </a:rPr>
+              <a:t>C</a:t>
+            </a:r>
+          </a:p>
+        </p:txBody>
+      </p:sp>
+      <p:sp>
+        <p:nvSpPr>
+          <p:cNvPr id="35" name="TextBox 34">
+            <a:extLst>
+              <a:ext uri="{FF2B5EF4-FFF2-40B4-BE49-F238E27FC236}">
+                <a16:creationId xmlns:a16="http://schemas.microsoft.com/office/drawing/2014/main" id="{F440B7C0-23E7-4BA4-95AF-42DEC001F74E}"/>
+              </a:ext>
+            </a:extLst>
+          </p:cNvPr>
+          <p:cNvSpPr txBox="1"/>
+          <p:nvPr/>
+        </p:nvSpPr>
+        <p:spPr>
+          <a:xfrm>
+            <a:off x="10315236" y="3526567"/>
+            <a:ext cx="639599" cy="307777"/>
+          </a:xfrm>
+          <a:prstGeom prst="rect">
+            <a:avLst/>
+          </a:prstGeom>
+          <a:noFill/>
+        </p:spPr>
+        <p:txBody>
+          <a:bodyPr wrap="none" lIns="0" tIns="0" rIns="0" bIns="0" rtlCol="0">
+            <a:spAutoFit/>
+          </a:bodyPr>
+          <a:lstStyle/>
+          <a:p>
+            <a:r>
+              <a:rPr lang="en-CA" sz="2000" dirty="0">
+                <a:solidFill>
+                  <a:schemeClr val="tx1">
+                    <a:lumMod val="65000"/>
+                    <a:lumOff val="35000"/>
+                  </a:schemeClr>
+                </a:solidFill>
+                <a:latin typeface="Segoe UI Light" pitchFamily="34" charset="0"/>
+              </a:rPr>
+              <a:t> </a:t>
+            </a:r>
+            <a:r>
+              <a:rPr lang="en-CA" sz="2000" dirty="0" err="1">
+                <a:solidFill>
+                  <a:schemeClr val="tx1">
+                    <a:lumMod val="65000"/>
+                    <a:lumOff val="35000"/>
+                  </a:schemeClr>
+                </a:solidFill>
+                <a:latin typeface="Segoe UI Light" pitchFamily="34" charset="0"/>
+              </a:rPr>
+              <a:t>vnext</a:t>
+            </a:r>
+            <a:endParaRPr lang="en-CA" sz="2000" dirty="0">
+              <a:solidFill>
+                <a:schemeClr val="tx1">
+                  <a:lumMod val="65000"/>
+                  <a:lumOff val="35000"/>
+                </a:schemeClr>
+              </a:solidFill>
+              <a:latin typeface="Segoe UI Light" pitchFamily="34" charset="0"/>
+            </a:endParaRPr>
+          </a:p>
+        </p:txBody>
+      </p:sp>
+      <p:cxnSp>
+        <p:nvCxnSpPr>
+          <p:cNvPr id="38" name="Straight Arrow Connector 37">
+            <a:extLst>
+              <a:ext uri="{FF2B5EF4-FFF2-40B4-BE49-F238E27FC236}">
+                <a16:creationId xmlns:a16="http://schemas.microsoft.com/office/drawing/2014/main" id="{04FA2F02-FA2E-4CE8-8218-6C2AAA70BD30}"/>
+              </a:ext>
+            </a:extLst>
+          </p:cNvPr>
+          <p:cNvCxnSpPr>
+            <a:cxnSpLocks/>
+            <a:stCxn id="48" idx="6"/>
+          </p:cNvCxnSpPr>
+          <p:nvPr/>
+        </p:nvCxnSpPr>
+        <p:spPr>
+          <a:xfrm flipV="1">
+            <a:off x="8793831" y="4982708"/>
+            <a:ext cx="738789" cy="7222"/>
+          </a:xfrm>
+          <a:prstGeom prst="straightConnector1">
+            <a:avLst/>
+          </a:prstGeom>
+          <a:ln w="38100">
+            <a:solidFill>
+              <a:srgbClr val="002060"/>
+            </a:solidFill>
+            <a:tailEnd type="triangle" w="lg" len="med"/>
+          </a:ln>
+        </p:spPr>
+        <p:style>
+          <a:lnRef idx="2">
+            <a:schemeClr val="accent5"/>
+          </a:lnRef>
+          <a:fillRef idx="0">
+            <a:schemeClr val="accent5"/>
+          </a:fillRef>
+          <a:effectRef idx="1">
+            <a:schemeClr val="accent5"/>
+          </a:effectRef>
+          <a:fontRef idx="minor">
+            <a:schemeClr val="tx1"/>
+          </a:fontRef>
+        </p:style>
+      </p:cxnSp>
+      <p:sp>
+        <p:nvSpPr>
+          <p:cNvPr id="41" name="Oval 40">
+            <a:extLst>
+              <a:ext uri="{FF2B5EF4-FFF2-40B4-BE49-F238E27FC236}">
+                <a16:creationId xmlns:a16="http://schemas.microsoft.com/office/drawing/2014/main" id="{A21AC4CB-720A-4189-AD73-D4950F26C60D}"/>
+              </a:ext>
+            </a:extLst>
+          </p:cNvPr>
+          <p:cNvSpPr/>
+          <p:nvPr/>
+        </p:nvSpPr>
+        <p:spPr bwMode="auto">
+          <a:xfrm>
+            <a:off x="7709150" y="4881930"/>
+            <a:ext cx="216000" cy="216000"/>
+          </a:xfrm>
+          <a:prstGeom prst="ellipse">
+            <a:avLst/>
+          </a:prstGeom>
+          <a:solidFill>
+            <a:schemeClr val="bg1"/>
+          </a:solidFill>
+          <a:ln w="25400">
+            <a:solidFill>
+              <a:srgbClr val="002060"/>
+            </a:solidFill>
+            <a:headEnd type="none" w="med" len="med"/>
+            <a:tailEnd type="none" w="med" len="med"/>
+          </a:ln>
+          <a:effectLst/>
+        </p:spPr>
+        <p:style>
+          <a:lnRef idx="1">
+            <a:schemeClr val="accent2"/>
+          </a:lnRef>
+          <a:fillRef idx="3">
+            <a:schemeClr val="accent2"/>
+          </a:fillRef>
+          <a:effectRef idx="2">
+            <a:schemeClr val="accent2"/>
+          </a:effectRef>
+          <a:fontRef idx="minor">
+            <a:schemeClr val="lt1"/>
+          </a:fontRef>
+        </p:style>
+        <p:txBody>
+          <a:bodyPr rot="0" spcFirstLastPara="0" vertOverflow="overflow" horzOverflow="overflow" vert="horz" wrap="square" lIns="0" tIns="0" rIns="0" bIns="0" numCol="1" spcCol="0" rtlCol="0" fromWordArt="0" anchor="b" anchorCtr="0" forceAA="0" compatLnSpc="1">
+            <a:prstTxWarp prst="textNoShape">
+              <a:avLst/>
+            </a:prstTxWarp>
+            <a:noAutofit/>
+          </a:bodyPr>
+          <a:lstStyle/>
+          <a:p>
+            <a:pPr algn="ctr" defTabSz="914099" fontAlgn="base">
+              <a:spcBef>
+                <a:spcPct val="0"/>
+              </a:spcBef>
+              <a:spcAft>
+                <a:spcPct val="0"/>
+              </a:spcAft>
+            </a:pPr>
+            <a:r>
+              <a:rPr lang="en-CA" sz="1000" spc="-50" dirty="0">
+                <a:solidFill>
+                  <a:srgbClr val="002060"/>
+                </a:solidFill>
+                <a:latin typeface="Segoe UI" pitchFamily="34" charset="0"/>
+                <a:ea typeface="Segoe UI" pitchFamily="34" charset="0"/>
+                <a:cs typeface="Segoe UI" pitchFamily="34" charset="0"/>
+              </a:rPr>
+              <a:t>C</a:t>
+            </a:r>
+          </a:p>
+        </p:txBody>
+      </p:sp>
+      <p:cxnSp>
+        <p:nvCxnSpPr>
+          <p:cNvPr id="42" name="Curved Connector 10">
+            <a:extLst>
+              <a:ext uri="{FF2B5EF4-FFF2-40B4-BE49-F238E27FC236}">
+                <a16:creationId xmlns:a16="http://schemas.microsoft.com/office/drawing/2014/main" id="{D7BFCD1A-3569-41C0-B5D3-F44F93F9E15D}"/>
+              </a:ext>
+            </a:extLst>
+          </p:cNvPr>
+          <p:cNvCxnSpPr>
+            <a:cxnSpLocks/>
+            <a:stCxn id="44" idx="6"/>
+            <a:endCxn id="41" idx="2"/>
+          </p:cNvCxnSpPr>
+          <p:nvPr/>
+        </p:nvCxnSpPr>
+        <p:spPr>
+          <a:xfrm>
+            <a:off x="6878118" y="3680455"/>
+            <a:ext cx="831032" cy="1309475"/>
+          </a:xfrm>
+          <a:prstGeom prst="curvedConnector3">
+            <a:avLst>
+              <a:gd name="adj1" fmla="val 50000"/>
+            </a:avLst>
+          </a:prstGeom>
+          <a:ln w="38100">
+            <a:solidFill>
+              <a:srgbClr val="002060"/>
+            </a:solidFill>
+          </a:ln>
+        </p:spPr>
+        <p:style>
+          <a:lnRef idx="1">
+            <a:schemeClr val="accent1"/>
+          </a:lnRef>
+          <a:fillRef idx="0">
+            <a:schemeClr val="accent1"/>
+          </a:fillRef>
+          <a:effectRef idx="0">
+            <a:schemeClr val="accent1"/>
+          </a:effectRef>
+          <a:fontRef idx="minor">
+            <a:schemeClr val="tx1"/>
+          </a:fontRef>
+        </p:style>
+      </p:cxnSp>
+      <p:sp>
+        <p:nvSpPr>
+          <p:cNvPr id="43" name="TextBox 42">
+            <a:extLst>
+              <a:ext uri="{FF2B5EF4-FFF2-40B4-BE49-F238E27FC236}">
+                <a16:creationId xmlns:a16="http://schemas.microsoft.com/office/drawing/2014/main" id="{3541A8B8-4053-408E-A412-DD1D454345FD}"/>
+              </a:ext>
+            </a:extLst>
+          </p:cNvPr>
+          <p:cNvSpPr txBox="1"/>
+          <p:nvPr/>
+        </p:nvSpPr>
+        <p:spPr>
+          <a:xfrm>
+            <a:off x="6497423" y="4836041"/>
+            <a:ext cx="607539" cy="307777"/>
+          </a:xfrm>
+          <a:prstGeom prst="rect">
+            <a:avLst/>
+          </a:prstGeom>
+          <a:noFill/>
+        </p:spPr>
+        <p:txBody>
+          <a:bodyPr wrap="none" lIns="0" tIns="0" rIns="0" bIns="0" rtlCol="0">
+            <a:spAutoFit/>
+          </a:bodyPr>
+          <a:lstStyle/>
+          <a:p>
+            <a:r>
+              <a:rPr lang="en-CA" sz="2000" dirty="0">
+                <a:solidFill>
+                  <a:schemeClr val="tx1">
+                    <a:lumMod val="65000"/>
+                    <a:lumOff val="35000"/>
+                  </a:schemeClr>
+                </a:solidFill>
+                <a:latin typeface="Segoe UI Light" pitchFamily="34" charset="0"/>
+              </a:rPr>
+              <a:t>V2.00</a:t>
+            </a:r>
+          </a:p>
+        </p:txBody>
+      </p:sp>
+      <p:sp>
+        <p:nvSpPr>
+          <p:cNvPr id="44" name="Oval 43">
+            <a:extLst>
+              <a:ext uri="{FF2B5EF4-FFF2-40B4-BE49-F238E27FC236}">
+                <a16:creationId xmlns:a16="http://schemas.microsoft.com/office/drawing/2014/main" id="{138E82C1-BFC0-4A20-B2A1-F73FA27497C8}"/>
+              </a:ext>
+            </a:extLst>
+          </p:cNvPr>
+          <p:cNvSpPr/>
+          <p:nvPr/>
+        </p:nvSpPr>
+        <p:spPr bwMode="auto">
+          <a:xfrm>
+            <a:off x="6656971" y="3572455"/>
+            <a:ext cx="221147" cy="216000"/>
+          </a:xfrm>
+          <a:prstGeom prst="ellipse">
+            <a:avLst/>
+          </a:prstGeom>
+          <a:solidFill>
+            <a:schemeClr val="bg1"/>
+          </a:solidFill>
+          <a:ln w="25400">
+            <a:solidFill>
+              <a:srgbClr val="002060"/>
+            </a:solidFill>
+            <a:headEnd type="none" w="med" len="med"/>
+            <a:tailEnd type="none" w="med" len="med"/>
+          </a:ln>
+          <a:effectLst/>
+        </p:spPr>
+        <p:style>
+          <a:lnRef idx="1">
+            <a:schemeClr val="accent2"/>
+          </a:lnRef>
+          <a:fillRef idx="3">
+            <a:schemeClr val="accent2"/>
+          </a:fillRef>
+          <a:effectRef idx="2">
+            <a:schemeClr val="accent2"/>
+          </a:effectRef>
+          <a:fontRef idx="minor">
+            <a:schemeClr val="lt1"/>
+          </a:fontRef>
+        </p:style>
+        <p:txBody>
+          <a:bodyPr rot="0" spcFirstLastPara="0" vertOverflow="overflow" horzOverflow="overflow" vert="horz" wrap="square" lIns="0" tIns="0" rIns="0" bIns="0" numCol="1" spcCol="0" rtlCol="0" fromWordArt="0" anchor="b" anchorCtr="0" forceAA="0" compatLnSpc="1">
+            <a:prstTxWarp prst="textNoShape">
+              <a:avLst/>
+            </a:prstTxWarp>
+            <a:noAutofit/>
+          </a:bodyPr>
+          <a:lstStyle/>
+          <a:p>
+            <a:pPr algn="ctr" defTabSz="914099" fontAlgn="base">
+              <a:spcBef>
+                <a:spcPct val="0"/>
+              </a:spcBef>
+              <a:spcAft>
+                <a:spcPct val="0"/>
+              </a:spcAft>
+            </a:pPr>
+            <a:r>
+              <a:rPr lang="en-CA" sz="1000" spc="-50" dirty="0">
+                <a:solidFill>
+                  <a:srgbClr val="002060"/>
+                </a:solidFill>
+                <a:latin typeface="Segoe UI" pitchFamily="34" charset="0"/>
+                <a:ea typeface="Segoe UI" pitchFamily="34" charset="0"/>
+                <a:cs typeface="Segoe UI" pitchFamily="34" charset="0"/>
+              </a:rPr>
+              <a:t>B</a:t>
+            </a:r>
+          </a:p>
+        </p:txBody>
+      </p:sp>
+      <p:sp>
+        <p:nvSpPr>
+          <p:cNvPr id="45" name="Oval 44">
+            <a:extLst>
+              <a:ext uri="{FF2B5EF4-FFF2-40B4-BE49-F238E27FC236}">
+                <a16:creationId xmlns:a16="http://schemas.microsoft.com/office/drawing/2014/main" id="{FEE72148-F401-4715-BD96-9AC0426B04E5}"/>
+              </a:ext>
+            </a:extLst>
+          </p:cNvPr>
+          <p:cNvSpPr/>
+          <p:nvPr/>
+        </p:nvSpPr>
+        <p:spPr bwMode="auto">
+          <a:xfrm>
+            <a:off x="8662213" y="3572455"/>
+            <a:ext cx="216000" cy="216000"/>
+          </a:xfrm>
+          <a:prstGeom prst="ellipse">
+            <a:avLst/>
+          </a:prstGeom>
+          <a:solidFill>
+            <a:schemeClr val="bg1"/>
+          </a:solidFill>
+          <a:ln w="25400">
+            <a:solidFill>
+              <a:srgbClr val="002060"/>
+            </a:solidFill>
+            <a:headEnd type="none" w="med" len="med"/>
+            <a:tailEnd type="none" w="med" len="med"/>
+          </a:ln>
+          <a:effectLst/>
+        </p:spPr>
+        <p:style>
+          <a:lnRef idx="1">
+            <a:schemeClr val="accent2"/>
+          </a:lnRef>
+          <a:fillRef idx="3">
+            <a:schemeClr val="accent2"/>
+          </a:fillRef>
+          <a:effectRef idx="2">
+            <a:schemeClr val="accent2"/>
+          </a:effectRef>
+          <a:fontRef idx="minor">
+            <a:schemeClr val="lt1"/>
+          </a:fontRef>
+        </p:style>
+        <p:txBody>
+          <a:bodyPr rot="0" spcFirstLastPara="0" vertOverflow="overflow" horzOverflow="overflow" vert="horz" wrap="square" lIns="0" tIns="0" rIns="0" bIns="0" numCol="1" spcCol="0" rtlCol="0" fromWordArt="0" anchor="b" anchorCtr="0" forceAA="0" compatLnSpc="1">
+            <a:prstTxWarp prst="textNoShape">
+              <a:avLst/>
+            </a:prstTxWarp>
+            <a:noAutofit/>
+          </a:bodyPr>
+          <a:lstStyle/>
+          <a:p>
+            <a:pPr algn="ctr" defTabSz="914099" fontAlgn="base">
+              <a:spcBef>
+                <a:spcPct val="0"/>
+              </a:spcBef>
+              <a:spcAft>
+                <a:spcPct val="0"/>
+              </a:spcAft>
+            </a:pPr>
+            <a:r>
+              <a:rPr lang="en-CA" sz="1000" spc="-50" dirty="0">
+                <a:solidFill>
+                  <a:srgbClr val="002060"/>
+                </a:solidFill>
+                <a:latin typeface="Segoe UI" pitchFamily="34" charset="0"/>
+                <a:ea typeface="Segoe UI" pitchFamily="34" charset="0"/>
+                <a:cs typeface="Segoe UI" pitchFamily="34" charset="0"/>
+              </a:rPr>
+              <a:t>C</a:t>
+            </a:r>
+          </a:p>
+        </p:txBody>
+      </p:sp>
+      <p:cxnSp>
+        <p:nvCxnSpPr>
+          <p:cNvPr id="46" name="Straight Arrow Connector 45">
+            <a:extLst>
+              <a:ext uri="{FF2B5EF4-FFF2-40B4-BE49-F238E27FC236}">
+                <a16:creationId xmlns:a16="http://schemas.microsoft.com/office/drawing/2014/main" id="{2CCF40B4-80ED-4512-9370-08CEB9045256}"/>
+              </a:ext>
+            </a:extLst>
+          </p:cNvPr>
+          <p:cNvCxnSpPr>
+            <a:cxnSpLocks/>
+            <a:stCxn id="45" idx="6"/>
+            <a:endCxn id="47" idx="2"/>
+          </p:cNvCxnSpPr>
+          <p:nvPr/>
+        </p:nvCxnSpPr>
+        <p:spPr>
+          <a:xfrm>
+            <a:off x="8878213" y="3680455"/>
+            <a:ext cx="957856" cy="0"/>
+          </a:xfrm>
+          <a:prstGeom prst="straightConnector1">
+            <a:avLst/>
+          </a:prstGeom>
+          <a:ln w="38100">
+            <a:solidFill>
+              <a:srgbClr val="002060"/>
+            </a:solidFill>
+            <a:tailEnd type="none" w="lg" len="med"/>
+          </a:ln>
+        </p:spPr>
+        <p:style>
+          <a:lnRef idx="2">
+            <a:schemeClr val="accent5"/>
+          </a:lnRef>
+          <a:fillRef idx="0">
+            <a:schemeClr val="accent5"/>
+          </a:fillRef>
+          <a:effectRef idx="1">
+            <a:schemeClr val="accent5"/>
+          </a:effectRef>
+          <a:fontRef idx="minor">
+            <a:schemeClr val="tx1"/>
+          </a:fontRef>
+        </p:style>
+      </p:cxnSp>
+      <p:sp>
+        <p:nvSpPr>
+          <p:cNvPr id="47" name="Oval 46">
+            <a:extLst>
+              <a:ext uri="{FF2B5EF4-FFF2-40B4-BE49-F238E27FC236}">
+                <a16:creationId xmlns:a16="http://schemas.microsoft.com/office/drawing/2014/main" id="{8DF27064-D9AA-4ED1-9985-64BBE0DF02B6}"/>
+              </a:ext>
+            </a:extLst>
+          </p:cNvPr>
+          <p:cNvSpPr/>
+          <p:nvPr/>
+        </p:nvSpPr>
+        <p:spPr bwMode="auto">
+          <a:xfrm>
+            <a:off x="9836069" y="3572455"/>
+            <a:ext cx="216000" cy="216000"/>
+          </a:xfrm>
+          <a:prstGeom prst="ellipse">
+            <a:avLst/>
+          </a:prstGeom>
+          <a:solidFill>
+            <a:schemeClr val="bg1"/>
+          </a:solidFill>
+          <a:ln w="25400">
+            <a:solidFill>
+              <a:srgbClr val="002060"/>
+            </a:solidFill>
+            <a:headEnd type="none" w="med" len="med"/>
+            <a:tailEnd type="none" w="med" len="med"/>
+          </a:ln>
+          <a:effectLst/>
+        </p:spPr>
+        <p:style>
+          <a:lnRef idx="1">
+            <a:schemeClr val="accent2"/>
+          </a:lnRef>
+          <a:fillRef idx="3">
+            <a:schemeClr val="accent2"/>
+          </a:fillRef>
+          <a:effectRef idx="2">
+            <a:schemeClr val="accent2"/>
+          </a:effectRef>
+          <a:fontRef idx="minor">
+            <a:schemeClr val="lt1"/>
+          </a:fontRef>
+        </p:style>
+        <p:txBody>
+          <a:bodyPr rot="0" spcFirstLastPara="0" vertOverflow="overflow" horzOverflow="overflow" vert="horz" wrap="square" lIns="0" tIns="0" rIns="0" bIns="0" numCol="1" spcCol="0" rtlCol="0" fromWordArt="0" anchor="b" anchorCtr="0" forceAA="0" compatLnSpc="1">
+            <a:prstTxWarp prst="textNoShape">
+              <a:avLst/>
+            </a:prstTxWarp>
+            <a:noAutofit/>
+          </a:bodyPr>
+          <a:lstStyle/>
+          <a:p>
+            <a:pPr algn="ctr" defTabSz="914099" fontAlgn="base">
+              <a:spcBef>
+                <a:spcPct val="0"/>
+              </a:spcBef>
+              <a:spcAft>
+                <a:spcPct val="0"/>
+              </a:spcAft>
+            </a:pPr>
+            <a:r>
+              <a:rPr lang="en-CA" sz="1000" spc="-50" dirty="0">
+                <a:solidFill>
+                  <a:srgbClr val="002060"/>
+                </a:solidFill>
+                <a:latin typeface="Segoe UI" pitchFamily="34" charset="0"/>
+                <a:ea typeface="Segoe UI" pitchFamily="34" charset="0"/>
+                <a:cs typeface="Segoe UI" pitchFamily="34" charset="0"/>
+              </a:rPr>
+              <a:t>M</a:t>
+            </a:r>
+          </a:p>
+        </p:txBody>
+      </p:sp>
+      <p:sp>
+        <p:nvSpPr>
+          <p:cNvPr id="48" name="Oval 47">
+            <a:extLst>
+              <a:ext uri="{FF2B5EF4-FFF2-40B4-BE49-F238E27FC236}">
+                <a16:creationId xmlns:a16="http://schemas.microsoft.com/office/drawing/2014/main" id="{6567EF17-7E23-4E5A-8A3B-5307ED0F5214}"/>
+              </a:ext>
+            </a:extLst>
+          </p:cNvPr>
+          <p:cNvSpPr/>
+          <p:nvPr/>
+        </p:nvSpPr>
+        <p:spPr bwMode="auto">
+          <a:xfrm>
+            <a:off x="8577831" y="4881930"/>
+            <a:ext cx="216000" cy="216000"/>
+          </a:xfrm>
+          <a:prstGeom prst="ellipse">
+            <a:avLst/>
+          </a:prstGeom>
+          <a:solidFill>
+            <a:schemeClr val="bg1"/>
+          </a:solidFill>
+          <a:ln w="25400">
+            <a:solidFill>
+              <a:srgbClr val="002060"/>
+            </a:solidFill>
+            <a:headEnd type="none" w="med" len="med"/>
+            <a:tailEnd type="none" w="med" len="med"/>
+          </a:ln>
+          <a:effectLst/>
+        </p:spPr>
+        <p:style>
+          <a:lnRef idx="1">
+            <a:schemeClr val="accent2"/>
+          </a:lnRef>
+          <a:fillRef idx="3">
+            <a:schemeClr val="accent2"/>
+          </a:fillRef>
+          <a:effectRef idx="2">
+            <a:schemeClr val="accent2"/>
+          </a:effectRef>
+          <a:fontRef idx="minor">
+            <a:schemeClr val="lt1"/>
+          </a:fontRef>
+        </p:style>
+        <p:txBody>
+          <a:bodyPr rot="0" spcFirstLastPara="0" vertOverflow="overflow" horzOverflow="overflow" vert="horz" wrap="square" lIns="0" tIns="0" rIns="0" bIns="0" numCol="1" spcCol="0" rtlCol="0" fromWordArt="0" anchor="b" anchorCtr="0" forceAA="0" compatLnSpc="1">
+            <a:prstTxWarp prst="textNoShape">
+              <a:avLst/>
+            </a:prstTxWarp>
+            <a:noAutofit/>
+          </a:bodyPr>
+          <a:lstStyle/>
+          <a:p>
+            <a:pPr algn="ctr" defTabSz="914099" fontAlgn="base">
+              <a:spcBef>
+                <a:spcPct val="0"/>
+              </a:spcBef>
+              <a:spcAft>
+                <a:spcPct val="0"/>
+              </a:spcAft>
+            </a:pPr>
+            <a:r>
+              <a:rPr lang="en-CA" sz="1000" spc="-50" dirty="0">
+                <a:solidFill>
+                  <a:srgbClr val="002060"/>
+                </a:solidFill>
+                <a:latin typeface="Segoe UI" pitchFamily="34" charset="0"/>
+                <a:ea typeface="Segoe UI" pitchFamily="34" charset="0"/>
+                <a:cs typeface="Segoe UI" pitchFamily="34" charset="0"/>
+              </a:rPr>
+              <a:t>C</a:t>
+            </a:r>
+          </a:p>
+        </p:txBody>
+      </p:sp>
+      <p:cxnSp>
+        <p:nvCxnSpPr>
+          <p:cNvPr id="49" name="Straight Arrow Connector 48">
+            <a:extLst>
+              <a:ext uri="{FF2B5EF4-FFF2-40B4-BE49-F238E27FC236}">
+                <a16:creationId xmlns:a16="http://schemas.microsoft.com/office/drawing/2014/main" id="{A6440C88-B175-4F22-A21C-BE618CB43214}"/>
+              </a:ext>
+            </a:extLst>
+          </p:cNvPr>
+          <p:cNvCxnSpPr>
+            <a:cxnSpLocks/>
+            <a:stCxn id="41" idx="6"/>
+            <a:endCxn id="48" idx="2"/>
+          </p:cNvCxnSpPr>
+          <p:nvPr/>
+        </p:nvCxnSpPr>
+        <p:spPr>
+          <a:xfrm>
+            <a:off x="7925150" y="4989930"/>
+            <a:ext cx="652681" cy="0"/>
+          </a:xfrm>
+          <a:prstGeom prst="straightConnector1">
+            <a:avLst/>
+          </a:prstGeom>
+          <a:ln w="38100">
+            <a:solidFill>
+              <a:srgbClr val="002060"/>
+            </a:solidFill>
+            <a:tailEnd type="none" w="lg" len="med"/>
+          </a:ln>
+        </p:spPr>
+        <p:style>
+          <a:lnRef idx="2">
+            <a:schemeClr val="accent5"/>
+          </a:lnRef>
+          <a:fillRef idx="0">
+            <a:schemeClr val="accent5"/>
+          </a:fillRef>
+          <a:effectRef idx="1">
+            <a:schemeClr val="accent5"/>
+          </a:effectRef>
+          <a:fontRef idx="minor">
+            <a:schemeClr val="tx1"/>
+          </a:fontRef>
+        </p:style>
+      </p:cxnSp>
+      <p:cxnSp>
+        <p:nvCxnSpPr>
+          <p:cNvPr id="50" name="Curved Connector 22">
+            <a:extLst>
+              <a:ext uri="{FF2B5EF4-FFF2-40B4-BE49-F238E27FC236}">
+                <a16:creationId xmlns:a16="http://schemas.microsoft.com/office/drawing/2014/main" id="{08D7A676-22B9-40FC-9D46-449061E775B9}"/>
+              </a:ext>
+            </a:extLst>
+          </p:cNvPr>
+          <p:cNvCxnSpPr>
+            <a:cxnSpLocks/>
+            <a:stCxn id="47" idx="2"/>
+            <a:endCxn id="48" idx="6"/>
+          </p:cNvCxnSpPr>
+          <p:nvPr/>
+        </p:nvCxnSpPr>
+        <p:spPr>
+          <a:xfrm rot="10800000" flipV="1">
+            <a:off x="8793831" y="3680454"/>
+            <a:ext cx="1042238" cy="1309475"/>
+          </a:xfrm>
+          <a:prstGeom prst="curvedConnector3">
+            <a:avLst>
+              <a:gd name="adj1" fmla="val 50000"/>
+            </a:avLst>
+          </a:prstGeom>
+          <a:ln w="38100">
+            <a:solidFill>
+              <a:srgbClr val="002060"/>
+            </a:solidFill>
+          </a:ln>
+        </p:spPr>
+        <p:style>
+          <a:lnRef idx="1">
+            <a:schemeClr val="accent1"/>
+          </a:lnRef>
+          <a:fillRef idx="0">
+            <a:schemeClr val="accent1"/>
+          </a:fillRef>
+          <a:effectRef idx="0">
+            <a:schemeClr val="accent1"/>
+          </a:effectRef>
+          <a:fontRef idx="minor">
+            <a:schemeClr val="tx1"/>
+          </a:fontRef>
+        </p:style>
+      </p:cxnSp>
+      <p:sp>
+        <p:nvSpPr>
+          <p:cNvPr id="52" name="Isosceles Triangle 51">
+            <a:extLst>
+              <a:ext uri="{FF2B5EF4-FFF2-40B4-BE49-F238E27FC236}">
+                <a16:creationId xmlns:a16="http://schemas.microsoft.com/office/drawing/2014/main" id="{73FC5274-66FE-410D-A6CF-E4557024F62F}"/>
+              </a:ext>
+            </a:extLst>
+          </p:cNvPr>
+          <p:cNvSpPr/>
+          <p:nvPr/>
+        </p:nvSpPr>
+        <p:spPr>
+          <a:xfrm>
+            <a:off x="9204064" y="4249136"/>
+            <a:ext cx="216000" cy="164892"/>
+          </a:xfrm>
+          <a:prstGeom prst="triangle">
+            <a:avLst/>
+          </a:prstGeom>
+          <a:solidFill>
+            <a:srgbClr val="002060"/>
+          </a:solidFill>
+          <a:ln>
+            <a:noFill/>
+          </a:ln>
+        </p:spPr>
+        <p:style>
+          <a:lnRef idx="2">
+            <a:schemeClr val="accent1">
+              <a:shade val="50000"/>
+            </a:schemeClr>
+          </a:lnRef>
+          <a:fillRef idx="1">
+            <a:schemeClr val="accent1"/>
+          </a:fillRef>
+          <a:effectRef idx="0">
+            <a:schemeClr val="accent1"/>
+          </a:effectRef>
+          <a:fontRef idx="minor">
+            <a:schemeClr val="lt1"/>
+          </a:fontRef>
+        </p:style>
+        <p:txBody>
+          <a:bodyPr rtlCol="0" anchor="ctr"/>
+          <a:lstStyle/>
+          <a:p>
+            <a:pPr algn="ctr"/>
+            <a:endParaRPr lang="en-CA" dirty="0"/>
+          </a:p>
+        </p:txBody>
+      </p:sp>
+      <p:sp>
+        <p:nvSpPr>
+          <p:cNvPr id="53" name="TextBox 52">
+            <a:extLst>
+              <a:ext uri="{FF2B5EF4-FFF2-40B4-BE49-F238E27FC236}">
+                <a16:creationId xmlns:a16="http://schemas.microsoft.com/office/drawing/2014/main" id="{191911F1-C269-4869-826F-7CD36BD386A4}"/>
+              </a:ext>
+            </a:extLst>
+          </p:cNvPr>
+          <p:cNvSpPr txBox="1"/>
+          <p:nvPr/>
+        </p:nvSpPr>
+        <p:spPr>
+          <a:xfrm>
+            <a:off x="8847607" y="4154632"/>
+            <a:ext cx="415896" cy="369332"/>
+          </a:xfrm>
+          <a:prstGeom prst="rect">
+            <a:avLst/>
+          </a:prstGeom>
+          <a:noFill/>
+        </p:spPr>
+        <p:txBody>
+          <a:bodyPr wrap="square" rtlCol="0">
+            <a:spAutoFit/>
+          </a:bodyPr>
+          <a:lstStyle/>
+          <a:p>
+            <a:r>
+              <a:rPr lang="en-CA" dirty="0"/>
+              <a:t>RI</a:t>
+            </a:r>
+          </a:p>
+        </p:txBody>
+      </p:sp>
+      <p:cxnSp>
+        <p:nvCxnSpPr>
+          <p:cNvPr id="54" name="Straight Arrow Connector 53">
+            <a:extLst>
+              <a:ext uri="{FF2B5EF4-FFF2-40B4-BE49-F238E27FC236}">
+                <a16:creationId xmlns:a16="http://schemas.microsoft.com/office/drawing/2014/main" id="{8F8DF2F8-B6A7-467F-82C6-A34DDD95A8B3}"/>
+              </a:ext>
+            </a:extLst>
+          </p:cNvPr>
+          <p:cNvCxnSpPr>
+            <a:cxnSpLocks/>
+            <a:stCxn id="44" idx="6"/>
+            <a:endCxn id="45" idx="2"/>
+          </p:cNvCxnSpPr>
+          <p:nvPr/>
+        </p:nvCxnSpPr>
+        <p:spPr>
+          <a:xfrm>
+            <a:off x="6878118" y="3680455"/>
+            <a:ext cx="1784095" cy="0"/>
+          </a:xfrm>
+          <a:prstGeom prst="straightConnector1">
+            <a:avLst/>
+          </a:prstGeom>
+          <a:ln w="38100">
+            <a:solidFill>
+              <a:srgbClr val="002060"/>
+            </a:solidFill>
+            <a:tailEnd type="none" w="lg" len="med"/>
+          </a:ln>
+        </p:spPr>
+        <p:style>
+          <a:lnRef idx="2">
+            <a:schemeClr val="accent5"/>
+          </a:lnRef>
+          <a:fillRef idx="0">
+            <a:schemeClr val="accent5"/>
+          </a:fillRef>
+          <a:effectRef idx="1">
+            <a:schemeClr val="accent5"/>
+          </a:effectRef>
+          <a:fontRef idx="minor">
+            <a:schemeClr val="tx1"/>
+          </a:fontRef>
+        </p:style>
+      </p:cxnSp>
+      <p:sp>
+        <p:nvSpPr>
+          <p:cNvPr id="55" name="TextBox 54">
+            <a:extLst>
+              <a:ext uri="{FF2B5EF4-FFF2-40B4-BE49-F238E27FC236}">
+                <a16:creationId xmlns:a16="http://schemas.microsoft.com/office/drawing/2014/main" id="{D34CDA5E-20AC-4063-869B-1805E4F382A3}"/>
+              </a:ext>
+            </a:extLst>
+          </p:cNvPr>
+          <p:cNvSpPr txBox="1"/>
+          <p:nvPr/>
+        </p:nvSpPr>
+        <p:spPr>
+          <a:xfrm>
+            <a:off x="7293634" y="5208953"/>
+            <a:ext cx="1942519" cy="307777"/>
+          </a:xfrm>
+          <a:prstGeom prst="rect">
+            <a:avLst/>
+          </a:prstGeom>
+          <a:noFill/>
+        </p:spPr>
+        <p:txBody>
+          <a:bodyPr wrap="none" lIns="0" tIns="0" rIns="0" bIns="0" rtlCol="0">
+            <a:spAutoFit/>
+          </a:bodyPr>
+          <a:lstStyle/>
+          <a:p>
+            <a:r>
+              <a:rPr lang="en-CA" sz="2000" dirty="0">
+                <a:solidFill>
+                  <a:schemeClr val="tx1">
+                    <a:lumMod val="65000"/>
+                    <a:lumOff val="35000"/>
+                  </a:schemeClr>
+                </a:solidFill>
+                <a:latin typeface="Segoe UI Light" pitchFamily="34" charset="0"/>
+              </a:rPr>
+              <a:t>Defect corrections</a:t>
+            </a:r>
+          </a:p>
+        </p:txBody>
+      </p:sp>
+      <p:sp>
+        <p:nvSpPr>
+          <p:cNvPr id="56" name="Rounded Rectangle 4">
+            <a:extLst>
+              <a:ext uri="{FF2B5EF4-FFF2-40B4-BE49-F238E27FC236}">
+                <a16:creationId xmlns:a16="http://schemas.microsoft.com/office/drawing/2014/main" id="{88A4F3DF-E3E1-4C76-B51E-09ED7CCFB45F}"/>
+              </a:ext>
+            </a:extLst>
+          </p:cNvPr>
+          <p:cNvSpPr/>
+          <p:nvPr/>
+        </p:nvSpPr>
+        <p:spPr>
+          <a:xfrm>
+            <a:off x="6405664" y="3297204"/>
+            <a:ext cx="723759" cy="186630"/>
+          </a:xfrm>
+          <a:prstGeom prst="roundRect">
+            <a:avLst/>
+          </a:prstGeom>
+          <a:noFill/>
+          <a:ln>
+            <a:solidFill>
+              <a:schemeClr val="accent5">
+                <a:lumMod val="50000"/>
+              </a:schemeClr>
+            </a:solidFill>
+          </a:ln>
+        </p:spPr>
+        <p:style>
+          <a:lnRef idx="2">
+            <a:schemeClr val="accent1">
+              <a:shade val="50000"/>
+            </a:schemeClr>
+          </a:lnRef>
+          <a:fillRef idx="1">
+            <a:schemeClr val="accent1"/>
+          </a:fillRef>
+          <a:effectRef idx="0">
+            <a:schemeClr val="accent1"/>
+          </a:effectRef>
+          <a:fontRef idx="minor">
+            <a:schemeClr val="lt1"/>
+          </a:fontRef>
+        </p:style>
+        <p:txBody>
+          <a:bodyPr lIns="36000" tIns="36000" rIns="36000" bIns="36000" rtlCol="0" anchor="ctr"/>
+          <a:lstStyle/>
+          <a:p>
+            <a:pPr algn="ctr"/>
+            <a:r>
+              <a:rPr lang="en-CA" sz="1000" dirty="0" err="1">
+                <a:solidFill>
+                  <a:srgbClr val="002060"/>
+                </a:solidFill>
+                <a:latin typeface="Segoe UI" panose="020B0502040204020203" pitchFamily="34" charset="0"/>
+                <a:cs typeface="Segoe UI" panose="020B0502040204020203" pitchFamily="34" charset="0"/>
+              </a:rPr>
+              <a:t>Rel</a:t>
+            </a:r>
+            <a:r>
+              <a:rPr lang="en-CA" sz="1000" dirty="0">
+                <a:solidFill>
+                  <a:srgbClr val="002060"/>
+                </a:solidFill>
+                <a:latin typeface="Segoe UI" panose="020B0502040204020203" pitchFamily="34" charset="0"/>
+                <a:cs typeface="Segoe UI" panose="020B0502040204020203" pitchFamily="34" charset="0"/>
+              </a:rPr>
+              <a:t> V1.0</a:t>
+            </a:r>
+          </a:p>
+        </p:txBody>
+      </p:sp>
+      <p:cxnSp>
+        <p:nvCxnSpPr>
+          <p:cNvPr id="59" name="Straight Arrow Connector 58">
+            <a:extLst>
+              <a:ext uri="{FF2B5EF4-FFF2-40B4-BE49-F238E27FC236}">
+                <a16:creationId xmlns:a16="http://schemas.microsoft.com/office/drawing/2014/main" id="{3F50651B-02FD-423C-9B63-5F821AF00C5C}"/>
+              </a:ext>
+            </a:extLst>
+          </p:cNvPr>
+          <p:cNvCxnSpPr>
+            <a:cxnSpLocks/>
+            <a:stCxn id="83" idx="6"/>
+            <a:endCxn id="44" idx="2"/>
+          </p:cNvCxnSpPr>
+          <p:nvPr/>
+        </p:nvCxnSpPr>
+        <p:spPr>
+          <a:xfrm>
+            <a:off x="6530842" y="3680455"/>
+            <a:ext cx="126129" cy="0"/>
+          </a:xfrm>
+          <a:prstGeom prst="straightConnector1">
+            <a:avLst/>
+          </a:prstGeom>
+          <a:ln w="38100">
+            <a:solidFill>
+              <a:srgbClr val="002060"/>
+            </a:solidFill>
+            <a:tailEnd type="none" w="lg" len="med"/>
+          </a:ln>
+        </p:spPr>
+        <p:style>
+          <a:lnRef idx="2">
+            <a:schemeClr val="accent5"/>
+          </a:lnRef>
+          <a:fillRef idx="0">
+            <a:schemeClr val="accent5"/>
+          </a:fillRef>
+          <a:effectRef idx="1">
+            <a:schemeClr val="accent5"/>
+          </a:effectRef>
+          <a:fontRef idx="minor">
+            <a:schemeClr val="tx1"/>
+          </a:fontRef>
+        </p:style>
+      </p:cxnSp>
+      <p:sp>
+        <p:nvSpPr>
+          <p:cNvPr id="77" name="Oval 76">
+            <a:extLst>
+              <a:ext uri="{FF2B5EF4-FFF2-40B4-BE49-F238E27FC236}">
+                <a16:creationId xmlns:a16="http://schemas.microsoft.com/office/drawing/2014/main" id="{AC025247-256F-462B-A1C4-71F9829B40B7}"/>
+              </a:ext>
+            </a:extLst>
+          </p:cNvPr>
+          <p:cNvSpPr/>
+          <p:nvPr/>
+        </p:nvSpPr>
+        <p:spPr bwMode="auto">
+          <a:xfrm>
+            <a:off x="4295923" y="2814728"/>
+            <a:ext cx="216000" cy="216000"/>
+          </a:xfrm>
+          <a:prstGeom prst="ellipse">
+            <a:avLst/>
+          </a:prstGeom>
+          <a:solidFill>
+            <a:schemeClr val="bg1"/>
+          </a:solidFill>
+          <a:ln w="25400">
+            <a:solidFill>
+              <a:srgbClr val="002060"/>
+            </a:solidFill>
+            <a:headEnd type="none" w="med" len="med"/>
+            <a:tailEnd type="none" w="med" len="med"/>
+          </a:ln>
+          <a:effectLst/>
+        </p:spPr>
+        <p:style>
+          <a:lnRef idx="1">
+            <a:schemeClr val="accent2"/>
+          </a:lnRef>
+          <a:fillRef idx="3">
+            <a:schemeClr val="accent2"/>
+          </a:fillRef>
+          <a:effectRef idx="2">
+            <a:schemeClr val="accent2"/>
+          </a:effectRef>
+          <a:fontRef idx="minor">
+            <a:schemeClr val="lt1"/>
+          </a:fontRef>
+        </p:style>
+        <p:txBody>
+          <a:bodyPr rot="0" spcFirstLastPara="0" vertOverflow="overflow" horzOverflow="overflow" vert="horz" wrap="square" lIns="0" tIns="0" rIns="0" bIns="0" numCol="1" spcCol="0" rtlCol="0" fromWordArt="0" anchor="b" anchorCtr="0" forceAA="0" compatLnSpc="1">
+            <a:prstTxWarp prst="textNoShape">
+              <a:avLst/>
+            </a:prstTxWarp>
+            <a:noAutofit/>
+          </a:bodyPr>
+          <a:lstStyle/>
+          <a:p>
+            <a:pPr algn="ctr" defTabSz="914099" fontAlgn="base">
+              <a:spcBef>
+                <a:spcPct val="0"/>
+              </a:spcBef>
+              <a:spcAft>
+                <a:spcPct val="0"/>
+              </a:spcAft>
+            </a:pPr>
+            <a:r>
+              <a:rPr lang="en-CA" sz="1000" spc="-50" dirty="0">
+                <a:solidFill>
+                  <a:srgbClr val="002060"/>
+                </a:solidFill>
+                <a:latin typeface="Segoe UI" pitchFamily="34" charset="0"/>
+                <a:ea typeface="Segoe UI" pitchFamily="34" charset="0"/>
+                <a:cs typeface="Segoe UI" pitchFamily="34" charset="0"/>
+              </a:rPr>
+              <a:t>C</a:t>
+            </a:r>
+          </a:p>
+        </p:txBody>
+      </p:sp>
+      <p:cxnSp>
+        <p:nvCxnSpPr>
+          <p:cNvPr id="78" name="Curved Connector 10">
+            <a:extLst>
+              <a:ext uri="{FF2B5EF4-FFF2-40B4-BE49-F238E27FC236}">
+                <a16:creationId xmlns:a16="http://schemas.microsoft.com/office/drawing/2014/main" id="{267CF9EB-3E34-4023-A971-258C4144D14B}"/>
+              </a:ext>
+            </a:extLst>
+          </p:cNvPr>
+          <p:cNvCxnSpPr>
+            <a:cxnSpLocks/>
+            <a:stCxn id="39" idx="6"/>
+            <a:endCxn id="77" idx="2"/>
+          </p:cNvCxnSpPr>
+          <p:nvPr/>
+        </p:nvCxnSpPr>
+        <p:spPr>
+          <a:xfrm flipV="1">
+            <a:off x="3356891" y="2922728"/>
+            <a:ext cx="939032" cy="757727"/>
+          </a:xfrm>
+          <a:prstGeom prst="curvedConnector3">
+            <a:avLst>
+              <a:gd name="adj1" fmla="val 50000"/>
+            </a:avLst>
+          </a:prstGeom>
+          <a:ln w="38100">
+            <a:solidFill>
+              <a:srgbClr val="002060"/>
+            </a:solidFill>
+          </a:ln>
+        </p:spPr>
+        <p:style>
+          <a:lnRef idx="1">
+            <a:schemeClr val="accent1"/>
+          </a:lnRef>
+          <a:fillRef idx="0">
+            <a:schemeClr val="accent1"/>
+          </a:fillRef>
+          <a:effectRef idx="0">
+            <a:schemeClr val="accent1"/>
+          </a:effectRef>
+          <a:fontRef idx="minor">
+            <a:schemeClr val="tx1"/>
+          </a:fontRef>
+        </p:style>
+      </p:cxnSp>
+      <p:sp>
+        <p:nvSpPr>
+          <p:cNvPr id="81" name="Oval 80">
+            <a:extLst>
+              <a:ext uri="{FF2B5EF4-FFF2-40B4-BE49-F238E27FC236}">
+                <a16:creationId xmlns:a16="http://schemas.microsoft.com/office/drawing/2014/main" id="{AB8506AC-D47C-4D8B-B035-8D23B5F7C6AD}"/>
+              </a:ext>
+            </a:extLst>
+          </p:cNvPr>
+          <p:cNvSpPr/>
+          <p:nvPr/>
+        </p:nvSpPr>
+        <p:spPr bwMode="auto">
+          <a:xfrm>
+            <a:off x="5421935" y="3572455"/>
+            <a:ext cx="216000" cy="216000"/>
+          </a:xfrm>
+          <a:prstGeom prst="ellipse">
+            <a:avLst/>
+          </a:prstGeom>
+          <a:solidFill>
+            <a:schemeClr val="bg1"/>
+          </a:solidFill>
+          <a:ln w="25400">
+            <a:solidFill>
+              <a:srgbClr val="002060"/>
+            </a:solidFill>
+            <a:headEnd type="none" w="med" len="med"/>
+            <a:tailEnd type="none" w="med" len="med"/>
+          </a:ln>
+          <a:effectLst/>
+        </p:spPr>
+        <p:style>
+          <a:lnRef idx="1">
+            <a:schemeClr val="accent2"/>
+          </a:lnRef>
+          <a:fillRef idx="3">
+            <a:schemeClr val="accent2"/>
+          </a:fillRef>
+          <a:effectRef idx="2">
+            <a:schemeClr val="accent2"/>
+          </a:effectRef>
+          <a:fontRef idx="minor">
+            <a:schemeClr val="lt1"/>
+          </a:fontRef>
+        </p:style>
+        <p:txBody>
+          <a:bodyPr rot="0" spcFirstLastPara="0" vertOverflow="overflow" horzOverflow="overflow" vert="horz" wrap="square" lIns="0" tIns="0" rIns="0" bIns="0" numCol="1" spcCol="0" rtlCol="0" fromWordArt="0" anchor="b" anchorCtr="0" forceAA="0" compatLnSpc="1">
+            <a:prstTxWarp prst="textNoShape">
+              <a:avLst/>
+            </a:prstTxWarp>
+            <a:noAutofit/>
+          </a:bodyPr>
+          <a:lstStyle/>
+          <a:p>
+            <a:pPr algn="ctr" defTabSz="914099" fontAlgn="base">
+              <a:spcBef>
+                <a:spcPct val="0"/>
+              </a:spcBef>
+              <a:spcAft>
+                <a:spcPct val="0"/>
+              </a:spcAft>
+            </a:pPr>
+            <a:r>
+              <a:rPr lang="en-CA" sz="1000" spc="-50" dirty="0">
+                <a:solidFill>
+                  <a:srgbClr val="002060"/>
+                </a:solidFill>
+                <a:latin typeface="Segoe UI" pitchFamily="34" charset="0"/>
+                <a:ea typeface="Segoe UI" pitchFamily="34" charset="0"/>
+                <a:cs typeface="Segoe UI" pitchFamily="34" charset="0"/>
+              </a:rPr>
+              <a:t>M</a:t>
+            </a:r>
+          </a:p>
+        </p:txBody>
+      </p:sp>
+      <p:cxnSp>
+        <p:nvCxnSpPr>
+          <p:cNvPr id="84" name="Straight Arrow Connector 83">
+            <a:extLst>
+              <a:ext uri="{FF2B5EF4-FFF2-40B4-BE49-F238E27FC236}">
+                <a16:creationId xmlns:a16="http://schemas.microsoft.com/office/drawing/2014/main" id="{043CD200-FD60-4C96-A058-6125C5997A9C}"/>
+              </a:ext>
+            </a:extLst>
+          </p:cNvPr>
+          <p:cNvCxnSpPr>
+            <a:cxnSpLocks/>
+            <a:stCxn id="81" idx="6"/>
+            <a:endCxn id="83" idx="2"/>
+          </p:cNvCxnSpPr>
+          <p:nvPr/>
+        </p:nvCxnSpPr>
+        <p:spPr>
+          <a:xfrm>
+            <a:off x="5637935" y="3680455"/>
+            <a:ext cx="676907" cy="0"/>
+          </a:xfrm>
+          <a:prstGeom prst="straightConnector1">
+            <a:avLst/>
+          </a:prstGeom>
+          <a:ln w="38100">
+            <a:solidFill>
+              <a:srgbClr val="002060"/>
+            </a:solidFill>
+            <a:tailEnd type="none" w="lg" len="med"/>
+          </a:ln>
+        </p:spPr>
+        <p:style>
+          <a:lnRef idx="2">
+            <a:schemeClr val="accent5"/>
+          </a:lnRef>
+          <a:fillRef idx="0">
+            <a:schemeClr val="accent5"/>
+          </a:fillRef>
+          <a:effectRef idx="1">
+            <a:schemeClr val="accent5"/>
+          </a:effectRef>
+          <a:fontRef idx="minor">
+            <a:schemeClr val="tx1"/>
+          </a:fontRef>
+        </p:style>
+      </p:cxnSp>
+      <p:cxnSp>
+        <p:nvCxnSpPr>
+          <p:cNvPr id="86" name="Curved Connector 10">
+            <a:extLst>
+              <a:ext uri="{FF2B5EF4-FFF2-40B4-BE49-F238E27FC236}">
+                <a16:creationId xmlns:a16="http://schemas.microsoft.com/office/drawing/2014/main" id="{4C1A022B-1533-4334-A991-5ABC2C0D8910}"/>
+              </a:ext>
+            </a:extLst>
+          </p:cNvPr>
+          <p:cNvCxnSpPr>
+            <a:cxnSpLocks/>
+            <a:stCxn id="77" idx="6"/>
+            <a:endCxn id="81" idx="2"/>
+          </p:cNvCxnSpPr>
+          <p:nvPr/>
+        </p:nvCxnSpPr>
+        <p:spPr>
+          <a:xfrm>
+            <a:off x="4511923" y="2922728"/>
+            <a:ext cx="910012" cy="757727"/>
+          </a:xfrm>
+          <a:prstGeom prst="curvedConnector3">
+            <a:avLst>
+              <a:gd name="adj1" fmla="val 50000"/>
+            </a:avLst>
+          </a:prstGeom>
+          <a:ln w="38100">
+            <a:solidFill>
+              <a:srgbClr val="002060"/>
+            </a:solidFill>
+          </a:ln>
+        </p:spPr>
+        <p:style>
+          <a:lnRef idx="1">
+            <a:schemeClr val="accent1"/>
+          </a:lnRef>
+          <a:fillRef idx="0">
+            <a:schemeClr val="accent1"/>
+          </a:fillRef>
+          <a:effectRef idx="0">
+            <a:schemeClr val="accent1"/>
+          </a:effectRef>
+          <a:fontRef idx="minor">
+            <a:schemeClr val="tx1"/>
+          </a:fontRef>
+        </p:style>
+      </p:cxnSp>
+      <p:sp>
+        <p:nvSpPr>
+          <p:cNvPr id="93" name="TextBox 92">
+            <a:extLst>
+              <a:ext uri="{FF2B5EF4-FFF2-40B4-BE49-F238E27FC236}">
+                <a16:creationId xmlns:a16="http://schemas.microsoft.com/office/drawing/2014/main" id="{3E36F75C-4662-4C99-B02F-D6BCAF3E3378}"/>
+              </a:ext>
+            </a:extLst>
+          </p:cNvPr>
+          <p:cNvSpPr txBox="1"/>
+          <p:nvPr/>
+        </p:nvSpPr>
+        <p:spPr>
+          <a:xfrm>
+            <a:off x="3062547" y="2717737"/>
+            <a:ext cx="751488" cy="307777"/>
+          </a:xfrm>
+          <a:prstGeom prst="rect">
+            <a:avLst/>
+          </a:prstGeom>
+          <a:noFill/>
+        </p:spPr>
+        <p:txBody>
+          <a:bodyPr wrap="none" lIns="0" tIns="0" rIns="0" bIns="0" rtlCol="0">
+            <a:spAutoFit/>
+          </a:bodyPr>
+          <a:lstStyle/>
+          <a:p>
+            <a:r>
+              <a:rPr lang="en-CA" sz="2000" dirty="0">
+                <a:solidFill>
+                  <a:schemeClr val="tx1">
+                    <a:lumMod val="65000"/>
+                    <a:lumOff val="35000"/>
+                  </a:schemeClr>
+                </a:solidFill>
+                <a:latin typeface="Segoe UI Light" pitchFamily="34" charset="0"/>
+              </a:rPr>
+              <a:t>feature</a:t>
+            </a:r>
+          </a:p>
+        </p:txBody>
+      </p:sp>
+      <p:sp>
+        <p:nvSpPr>
+          <p:cNvPr id="94" name="Isosceles Triangle 93">
+            <a:extLst>
+              <a:ext uri="{FF2B5EF4-FFF2-40B4-BE49-F238E27FC236}">
+                <a16:creationId xmlns:a16="http://schemas.microsoft.com/office/drawing/2014/main" id="{5AD345A7-7A9B-46E9-BCF4-134348DEB9A7}"/>
+              </a:ext>
+            </a:extLst>
+          </p:cNvPr>
+          <p:cNvSpPr/>
+          <p:nvPr/>
+        </p:nvSpPr>
+        <p:spPr>
+          <a:xfrm rot="10800000">
+            <a:off x="4850185" y="3205973"/>
+            <a:ext cx="216000" cy="164892"/>
+          </a:xfrm>
+          <a:prstGeom prst="triangle">
+            <a:avLst/>
+          </a:prstGeom>
+          <a:solidFill>
+            <a:srgbClr val="002060"/>
+          </a:solidFill>
+          <a:ln>
+            <a:noFill/>
+          </a:ln>
+        </p:spPr>
+        <p:style>
+          <a:lnRef idx="2">
+            <a:schemeClr val="accent1">
+              <a:shade val="50000"/>
+            </a:schemeClr>
+          </a:lnRef>
+          <a:fillRef idx="1">
+            <a:schemeClr val="accent1"/>
+          </a:fillRef>
+          <a:effectRef idx="0">
+            <a:schemeClr val="accent1"/>
+          </a:effectRef>
+          <a:fontRef idx="minor">
+            <a:schemeClr val="lt1"/>
+          </a:fontRef>
+        </p:style>
+        <p:txBody>
+          <a:bodyPr rtlCol="0" anchor="ctr"/>
+          <a:lstStyle/>
+          <a:p>
+            <a:pPr algn="ctr"/>
+            <a:endParaRPr lang="en-CA" dirty="0"/>
+          </a:p>
+        </p:txBody>
+      </p:sp>
+      <p:sp>
+        <p:nvSpPr>
+          <p:cNvPr id="95" name="TextBox 94">
+            <a:extLst>
+              <a:ext uri="{FF2B5EF4-FFF2-40B4-BE49-F238E27FC236}">
+                <a16:creationId xmlns:a16="http://schemas.microsoft.com/office/drawing/2014/main" id="{A5A12982-FCC9-46EE-B129-502AA9DD9E44}"/>
+              </a:ext>
+            </a:extLst>
+          </p:cNvPr>
+          <p:cNvSpPr txBox="1"/>
+          <p:nvPr/>
+        </p:nvSpPr>
+        <p:spPr>
+          <a:xfrm>
+            <a:off x="4554375" y="3077780"/>
+            <a:ext cx="415896" cy="369332"/>
+          </a:xfrm>
+          <a:prstGeom prst="rect">
+            <a:avLst/>
+          </a:prstGeom>
+          <a:noFill/>
+        </p:spPr>
+        <p:txBody>
+          <a:bodyPr wrap="square" rtlCol="0">
+            <a:spAutoFit/>
+          </a:bodyPr>
+          <a:lstStyle/>
+          <a:p>
+            <a:r>
+              <a:rPr lang="en-CA" dirty="0"/>
+              <a:t>RI</a:t>
+            </a:r>
+          </a:p>
+        </p:txBody>
+      </p:sp>
+      <p:sp>
+        <p:nvSpPr>
+          <p:cNvPr id="57" name="TextBox 56">
+            <a:extLst>
+              <a:ext uri="{FF2B5EF4-FFF2-40B4-BE49-F238E27FC236}">
+                <a16:creationId xmlns:a16="http://schemas.microsoft.com/office/drawing/2014/main" id="{7A9C94A4-4E35-4966-A5BE-F68066D1AFC0}"/>
+              </a:ext>
+            </a:extLst>
+          </p:cNvPr>
+          <p:cNvSpPr txBox="1"/>
+          <p:nvPr/>
+        </p:nvSpPr>
+        <p:spPr>
+          <a:xfrm>
+            <a:off x="5966249" y="4185409"/>
+            <a:ext cx="625171" cy="307777"/>
+          </a:xfrm>
+          <a:prstGeom prst="rect">
+            <a:avLst/>
+          </a:prstGeom>
+          <a:noFill/>
+        </p:spPr>
+        <p:txBody>
+          <a:bodyPr wrap="none" lIns="0" tIns="0" rIns="0" bIns="0" rtlCol="0">
+            <a:spAutoFit/>
+          </a:bodyPr>
+          <a:lstStyle/>
+          <a:p>
+            <a:r>
+              <a:rPr lang="en-CA" sz="2000" dirty="0">
+                <a:solidFill>
+                  <a:schemeClr val="tx1">
+                    <a:lumMod val="65000"/>
+                    <a:lumOff val="35000"/>
+                  </a:schemeClr>
+                </a:solidFill>
+                <a:latin typeface="Segoe UI Light" pitchFamily="34" charset="0"/>
+              </a:rPr>
+              <a:t>Hotfix</a:t>
+            </a:r>
+          </a:p>
+        </p:txBody>
+      </p:sp>
+      <p:sp>
+        <p:nvSpPr>
+          <p:cNvPr id="58" name="TextBox 57">
+            <a:extLst>
+              <a:ext uri="{FF2B5EF4-FFF2-40B4-BE49-F238E27FC236}">
+                <a16:creationId xmlns:a16="http://schemas.microsoft.com/office/drawing/2014/main" id="{EF0FA4B3-860E-4B50-AA0E-CD617C50FFB8}"/>
+              </a:ext>
+            </a:extLst>
+          </p:cNvPr>
+          <p:cNvSpPr txBox="1"/>
+          <p:nvPr/>
+        </p:nvSpPr>
+        <p:spPr>
+          <a:xfrm>
+            <a:off x="9497181" y="4181306"/>
+            <a:ext cx="625171" cy="307777"/>
+          </a:xfrm>
+          <a:prstGeom prst="rect">
+            <a:avLst/>
+          </a:prstGeom>
+          <a:noFill/>
+        </p:spPr>
+        <p:txBody>
+          <a:bodyPr wrap="none" lIns="0" tIns="0" rIns="0" bIns="0" rtlCol="0">
+            <a:spAutoFit/>
+          </a:bodyPr>
+          <a:lstStyle/>
+          <a:p>
+            <a:r>
+              <a:rPr lang="en-CA" sz="2000" dirty="0">
+                <a:solidFill>
+                  <a:schemeClr val="tx1">
+                    <a:lumMod val="65000"/>
+                    <a:lumOff val="35000"/>
+                  </a:schemeClr>
+                </a:solidFill>
+                <a:latin typeface="Segoe UI Light" pitchFamily="34" charset="0"/>
+              </a:rPr>
+              <a:t>Hotfix</a:t>
+            </a:r>
+          </a:p>
+        </p:txBody>
+      </p:sp>
+    </p:spTree>
+    <p:extLst>
+      <p:ext uri="{BB962C8B-B14F-4D97-AF65-F5344CB8AC3E}">
+        <p14:creationId xmlns:p14="http://schemas.microsoft.com/office/powerpoint/2010/main" val="1647964995"/>
+      </p:ext>
+    </p:extLst>
+  </p:cSld>
+  <p:clrMapOvr>
+    <a:masterClrMapping/>
+  </p:clrMapOvr>
+  <mc:AlternateContent xmlns:mc="http://schemas.openxmlformats.org/markup-compatibility/2006" xmlns:p14="http://schemas.microsoft.com/office/powerpoint/2010/main">
+    <mc:Choice Requires="p14">
+      <p:transition spd="slow" p14:dur="1500">
+        <p:push/>
+      </p:transition>
+    </mc:Choice>
+    <mc:Fallback xmlns="">
+      <p:transition spd="slow">
+        <p:push/>
+      </p:transition>
+    </mc:Fallback>
+  </mc:AlternateContent>
+</p:sld>
+</file>
+
+<file path=ppt/slides/slide11.xml><?xml version="1.0" encoding="utf-8"?>
 <p:sld xmlns:a="http://schemas.openxmlformats.org/drawingml/2006/main" xmlns:r="http://schemas.openxmlformats.org/officeDocument/2006/relationships" xmlns:p="http://schemas.openxmlformats.org/presentationml/2006/main">
   <p:cSld>
     <p:spTree>
@@ -6087,7 +9147,7 @@
 </p:sld>
 </file>
 
-<file path=ppt/slides/slide11.xml><?xml version="1.0" encoding="utf-8"?>
+<file path=ppt/slides/slide12.xml><?xml version="1.0" encoding="utf-8"?>
 <p:sld xmlns:a="http://schemas.openxmlformats.org/drawingml/2006/main" xmlns:r="http://schemas.openxmlformats.org/officeDocument/2006/relationships" xmlns:p="http://schemas.openxmlformats.org/presentationml/2006/main">
   <p:cSld>
     <p:spTree>
@@ -8449,7 +11509,7 @@
 </p:sld>
 </file>
 
-<file path=ppt/slides/slide12.xml><?xml version="1.0" encoding="utf-8"?>
+<file path=ppt/slides/slide13.xml><?xml version="1.0" encoding="utf-8"?>
 <p:sld xmlns:a="http://schemas.openxmlformats.org/drawingml/2006/main" xmlns:r="http://schemas.openxmlformats.org/officeDocument/2006/relationships" xmlns:p="http://schemas.openxmlformats.org/presentationml/2006/main">
   <p:cSld>
     <p:spTree>
@@ -17021,7 +20081,7 @@
 </p:sld>
 </file>
 
-<file path=ppt/slides/slide13.xml><?xml version="1.0" encoding="utf-8"?>
+<file path=ppt/slides/slide14.xml><?xml version="1.0" encoding="utf-8"?>
 <p:sld xmlns:a="http://schemas.openxmlformats.org/drawingml/2006/main" xmlns:r="http://schemas.openxmlformats.org/officeDocument/2006/relationships" xmlns:p="http://schemas.openxmlformats.org/presentationml/2006/main">
   <p:cSld>
     <p:spTree>
@@ -36556,7 +39616,7 @@
 </p:sld>
 </file>
 
-<file path=ppt/slides/slide14.xml><?xml version="1.0" encoding="utf-8"?>
+<file path=ppt/slides/slide15.xml><?xml version="1.0" encoding="utf-8"?>
 <p:sld xmlns:a="http://schemas.openxmlformats.org/drawingml/2006/main" xmlns:r="http://schemas.openxmlformats.org/officeDocument/2006/relationships" xmlns:p="http://schemas.openxmlformats.org/presentationml/2006/main">
   <p:cSld>
     <p:spTree>
@@ -36878,6 +39938,1897 @@
 </file>
 
 <file path=ppt/slides/slide2.xml><?xml version="1.0" encoding="utf-8"?>
+<p:sld xmlns:a="http://schemas.openxmlformats.org/drawingml/2006/main" xmlns:r="http://schemas.openxmlformats.org/officeDocument/2006/relationships" xmlns:p="http://schemas.openxmlformats.org/presentationml/2006/main">
+  <p:cSld>
+    <p:spTree>
+      <p:nvGrpSpPr>
+        <p:cNvPr id="1" name=""/>
+        <p:cNvGrpSpPr/>
+        <p:nvPr/>
+      </p:nvGrpSpPr>
+      <p:grpSpPr>
+        <a:xfrm>
+          <a:off x="0" y="0"/>
+          <a:ext cx="0" cy="0"/>
+          <a:chOff x="0" y="0"/>
+          <a:chExt cx="0" cy="0"/>
+        </a:xfrm>
+      </p:grpSpPr>
+      <p:cxnSp>
+        <p:nvCxnSpPr>
+          <p:cNvPr id="31" name="Straight Arrow Connector 30"/>
+          <p:cNvCxnSpPr>
+            <a:stCxn id="29" idx="6"/>
+          </p:cNvCxnSpPr>
+          <p:nvPr/>
+        </p:nvCxnSpPr>
+        <p:spPr>
+          <a:xfrm flipV="1">
+            <a:off x="4563944" y="3788384"/>
+            <a:ext cx="1461204" cy="13132"/>
+          </a:xfrm>
+          <a:prstGeom prst="straightConnector1">
+            <a:avLst/>
+          </a:prstGeom>
+          <a:ln w="38100">
+            <a:solidFill>
+              <a:srgbClr val="002060"/>
+            </a:solidFill>
+            <a:tailEnd type="triangle" w="lg" len="med"/>
+          </a:ln>
+        </p:spPr>
+        <p:style>
+          <a:lnRef idx="2">
+            <a:schemeClr val="accent5"/>
+          </a:lnRef>
+          <a:fillRef idx="0">
+            <a:schemeClr val="accent5"/>
+          </a:fillRef>
+          <a:effectRef idx="1">
+            <a:schemeClr val="accent5"/>
+          </a:effectRef>
+          <a:fontRef idx="minor">
+            <a:schemeClr val="tx1"/>
+          </a:fontRef>
+        </p:style>
+      </p:cxnSp>
+      <p:sp>
+        <p:nvSpPr>
+          <p:cNvPr id="2" name="Title 1"/>
+          <p:cNvSpPr>
+            <a:spLocks noGrp="1"/>
+          </p:cNvSpPr>
+          <p:nvPr>
+            <p:ph type="title"/>
+          </p:nvPr>
+        </p:nvSpPr>
+        <p:spPr>
+          <a:xfrm>
+            <a:off x="325812" y="228600"/>
+            <a:ext cx="11396721" cy="387798"/>
+          </a:xfrm>
+        </p:spPr>
+        <p:txBody>
+          <a:bodyPr>
+            <a:normAutofit fontScale="90000"/>
+          </a:bodyPr>
+          <a:lstStyle/>
+          <a:p>
+            <a:pPr algn="r">
+              <a:tabLst>
+                <a:tab pos="111125" algn="l"/>
+                <a:tab pos="11314113" algn="r"/>
+              </a:tabLst>
+            </a:pPr>
+            <a:r>
+              <a:rPr lang="en-US" sz="2800" dirty="0">
+                <a:solidFill>
+                  <a:srgbClr val="9B4F96"/>
+                </a:solidFill>
+              </a:rPr>
+              <a:t>VISUAL STUDIO READINESS 	Release Isolation</a:t>
+            </a:r>
+          </a:p>
+        </p:txBody>
+      </p:sp>
+      <p:sp>
+        <p:nvSpPr>
+          <p:cNvPr id="79" name="Rectangle 78"/>
+          <p:cNvSpPr/>
+          <p:nvPr/>
+        </p:nvSpPr>
+        <p:spPr bwMode="auto">
+          <a:xfrm>
+            <a:off x="378686" y="617479"/>
+            <a:ext cx="11396721" cy="82550"/>
+          </a:xfrm>
+          <a:prstGeom prst="rect">
+            <a:avLst/>
+          </a:prstGeom>
+          <a:solidFill>
+            <a:srgbClr val="9B4F96"/>
+          </a:solidFill>
+          <a:ln>
+            <a:noFill/>
+            <a:headEnd type="none" w="med" len="med"/>
+            <a:tailEnd type="none" w="med" len="med"/>
+          </a:ln>
+          <a:effectLst/>
+        </p:spPr>
+        <p:style>
+          <a:lnRef idx="1">
+            <a:schemeClr val="accent2"/>
+          </a:lnRef>
+          <a:fillRef idx="3">
+            <a:schemeClr val="accent2"/>
+          </a:fillRef>
+          <a:effectRef idx="2">
+            <a:schemeClr val="accent2"/>
+          </a:effectRef>
+          <a:fontRef idx="minor">
+            <a:schemeClr val="lt1"/>
+          </a:fontRef>
+        </p:style>
+        <p:txBody>
+          <a:bodyPr rot="0" spcFirstLastPara="0" vertOverflow="overflow" horzOverflow="overflow" vert="horz" wrap="square" lIns="91440" tIns="45720" rIns="45720" bIns="91440" numCol="1" spcCol="0" rtlCol="0" fromWordArt="0" anchor="b" anchorCtr="0" forceAA="0" compatLnSpc="1">
+            <a:prstTxWarp prst="textNoShape">
+              <a:avLst/>
+            </a:prstTxWarp>
+            <a:noAutofit/>
+          </a:bodyPr>
+          <a:lstStyle/>
+          <a:p>
+            <a:pPr algn="ctr" defTabSz="914099" fontAlgn="base">
+              <a:spcBef>
+                <a:spcPct val="0"/>
+              </a:spcBef>
+              <a:spcAft>
+                <a:spcPct val="0"/>
+              </a:spcAft>
+            </a:pPr>
+            <a:endParaRPr lang="en-CA" spc="-50" dirty="0" err="1">
+              <a:gradFill>
+                <a:gsLst>
+                  <a:gs pos="0">
+                    <a:srgbClr val="FFFFFF"/>
+                  </a:gs>
+                  <a:gs pos="100000">
+                    <a:srgbClr val="FFFFFF"/>
+                  </a:gs>
+                </a:gsLst>
+                <a:lin ang="5400000" scaled="0"/>
+              </a:gradFill>
+              <a:latin typeface="Segoe UI" pitchFamily="34" charset="0"/>
+              <a:ea typeface="Segoe UI" pitchFamily="34" charset="0"/>
+              <a:cs typeface="Segoe UI" pitchFamily="34" charset="0"/>
+            </a:endParaRPr>
+          </a:p>
+        </p:txBody>
+      </p:sp>
+      <p:pic>
+        <p:nvPicPr>
+          <p:cNvPr id="80" name="Picture 79"/>
+          <p:cNvPicPr>
+            <a:picLocks noChangeAspect="1"/>
+          </p:cNvPicPr>
+          <p:nvPr/>
+        </p:nvPicPr>
+        <p:blipFill>
+          <a:blip r:embed="rId2" cstate="print">
+            <a:extLst>
+              <a:ext uri="{28A0092B-C50C-407E-A947-70E740481C1C}">
+                <a14:useLocalDpi xmlns:a14="http://schemas.microsoft.com/office/drawing/2010/main" val="0"/>
+              </a:ext>
+            </a:extLst>
+          </a:blip>
+          <a:stretch>
+            <a:fillRect/>
+          </a:stretch>
+        </p:blipFill>
+        <p:spPr>
+          <a:xfrm>
+            <a:off x="129775" y="5753686"/>
+            <a:ext cx="3219537" cy="1080000"/>
+          </a:xfrm>
+          <a:prstGeom prst="rect">
+            <a:avLst/>
+          </a:prstGeom>
+        </p:spPr>
+      </p:pic>
+      <p:cxnSp>
+        <p:nvCxnSpPr>
+          <p:cNvPr id="5" name="Straight Arrow Connector 4"/>
+          <p:cNvCxnSpPr>
+            <a:stCxn id="83" idx="6"/>
+          </p:cNvCxnSpPr>
+          <p:nvPr/>
+        </p:nvCxnSpPr>
+        <p:spPr>
+          <a:xfrm>
+            <a:off x="9075922" y="2484823"/>
+            <a:ext cx="1868359" cy="15429"/>
+          </a:xfrm>
+          <a:prstGeom prst="straightConnector1">
+            <a:avLst/>
+          </a:prstGeom>
+          <a:ln w="38100">
+            <a:solidFill>
+              <a:srgbClr val="002060"/>
+            </a:solidFill>
+            <a:tailEnd type="triangle" w="lg" len="med"/>
+          </a:ln>
+        </p:spPr>
+        <p:style>
+          <a:lnRef idx="2">
+            <a:schemeClr val="accent5"/>
+          </a:lnRef>
+          <a:fillRef idx="0">
+            <a:schemeClr val="accent5"/>
+          </a:fillRef>
+          <a:effectRef idx="1">
+            <a:schemeClr val="accent5"/>
+          </a:effectRef>
+          <a:fontRef idx="minor">
+            <a:schemeClr val="tx1"/>
+          </a:fontRef>
+        </p:style>
+      </p:cxnSp>
+      <p:grpSp>
+        <p:nvGrpSpPr>
+          <p:cNvPr id="53" name="Group 52"/>
+          <p:cNvGrpSpPr/>
+          <p:nvPr/>
+        </p:nvGrpSpPr>
+        <p:grpSpPr>
+          <a:xfrm>
+            <a:off x="1825713" y="2392252"/>
+            <a:ext cx="1397110" cy="1724113"/>
+            <a:chOff x="1952202" y="3669637"/>
+            <a:chExt cx="1397110" cy="1724113"/>
+          </a:xfrm>
+        </p:grpSpPr>
+        <p:sp>
+          <p:nvSpPr>
+            <p:cNvPr id="7" name="Oval 6"/>
+            <p:cNvSpPr/>
+            <p:nvPr/>
+          </p:nvSpPr>
+          <p:spPr bwMode="auto">
+            <a:xfrm>
+              <a:off x="2208955" y="3669637"/>
+              <a:ext cx="216000" cy="216000"/>
+            </a:xfrm>
+            <a:prstGeom prst="ellipse">
+              <a:avLst/>
+            </a:prstGeom>
+            <a:solidFill>
+              <a:schemeClr val="bg1"/>
+            </a:solidFill>
+            <a:ln w="25400">
+              <a:solidFill>
+                <a:srgbClr val="002060"/>
+              </a:solidFill>
+              <a:headEnd type="none" w="med" len="med"/>
+              <a:tailEnd type="none" w="med" len="med"/>
+            </a:ln>
+            <a:effectLst/>
+          </p:spPr>
+          <p:style>
+            <a:lnRef idx="1">
+              <a:schemeClr val="accent2"/>
+            </a:lnRef>
+            <a:fillRef idx="3">
+              <a:schemeClr val="accent2"/>
+            </a:fillRef>
+            <a:effectRef idx="2">
+              <a:schemeClr val="accent2"/>
+            </a:effectRef>
+            <a:fontRef idx="minor">
+              <a:schemeClr val="lt1"/>
+            </a:fontRef>
+          </p:style>
+          <p:txBody>
+            <a:bodyPr rot="0" spcFirstLastPara="0" vertOverflow="overflow" horzOverflow="overflow" vert="horz" wrap="square" lIns="0" tIns="0" rIns="0" bIns="0" numCol="1" spcCol="0" rtlCol="0" fromWordArt="0" anchor="b" anchorCtr="0" forceAA="0" compatLnSpc="1">
+              <a:prstTxWarp prst="textNoShape">
+                <a:avLst/>
+              </a:prstTxWarp>
+              <a:noAutofit/>
+            </a:bodyPr>
+            <a:lstStyle/>
+            <a:p>
+              <a:pPr algn="ctr" defTabSz="914099" fontAlgn="base">
+                <a:spcBef>
+                  <a:spcPct val="0"/>
+                </a:spcBef>
+                <a:spcAft>
+                  <a:spcPct val="0"/>
+                </a:spcAft>
+              </a:pPr>
+              <a:r>
+                <a:rPr lang="en-CA" sz="1000" spc="-50" dirty="0">
+                  <a:solidFill>
+                    <a:srgbClr val="002060"/>
+                  </a:solidFill>
+                  <a:latin typeface="Segoe UI" pitchFamily="34" charset="0"/>
+                  <a:ea typeface="Segoe UI" pitchFamily="34" charset="0"/>
+                  <a:cs typeface="Segoe UI" pitchFamily="34" charset="0"/>
+                </a:rPr>
+                <a:t>B</a:t>
+              </a:r>
+            </a:p>
+          </p:txBody>
+        </p:sp>
+        <p:sp>
+          <p:nvSpPr>
+            <p:cNvPr id="10" name="Oval 9"/>
+            <p:cNvSpPr/>
+            <p:nvPr/>
+          </p:nvSpPr>
+          <p:spPr bwMode="auto">
+            <a:xfrm>
+              <a:off x="3133312" y="4970901"/>
+              <a:ext cx="216000" cy="216000"/>
+            </a:xfrm>
+            <a:prstGeom prst="ellipse">
+              <a:avLst/>
+            </a:prstGeom>
+            <a:solidFill>
+              <a:schemeClr val="bg1"/>
+            </a:solidFill>
+            <a:ln w="25400">
+              <a:solidFill>
+                <a:srgbClr val="002060"/>
+              </a:solidFill>
+              <a:headEnd type="none" w="med" len="med"/>
+              <a:tailEnd type="none" w="med" len="med"/>
+            </a:ln>
+            <a:effectLst/>
+          </p:spPr>
+          <p:style>
+            <a:lnRef idx="1">
+              <a:schemeClr val="accent2"/>
+            </a:lnRef>
+            <a:fillRef idx="3">
+              <a:schemeClr val="accent2"/>
+            </a:fillRef>
+            <a:effectRef idx="2">
+              <a:schemeClr val="accent2"/>
+            </a:effectRef>
+            <a:fontRef idx="minor">
+              <a:schemeClr val="lt1"/>
+            </a:fontRef>
+          </p:style>
+          <p:txBody>
+            <a:bodyPr rot="0" spcFirstLastPara="0" vertOverflow="overflow" horzOverflow="overflow" vert="horz" wrap="square" lIns="0" tIns="0" rIns="0" bIns="0" numCol="1" spcCol="0" rtlCol="0" fromWordArt="0" anchor="b" anchorCtr="0" forceAA="0" compatLnSpc="1">
+              <a:prstTxWarp prst="textNoShape">
+                <a:avLst/>
+              </a:prstTxWarp>
+              <a:noAutofit/>
+            </a:bodyPr>
+            <a:lstStyle/>
+            <a:p>
+              <a:pPr algn="ctr" defTabSz="914099" fontAlgn="base">
+                <a:spcBef>
+                  <a:spcPct val="0"/>
+                </a:spcBef>
+                <a:spcAft>
+                  <a:spcPct val="0"/>
+                </a:spcAft>
+              </a:pPr>
+              <a:r>
+                <a:rPr lang="en-CA" sz="1000" spc="-50" dirty="0">
+                  <a:solidFill>
+                    <a:srgbClr val="002060"/>
+                  </a:solidFill>
+                  <a:latin typeface="Segoe UI" pitchFamily="34" charset="0"/>
+                  <a:ea typeface="Segoe UI" pitchFamily="34" charset="0"/>
+                  <a:cs typeface="Segoe UI" pitchFamily="34" charset="0"/>
+                </a:rPr>
+                <a:t>C</a:t>
+              </a:r>
+            </a:p>
+          </p:txBody>
+        </p:sp>
+        <p:cxnSp>
+          <p:nvCxnSpPr>
+            <p:cNvPr id="11" name="Curved Connector 10"/>
+            <p:cNvCxnSpPr>
+              <a:stCxn id="7" idx="6"/>
+              <a:endCxn id="10" idx="2"/>
+            </p:cNvCxnSpPr>
+            <p:nvPr/>
+          </p:nvCxnSpPr>
+          <p:spPr>
+            <a:xfrm>
+              <a:off x="2424955" y="3777637"/>
+              <a:ext cx="708357" cy="1301264"/>
+            </a:xfrm>
+            <a:prstGeom prst="curvedConnector3">
+              <a:avLst>
+                <a:gd name="adj1" fmla="val 50000"/>
+              </a:avLst>
+            </a:prstGeom>
+            <a:ln w="38100">
+              <a:solidFill>
+                <a:srgbClr val="002060"/>
+              </a:solidFill>
+            </a:ln>
+          </p:spPr>
+          <p:style>
+            <a:lnRef idx="1">
+              <a:schemeClr val="accent1"/>
+            </a:lnRef>
+            <a:fillRef idx="0">
+              <a:schemeClr val="accent1"/>
+            </a:fillRef>
+            <a:effectRef idx="0">
+              <a:schemeClr val="accent1"/>
+            </a:effectRef>
+            <a:fontRef idx="minor">
+              <a:schemeClr val="tx1"/>
+            </a:fontRef>
+          </p:style>
+        </p:cxnSp>
+        <p:sp>
+          <p:nvSpPr>
+            <p:cNvPr id="9" name="TextBox 8"/>
+            <p:cNvSpPr txBox="1"/>
+            <p:nvPr/>
+          </p:nvSpPr>
+          <p:spPr>
+            <a:xfrm>
+              <a:off x="1952202" y="5085973"/>
+              <a:ext cx="1027204" cy="307777"/>
+            </a:xfrm>
+            <a:prstGeom prst="rect">
+              <a:avLst/>
+            </a:prstGeom>
+            <a:noFill/>
+          </p:spPr>
+          <p:txBody>
+            <a:bodyPr wrap="none" lIns="0" tIns="0" rIns="0" bIns="0" rtlCol="0">
+              <a:spAutoFit/>
+            </a:bodyPr>
+            <a:lstStyle/>
+            <a:p>
+              <a:r>
+                <a:rPr lang="en-CA" sz="2000" dirty="0">
+                  <a:solidFill>
+                    <a:schemeClr val="tx1">
+                      <a:lumMod val="65000"/>
+                      <a:lumOff val="35000"/>
+                    </a:schemeClr>
+                  </a:solidFill>
+                  <a:latin typeface="Segoe UI Light" pitchFamily="34" charset="0"/>
+                </a:rPr>
+                <a:t>release v1</a:t>
+              </a:r>
+            </a:p>
+          </p:txBody>
+        </p:sp>
+      </p:grpSp>
+      <p:grpSp>
+        <p:nvGrpSpPr>
+          <p:cNvPr id="32" name="Group 31"/>
+          <p:cNvGrpSpPr/>
+          <p:nvPr/>
+        </p:nvGrpSpPr>
+        <p:grpSpPr>
+          <a:xfrm>
+            <a:off x="2298466" y="2385180"/>
+            <a:ext cx="1646779" cy="216000"/>
+            <a:chOff x="2479385" y="3662565"/>
+            <a:chExt cx="1646779" cy="216000"/>
+          </a:xfrm>
+        </p:grpSpPr>
+        <p:sp>
+          <p:nvSpPr>
+            <p:cNvPr id="33" name="Oval 32"/>
+            <p:cNvSpPr/>
+            <p:nvPr/>
+          </p:nvSpPr>
+          <p:spPr bwMode="auto">
+            <a:xfrm>
+              <a:off x="3910164" y="3662565"/>
+              <a:ext cx="216000" cy="216000"/>
+            </a:xfrm>
+            <a:prstGeom prst="ellipse">
+              <a:avLst/>
+            </a:prstGeom>
+            <a:solidFill>
+              <a:schemeClr val="bg1"/>
+            </a:solidFill>
+            <a:ln w="25400">
+              <a:solidFill>
+                <a:srgbClr val="002060"/>
+              </a:solidFill>
+              <a:headEnd type="none" w="med" len="med"/>
+              <a:tailEnd type="none" w="med" len="med"/>
+            </a:ln>
+            <a:effectLst/>
+          </p:spPr>
+          <p:style>
+            <a:lnRef idx="1">
+              <a:schemeClr val="accent2"/>
+            </a:lnRef>
+            <a:fillRef idx="3">
+              <a:schemeClr val="accent2"/>
+            </a:fillRef>
+            <a:effectRef idx="2">
+              <a:schemeClr val="accent2"/>
+            </a:effectRef>
+            <a:fontRef idx="minor">
+              <a:schemeClr val="lt1"/>
+            </a:fontRef>
+          </p:style>
+          <p:txBody>
+            <a:bodyPr rot="0" spcFirstLastPara="0" vertOverflow="overflow" horzOverflow="overflow" vert="horz" wrap="square" lIns="0" tIns="0" rIns="0" bIns="0" numCol="1" spcCol="0" rtlCol="0" fromWordArt="0" anchor="b" anchorCtr="0" forceAA="0" compatLnSpc="1">
+              <a:prstTxWarp prst="textNoShape">
+                <a:avLst/>
+              </a:prstTxWarp>
+              <a:noAutofit/>
+            </a:bodyPr>
+            <a:lstStyle/>
+            <a:p>
+              <a:pPr algn="ctr" defTabSz="914099" fontAlgn="base">
+                <a:spcBef>
+                  <a:spcPct val="0"/>
+                </a:spcBef>
+                <a:spcAft>
+                  <a:spcPct val="0"/>
+                </a:spcAft>
+              </a:pPr>
+              <a:r>
+                <a:rPr lang="en-CA" sz="1000" spc="-50" dirty="0">
+                  <a:solidFill>
+                    <a:srgbClr val="002060"/>
+                  </a:solidFill>
+                  <a:latin typeface="Segoe UI" pitchFamily="34" charset="0"/>
+                  <a:ea typeface="Segoe UI" pitchFamily="34" charset="0"/>
+                  <a:cs typeface="Segoe UI" pitchFamily="34" charset="0"/>
+                </a:rPr>
+                <a:t>C</a:t>
+              </a:r>
+            </a:p>
+          </p:txBody>
+        </p:sp>
+        <p:cxnSp>
+          <p:nvCxnSpPr>
+            <p:cNvPr id="34" name="Straight Arrow Connector 33"/>
+            <p:cNvCxnSpPr>
+              <a:stCxn id="7" idx="6"/>
+              <a:endCxn id="33" idx="2"/>
+            </p:cNvCxnSpPr>
+            <p:nvPr/>
+          </p:nvCxnSpPr>
+          <p:spPr>
+            <a:xfrm flipV="1">
+              <a:off x="2479385" y="3770565"/>
+              <a:ext cx="1430779" cy="7072"/>
+            </a:xfrm>
+            <a:prstGeom prst="straightConnector1">
+              <a:avLst/>
+            </a:prstGeom>
+            <a:ln w="38100">
+              <a:solidFill>
+                <a:srgbClr val="002060"/>
+              </a:solidFill>
+              <a:tailEnd type="none" w="lg" len="med"/>
+            </a:ln>
+          </p:spPr>
+          <p:style>
+            <a:lnRef idx="2">
+              <a:schemeClr val="accent5"/>
+            </a:lnRef>
+            <a:fillRef idx="0">
+              <a:schemeClr val="accent5"/>
+            </a:fillRef>
+            <a:effectRef idx="1">
+              <a:schemeClr val="accent5"/>
+            </a:effectRef>
+            <a:fontRef idx="minor">
+              <a:schemeClr val="tx1"/>
+            </a:fontRef>
+          </p:style>
+        </p:cxnSp>
+      </p:grpSp>
+      <p:grpSp>
+        <p:nvGrpSpPr>
+          <p:cNvPr id="35" name="Group 34"/>
+          <p:cNvGrpSpPr/>
+          <p:nvPr/>
+        </p:nvGrpSpPr>
+        <p:grpSpPr>
+          <a:xfrm>
+            <a:off x="849085" y="2337349"/>
+            <a:ext cx="1233381" cy="307777"/>
+            <a:chOff x="1030004" y="3614734"/>
+            <a:chExt cx="1233381" cy="307777"/>
+          </a:xfrm>
+        </p:grpSpPr>
+        <p:sp>
+          <p:nvSpPr>
+            <p:cNvPr id="36" name="TextBox 35"/>
+            <p:cNvSpPr txBox="1"/>
+            <p:nvPr/>
+          </p:nvSpPr>
+          <p:spPr>
+            <a:xfrm>
+              <a:off x="1030004" y="3614734"/>
+              <a:ext cx="579066" cy="307777"/>
+            </a:xfrm>
+            <a:prstGeom prst="rect">
+              <a:avLst/>
+            </a:prstGeom>
+            <a:noFill/>
+          </p:spPr>
+          <p:txBody>
+            <a:bodyPr wrap="square" lIns="0" tIns="0" rIns="0" bIns="0" rtlCol="0">
+              <a:spAutoFit/>
+            </a:bodyPr>
+            <a:lstStyle/>
+            <a:p>
+              <a:r>
+                <a:rPr lang="en-CA" sz="2000" dirty="0">
+                  <a:solidFill>
+                    <a:schemeClr val="tx1">
+                      <a:lumMod val="65000"/>
+                      <a:lumOff val="35000"/>
+                    </a:schemeClr>
+                  </a:solidFill>
+                  <a:latin typeface="Segoe UI Light" pitchFamily="34" charset="0"/>
+                </a:rPr>
+                <a:t>main</a:t>
+              </a:r>
+            </a:p>
+          </p:txBody>
+        </p:sp>
+        <p:cxnSp>
+          <p:nvCxnSpPr>
+            <p:cNvPr id="37" name="Straight Arrow Connector 36"/>
+            <p:cNvCxnSpPr>
+              <a:stCxn id="7" idx="2"/>
+              <a:endCxn id="36" idx="3"/>
+            </p:cNvCxnSpPr>
+            <p:nvPr/>
+          </p:nvCxnSpPr>
+          <p:spPr>
+            <a:xfrm flipH="1" flipV="1">
+              <a:off x="1609070" y="3768623"/>
+              <a:ext cx="654315" cy="9014"/>
+            </a:xfrm>
+            <a:prstGeom prst="straightConnector1">
+              <a:avLst/>
+            </a:prstGeom>
+            <a:ln w="38100">
+              <a:solidFill>
+                <a:srgbClr val="002060"/>
+              </a:solidFill>
+              <a:tailEnd type="none" w="lg" len="med"/>
+            </a:ln>
+          </p:spPr>
+          <p:style>
+            <a:lnRef idx="2">
+              <a:schemeClr val="accent5"/>
+            </a:lnRef>
+            <a:fillRef idx="0">
+              <a:schemeClr val="accent5"/>
+            </a:fillRef>
+            <a:effectRef idx="1">
+              <a:schemeClr val="accent5"/>
+            </a:effectRef>
+            <a:fontRef idx="minor">
+              <a:schemeClr val="tx1"/>
+            </a:fontRef>
+          </p:style>
+        </p:cxnSp>
+      </p:grpSp>
+      <p:grpSp>
+        <p:nvGrpSpPr>
+          <p:cNvPr id="38" name="Group 37"/>
+          <p:cNvGrpSpPr/>
+          <p:nvPr/>
+        </p:nvGrpSpPr>
+        <p:grpSpPr>
+          <a:xfrm>
+            <a:off x="3945247" y="2385180"/>
+            <a:ext cx="1028888" cy="216000"/>
+            <a:chOff x="4150108" y="3662565"/>
+            <a:chExt cx="1004943" cy="216000"/>
+          </a:xfrm>
+        </p:grpSpPr>
+        <p:sp>
+          <p:nvSpPr>
+            <p:cNvPr id="39" name="Oval 38"/>
+            <p:cNvSpPr/>
+            <p:nvPr/>
+          </p:nvSpPr>
+          <p:spPr bwMode="auto">
+            <a:xfrm>
+              <a:off x="4939051" y="3662565"/>
+              <a:ext cx="216000" cy="216000"/>
+            </a:xfrm>
+            <a:prstGeom prst="ellipse">
+              <a:avLst/>
+            </a:prstGeom>
+            <a:solidFill>
+              <a:schemeClr val="bg1"/>
+            </a:solidFill>
+            <a:ln w="25400">
+              <a:solidFill>
+                <a:srgbClr val="002060"/>
+              </a:solidFill>
+              <a:headEnd type="none" w="med" len="med"/>
+              <a:tailEnd type="none" w="med" len="med"/>
+            </a:ln>
+            <a:effectLst/>
+          </p:spPr>
+          <p:style>
+            <a:lnRef idx="1">
+              <a:schemeClr val="accent2"/>
+            </a:lnRef>
+            <a:fillRef idx="3">
+              <a:schemeClr val="accent2"/>
+            </a:fillRef>
+            <a:effectRef idx="2">
+              <a:schemeClr val="accent2"/>
+            </a:effectRef>
+            <a:fontRef idx="minor">
+              <a:schemeClr val="lt1"/>
+            </a:fontRef>
+          </p:style>
+          <p:txBody>
+            <a:bodyPr rot="0" spcFirstLastPara="0" vertOverflow="overflow" horzOverflow="overflow" vert="horz" wrap="square" lIns="0" tIns="0" rIns="0" bIns="0" numCol="1" spcCol="0" rtlCol="0" fromWordArt="0" anchor="b" anchorCtr="0" forceAA="0" compatLnSpc="1">
+              <a:prstTxWarp prst="textNoShape">
+                <a:avLst/>
+              </a:prstTxWarp>
+              <a:noAutofit/>
+            </a:bodyPr>
+            <a:lstStyle/>
+            <a:p>
+              <a:pPr algn="ctr" defTabSz="914099" fontAlgn="base">
+                <a:spcBef>
+                  <a:spcPct val="0"/>
+                </a:spcBef>
+                <a:spcAft>
+                  <a:spcPct val="0"/>
+                </a:spcAft>
+              </a:pPr>
+              <a:r>
+                <a:rPr lang="en-CA" sz="1000" spc="-50" dirty="0">
+                  <a:solidFill>
+                    <a:srgbClr val="002060"/>
+                  </a:solidFill>
+                  <a:latin typeface="Segoe UI" pitchFamily="34" charset="0"/>
+                  <a:ea typeface="Segoe UI" pitchFamily="34" charset="0"/>
+                  <a:cs typeface="Segoe UI" pitchFamily="34" charset="0"/>
+                </a:rPr>
+                <a:t>C</a:t>
+              </a:r>
+            </a:p>
+          </p:txBody>
+        </p:sp>
+        <p:cxnSp>
+          <p:nvCxnSpPr>
+            <p:cNvPr id="40" name="Straight Arrow Connector 39"/>
+            <p:cNvCxnSpPr>
+              <a:stCxn id="33" idx="6"/>
+              <a:endCxn id="39" idx="2"/>
+            </p:cNvCxnSpPr>
+            <p:nvPr/>
+          </p:nvCxnSpPr>
+          <p:spPr>
+            <a:xfrm>
+              <a:off x="4150108" y="3770565"/>
+              <a:ext cx="788942" cy="0"/>
+            </a:xfrm>
+            <a:prstGeom prst="straightConnector1">
+              <a:avLst/>
+            </a:prstGeom>
+            <a:ln w="38100">
+              <a:solidFill>
+                <a:srgbClr val="002060"/>
+              </a:solidFill>
+              <a:tailEnd type="none" w="lg" len="med"/>
+            </a:ln>
+          </p:spPr>
+          <p:style>
+            <a:lnRef idx="2">
+              <a:schemeClr val="accent5"/>
+            </a:lnRef>
+            <a:fillRef idx="0">
+              <a:schemeClr val="accent5"/>
+            </a:fillRef>
+            <a:effectRef idx="1">
+              <a:schemeClr val="accent5"/>
+            </a:effectRef>
+            <a:fontRef idx="minor">
+              <a:schemeClr val="tx1"/>
+            </a:fontRef>
+          </p:style>
+        </p:cxnSp>
+      </p:grpSp>
+      <p:grpSp>
+        <p:nvGrpSpPr>
+          <p:cNvPr id="65" name="Group 64"/>
+          <p:cNvGrpSpPr/>
+          <p:nvPr/>
+        </p:nvGrpSpPr>
+        <p:grpSpPr>
+          <a:xfrm>
+            <a:off x="5917305" y="2378613"/>
+            <a:ext cx="887372" cy="216000"/>
+            <a:chOff x="3476449" y="2121753"/>
+            <a:chExt cx="887372" cy="216000"/>
+          </a:xfrm>
+        </p:grpSpPr>
+        <p:cxnSp>
+          <p:nvCxnSpPr>
+            <p:cNvPr id="66" name="Straight Arrow Connector 65"/>
+            <p:cNvCxnSpPr>
+              <a:stCxn id="22" idx="6"/>
+              <a:endCxn id="67" idx="2"/>
+            </p:cNvCxnSpPr>
+            <p:nvPr/>
+          </p:nvCxnSpPr>
+          <p:spPr>
+            <a:xfrm>
+              <a:off x="3476449" y="2223187"/>
+              <a:ext cx="671372" cy="6566"/>
+            </a:xfrm>
+            <a:prstGeom prst="straightConnector1">
+              <a:avLst/>
+            </a:prstGeom>
+            <a:ln w="38100">
+              <a:solidFill>
+                <a:srgbClr val="002060"/>
+              </a:solidFill>
+              <a:tailEnd type="none" w="lg" len="med"/>
+            </a:ln>
+          </p:spPr>
+          <p:style>
+            <a:lnRef idx="2">
+              <a:schemeClr val="accent5"/>
+            </a:lnRef>
+            <a:fillRef idx="0">
+              <a:schemeClr val="accent5"/>
+            </a:fillRef>
+            <a:effectRef idx="1">
+              <a:schemeClr val="accent5"/>
+            </a:effectRef>
+            <a:fontRef idx="minor">
+              <a:schemeClr val="tx1"/>
+            </a:fontRef>
+          </p:style>
+        </p:cxnSp>
+        <p:sp>
+          <p:nvSpPr>
+            <p:cNvPr id="67" name="Oval 66"/>
+            <p:cNvSpPr/>
+            <p:nvPr/>
+          </p:nvSpPr>
+          <p:spPr bwMode="auto">
+            <a:xfrm>
+              <a:off x="4147821" y="2121753"/>
+              <a:ext cx="216000" cy="216000"/>
+            </a:xfrm>
+            <a:prstGeom prst="ellipse">
+              <a:avLst/>
+            </a:prstGeom>
+            <a:solidFill>
+              <a:schemeClr val="bg1"/>
+            </a:solidFill>
+            <a:ln w="25400">
+              <a:solidFill>
+                <a:srgbClr val="002060"/>
+              </a:solidFill>
+              <a:headEnd type="none" w="med" len="med"/>
+              <a:tailEnd type="none" w="med" len="med"/>
+            </a:ln>
+            <a:effectLst/>
+          </p:spPr>
+          <p:style>
+            <a:lnRef idx="1">
+              <a:schemeClr val="accent2"/>
+            </a:lnRef>
+            <a:fillRef idx="3">
+              <a:schemeClr val="accent2"/>
+            </a:fillRef>
+            <a:effectRef idx="2">
+              <a:schemeClr val="accent2"/>
+            </a:effectRef>
+            <a:fontRef idx="minor">
+              <a:schemeClr val="lt1"/>
+            </a:fontRef>
+          </p:style>
+          <p:txBody>
+            <a:bodyPr rot="0" spcFirstLastPara="0" vertOverflow="overflow" horzOverflow="overflow" vert="horz" wrap="square" lIns="0" tIns="0" rIns="0" bIns="0" numCol="1" spcCol="0" rtlCol="0" fromWordArt="0" anchor="b" anchorCtr="0" forceAA="0" compatLnSpc="1">
+              <a:prstTxWarp prst="textNoShape">
+                <a:avLst/>
+              </a:prstTxWarp>
+              <a:noAutofit/>
+            </a:bodyPr>
+            <a:lstStyle/>
+            <a:p>
+              <a:pPr algn="ctr" defTabSz="914099" fontAlgn="base">
+                <a:spcBef>
+                  <a:spcPct val="0"/>
+                </a:spcBef>
+                <a:spcAft>
+                  <a:spcPct val="0"/>
+                </a:spcAft>
+              </a:pPr>
+              <a:r>
+                <a:rPr lang="en-CA" sz="1000" spc="-50" dirty="0">
+                  <a:solidFill>
+                    <a:srgbClr val="002060"/>
+                  </a:solidFill>
+                  <a:latin typeface="Segoe UI" pitchFamily="34" charset="0"/>
+                  <a:ea typeface="Segoe UI" pitchFamily="34" charset="0"/>
+                  <a:cs typeface="Segoe UI" pitchFamily="34" charset="0"/>
+                </a:rPr>
+                <a:t>C</a:t>
+              </a:r>
+            </a:p>
+          </p:txBody>
+        </p:sp>
+      </p:grpSp>
+      <p:grpSp>
+        <p:nvGrpSpPr>
+          <p:cNvPr id="86" name="Group 85"/>
+          <p:cNvGrpSpPr/>
+          <p:nvPr/>
+        </p:nvGrpSpPr>
+        <p:grpSpPr>
+          <a:xfrm>
+            <a:off x="6758810" y="2376823"/>
+            <a:ext cx="1397110" cy="1724113"/>
+            <a:chOff x="6939729" y="3654208"/>
+            <a:chExt cx="1397110" cy="1724113"/>
+          </a:xfrm>
+        </p:grpSpPr>
+        <p:grpSp>
+          <p:nvGrpSpPr>
+            <p:cNvPr id="69" name="Group 68"/>
+            <p:cNvGrpSpPr/>
+            <p:nvPr/>
+          </p:nvGrpSpPr>
+          <p:grpSpPr>
+            <a:xfrm>
+              <a:off x="6939729" y="3654208"/>
+              <a:ext cx="1397110" cy="1724113"/>
+              <a:chOff x="1952202" y="3669637"/>
+              <a:chExt cx="1397110" cy="1724113"/>
+            </a:xfrm>
+          </p:grpSpPr>
+          <p:sp>
+            <p:nvSpPr>
+              <p:cNvPr id="70" name="Oval 69"/>
+              <p:cNvSpPr/>
+              <p:nvPr/>
+            </p:nvSpPr>
+            <p:spPr bwMode="auto">
+              <a:xfrm>
+                <a:off x="2208955" y="3669637"/>
+                <a:ext cx="216000" cy="216000"/>
+              </a:xfrm>
+              <a:prstGeom prst="ellipse">
+                <a:avLst/>
+              </a:prstGeom>
+              <a:solidFill>
+                <a:schemeClr val="bg1"/>
+              </a:solidFill>
+              <a:ln w="25400">
+                <a:solidFill>
+                  <a:srgbClr val="002060"/>
+                </a:solidFill>
+                <a:headEnd type="none" w="med" len="med"/>
+                <a:tailEnd type="none" w="med" len="med"/>
+              </a:ln>
+              <a:effectLst/>
+            </p:spPr>
+            <p:style>
+              <a:lnRef idx="1">
+                <a:schemeClr val="accent2"/>
+              </a:lnRef>
+              <a:fillRef idx="3">
+                <a:schemeClr val="accent2"/>
+              </a:fillRef>
+              <a:effectRef idx="2">
+                <a:schemeClr val="accent2"/>
+              </a:effectRef>
+              <a:fontRef idx="minor">
+                <a:schemeClr val="lt1"/>
+              </a:fontRef>
+            </p:style>
+            <p:txBody>
+              <a:bodyPr rot="0" spcFirstLastPara="0" vertOverflow="overflow" horzOverflow="overflow" vert="horz" wrap="square" lIns="0" tIns="0" rIns="0" bIns="0" numCol="1" spcCol="0" rtlCol="0" fromWordArt="0" anchor="b" anchorCtr="0" forceAA="0" compatLnSpc="1">
+                <a:prstTxWarp prst="textNoShape">
+                  <a:avLst/>
+                </a:prstTxWarp>
+                <a:noAutofit/>
+              </a:bodyPr>
+              <a:lstStyle/>
+              <a:p>
+                <a:pPr algn="ctr" defTabSz="914099" fontAlgn="base">
+                  <a:spcBef>
+                    <a:spcPct val="0"/>
+                  </a:spcBef>
+                  <a:spcAft>
+                    <a:spcPct val="0"/>
+                  </a:spcAft>
+                </a:pPr>
+                <a:r>
+                  <a:rPr lang="en-CA" sz="1000" spc="-50" dirty="0">
+                    <a:solidFill>
+                      <a:srgbClr val="002060"/>
+                    </a:solidFill>
+                    <a:latin typeface="Segoe UI" pitchFamily="34" charset="0"/>
+                    <a:ea typeface="Segoe UI" pitchFamily="34" charset="0"/>
+                    <a:cs typeface="Segoe UI" pitchFamily="34" charset="0"/>
+                  </a:rPr>
+                  <a:t>B</a:t>
+                </a:r>
+              </a:p>
+            </p:txBody>
+          </p:sp>
+          <p:sp>
+            <p:nvSpPr>
+              <p:cNvPr id="71" name="Oval 70"/>
+              <p:cNvSpPr/>
+              <p:nvPr/>
+            </p:nvSpPr>
+            <p:spPr bwMode="auto">
+              <a:xfrm>
+                <a:off x="3133312" y="4970901"/>
+                <a:ext cx="216000" cy="216000"/>
+              </a:xfrm>
+              <a:prstGeom prst="ellipse">
+                <a:avLst/>
+              </a:prstGeom>
+              <a:solidFill>
+                <a:schemeClr val="bg1"/>
+              </a:solidFill>
+              <a:ln w="25400">
+                <a:solidFill>
+                  <a:srgbClr val="002060"/>
+                </a:solidFill>
+                <a:headEnd type="none" w="med" len="med"/>
+                <a:tailEnd type="none" w="med" len="med"/>
+              </a:ln>
+              <a:effectLst/>
+            </p:spPr>
+            <p:style>
+              <a:lnRef idx="1">
+                <a:schemeClr val="accent2"/>
+              </a:lnRef>
+              <a:fillRef idx="3">
+                <a:schemeClr val="accent2"/>
+              </a:fillRef>
+              <a:effectRef idx="2">
+                <a:schemeClr val="accent2"/>
+              </a:effectRef>
+              <a:fontRef idx="minor">
+                <a:schemeClr val="lt1"/>
+              </a:fontRef>
+            </p:style>
+            <p:txBody>
+              <a:bodyPr rot="0" spcFirstLastPara="0" vertOverflow="overflow" horzOverflow="overflow" vert="horz" wrap="square" lIns="0" tIns="0" rIns="0" bIns="0" numCol="1" spcCol="0" rtlCol="0" fromWordArt="0" anchor="b" anchorCtr="0" forceAA="0" compatLnSpc="1">
+                <a:prstTxWarp prst="textNoShape">
+                  <a:avLst/>
+                </a:prstTxWarp>
+                <a:noAutofit/>
+              </a:bodyPr>
+              <a:lstStyle/>
+              <a:p>
+                <a:pPr algn="ctr" defTabSz="914099" fontAlgn="base">
+                  <a:spcBef>
+                    <a:spcPct val="0"/>
+                  </a:spcBef>
+                  <a:spcAft>
+                    <a:spcPct val="0"/>
+                  </a:spcAft>
+                </a:pPr>
+                <a:r>
+                  <a:rPr lang="en-CA" sz="1000" spc="-50" dirty="0">
+                    <a:solidFill>
+                      <a:srgbClr val="002060"/>
+                    </a:solidFill>
+                    <a:latin typeface="Segoe UI" pitchFamily="34" charset="0"/>
+                    <a:ea typeface="Segoe UI" pitchFamily="34" charset="0"/>
+                    <a:cs typeface="Segoe UI" pitchFamily="34" charset="0"/>
+                  </a:rPr>
+                  <a:t>C</a:t>
+                </a:r>
+              </a:p>
+            </p:txBody>
+          </p:sp>
+          <p:cxnSp>
+            <p:nvCxnSpPr>
+              <p:cNvPr id="72" name="Curved Connector 71"/>
+              <p:cNvCxnSpPr>
+                <a:stCxn id="70" idx="6"/>
+                <a:endCxn id="71" idx="2"/>
+              </p:cNvCxnSpPr>
+              <p:nvPr/>
+            </p:nvCxnSpPr>
+            <p:spPr>
+              <a:xfrm>
+                <a:off x="2424955" y="3777637"/>
+                <a:ext cx="708357" cy="1301264"/>
+              </a:xfrm>
+              <a:prstGeom prst="curvedConnector3">
+                <a:avLst>
+                  <a:gd name="adj1" fmla="val 50000"/>
+                </a:avLst>
+              </a:prstGeom>
+              <a:ln w="38100">
+                <a:solidFill>
+                  <a:srgbClr val="002060"/>
+                </a:solidFill>
+              </a:ln>
+            </p:spPr>
+            <p:style>
+              <a:lnRef idx="1">
+                <a:schemeClr val="accent1"/>
+              </a:lnRef>
+              <a:fillRef idx="0">
+                <a:schemeClr val="accent1"/>
+              </a:fillRef>
+              <a:effectRef idx="0">
+                <a:schemeClr val="accent1"/>
+              </a:effectRef>
+              <a:fontRef idx="minor">
+                <a:schemeClr val="tx1"/>
+              </a:fontRef>
+            </p:style>
+          </p:cxnSp>
+          <p:sp>
+            <p:nvSpPr>
+              <p:cNvPr id="73" name="TextBox 72"/>
+              <p:cNvSpPr txBox="1"/>
+              <p:nvPr/>
+            </p:nvSpPr>
+            <p:spPr>
+              <a:xfrm>
+                <a:off x="1952202" y="5085973"/>
+                <a:ext cx="1067280" cy="307777"/>
+              </a:xfrm>
+              <a:prstGeom prst="rect">
+                <a:avLst/>
+              </a:prstGeom>
+              <a:noFill/>
+            </p:spPr>
+            <p:txBody>
+              <a:bodyPr wrap="none" lIns="0" tIns="0" rIns="0" bIns="0" rtlCol="0">
+                <a:spAutoFit/>
+              </a:bodyPr>
+              <a:lstStyle/>
+              <a:p>
+                <a:r>
+                  <a:rPr lang="en-CA" sz="2000" dirty="0">
+                    <a:solidFill>
+                      <a:schemeClr val="tx1">
+                        <a:lumMod val="65000"/>
+                        <a:lumOff val="35000"/>
+                      </a:schemeClr>
+                    </a:solidFill>
+                    <a:latin typeface="Segoe UI Light" pitchFamily="34" charset="0"/>
+                  </a:rPr>
+                  <a:t>release v2</a:t>
+                </a:r>
+              </a:p>
+            </p:txBody>
+          </p:sp>
+        </p:grpSp>
+        <p:cxnSp>
+          <p:nvCxnSpPr>
+            <p:cNvPr id="74" name="Straight Arrow Connector 73"/>
+            <p:cNvCxnSpPr>
+              <a:stCxn id="67" idx="6"/>
+              <a:endCxn id="70" idx="2"/>
+            </p:cNvCxnSpPr>
+            <p:nvPr/>
+          </p:nvCxnSpPr>
+          <p:spPr>
+            <a:xfrm flipV="1">
+              <a:off x="6985596" y="3762208"/>
+              <a:ext cx="210886" cy="1790"/>
+            </a:xfrm>
+            <a:prstGeom prst="straightConnector1">
+              <a:avLst/>
+            </a:prstGeom>
+            <a:ln w="38100">
+              <a:solidFill>
+                <a:srgbClr val="002060"/>
+              </a:solidFill>
+              <a:tailEnd type="none" w="lg" len="med"/>
+            </a:ln>
+          </p:spPr>
+          <p:style>
+            <a:lnRef idx="2">
+              <a:schemeClr val="accent5"/>
+            </a:lnRef>
+            <a:fillRef idx="0">
+              <a:schemeClr val="accent5"/>
+            </a:fillRef>
+            <a:effectRef idx="1">
+              <a:schemeClr val="accent5"/>
+            </a:effectRef>
+            <a:fontRef idx="minor">
+              <a:schemeClr val="tx1"/>
+            </a:fontRef>
+          </p:style>
+        </p:cxnSp>
+      </p:grpSp>
+      <p:cxnSp>
+        <p:nvCxnSpPr>
+          <p:cNvPr id="78" name="Straight Arrow Connector 77"/>
+          <p:cNvCxnSpPr>
+            <a:stCxn id="71" idx="6"/>
+          </p:cNvCxnSpPr>
+          <p:nvPr/>
+        </p:nvCxnSpPr>
+        <p:spPr>
+          <a:xfrm>
+            <a:off x="8155920" y="3786087"/>
+            <a:ext cx="2788361" cy="0"/>
+          </a:xfrm>
+          <a:prstGeom prst="straightConnector1">
+            <a:avLst/>
+          </a:prstGeom>
+          <a:ln w="38100">
+            <a:solidFill>
+              <a:srgbClr val="002060"/>
+            </a:solidFill>
+            <a:tailEnd type="triangle" w="lg" len="med"/>
+          </a:ln>
+        </p:spPr>
+        <p:style>
+          <a:lnRef idx="2">
+            <a:schemeClr val="accent5"/>
+          </a:lnRef>
+          <a:fillRef idx="0">
+            <a:schemeClr val="accent5"/>
+          </a:fillRef>
+          <a:effectRef idx="1">
+            <a:schemeClr val="accent5"/>
+          </a:effectRef>
+          <a:fontRef idx="minor">
+            <a:schemeClr val="tx1"/>
+          </a:fontRef>
+        </p:style>
+      </p:cxnSp>
+      <p:grpSp>
+        <p:nvGrpSpPr>
+          <p:cNvPr id="81" name="Group 80"/>
+          <p:cNvGrpSpPr/>
+          <p:nvPr/>
+        </p:nvGrpSpPr>
+        <p:grpSpPr>
+          <a:xfrm>
+            <a:off x="7231563" y="2376823"/>
+            <a:ext cx="1844359" cy="216000"/>
+            <a:chOff x="3292348" y="2121753"/>
+            <a:chExt cx="1844359" cy="216000"/>
+          </a:xfrm>
+        </p:grpSpPr>
+        <p:cxnSp>
+          <p:nvCxnSpPr>
+            <p:cNvPr id="82" name="Straight Arrow Connector 81"/>
+            <p:cNvCxnSpPr>
+              <a:stCxn id="70" idx="6"/>
+              <a:endCxn id="83" idx="2"/>
+            </p:cNvCxnSpPr>
+            <p:nvPr/>
+          </p:nvCxnSpPr>
+          <p:spPr>
+            <a:xfrm>
+              <a:off x="3292348" y="2229753"/>
+              <a:ext cx="1628359" cy="0"/>
+            </a:xfrm>
+            <a:prstGeom prst="straightConnector1">
+              <a:avLst/>
+            </a:prstGeom>
+            <a:ln w="38100">
+              <a:solidFill>
+                <a:srgbClr val="002060"/>
+              </a:solidFill>
+              <a:tailEnd type="none" w="lg" len="med"/>
+            </a:ln>
+          </p:spPr>
+          <p:style>
+            <a:lnRef idx="2">
+              <a:schemeClr val="accent5"/>
+            </a:lnRef>
+            <a:fillRef idx="0">
+              <a:schemeClr val="accent5"/>
+            </a:fillRef>
+            <a:effectRef idx="1">
+              <a:schemeClr val="accent5"/>
+            </a:effectRef>
+            <a:fontRef idx="minor">
+              <a:schemeClr val="tx1"/>
+            </a:fontRef>
+          </p:style>
+        </p:cxnSp>
+        <p:sp>
+          <p:nvSpPr>
+            <p:cNvPr id="83" name="Oval 82"/>
+            <p:cNvSpPr/>
+            <p:nvPr/>
+          </p:nvSpPr>
+          <p:spPr bwMode="auto">
+            <a:xfrm>
+              <a:off x="4920707" y="2121753"/>
+              <a:ext cx="216000" cy="216000"/>
+            </a:xfrm>
+            <a:prstGeom prst="ellipse">
+              <a:avLst/>
+            </a:prstGeom>
+            <a:solidFill>
+              <a:schemeClr val="bg1"/>
+            </a:solidFill>
+            <a:ln w="25400">
+              <a:solidFill>
+                <a:srgbClr val="002060"/>
+              </a:solidFill>
+              <a:headEnd type="none" w="med" len="med"/>
+              <a:tailEnd type="none" w="med" len="med"/>
+            </a:ln>
+            <a:effectLst/>
+          </p:spPr>
+          <p:style>
+            <a:lnRef idx="1">
+              <a:schemeClr val="accent2"/>
+            </a:lnRef>
+            <a:fillRef idx="3">
+              <a:schemeClr val="accent2"/>
+            </a:fillRef>
+            <a:effectRef idx="2">
+              <a:schemeClr val="accent2"/>
+            </a:effectRef>
+            <a:fontRef idx="minor">
+              <a:schemeClr val="lt1"/>
+            </a:fontRef>
+          </p:style>
+          <p:txBody>
+            <a:bodyPr rot="0" spcFirstLastPara="0" vertOverflow="overflow" horzOverflow="overflow" vert="horz" wrap="square" lIns="0" tIns="0" rIns="0" bIns="0" numCol="1" spcCol="0" rtlCol="0" fromWordArt="0" anchor="b" anchorCtr="0" forceAA="0" compatLnSpc="1">
+              <a:prstTxWarp prst="textNoShape">
+                <a:avLst/>
+              </a:prstTxWarp>
+              <a:noAutofit/>
+            </a:bodyPr>
+            <a:lstStyle/>
+            <a:p>
+              <a:pPr algn="ctr" defTabSz="914099" fontAlgn="base">
+                <a:spcBef>
+                  <a:spcPct val="0"/>
+                </a:spcBef>
+                <a:spcAft>
+                  <a:spcPct val="0"/>
+                </a:spcAft>
+              </a:pPr>
+              <a:r>
+                <a:rPr lang="en-CA" sz="1000" spc="-50" dirty="0">
+                  <a:solidFill>
+                    <a:srgbClr val="002060"/>
+                  </a:solidFill>
+                  <a:latin typeface="Segoe UI" pitchFamily="34" charset="0"/>
+                  <a:ea typeface="Segoe UI" pitchFamily="34" charset="0"/>
+                  <a:cs typeface="Segoe UI" pitchFamily="34" charset="0"/>
+                </a:rPr>
+                <a:t>C</a:t>
+              </a:r>
+            </a:p>
+          </p:txBody>
+        </p:sp>
+      </p:grpSp>
+      <p:grpSp>
+        <p:nvGrpSpPr>
+          <p:cNvPr id="91" name="Group 90"/>
+          <p:cNvGrpSpPr/>
+          <p:nvPr/>
+        </p:nvGrpSpPr>
+        <p:grpSpPr>
+          <a:xfrm>
+            <a:off x="3222823" y="3693516"/>
+            <a:ext cx="1341121" cy="216000"/>
+            <a:chOff x="3403742" y="4970901"/>
+            <a:chExt cx="1341121" cy="216000"/>
+          </a:xfrm>
+        </p:grpSpPr>
+        <p:sp>
+          <p:nvSpPr>
+            <p:cNvPr id="29" name="Oval 28"/>
+            <p:cNvSpPr/>
+            <p:nvPr/>
+          </p:nvSpPr>
+          <p:spPr bwMode="auto">
+            <a:xfrm>
+              <a:off x="4528863" y="4970901"/>
+              <a:ext cx="216000" cy="216000"/>
+            </a:xfrm>
+            <a:prstGeom prst="ellipse">
+              <a:avLst/>
+            </a:prstGeom>
+            <a:solidFill>
+              <a:schemeClr val="bg1"/>
+            </a:solidFill>
+            <a:ln w="25400">
+              <a:solidFill>
+                <a:srgbClr val="002060"/>
+              </a:solidFill>
+              <a:headEnd type="none" w="med" len="med"/>
+              <a:tailEnd type="none" w="med" len="med"/>
+            </a:ln>
+            <a:effectLst/>
+          </p:spPr>
+          <p:style>
+            <a:lnRef idx="1">
+              <a:schemeClr val="accent2"/>
+            </a:lnRef>
+            <a:fillRef idx="3">
+              <a:schemeClr val="accent2"/>
+            </a:fillRef>
+            <a:effectRef idx="2">
+              <a:schemeClr val="accent2"/>
+            </a:effectRef>
+            <a:fontRef idx="minor">
+              <a:schemeClr val="lt1"/>
+            </a:fontRef>
+          </p:style>
+          <p:txBody>
+            <a:bodyPr rot="0" spcFirstLastPara="0" vertOverflow="overflow" horzOverflow="overflow" vert="horz" wrap="square" lIns="0" tIns="0" rIns="0" bIns="0" numCol="1" spcCol="0" rtlCol="0" fromWordArt="0" anchor="b" anchorCtr="0" forceAA="0" compatLnSpc="1">
+              <a:prstTxWarp prst="textNoShape">
+                <a:avLst/>
+              </a:prstTxWarp>
+              <a:noAutofit/>
+            </a:bodyPr>
+            <a:lstStyle/>
+            <a:p>
+              <a:pPr algn="ctr" defTabSz="914099" fontAlgn="base">
+                <a:spcBef>
+                  <a:spcPct val="0"/>
+                </a:spcBef>
+                <a:spcAft>
+                  <a:spcPct val="0"/>
+                </a:spcAft>
+              </a:pPr>
+              <a:r>
+                <a:rPr lang="en-CA" sz="1000" spc="-50" dirty="0">
+                  <a:solidFill>
+                    <a:srgbClr val="002060"/>
+                  </a:solidFill>
+                  <a:latin typeface="Segoe UI" pitchFamily="34" charset="0"/>
+                  <a:ea typeface="Segoe UI" pitchFamily="34" charset="0"/>
+                  <a:cs typeface="Segoe UI" pitchFamily="34" charset="0"/>
+                </a:rPr>
+                <a:t>C</a:t>
+              </a:r>
+            </a:p>
+          </p:txBody>
+        </p:sp>
+        <p:cxnSp>
+          <p:nvCxnSpPr>
+            <p:cNvPr id="88" name="Straight Arrow Connector 87"/>
+            <p:cNvCxnSpPr>
+              <a:stCxn id="10" idx="6"/>
+              <a:endCxn id="29" idx="2"/>
+            </p:cNvCxnSpPr>
+            <p:nvPr/>
+          </p:nvCxnSpPr>
+          <p:spPr>
+            <a:xfrm>
+              <a:off x="3403742" y="5078901"/>
+              <a:ext cx="1125121" cy="0"/>
+            </a:xfrm>
+            <a:prstGeom prst="straightConnector1">
+              <a:avLst/>
+            </a:prstGeom>
+            <a:ln w="38100">
+              <a:solidFill>
+                <a:srgbClr val="002060"/>
+              </a:solidFill>
+              <a:tailEnd type="none" w="lg" len="med"/>
+            </a:ln>
+          </p:spPr>
+          <p:style>
+            <a:lnRef idx="2">
+              <a:schemeClr val="accent5"/>
+            </a:lnRef>
+            <a:fillRef idx="0">
+              <a:schemeClr val="accent5"/>
+            </a:fillRef>
+            <a:effectRef idx="1">
+              <a:schemeClr val="accent5"/>
+            </a:effectRef>
+            <a:fontRef idx="minor">
+              <a:schemeClr val="tx1"/>
+            </a:fontRef>
+          </p:style>
+        </p:cxnSp>
+      </p:grpSp>
+      <p:grpSp>
+        <p:nvGrpSpPr>
+          <p:cNvPr id="3" name="Group 2"/>
+          <p:cNvGrpSpPr/>
+          <p:nvPr/>
+        </p:nvGrpSpPr>
+        <p:grpSpPr>
+          <a:xfrm>
+            <a:off x="4563945" y="2372047"/>
+            <a:ext cx="1415569" cy="1429468"/>
+            <a:chOff x="4563945" y="2372047"/>
+            <a:chExt cx="1415569" cy="1429468"/>
+          </a:xfrm>
+        </p:grpSpPr>
+        <p:sp>
+          <p:nvSpPr>
+            <p:cNvPr id="92" name="TextBox 91"/>
+            <p:cNvSpPr txBox="1"/>
+            <p:nvPr/>
+          </p:nvSpPr>
+          <p:spPr>
+            <a:xfrm>
+              <a:off x="5287017" y="3106300"/>
+              <a:ext cx="692497" cy="307777"/>
+            </a:xfrm>
+            <a:prstGeom prst="rect">
+              <a:avLst/>
+            </a:prstGeom>
+            <a:noFill/>
+          </p:spPr>
+          <p:txBody>
+            <a:bodyPr wrap="none" lIns="0" tIns="0" rIns="0" bIns="0" rtlCol="0">
+              <a:spAutoFit/>
+            </a:bodyPr>
+            <a:lstStyle/>
+            <a:p>
+              <a:r>
+                <a:rPr lang="en-CA" sz="2000" dirty="0">
+                  <a:solidFill>
+                    <a:schemeClr val="tx1">
+                      <a:lumMod val="65000"/>
+                      <a:lumOff val="35000"/>
+                    </a:schemeClr>
+                  </a:solidFill>
+                  <a:latin typeface="Segoe UI Light" pitchFamily="34" charset="0"/>
+                </a:rPr>
+                <a:t>hot-fix</a:t>
+              </a:r>
+            </a:p>
+          </p:txBody>
+        </p:sp>
+        <p:grpSp>
+          <p:nvGrpSpPr>
+            <p:cNvPr id="85" name="Group 84"/>
+            <p:cNvGrpSpPr/>
+            <p:nvPr/>
+          </p:nvGrpSpPr>
+          <p:grpSpPr>
+            <a:xfrm>
+              <a:off x="4563945" y="2372047"/>
+              <a:ext cx="1353360" cy="1429468"/>
+              <a:chOff x="4744864" y="3649432"/>
+              <a:chExt cx="1353360" cy="1429468"/>
+            </a:xfrm>
+          </p:grpSpPr>
+          <p:grpSp>
+            <p:nvGrpSpPr>
+              <p:cNvPr id="19" name="Group 18"/>
+              <p:cNvGrpSpPr/>
+              <p:nvPr/>
+            </p:nvGrpSpPr>
+            <p:grpSpPr>
+              <a:xfrm>
+                <a:off x="4744864" y="3649432"/>
+                <a:ext cx="1353360" cy="1429468"/>
+                <a:chOff x="6438448" y="1869683"/>
+                <a:chExt cx="1353360" cy="1429468"/>
+              </a:xfrm>
+            </p:grpSpPr>
+            <p:sp>
+              <p:nvSpPr>
+                <p:cNvPr id="22" name="Oval 21"/>
+                <p:cNvSpPr/>
+                <p:nvPr/>
+              </p:nvSpPr>
+              <p:spPr bwMode="auto">
+                <a:xfrm>
+                  <a:off x="7575808" y="1869683"/>
+                  <a:ext cx="216000" cy="216000"/>
+                </a:xfrm>
+                <a:prstGeom prst="ellipse">
+                  <a:avLst/>
+                </a:prstGeom>
+                <a:solidFill>
+                  <a:schemeClr val="bg1"/>
+                </a:solidFill>
+                <a:ln w="25400">
+                  <a:solidFill>
+                    <a:srgbClr val="002060"/>
+                  </a:solidFill>
+                  <a:headEnd type="none" w="med" len="med"/>
+                  <a:tailEnd type="none" w="med" len="med"/>
+                </a:ln>
+                <a:effectLst/>
+              </p:spPr>
+              <p:style>
+                <a:lnRef idx="1">
+                  <a:schemeClr val="accent2"/>
+                </a:lnRef>
+                <a:fillRef idx="3">
+                  <a:schemeClr val="accent2"/>
+                </a:fillRef>
+                <a:effectRef idx="2">
+                  <a:schemeClr val="accent2"/>
+                </a:effectRef>
+                <a:fontRef idx="minor">
+                  <a:schemeClr val="lt1"/>
+                </a:fontRef>
+              </p:style>
+              <p:txBody>
+                <a:bodyPr rot="0" spcFirstLastPara="0" vertOverflow="overflow" horzOverflow="overflow" vert="horz" wrap="square" lIns="0" tIns="0" rIns="0" bIns="0" numCol="1" spcCol="0" rtlCol="0" fromWordArt="0" anchor="b" anchorCtr="0" forceAA="0" compatLnSpc="1">
+                  <a:prstTxWarp prst="textNoShape">
+                    <a:avLst/>
+                  </a:prstTxWarp>
+                  <a:noAutofit/>
+                </a:bodyPr>
+                <a:lstStyle/>
+                <a:p>
+                  <a:pPr algn="ctr" defTabSz="914099" fontAlgn="base">
+                    <a:spcBef>
+                      <a:spcPct val="0"/>
+                    </a:spcBef>
+                    <a:spcAft>
+                      <a:spcPct val="0"/>
+                    </a:spcAft>
+                  </a:pPr>
+                  <a:r>
+                    <a:rPr lang="en-CA" sz="1000" spc="-50" dirty="0">
+                      <a:solidFill>
+                        <a:srgbClr val="002060"/>
+                      </a:solidFill>
+                      <a:latin typeface="Segoe UI" pitchFamily="34" charset="0"/>
+                      <a:ea typeface="Segoe UI" pitchFamily="34" charset="0"/>
+                      <a:cs typeface="Segoe UI" pitchFamily="34" charset="0"/>
+                    </a:rPr>
+                    <a:t>M</a:t>
+                  </a:r>
+                </a:p>
+              </p:txBody>
+            </p:sp>
+            <p:cxnSp>
+              <p:nvCxnSpPr>
+                <p:cNvPr id="23" name="Curved Connector 22"/>
+                <p:cNvCxnSpPr>
+                  <a:stCxn id="22" idx="2"/>
+                  <a:endCxn id="29" idx="6"/>
+                </p:cNvCxnSpPr>
+                <p:nvPr/>
+              </p:nvCxnSpPr>
+              <p:spPr>
+                <a:xfrm rot="10800000" flipV="1">
+                  <a:off x="6438448" y="1977682"/>
+                  <a:ext cx="1137361" cy="1321469"/>
+                </a:xfrm>
+                <a:prstGeom prst="curvedConnector3">
+                  <a:avLst>
+                    <a:gd name="adj1" fmla="val 50000"/>
+                  </a:avLst>
+                </a:prstGeom>
+                <a:ln w="38100">
+                  <a:solidFill>
+                    <a:srgbClr val="002060"/>
+                  </a:solidFill>
+                </a:ln>
+              </p:spPr>
+              <p:style>
+                <a:lnRef idx="1">
+                  <a:schemeClr val="accent1"/>
+                </a:lnRef>
+                <a:fillRef idx="0">
+                  <a:schemeClr val="accent1"/>
+                </a:fillRef>
+                <a:effectRef idx="0">
+                  <a:schemeClr val="accent1"/>
+                </a:effectRef>
+                <a:fontRef idx="minor">
+                  <a:schemeClr val="tx1"/>
+                </a:fontRef>
+              </p:style>
+            </p:cxnSp>
+            <p:sp>
+              <p:nvSpPr>
+                <p:cNvPr id="24" name="Isosceles Triangle 23"/>
+                <p:cNvSpPr/>
+                <p:nvPr/>
+              </p:nvSpPr>
+              <p:spPr>
+                <a:xfrm>
+                  <a:off x="6912166" y="2483628"/>
+                  <a:ext cx="216000" cy="164892"/>
+                </a:xfrm>
+                <a:prstGeom prst="triangle">
+                  <a:avLst/>
+                </a:prstGeom>
+                <a:solidFill>
+                  <a:srgbClr val="002060"/>
+                </a:solidFill>
+                <a:ln>
+                  <a:noFill/>
+                </a:ln>
+              </p:spPr>
+              <p:style>
+                <a:lnRef idx="2">
+                  <a:schemeClr val="accent1">
+                    <a:shade val="50000"/>
+                  </a:schemeClr>
+                </a:lnRef>
+                <a:fillRef idx="1">
+                  <a:schemeClr val="accent1"/>
+                </a:fillRef>
+                <a:effectRef idx="0">
+                  <a:schemeClr val="accent1"/>
+                </a:effectRef>
+                <a:fontRef idx="minor">
+                  <a:schemeClr val="lt1"/>
+                </a:fontRef>
+              </p:style>
+              <p:txBody>
+                <a:bodyPr rtlCol="0" anchor="ctr"/>
+                <a:lstStyle/>
+                <a:p>
+                  <a:pPr algn="ctr"/>
+                  <a:endParaRPr lang="en-CA" dirty="0"/>
+                </a:p>
+              </p:txBody>
+            </p:sp>
+          </p:grpSp>
+          <p:sp>
+            <p:nvSpPr>
+              <p:cNvPr id="20" name="TextBox 19"/>
+              <p:cNvSpPr txBox="1"/>
+              <p:nvPr/>
+            </p:nvSpPr>
+            <p:spPr>
+              <a:xfrm>
+                <a:off x="4937775" y="4078711"/>
+                <a:ext cx="367408" cy="369332"/>
+              </a:xfrm>
+              <a:prstGeom prst="rect">
+                <a:avLst/>
+              </a:prstGeom>
+              <a:noFill/>
+            </p:spPr>
+            <p:txBody>
+              <a:bodyPr wrap="none" rtlCol="0">
+                <a:spAutoFit/>
+              </a:bodyPr>
+              <a:lstStyle/>
+              <a:p>
+                <a:r>
+                  <a:rPr lang="en-CA" dirty="0"/>
+                  <a:t>RI</a:t>
+                </a:r>
+              </a:p>
+            </p:txBody>
+          </p:sp>
+          <p:cxnSp>
+            <p:nvCxnSpPr>
+              <p:cNvPr id="62" name="Straight Arrow Connector 61"/>
+              <p:cNvCxnSpPr>
+                <a:stCxn id="39" idx="6"/>
+                <a:endCxn id="22" idx="2"/>
+              </p:cNvCxnSpPr>
+              <p:nvPr/>
+            </p:nvCxnSpPr>
+            <p:spPr>
+              <a:xfrm flipV="1">
+                <a:off x="5155051" y="3757432"/>
+                <a:ext cx="727173" cy="13133"/>
+              </a:xfrm>
+              <a:prstGeom prst="straightConnector1">
+                <a:avLst/>
+              </a:prstGeom>
+              <a:ln w="38100">
+                <a:solidFill>
+                  <a:srgbClr val="002060"/>
+                </a:solidFill>
+                <a:tailEnd type="none" w="lg" len="med"/>
+              </a:ln>
+            </p:spPr>
+            <p:style>
+              <a:lnRef idx="2">
+                <a:schemeClr val="accent5"/>
+              </a:lnRef>
+              <a:fillRef idx="0">
+                <a:schemeClr val="accent5"/>
+              </a:fillRef>
+              <a:effectRef idx="1">
+                <a:schemeClr val="accent5"/>
+              </a:effectRef>
+              <a:fontRef idx="minor">
+                <a:schemeClr val="tx1"/>
+              </a:fontRef>
+            </p:style>
+          </p:cxnSp>
+        </p:grpSp>
+      </p:grpSp>
+      <p:sp>
+        <p:nvSpPr>
+          <p:cNvPr id="51" name="Rectangle 50"/>
+          <p:cNvSpPr/>
+          <p:nvPr/>
+        </p:nvSpPr>
+        <p:spPr>
+          <a:xfrm>
+            <a:off x="762001" y="2253719"/>
+            <a:ext cx="10231120" cy="1942361"/>
+          </a:xfrm>
+          <a:prstGeom prst="rect">
+            <a:avLst/>
+          </a:prstGeom>
+          <a:noFill/>
+          <a:ln w="6350">
+            <a:solidFill>
+              <a:srgbClr val="FFC000"/>
+            </a:solidFill>
+            <a:prstDash val="sysDot"/>
+          </a:ln>
+        </p:spPr>
+        <p:style>
+          <a:lnRef idx="2">
+            <a:schemeClr val="accent1">
+              <a:shade val="50000"/>
+            </a:schemeClr>
+          </a:lnRef>
+          <a:fillRef idx="1">
+            <a:schemeClr val="accent1"/>
+          </a:fillRef>
+          <a:effectRef idx="0">
+            <a:schemeClr val="accent1"/>
+          </a:effectRef>
+          <a:fontRef idx="minor">
+            <a:schemeClr val="lt1"/>
+          </a:fontRef>
+        </p:style>
+        <p:txBody>
+          <a:bodyPr rtlCol="0" anchor="ctr"/>
+          <a:lstStyle/>
+          <a:p>
+            <a:pPr algn="ctr"/>
+            <a:endParaRPr lang="en-CA"/>
+          </a:p>
+        </p:txBody>
+      </p:sp>
+    </p:spTree>
+    <p:extLst>
+      <p:ext uri="{BB962C8B-B14F-4D97-AF65-F5344CB8AC3E}">
+        <p14:creationId xmlns:p14="http://schemas.microsoft.com/office/powerpoint/2010/main" val="147066661"/>
+      </p:ext>
+    </p:extLst>
+  </p:cSld>
+  <p:clrMapOvr>
+    <a:masterClrMapping/>
+  </p:clrMapOvr>
+  <mc:AlternateContent xmlns:mc="http://schemas.openxmlformats.org/markup-compatibility/2006" xmlns:p14="http://schemas.microsoft.com/office/powerpoint/2010/main">
+    <mc:Choice Requires="p14">
+      <p:transition spd="slow" p14:dur="1500">
+        <p:push/>
+      </p:transition>
+    </mc:Choice>
+    <mc:Fallback xmlns="">
+      <p:transition spd="slow">
+        <p:push/>
+      </p:transition>
+    </mc:Fallback>
+  </mc:AlternateContent>
+</p:sld>
+</file>
+
+<file path=ppt/slides/slide3.xml><?xml version="1.0" encoding="utf-8"?>
 <p:sld xmlns:a="http://schemas.openxmlformats.org/drawingml/2006/main" xmlns:r="http://schemas.openxmlformats.org/officeDocument/2006/relationships" xmlns:p="http://schemas.openxmlformats.org/presentationml/2006/main">
   <p:cSld>
     <p:spTree>
@@ -38084,6 +43035,46 @@
           </a:p>
         </p:txBody>
       </p:sp>
+      <p:sp>
+        <p:nvSpPr>
+          <p:cNvPr id="4" name="Rectangle 3">
+            <a:extLst>
+              <a:ext uri="{FF2B5EF4-FFF2-40B4-BE49-F238E27FC236}">
+                <a16:creationId xmlns:a16="http://schemas.microsoft.com/office/drawing/2014/main" id="{4C3285D7-26BC-471D-90E0-02EBE3FF2653}"/>
+              </a:ext>
+            </a:extLst>
+          </p:cNvPr>
+          <p:cNvSpPr/>
+          <p:nvPr/>
+        </p:nvSpPr>
+        <p:spPr>
+          <a:xfrm>
+            <a:off x="-4300538" y="3258235"/>
+            <a:ext cx="6096001" cy="646331"/>
+          </a:xfrm>
+          <a:prstGeom prst="rect">
+            <a:avLst/>
+          </a:prstGeom>
+        </p:spPr>
+        <p:txBody>
+          <a:bodyPr>
+            <a:spAutoFit/>
+          </a:bodyPr>
+          <a:lstStyle/>
+          <a:p>
+            <a:r>
+              <a:rPr lang="en-CA" dirty="0">
+                <a:solidFill>
+                  <a:srgbClr val="DDDDDD"/>
+                </a:solidFill>
+                <a:latin typeface="Segoe WPC"/>
+              </a:rPr>
+              <a:t>he main branch, run automated tests, and if successful, deploy the release to a development (dev) environment.</a:t>
+            </a:r>
+            <a:endParaRPr lang="en-CA" dirty="0"/>
+          </a:p>
+        </p:txBody>
+      </p:sp>
     </p:spTree>
     <p:extLst>
       <p:ext uri="{BB962C8B-B14F-4D97-AF65-F5344CB8AC3E}">
@@ -38109,7 +43100,7 @@
 </p:sld>
 </file>
 
-<file path=ppt/slides/slide3.xml><?xml version="1.0" encoding="utf-8"?>
+<file path=ppt/slides/slide4.xml><?xml version="1.0" encoding="utf-8"?>
 <p:sld xmlns:a="http://schemas.openxmlformats.org/drawingml/2006/main" xmlns:r="http://schemas.openxmlformats.org/officeDocument/2006/relationships" xmlns:p="http://schemas.openxmlformats.org/presentationml/2006/main">
   <p:cSld>
     <p:spTree>
@@ -40157,7 +45148,7 @@
 </p:sld>
 </file>
 
-<file path=ppt/slides/slide4.xml><?xml version="1.0" encoding="utf-8"?>
+<file path=ppt/slides/slide5.xml><?xml version="1.0" encoding="utf-8"?>
 <p:sld xmlns:a="http://schemas.openxmlformats.org/drawingml/2006/main" xmlns:r="http://schemas.openxmlformats.org/officeDocument/2006/relationships" xmlns:p="http://schemas.openxmlformats.org/presentationml/2006/main">
   <p:cSld>
     <p:spTree>
@@ -42055,7 +47046,7 @@
 </p:sld>
 </file>
 
-<file path=ppt/slides/slide5.xml><?xml version="1.0" encoding="utf-8"?>
+<file path=ppt/slides/slide6.xml><?xml version="1.0" encoding="utf-8"?>
 <p:sld xmlns:a="http://schemas.openxmlformats.org/drawingml/2006/main" xmlns:r="http://schemas.openxmlformats.org/officeDocument/2006/relationships" xmlns:p="http://schemas.openxmlformats.org/presentationml/2006/main">
   <p:cSld>
     <p:spTree>
@@ -44024,7 +49015,7 @@
 </p:sld>
 </file>
 
-<file path=ppt/slides/slide6.xml><?xml version="1.0" encoding="utf-8"?>
+<file path=ppt/slides/slide7.xml><?xml version="1.0" encoding="utf-8"?>
 <p:sld xmlns:a="http://schemas.openxmlformats.org/drawingml/2006/main" xmlns:r="http://schemas.openxmlformats.org/officeDocument/2006/relationships" xmlns:p="http://schemas.openxmlformats.org/presentationml/2006/main">
   <p:cSld>
     <p:spTree>
@@ -48355,7 +53346,7 @@
 </p:sld>
 </file>
 
-<file path=ppt/slides/slide7.xml><?xml version="1.0" encoding="utf-8"?>
+<file path=ppt/slides/slide8.xml><?xml version="1.0" encoding="utf-8"?>
 <p:sld xmlns:a="http://schemas.openxmlformats.org/drawingml/2006/main" xmlns:r="http://schemas.openxmlformats.org/officeDocument/2006/relationships" xmlns:p="http://schemas.openxmlformats.org/presentationml/2006/main">
   <p:cSld>
     <p:spTree>
@@ -50246,7 +55237,7 @@
 </p:sld>
 </file>
 
-<file path=ppt/slides/slide8.xml><?xml version="1.0" encoding="utf-8"?>
+<file path=ppt/slides/slide9.xml><?xml version="1.0" encoding="utf-8"?>
 <p:sld xmlns:a="http://schemas.openxmlformats.org/drawingml/2006/main" xmlns:r="http://schemas.openxmlformats.org/officeDocument/2006/relationships" xmlns:p="http://schemas.openxmlformats.org/presentationml/2006/main">
   <p:cSld>
     <p:spTree>
@@ -51924,3069 +56915,6 @@
 </p:sld>
 </file>
 
-<file path=ppt/slides/slide9.xml><?xml version="1.0" encoding="utf-8"?>
-<p:sld xmlns:a="http://schemas.openxmlformats.org/drawingml/2006/main" xmlns:r="http://schemas.openxmlformats.org/officeDocument/2006/relationships" xmlns:p="http://schemas.openxmlformats.org/presentationml/2006/main">
-  <p:cSld>
-    <p:spTree>
-      <p:nvGrpSpPr>
-        <p:cNvPr id="1" name=""/>
-        <p:cNvGrpSpPr/>
-        <p:nvPr/>
-      </p:nvGrpSpPr>
-      <p:grpSpPr>
-        <a:xfrm>
-          <a:off x="0" y="0"/>
-          <a:ext cx="0" cy="0"/>
-          <a:chOff x="0" y="0"/>
-          <a:chExt cx="0" cy="0"/>
-        </a:xfrm>
-      </p:grpSpPr>
-      <p:cxnSp>
-        <p:nvCxnSpPr>
-          <p:cNvPr id="31" name="Straight Arrow Connector 30"/>
-          <p:cNvCxnSpPr>
-            <a:cxnSpLocks/>
-            <a:stCxn id="29" idx="6"/>
-          </p:cNvCxnSpPr>
-          <p:nvPr/>
-        </p:nvCxnSpPr>
-        <p:spPr>
-          <a:xfrm flipV="1">
-            <a:off x="5272604" y="4983363"/>
-            <a:ext cx="723447" cy="6873"/>
-          </a:xfrm>
-          <a:prstGeom prst="straightConnector1">
-            <a:avLst/>
-          </a:prstGeom>
-          <a:ln w="38100">
-            <a:solidFill>
-              <a:srgbClr val="002060"/>
-            </a:solidFill>
-            <a:tailEnd type="triangle" w="lg" len="med"/>
-          </a:ln>
-        </p:spPr>
-        <p:style>
-          <a:lnRef idx="2">
-            <a:schemeClr val="accent5"/>
-          </a:lnRef>
-          <a:fillRef idx="0">
-            <a:schemeClr val="accent5"/>
-          </a:fillRef>
-          <a:effectRef idx="1">
-            <a:schemeClr val="accent5"/>
-          </a:effectRef>
-          <a:fontRef idx="minor">
-            <a:schemeClr val="tx1"/>
-          </a:fontRef>
-        </p:style>
-      </p:cxnSp>
-      <p:sp>
-        <p:nvSpPr>
-          <p:cNvPr id="2" name="Title 1"/>
-          <p:cNvSpPr>
-            <a:spLocks noGrp="1"/>
-          </p:cNvSpPr>
-          <p:nvPr>
-            <p:ph type="title"/>
-          </p:nvPr>
-        </p:nvSpPr>
-        <p:spPr>
-          <a:xfrm>
-            <a:off x="325812" y="228600"/>
-            <a:ext cx="11396721" cy="387798"/>
-          </a:xfrm>
-        </p:spPr>
-        <p:txBody>
-          <a:bodyPr>
-            <a:normAutofit fontScale="90000"/>
-          </a:bodyPr>
-          <a:lstStyle/>
-          <a:p>
-            <a:pPr algn="r">
-              <a:tabLst>
-                <a:tab pos="111125" algn="l"/>
-                <a:tab pos="11314113" algn="r"/>
-              </a:tabLst>
-            </a:pPr>
-            <a:r>
-              <a:rPr lang="en-US" sz="2800" dirty="0">
-                <a:solidFill>
-                  <a:srgbClr val="9B4F96"/>
-                </a:solidFill>
-              </a:rPr>
-              <a:t>VISUAL STUDIO READINESS 	Release 2 Isolation – DevOps Article</a:t>
-            </a:r>
-          </a:p>
-        </p:txBody>
-      </p:sp>
-      <p:sp>
-        <p:nvSpPr>
-          <p:cNvPr id="79" name="Rectangle 78"/>
-          <p:cNvSpPr/>
-          <p:nvPr/>
-        </p:nvSpPr>
-        <p:spPr bwMode="auto">
-          <a:xfrm>
-            <a:off x="378686" y="617479"/>
-            <a:ext cx="11396721" cy="82550"/>
-          </a:xfrm>
-          <a:prstGeom prst="rect">
-            <a:avLst/>
-          </a:prstGeom>
-          <a:solidFill>
-            <a:srgbClr val="9B4F96"/>
-          </a:solidFill>
-          <a:ln>
-            <a:noFill/>
-            <a:headEnd type="none" w="med" len="med"/>
-            <a:tailEnd type="none" w="med" len="med"/>
-          </a:ln>
-          <a:effectLst/>
-        </p:spPr>
-        <p:style>
-          <a:lnRef idx="1">
-            <a:schemeClr val="accent2"/>
-          </a:lnRef>
-          <a:fillRef idx="3">
-            <a:schemeClr val="accent2"/>
-          </a:fillRef>
-          <a:effectRef idx="2">
-            <a:schemeClr val="accent2"/>
-          </a:effectRef>
-          <a:fontRef idx="minor">
-            <a:schemeClr val="lt1"/>
-          </a:fontRef>
-        </p:style>
-        <p:txBody>
-          <a:bodyPr rot="0" spcFirstLastPara="0" vertOverflow="overflow" horzOverflow="overflow" vert="horz" wrap="square" lIns="91440" tIns="45720" rIns="45720" bIns="91440" numCol="1" spcCol="0" rtlCol="0" fromWordArt="0" anchor="b" anchorCtr="0" forceAA="0" compatLnSpc="1">
-            <a:prstTxWarp prst="textNoShape">
-              <a:avLst/>
-            </a:prstTxWarp>
-            <a:noAutofit/>
-          </a:bodyPr>
-          <a:lstStyle/>
-          <a:p>
-            <a:pPr algn="ctr" defTabSz="914099" fontAlgn="base">
-              <a:spcBef>
-                <a:spcPct val="0"/>
-              </a:spcBef>
-              <a:spcAft>
-                <a:spcPct val="0"/>
-              </a:spcAft>
-            </a:pPr>
-            <a:endParaRPr lang="en-CA" spc="-50" dirty="0" err="1">
-              <a:gradFill>
-                <a:gsLst>
-                  <a:gs pos="0">
-                    <a:srgbClr val="FFFFFF"/>
-                  </a:gs>
-                  <a:gs pos="100000">
-                    <a:srgbClr val="FFFFFF"/>
-                  </a:gs>
-                </a:gsLst>
-                <a:lin ang="5400000" scaled="0"/>
-              </a:gradFill>
-              <a:latin typeface="Segoe UI" pitchFamily="34" charset="0"/>
-              <a:ea typeface="Segoe UI" pitchFamily="34" charset="0"/>
-              <a:cs typeface="Segoe UI" pitchFamily="34" charset="0"/>
-            </a:endParaRPr>
-          </a:p>
-        </p:txBody>
-      </p:sp>
-      <p:pic>
-        <p:nvPicPr>
-          <p:cNvPr id="80" name="Picture 79"/>
-          <p:cNvPicPr>
-            <a:picLocks noChangeAspect="1"/>
-          </p:cNvPicPr>
-          <p:nvPr/>
-        </p:nvPicPr>
-        <p:blipFill>
-          <a:blip r:embed="rId2" cstate="print">
-            <a:extLst>
-              <a:ext uri="{28A0092B-C50C-407E-A947-70E740481C1C}">
-                <a14:useLocalDpi xmlns:a14="http://schemas.microsoft.com/office/drawing/2010/main" val="0"/>
-              </a:ext>
-            </a:extLst>
-          </a:blip>
-          <a:stretch>
-            <a:fillRect/>
-          </a:stretch>
-        </p:blipFill>
-        <p:spPr>
-          <a:xfrm>
-            <a:off x="129775" y="5753686"/>
-            <a:ext cx="3219537" cy="1080000"/>
-          </a:xfrm>
-          <a:prstGeom prst="rect">
-            <a:avLst/>
-          </a:prstGeom>
-        </p:spPr>
-      </p:pic>
-      <p:cxnSp>
-        <p:nvCxnSpPr>
-          <p:cNvPr id="5" name="Straight Arrow Connector 4"/>
-          <p:cNvCxnSpPr>
-            <a:cxnSpLocks/>
-            <a:stCxn id="47" idx="6"/>
-            <a:endCxn id="35" idx="1"/>
-          </p:cNvCxnSpPr>
-          <p:nvPr/>
-        </p:nvCxnSpPr>
-        <p:spPr>
-          <a:xfrm>
-            <a:off x="10052069" y="3680455"/>
-            <a:ext cx="263167" cy="1"/>
-          </a:xfrm>
-          <a:prstGeom prst="straightConnector1">
-            <a:avLst/>
-          </a:prstGeom>
-          <a:ln w="38100">
-            <a:solidFill>
-              <a:srgbClr val="002060"/>
-            </a:solidFill>
-            <a:tailEnd type="triangle" w="lg" len="med"/>
-          </a:ln>
-        </p:spPr>
-        <p:style>
-          <a:lnRef idx="2">
-            <a:schemeClr val="accent5"/>
-          </a:lnRef>
-          <a:fillRef idx="0">
-            <a:schemeClr val="accent5"/>
-          </a:fillRef>
-          <a:effectRef idx="1">
-            <a:schemeClr val="accent5"/>
-          </a:effectRef>
-          <a:fontRef idx="minor">
-            <a:schemeClr val="tx1"/>
-          </a:fontRef>
-        </p:style>
-      </p:cxnSp>
-      <p:sp>
-        <p:nvSpPr>
-          <p:cNvPr id="7" name="Oval 6"/>
-          <p:cNvSpPr/>
-          <p:nvPr/>
-        </p:nvSpPr>
-        <p:spPr bwMode="auto">
-          <a:xfrm>
-            <a:off x="1869106" y="3572455"/>
-            <a:ext cx="216000" cy="216000"/>
-          </a:xfrm>
-          <a:prstGeom prst="ellipse">
-            <a:avLst/>
-          </a:prstGeom>
-          <a:solidFill>
-            <a:schemeClr val="bg1"/>
-          </a:solidFill>
-          <a:ln w="25400">
-            <a:solidFill>
-              <a:srgbClr val="002060"/>
-            </a:solidFill>
-            <a:headEnd type="none" w="med" len="med"/>
-            <a:tailEnd type="none" w="med" len="med"/>
-          </a:ln>
-          <a:effectLst/>
-        </p:spPr>
-        <p:style>
-          <a:lnRef idx="1">
-            <a:schemeClr val="accent2"/>
-          </a:lnRef>
-          <a:fillRef idx="3">
-            <a:schemeClr val="accent2"/>
-          </a:fillRef>
-          <a:effectRef idx="2">
-            <a:schemeClr val="accent2"/>
-          </a:effectRef>
-          <a:fontRef idx="minor">
-            <a:schemeClr val="lt1"/>
-          </a:fontRef>
-        </p:style>
-        <p:txBody>
-          <a:bodyPr rot="0" spcFirstLastPara="0" vertOverflow="overflow" horzOverflow="overflow" vert="horz" wrap="square" lIns="0" tIns="0" rIns="0" bIns="0" numCol="1" spcCol="0" rtlCol="0" fromWordArt="0" anchor="b" anchorCtr="0" forceAA="0" compatLnSpc="1">
-            <a:prstTxWarp prst="textNoShape">
-              <a:avLst/>
-            </a:prstTxWarp>
-            <a:noAutofit/>
-          </a:bodyPr>
-          <a:lstStyle/>
-          <a:p>
-            <a:pPr algn="ctr" defTabSz="914099" fontAlgn="base">
-              <a:spcBef>
-                <a:spcPct val="0"/>
-              </a:spcBef>
-              <a:spcAft>
-                <a:spcPct val="0"/>
-              </a:spcAft>
-            </a:pPr>
-            <a:r>
-              <a:rPr lang="en-CA" sz="1000" spc="-50" dirty="0">
-                <a:solidFill>
-                  <a:srgbClr val="002060"/>
-                </a:solidFill>
-                <a:latin typeface="Segoe UI" pitchFamily="34" charset="0"/>
-                <a:ea typeface="Segoe UI" pitchFamily="34" charset="0"/>
-                <a:cs typeface="Segoe UI" pitchFamily="34" charset="0"/>
-              </a:rPr>
-              <a:t>C</a:t>
-            </a:r>
-          </a:p>
-        </p:txBody>
-      </p:sp>
-      <p:sp>
-        <p:nvSpPr>
-          <p:cNvPr id="10" name="Oval 9"/>
-          <p:cNvSpPr/>
-          <p:nvPr/>
-        </p:nvSpPr>
-        <p:spPr bwMode="auto">
-          <a:xfrm>
-            <a:off x="4187923" y="4882236"/>
-            <a:ext cx="216000" cy="216000"/>
-          </a:xfrm>
-          <a:prstGeom prst="ellipse">
-            <a:avLst/>
-          </a:prstGeom>
-          <a:solidFill>
-            <a:schemeClr val="bg1"/>
-          </a:solidFill>
-          <a:ln w="25400">
-            <a:solidFill>
-              <a:srgbClr val="002060"/>
-            </a:solidFill>
-            <a:headEnd type="none" w="med" len="med"/>
-            <a:tailEnd type="none" w="med" len="med"/>
-          </a:ln>
-          <a:effectLst/>
-        </p:spPr>
-        <p:style>
-          <a:lnRef idx="1">
-            <a:schemeClr val="accent2"/>
-          </a:lnRef>
-          <a:fillRef idx="3">
-            <a:schemeClr val="accent2"/>
-          </a:fillRef>
-          <a:effectRef idx="2">
-            <a:schemeClr val="accent2"/>
-          </a:effectRef>
-          <a:fontRef idx="minor">
-            <a:schemeClr val="lt1"/>
-          </a:fontRef>
-        </p:style>
-        <p:txBody>
-          <a:bodyPr rot="0" spcFirstLastPara="0" vertOverflow="overflow" horzOverflow="overflow" vert="horz" wrap="square" lIns="0" tIns="0" rIns="0" bIns="0" numCol="1" spcCol="0" rtlCol="0" fromWordArt="0" anchor="b" anchorCtr="0" forceAA="0" compatLnSpc="1">
-            <a:prstTxWarp prst="textNoShape">
-              <a:avLst/>
-            </a:prstTxWarp>
-            <a:noAutofit/>
-          </a:bodyPr>
-          <a:lstStyle/>
-          <a:p>
-            <a:pPr algn="ctr" defTabSz="914099" fontAlgn="base">
-              <a:spcBef>
-                <a:spcPct val="0"/>
-              </a:spcBef>
-              <a:spcAft>
-                <a:spcPct val="0"/>
-              </a:spcAft>
-            </a:pPr>
-            <a:r>
-              <a:rPr lang="en-CA" sz="1000" spc="-50" dirty="0">
-                <a:solidFill>
-                  <a:srgbClr val="002060"/>
-                </a:solidFill>
-                <a:latin typeface="Segoe UI" pitchFamily="34" charset="0"/>
-                <a:ea typeface="Segoe UI" pitchFamily="34" charset="0"/>
-                <a:cs typeface="Segoe UI" pitchFamily="34" charset="0"/>
-              </a:rPr>
-              <a:t>C</a:t>
-            </a:r>
-          </a:p>
-        </p:txBody>
-      </p:sp>
-      <p:cxnSp>
-        <p:nvCxnSpPr>
-          <p:cNvPr id="11" name="Curved Connector 10"/>
-          <p:cNvCxnSpPr>
-            <a:cxnSpLocks/>
-            <a:stCxn id="39" idx="6"/>
-            <a:endCxn id="10" idx="2"/>
-          </p:cNvCxnSpPr>
-          <p:nvPr/>
-        </p:nvCxnSpPr>
-        <p:spPr>
-          <a:xfrm>
-            <a:off x="3356891" y="3680455"/>
-            <a:ext cx="831032" cy="1309781"/>
-          </a:xfrm>
-          <a:prstGeom prst="curvedConnector3">
-            <a:avLst>
-              <a:gd name="adj1" fmla="val 50000"/>
-            </a:avLst>
-          </a:prstGeom>
-          <a:ln w="38100">
-            <a:solidFill>
-              <a:srgbClr val="002060"/>
-            </a:solidFill>
-          </a:ln>
-        </p:spPr>
-        <p:style>
-          <a:lnRef idx="1">
-            <a:schemeClr val="accent1"/>
-          </a:lnRef>
-          <a:fillRef idx="0">
-            <a:schemeClr val="accent1"/>
-          </a:fillRef>
-          <a:effectRef idx="0">
-            <a:schemeClr val="accent1"/>
-          </a:effectRef>
-          <a:fontRef idx="minor">
-            <a:schemeClr val="tx1"/>
-          </a:fontRef>
-        </p:style>
-      </p:cxnSp>
-      <p:sp>
-        <p:nvSpPr>
-          <p:cNvPr id="9" name="TextBox 8"/>
-          <p:cNvSpPr txBox="1"/>
-          <p:nvPr/>
-        </p:nvSpPr>
-        <p:spPr>
-          <a:xfrm>
-            <a:off x="2967779" y="4828819"/>
-            <a:ext cx="567463" cy="307777"/>
-          </a:xfrm>
-          <a:prstGeom prst="rect">
-            <a:avLst/>
-          </a:prstGeom>
-          <a:noFill/>
-        </p:spPr>
-        <p:txBody>
-          <a:bodyPr wrap="none" lIns="0" tIns="0" rIns="0" bIns="0" rtlCol="0">
-            <a:spAutoFit/>
-          </a:bodyPr>
-          <a:lstStyle/>
-          <a:p>
-            <a:r>
-              <a:rPr lang="en-CA" sz="2000" dirty="0">
-                <a:solidFill>
-                  <a:schemeClr val="tx1">
-                    <a:lumMod val="65000"/>
-                    <a:lumOff val="35000"/>
-                  </a:schemeClr>
-                </a:solidFill>
-                <a:latin typeface="Segoe UI Light" pitchFamily="34" charset="0"/>
-              </a:rPr>
-              <a:t>V1.00</a:t>
-            </a:r>
-          </a:p>
-        </p:txBody>
-      </p:sp>
-      <p:sp>
-        <p:nvSpPr>
-          <p:cNvPr id="33" name="Oval 32"/>
-          <p:cNvSpPr/>
-          <p:nvPr/>
-        </p:nvSpPr>
-        <p:spPr bwMode="auto">
-          <a:xfrm>
-            <a:off x="2304305" y="3572455"/>
-            <a:ext cx="216000" cy="216000"/>
-          </a:xfrm>
-          <a:prstGeom prst="ellipse">
-            <a:avLst/>
-          </a:prstGeom>
-          <a:solidFill>
-            <a:schemeClr val="bg1"/>
-          </a:solidFill>
-          <a:ln w="25400">
-            <a:solidFill>
-              <a:srgbClr val="002060"/>
-            </a:solidFill>
-            <a:headEnd type="none" w="med" len="med"/>
-            <a:tailEnd type="none" w="med" len="med"/>
-          </a:ln>
-          <a:effectLst/>
-        </p:spPr>
-        <p:style>
-          <a:lnRef idx="1">
-            <a:schemeClr val="accent2"/>
-          </a:lnRef>
-          <a:fillRef idx="3">
-            <a:schemeClr val="accent2"/>
-          </a:fillRef>
-          <a:effectRef idx="2">
-            <a:schemeClr val="accent2"/>
-          </a:effectRef>
-          <a:fontRef idx="minor">
-            <a:schemeClr val="lt1"/>
-          </a:fontRef>
-        </p:style>
-        <p:txBody>
-          <a:bodyPr rot="0" spcFirstLastPara="0" vertOverflow="overflow" horzOverflow="overflow" vert="horz" wrap="square" lIns="0" tIns="0" rIns="0" bIns="0" numCol="1" spcCol="0" rtlCol="0" fromWordArt="0" anchor="b" anchorCtr="0" forceAA="0" compatLnSpc="1">
-            <a:prstTxWarp prst="textNoShape">
-              <a:avLst/>
-            </a:prstTxWarp>
-            <a:noAutofit/>
-          </a:bodyPr>
-          <a:lstStyle/>
-          <a:p>
-            <a:pPr algn="ctr" defTabSz="914099" fontAlgn="base">
-              <a:spcBef>
-                <a:spcPct val="0"/>
-              </a:spcBef>
-              <a:spcAft>
-                <a:spcPct val="0"/>
-              </a:spcAft>
-            </a:pPr>
-            <a:r>
-              <a:rPr lang="en-CA" sz="1000" spc="-50" dirty="0">
-                <a:solidFill>
-                  <a:srgbClr val="002060"/>
-                </a:solidFill>
-                <a:latin typeface="Segoe UI" pitchFamily="34" charset="0"/>
-                <a:ea typeface="Segoe UI" pitchFamily="34" charset="0"/>
-                <a:cs typeface="Segoe UI" pitchFamily="34" charset="0"/>
-              </a:rPr>
-              <a:t>C</a:t>
-            </a:r>
-          </a:p>
-        </p:txBody>
-      </p:sp>
-      <p:cxnSp>
-        <p:nvCxnSpPr>
-          <p:cNvPr id="34" name="Straight Arrow Connector 33"/>
-          <p:cNvCxnSpPr>
-            <a:cxnSpLocks/>
-            <a:stCxn id="7" idx="6"/>
-            <a:endCxn id="33" idx="2"/>
-          </p:cNvCxnSpPr>
-          <p:nvPr/>
-        </p:nvCxnSpPr>
-        <p:spPr>
-          <a:xfrm>
-            <a:off x="2085106" y="3680455"/>
-            <a:ext cx="219199" cy="0"/>
-          </a:xfrm>
-          <a:prstGeom prst="straightConnector1">
-            <a:avLst/>
-          </a:prstGeom>
-          <a:ln w="38100">
-            <a:solidFill>
-              <a:srgbClr val="002060"/>
-            </a:solidFill>
-            <a:tailEnd type="none" w="lg" len="med"/>
-          </a:ln>
-        </p:spPr>
-        <p:style>
-          <a:lnRef idx="2">
-            <a:schemeClr val="accent5"/>
-          </a:lnRef>
-          <a:fillRef idx="0">
-            <a:schemeClr val="accent5"/>
-          </a:fillRef>
-          <a:effectRef idx="1">
-            <a:schemeClr val="accent5"/>
-          </a:effectRef>
-          <a:fontRef idx="minor">
-            <a:schemeClr val="tx1"/>
-          </a:fontRef>
-        </p:style>
-      </p:cxnSp>
-      <p:sp>
-        <p:nvSpPr>
-          <p:cNvPr id="36" name="TextBox 35"/>
-          <p:cNvSpPr txBox="1"/>
-          <p:nvPr/>
-        </p:nvSpPr>
-        <p:spPr>
-          <a:xfrm>
-            <a:off x="880081" y="3526567"/>
-            <a:ext cx="656339" cy="307777"/>
-          </a:xfrm>
-          <a:prstGeom prst="rect">
-            <a:avLst/>
-          </a:prstGeom>
-          <a:noFill/>
-        </p:spPr>
-        <p:txBody>
-          <a:bodyPr wrap="square" lIns="0" tIns="0" rIns="0" bIns="0" rtlCol="0">
-            <a:spAutoFit/>
-          </a:bodyPr>
-          <a:lstStyle/>
-          <a:p>
-            <a:r>
-              <a:rPr lang="en-CA" sz="2000" dirty="0">
-                <a:solidFill>
-                  <a:schemeClr val="tx1">
-                    <a:lumMod val="65000"/>
-                    <a:lumOff val="35000"/>
-                  </a:schemeClr>
-                </a:solidFill>
-                <a:latin typeface="Segoe UI Light" pitchFamily="34" charset="0"/>
-              </a:rPr>
-              <a:t>main</a:t>
-            </a:r>
-          </a:p>
-        </p:txBody>
-      </p:sp>
-      <p:cxnSp>
-        <p:nvCxnSpPr>
-          <p:cNvPr id="37" name="Straight Arrow Connector 36"/>
-          <p:cNvCxnSpPr>
-            <a:cxnSpLocks/>
-            <a:stCxn id="7" idx="2"/>
-            <a:endCxn id="36" idx="3"/>
-          </p:cNvCxnSpPr>
-          <p:nvPr/>
-        </p:nvCxnSpPr>
-        <p:spPr>
-          <a:xfrm flipH="1">
-            <a:off x="1536420" y="3680455"/>
-            <a:ext cx="332686" cy="1"/>
-          </a:xfrm>
-          <a:prstGeom prst="straightConnector1">
-            <a:avLst/>
-          </a:prstGeom>
-          <a:ln w="38100">
-            <a:solidFill>
-              <a:srgbClr val="002060"/>
-            </a:solidFill>
-            <a:tailEnd type="none" w="lg" len="med"/>
-          </a:ln>
-        </p:spPr>
-        <p:style>
-          <a:lnRef idx="2">
-            <a:schemeClr val="accent5"/>
-          </a:lnRef>
-          <a:fillRef idx="0">
-            <a:schemeClr val="accent5"/>
-          </a:fillRef>
-          <a:effectRef idx="1">
-            <a:schemeClr val="accent5"/>
-          </a:effectRef>
-          <a:fontRef idx="minor">
-            <a:schemeClr val="tx1"/>
-          </a:fontRef>
-        </p:style>
-      </p:cxnSp>
-      <p:sp>
-        <p:nvSpPr>
-          <p:cNvPr id="39" name="Oval 38"/>
-          <p:cNvSpPr/>
-          <p:nvPr/>
-        </p:nvSpPr>
-        <p:spPr bwMode="auto">
-          <a:xfrm>
-            <a:off x="3135744" y="3572455"/>
-            <a:ext cx="221147" cy="216000"/>
-          </a:xfrm>
-          <a:prstGeom prst="ellipse">
-            <a:avLst/>
-          </a:prstGeom>
-          <a:solidFill>
-            <a:schemeClr val="bg1"/>
-          </a:solidFill>
-          <a:ln w="25400">
-            <a:solidFill>
-              <a:srgbClr val="002060"/>
-            </a:solidFill>
-            <a:headEnd type="none" w="med" len="med"/>
-            <a:tailEnd type="none" w="med" len="med"/>
-          </a:ln>
-          <a:effectLst/>
-        </p:spPr>
-        <p:style>
-          <a:lnRef idx="1">
-            <a:schemeClr val="accent2"/>
-          </a:lnRef>
-          <a:fillRef idx="3">
-            <a:schemeClr val="accent2"/>
-          </a:fillRef>
-          <a:effectRef idx="2">
-            <a:schemeClr val="accent2"/>
-          </a:effectRef>
-          <a:fontRef idx="minor">
-            <a:schemeClr val="lt1"/>
-          </a:fontRef>
-        </p:style>
-        <p:txBody>
-          <a:bodyPr rot="0" spcFirstLastPara="0" vertOverflow="overflow" horzOverflow="overflow" vert="horz" wrap="square" lIns="0" tIns="0" rIns="0" bIns="0" numCol="1" spcCol="0" rtlCol="0" fromWordArt="0" anchor="b" anchorCtr="0" forceAA="0" compatLnSpc="1">
-            <a:prstTxWarp prst="textNoShape">
-              <a:avLst/>
-            </a:prstTxWarp>
-            <a:noAutofit/>
-          </a:bodyPr>
-          <a:lstStyle/>
-          <a:p>
-            <a:pPr algn="ctr" defTabSz="914099" fontAlgn="base">
-              <a:spcBef>
-                <a:spcPct val="0"/>
-              </a:spcBef>
-              <a:spcAft>
-                <a:spcPct val="0"/>
-              </a:spcAft>
-            </a:pPr>
-            <a:r>
-              <a:rPr lang="en-CA" sz="1000" spc="-50" dirty="0">
-                <a:solidFill>
-                  <a:srgbClr val="002060"/>
-                </a:solidFill>
-                <a:latin typeface="Segoe UI" pitchFamily="34" charset="0"/>
-                <a:ea typeface="Segoe UI" pitchFamily="34" charset="0"/>
-                <a:cs typeface="Segoe UI" pitchFamily="34" charset="0"/>
-              </a:rPr>
-              <a:t>B</a:t>
-            </a:r>
-          </a:p>
-        </p:txBody>
-      </p:sp>
-      <p:cxnSp>
-        <p:nvCxnSpPr>
-          <p:cNvPr id="40" name="Straight Arrow Connector 39"/>
-          <p:cNvCxnSpPr>
-            <a:cxnSpLocks/>
-            <a:stCxn id="33" idx="6"/>
-            <a:endCxn id="39" idx="2"/>
-          </p:cNvCxnSpPr>
-          <p:nvPr/>
-        </p:nvCxnSpPr>
-        <p:spPr>
-          <a:xfrm>
-            <a:off x="2520305" y="3680455"/>
-            <a:ext cx="615439" cy="0"/>
-          </a:xfrm>
-          <a:prstGeom prst="straightConnector1">
-            <a:avLst/>
-          </a:prstGeom>
-          <a:ln w="38100">
-            <a:solidFill>
-              <a:srgbClr val="002060"/>
-            </a:solidFill>
-            <a:tailEnd type="none" w="lg" len="med"/>
-          </a:ln>
-        </p:spPr>
-        <p:style>
-          <a:lnRef idx="2">
-            <a:schemeClr val="accent5"/>
-          </a:lnRef>
-          <a:fillRef idx="0">
-            <a:schemeClr val="accent5"/>
-          </a:fillRef>
-          <a:effectRef idx="1">
-            <a:schemeClr val="accent5"/>
-          </a:effectRef>
-          <a:fontRef idx="minor">
-            <a:schemeClr val="tx1"/>
-          </a:fontRef>
-        </p:style>
-      </p:cxnSp>
-      <p:sp>
-        <p:nvSpPr>
-          <p:cNvPr id="67" name="Oval 66"/>
-          <p:cNvSpPr/>
-          <p:nvPr/>
-        </p:nvSpPr>
-        <p:spPr bwMode="auto">
-          <a:xfrm>
-            <a:off x="4568618" y="3572455"/>
-            <a:ext cx="216000" cy="216000"/>
-          </a:xfrm>
-          <a:prstGeom prst="ellipse">
-            <a:avLst/>
-          </a:prstGeom>
-          <a:solidFill>
-            <a:schemeClr val="bg1"/>
-          </a:solidFill>
-          <a:ln w="25400">
-            <a:solidFill>
-              <a:srgbClr val="002060"/>
-            </a:solidFill>
-            <a:headEnd type="none" w="med" len="med"/>
-            <a:tailEnd type="none" w="med" len="med"/>
-          </a:ln>
-          <a:effectLst/>
-        </p:spPr>
-        <p:style>
-          <a:lnRef idx="1">
-            <a:schemeClr val="accent2"/>
-          </a:lnRef>
-          <a:fillRef idx="3">
-            <a:schemeClr val="accent2"/>
-          </a:fillRef>
-          <a:effectRef idx="2">
-            <a:schemeClr val="accent2"/>
-          </a:effectRef>
-          <a:fontRef idx="minor">
-            <a:schemeClr val="lt1"/>
-          </a:fontRef>
-        </p:style>
-        <p:txBody>
-          <a:bodyPr rot="0" spcFirstLastPara="0" vertOverflow="overflow" horzOverflow="overflow" vert="horz" wrap="square" lIns="0" tIns="0" rIns="0" bIns="0" numCol="1" spcCol="0" rtlCol="0" fromWordArt="0" anchor="b" anchorCtr="0" forceAA="0" compatLnSpc="1">
-            <a:prstTxWarp prst="textNoShape">
-              <a:avLst/>
-            </a:prstTxWarp>
-            <a:noAutofit/>
-          </a:bodyPr>
-          <a:lstStyle/>
-          <a:p>
-            <a:pPr algn="ctr" defTabSz="914099" fontAlgn="base">
-              <a:spcBef>
-                <a:spcPct val="0"/>
-              </a:spcBef>
-              <a:spcAft>
-                <a:spcPct val="0"/>
-              </a:spcAft>
-            </a:pPr>
-            <a:r>
-              <a:rPr lang="en-CA" sz="1000" spc="-50" dirty="0">
-                <a:solidFill>
-                  <a:srgbClr val="002060"/>
-                </a:solidFill>
-                <a:latin typeface="Segoe UI" pitchFamily="34" charset="0"/>
-                <a:ea typeface="Segoe UI" pitchFamily="34" charset="0"/>
-                <a:cs typeface="Segoe UI" pitchFamily="34" charset="0"/>
-              </a:rPr>
-              <a:t>C</a:t>
-            </a:r>
-          </a:p>
-        </p:txBody>
-      </p:sp>
-      <p:cxnSp>
-        <p:nvCxnSpPr>
-          <p:cNvPr id="82" name="Straight Arrow Connector 81"/>
-          <p:cNvCxnSpPr>
-            <a:cxnSpLocks/>
-            <a:stCxn id="67" idx="6"/>
-            <a:endCxn id="81" idx="2"/>
-          </p:cNvCxnSpPr>
-          <p:nvPr/>
-        </p:nvCxnSpPr>
-        <p:spPr>
-          <a:xfrm>
-            <a:off x="4784618" y="3680455"/>
-            <a:ext cx="637317" cy="0"/>
-          </a:xfrm>
-          <a:prstGeom prst="straightConnector1">
-            <a:avLst/>
-          </a:prstGeom>
-          <a:ln w="38100">
-            <a:solidFill>
-              <a:srgbClr val="002060"/>
-            </a:solidFill>
-            <a:tailEnd type="none" w="lg" len="med"/>
-          </a:ln>
-        </p:spPr>
-        <p:style>
-          <a:lnRef idx="2">
-            <a:schemeClr val="accent5"/>
-          </a:lnRef>
-          <a:fillRef idx="0">
-            <a:schemeClr val="accent5"/>
-          </a:fillRef>
-          <a:effectRef idx="1">
-            <a:schemeClr val="accent5"/>
-          </a:effectRef>
-          <a:fontRef idx="minor">
-            <a:schemeClr val="tx1"/>
-          </a:fontRef>
-        </p:style>
-      </p:cxnSp>
-      <p:sp>
-        <p:nvSpPr>
-          <p:cNvPr id="83" name="Oval 82"/>
-          <p:cNvSpPr/>
-          <p:nvPr/>
-        </p:nvSpPr>
-        <p:spPr bwMode="auto">
-          <a:xfrm>
-            <a:off x="6314842" y="3572455"/>
-            <a:ext cx="216000" cy="216000"/>
-          </a:xfrm>
-          <a:prstGeom prst="ellipse">
-            <a:avLst/>
-          </a:prstGeom>
-          <a:solidFill>
-            <a:schemeClr val="bg1"/>
-          </a:solidFill>
-          <a:ln w="25400">
-            <a:solidFill>
-              <a:srgbClr val="002060"/>
-            </a:solidFill>
-            <a:headEnd type="none" w="med" len="med"/>
-            <a:tailEnd type="none" w="med" len="med"/>
-          </a:ln>
-          <a:effectLst/>
-        </p:spPr>
-        <p:style>
-          <a:lnRef idx="1">
-            <a:schemeClr val="accent2"/>
-          </a:lnRef>
-          <a:fillRef idx="3">
-            <a:schemeClr val="accent2"/>
-          </a:fillRef>
-          <a:effectRef idx="2">
-            <a:schemeClr val="accent2"/>
-          </a:effectRef>
-          <a:fontRef idx="minor">
-            <a:schemeClr val="lt1"/>
-          </a:fontRef>
-        </p:style>
-        <p:txBody>
-          <a:bodyPr rot="0" spcFirstLastPara="0" vertOverflow="overflow" horzOverflow="overflow" vert="horz" wrap="square" lIns="0" tIns="0" rIns="0" bIns="0" numCol="1" spcCol="0" rtlCol="0" fromWordArt="0" anchor="b" anchorCtr="0" forceAA="0" compatLnSpc="1">
-            <a:prstTxWarp prst="textNoShape">
-              <a:avLst/>
-            </a:prstTxWarp>
-            <a:noAutofit/>
-          </a:bodyPr>
-          <a:lstStyle/>
-          <a:p>
-            <a:pPr algn="ctr" defTabSz="914099" fontAlgn="base">
-              <a:spcBef>
-                <a:spcPct val="0"/>
-              </a:spcBef>
-              <a:spcAft>
-                <a:spcPct val="0"/>
-              </a:spcAft>
-            </a:pPr>
-            <a:r>
-              <a:rPr lang="en-CA" sz="1000" spc="-50" dirty="0">
-                <a:solidFill>
-                  <a:srgbClr val="002060"/>
-                </a:solidFill>
-                <a:latin typeface="Segoe UI" pitchFamily="34" charset="0"/>
-                <a:ea typeface="Segoe UI" pitchFamily="34" charset="0"/>
-                <a:cs typeface="Segoe UI" pitchFamily="34" charset="0"/>
-              </a:rPr>
-              <a:t>M</a:t>
-            </a:r>
-          </a:p>
-        </p:txBody>
-      </p:sp>
-      <p:sp>
-        <p:nvSpPr>
-          <p:cNvPr id="29" name="Oval 28"/>
-          <p:cNvSpPr/>
-          <p:nvPr/>
-        </p:nvSpPr>
-        <p:spPr bwMode="auto">
-          <a:xfrm>
-            <a:off x="5056604" y="4882236"/>
-            <a:ext cx="216000" cy="216000"/>
-          </a:xfrm>
-          <a:prstGeom prst="ellipse">
-            <a:avLst/>
-          </a:prstGeom>
-          <a:solidFill>
-            <a:schemeClr val="bg1"/>
-          </a:solidFill>
-          <a:ln w="25400">
-            <a:solidFill>
-              <a:srgbClr val="002060"/>
-            </a:solidFill>
-            <a:headEnd type="none" w="med" len="med"/>
-            <a:tailEnd type="none" w="med" len="med"/>
-          </a:ln>
-          <a:effectLst/>
-        </p:spPr>
-        <p:style>
-          <a:lnRef idx="1">
-            <a:schemeClr val="accent2"/>
-          </a:lnRef>
-          <a:fillRef idx="3">
-            <a:schemeClr val="accent2"/>
-          </a:fillRef>
-          <a:effectRef idx="2">
-            <a:schemeClr val="accent2"/>
-          </a:effectRef>
-          <a:fontRef idx="minor">
-            <a:schemeClr val="lt1"/>
-          </a:fontRef>
-        </p:style>
-        <p:txBody>
-          <a:bodyPr rot="0" spcFirstLastPara="0" vertOverflow="overflow" horzOverflow="overflow" vert="horz" wrap="square" lIns="0" tIns="0" rIns="0" bIns="0" numCol="1" spcCol="0" rtlCol="0" fromWordArt="0" anchor="b" anchorCtr="0" forceAA="0" compatLnSpc="1">
-            <a:prstTxWarp prst="textNoShape">
-              <a:avLst/>
-            </a:prstTxWarp>
-            <a:noAutofit/>
-          </a:bodyPr>
-          <a:lstStyle/>
-          <a:p>
-            <a:pPr algn="ctr" defTabSz="914099" fontAlgn="base">
-              <a:spcBef>
-                <a:spcPct val="0"/>
-              </a:spcBef>
-              <a:spcAft>
-                <a:spcPct val="0"/>
-              </a:spcAft>
-            </a:pPr>
-            <a:r>
-              <a:rPr lang="en-CA" sz="1000" spc="-50" dirty="0">
-                <a:solidFill>
-                  <a:srgbClr val="002060"/>
-                </a:solidFill>
-                <a:latin typeface="Segoe UI" pitchFamily="34" charset="0"/>
-                <a:ea typeface="Segoe UI" pitchFamily="34" charset="0"/>
-                <a:cs typeface="Segoe UI" pitchFamily="34" charset="0"/>
-              </a:rPr>
-              <a:t>C</a:t>
-            </a:r>
-          </a:p>
-        </p:txBody>
-      </p:sp>
-      <p:cxnSp>
-        <p:nvCxnSpPr>
-          <p:cNvPr id="88" name="Straight Arrow Connector 87"/>
-          <p:cNvCxnSpPr>
-            <a:cxnSpLocks/>
-            <a:stCxn id="10" idx="6"/>
-            <a:endCxn id="29" idx="2"/>
-          </p:cNvCxnSpPr>
-          <p:nvPr/>
-        </p:nvCxnSpPr>
-        <p:spPr>
-          <a:xfrm>
-            <a:off x="4403923" y="4990236"/>
-            <a:ext cx="652681" cy="0"/>
-          </a:xfrm>
-          <a:prstGeom prst="straightConnector1">
-            <a:avLst/>
-          </a:prstGeom>
-          <a:ln w="38100">
-            <a:solidFill>
-              <a:srgbClr val="002060"/>
-            </a:solidFill>
-            <a:tailEnd type="none" w="lg" len="med"/>
-          </a:ln>
-        </p:spPr>
-        <p:style>
-          <a:lnRef idx="2">
-            <a:schemeClr val="accent5"/>
-          </a:lnRef>
-          <a:fillRef idx="0">
-            <a:schemeClr val="accent5"/>
-          </a:fillRef>
-          <a:effectRef idx="1">
-            <a:schemeClr val="accent5"/>
-          </a:effectRef>
-          <a:fontRef idx="minor">
-            <a:schemeClr val="tx1"/>
-          </a:fontRef>
-        </p:style>
-      </p:cxnSp>
-      <p:cxnSp>
-        <p:nvCxnSpPr>
-          <p:cNvPr id="23" name="Curved Connector 22"/>
-          <p:cNvCxnSpPr>
-            <a:cxnSpLocks/>
-            <a:stCxn id="83" idx="2"/>
-            <a:endCxn id="29" idx="6"/>
-          </p:cNvCxnSpPr>
-          <p:nvPr/>
-        </p:nvCxnSpPr>
-        <p:spPr>
-          <a:xfrm rot="10800000" flipV="1">
-            <a:off x="5272604" y="3680454"/>
-            <a:ext cx="1042238" cy="1309781"/>
-          </a:xfrm>
-          <a:prstGeom prst="curvedConnector3">
-            <a:avLst>
-              <a:gd name="adj1" fmla="val 50000"/>
-            </a:avLst>
-          </a:prstGeom>
-          <a:ln w="38100">
-            <a:solidFill>
-              <a:srgbClr val="002060"/>
-            </a:solidFill>
-          </a:ln>
-        </p:spPr>
-        <p:style>
-          <a:lnRef idx="1">
-            <a:schemeClr val="accent1"/>
-          </a:lnRef>
-          <a:fillRef idx="0">
-            <a:schemeClr val="accent1"/>
-          </a:fillRef>
-          <a:effectRef idx="0">
-            <a:schemeClr val="accent1"/>
-          </a:effectRef>
-          <a:fontRef idx="minor">
-            <a:schemeClr val="tx1"/>
-          </a:fontRef>
-        </p:style>
-      </p:cxnSp>
-      <p:sp>
-        <p:nvSpPr>
-          <p:cNvPr id="24" name="Isosceles Triangle 23"/>
-          <p:cNvSpPr/>
-          <p:nvPr/>
-        </p:nvSpPr>
-        <p:spPr>
-          <a:xfrm>
-            <a:off x="5682837" y="4249442"/>
-            <a:ext cx="216000" cy="164892"/>
-          </a:xfrm>
-          <a:prstGeom prst="triangle">
-            <a:avLst/>
-          </a:prstGeom>
-          <a:solidFill>
-            <a:srgbClr val="002060"/>
-          </a:solidFill>
-          <a:ln>
-            <a:noFill/>
-          </a:ln>
-        </p:spPr>
-        <p:style>
-          <a:lnRef idx="2">
-            <a:schemeClr val="accent1">
-              <a:shade val="50000"/>
-            </a:schemeClr>
-          </a:lnRef>
-          <a:fillRef idx="1">
-            <a:schemeClr val="accent1"/>
-          </a:fillRef>
-          <a:effectRef idx="0">
-            <a:schemeClr val="accent1"/>
-          </a:effectRef>
-          <a:fontRef idx="minor">
-            <a:schemeClr val="lt1"/>
-          </a:fontRef>
-        </p:style>
-        <p:txBody>
-          <a:bodyPr rtlCol="0" anchor="ctr"/>
-          <a:lstStyle/>
-          <a:p>
-            <a:pPr algn="ctr"/>
-            <a:endParaRPr lang="en-CA" dirty="0"/>
-          </a:p>
-        </p:txBody>
-      </p:sp>
-      <p:sp>
-        <p:nvSpPr>
-          <p:cNvPr id="20" name="TextBox 19"/>
-          <p:cNvSpPr txBox="1"/>
-          <p:nvPr/>
-        </p:nvSpPr>
-        <p:spPr>
-          <a:xfrm>
-            <a:off x="5326380" y="4154938"/>
-            <a:ext cx="415896" cy="369332"/>
-          </a:xfrm>
-          <a:prstGeom prst="rect">
-            <a:avLst/>
-          </a:prstGeom>
-          <a:noFill/>
-        </p:spPr>
-        <p:txBody>
-          <a:bodyPr wrap="square" rtlCol="0">
-            <a:spAutoFit/>
-          </a:bodyPr>
-          <a:lstStyle/>
-          <a:p>
-            <a:r>
-              <a:rPr lang="en-CA" dirty="0"/>
-              <a:t>RI</a:t>
-            </a:r>
-          </a:p>
-        </p:txBody>
-      </p:sp>
-      <p:cxnSp>
-        <p:nvCxnSpPr>
-          <p:cNvPr id="62" name="Straight Arrow Connector 61"/>
-          <p:cNvCxnSpPr>
-            <a:cxnSpLocks/>
-            <a:stCxn id="39" idx="6"/>
-            <a:endCxn id="67" idx="2"/>
-          </p:cNvCxnSpPr>
-          <p:nvPr/>
-        </p:nvCxnSpPr>
-        <p:spPr>
-          <a:xfrm>
-            <a:off x="3356891" y="3680455"/>
-            <a:ext cx="1211727" cy="0"/>
-          </a:xfrm>
-          <a:prstGeom prst="straightConnector1">
-            <a:avLst/>
-          </a:prstGeom>
-          <a:ln w="38100">
-            <a:solidFill>
-              <a:srgbClr val="002060"/>
-            </a:solidFill>
-            <a:tailEnd type="none" w="lg" len="med"/>
-          </a:ln>
-        </p:spPr>
-        <p:style>
-          <a:lnRef idx="2">
-            <a:schemeClr val="accent5"/>
-          </a:lnRef>
-          <a:fillRef idx="0">
-            <a:schemeClr val="accent5"/>
-          </a:fillRef>
-          <a:effectRef idx="1">
-            <a:schemeClr val="accent5"/>
-          </a:effectRef>
-          <a:fontRef idx="minor">
-            <a:schemeClr val="tx1"/>
-          </a:fontRef>
-        </p:style>
-      </p:cxnSp>
-      <p:sp>
-        <p:nvSpPr>
-          <p:cNvPr id="51" name="Rectangle 50"/>
-          <p:cNvSpPr/>
-          <p:nvPr/>
-        </p:nvSpPr>
-        <p:spPr>
-          <a:xfrm>
-            <a:off x="850689" y="2335660"/>
-            <a:ext cx="10231120" cy="3493846"/>
-          </a:xfrm>
-          <a:prstGeom prst="rect">
-            <a:avLst/>
-          </a:prstGeom>
-          <a:noFill/>
-          <a:ln w="6350">
-            <a:solidFill>
-              <a:srgbClr val="FFC000"/>
-            </a:solidFill>
-            <a:prstDash val="sysDot"/>
-          </a:ln>
-        </p:spPr>
-        <p:style>
-          <a:lnRef idx="2">
-            <a:schemeClr val="accent1">
-              <a:shade val="50000"/>
-            </a:schemeClr>
-          </a:lnRef>
-          <a:fillRef idx="1">
-            <a:schemeClr val="accent1"/>
-          </a:fillRef>
-          <a:effectRef idx="0">
-            <a:schemeClr val="accent1"/>
-          </a:effectRef>
-          <a:fontRef idx="minor">
-            <a:schemeClr val="lt1"/>
-          </a:fontRef>
-        </p:style>
-        <p:txBody>
-          <a:bodyPr rtlCol="0" anchor="ctr"/>
-          <a:lstStyle/>
-          <a:p>
-            <a:pPr algn="ctr"/>
-            <a:endParaRPr lang="en-CA"/>
-          </a:p>
-        </p:txBody>
-      </p:sp>
-      <p:sp>
-        <p:nvSpPr>
-          <p:cNvPr id="63" name="TextBox 62">
-            <a:extLst>
-              <a:ext uri="{FF2B5EF4-FFF2-40B4-BE49-F238E27FC236}">
-                <a16:creationId xmlns:a16="http://schemas.microsoft.com/office/drawing/2014/main" id="{934EC459-A3A5-42BF-994B-413EA71C58B4}"/>
-              </a:ext>
-            </a:extLst>
-          </p:cNvPr>
-          <p:cNvSpPr txBox="1"/>
-          <p:nvPr/>
-        </p:nvSpPr>
-        <p:spPr>
-          <a:xfrm>
-            <a:off x="3772407" y="5209259"/>
-            <a:ext cx="1942519" cy="307777"/>
-          </a:xfrm>
-          <a:prstGeom prst="rect">
-            <a:avLst/>
-          </a:prstGeom>
-          <a:noFill/>
-        </p:spPr>
-        <p:txBody>
-          <a:bodyPr wrap="none" lIns="0" tIns="0" rIns="0" bIns="0" rtlCol="0">
-            <a:spAutoFit/>
-          </a:bodyPr>
-          <a:lstStyle/>
-          <a:p>
-            <a:r>
-              <a:rPr lang="en-CA" sz="2000" dirty="0">
-                <a:solidFill>
-                  <a:schemeClr val="tx1">
-                    <a:lumMod val="65000"/>
-                    <a:lumOff val="35000"/>
-                  </a:schemeClr>
-                </a:solidFill>
-                <a:latin typeface="Segoe UI Light" pitchFamily="34" charset="0"/>
-              </a:rPr>
-              <a:t>Defect corrections</a:t>
-            </a:r>
-          </a:p>
-        </p:txBody>
-      </p:sp>
-      <p:sp>
-        <p:nvSpPr>
-          <p:cNvPr id="64" name="Rounded Rectangle 4">
-            <a:extLst>
-              <a:ext uri="{FF2B5EF4-FFF2-40B4-BE49-F238E27FC236}">
-                <a16:creationId xmlns:a16="http://schemas.microsoft.com/office/drawing/2014/main" id="{BAEB40E4-3A3F-4F2B-8C3F-EF0B9A3FD530}"/>
-              </a:ext>
-            </a:extLst>
-          </p:cNvPr>
-          <p:cNvSpPr/>
-          <p:nvPr/>
-        </p:nvSpPr>
-        <p:spPr>
-          <a:xfrm>
-            <a:off x="2884437" y="3297510"/>
-            <a:ext cx="723759" cy="186630"/>
-          </a:xfrm>
-          <a:prstGeom prst="roundRect">
-            <a:avLst/>
-          </a:prstGeom>
-          <a:noFill/>
-          <a:ln>
-            <a:solidFill>
-              <a:schemeClr val="accent5">
-                <a:lumMod val="50000"/>
-              </a:schemeClr>
-            </a:solidFill>
-          </a:ln>
-        </p:spPr>
-        <p:style>
-          <a:lnRef idx="2">
-            <a:schemeClr val="accent1">
-              <a:shade val="50000"/>
-            </a:schemeClr>
-          </a:lnRef>
-          <a:fillRef idx="1">
-            <a:schemeClr val="accent1"/>
-          </a:fillRef>
-          <a:effectRef idx="0">
-            <a:schemeClr val="accent1"/>
-          </a:effectRef>
-          <a:fontRef idx="minor">
-            <a:schemeClr val="lt1"/>
-          </a:fontRef>
-        </p:style>
-        <p:txBody>
-          <a:bodyPr lIns="36000" tIns="36000" rIns="36000" bIns="36000" rtlCol="0" anchor="ctr"/>
-          <a:lstStyle/>
-          <a:p>
-            <a:pPr algn="ctr"/>
-            <a:r>
-              <a:rPr lang="en-CA" sz="1000" dirty="0" err="1">
-                <a:solidFill>
-                  <a:srgbClr val="002060"/>
-                </a:solidFill>
-                <a:latin typeface="Segoe UI" panose="020B0502040204020203" pitchFamily="34" charset="0"/>
-                <a:cs typeface="Segoe UI" panose="020B0502040204020203" pitchFamily="34" charset="0"/>
-              </a:rPr>
-              <a:t>Rel</a:t>
-            </a:r>
-            <a:r>
-              <a:rPr lang="en-CA" sz="1000" dirty="0">
-                <a:solidFill>
-                  <a:srgbClr val="002060"/>
-                </a:solidFill>
-                <a:latin typeface="Segoe UI" panose="020B0502040204020203" pitchFamily="34" charset="0"/>
-                <a:cs typeface="Segoe UI" panose="020B0502040204020203" pitchFamily="34" charset="0"/>
-              </a:rPr>
-              <a:t> V1.0</a:t>
-            </a:r>
-          </a:p>
-        </p:txBody>
-      </p:sp>
-      <p:sp>
-        <p:nvSpPr>
-          <p:cNvPr id="68" name="Rounded Rectangle 4">
-            <a:extLst>
-              <a:ext uri="{FF2B5EF4-FFF2-40B4-BE49-F238E27FC236}">
-                <a16:creationId xmlns:a16="http://schemas.microsoft.com/office/drawing/2014/main" id="{2A909D0A-F159-440A-A1D6-E2D11FB7266E}"/>
-              </a:ext>
-            </a:extLst>
-          </p:cNvPr>
-          <p:cNvSpPr/>
-          <p:nvPr/>
-        </p:nvSpPr>
-        <p:spPr>
-          <a:xfrm>
-            <a:off x="2050425" y="3297510"/>
-            <a:ext cx="723759" cy="186630"/>
-          </a:xfrm>
-          <a:prstGeom prst="roundRect">
-            <a:avLst/>
-          </a:prstGeom>
-          <a:noFill/>
-          <a:ln>
-            <a:solidFill>
-              <a:schemeClr val="accent5">
-                <a:lumMod val="50000"/>
-              </a:schemeClr>
-            </a:solidFill>
-          </a:ln>
-        </p:spPr>
-        <p:style>
-          <a:lnRef idx="2">
-            <a:schemeClr val="accent1">
-              <a:shade val="50000"/>
-            </a:schemeClr>
-          </a:lnRef>
-          <a:fillRef idx="1">
-            <a:schemeClr val="accent1"/>
-          </a:fillRef>
-          <a:effectRef idx="0">
-            <a:schemeClr val="accent1"/>
-          </a:effectRef>
-          <a:fontRef idx="minor">
-            <a:schemeClr val="lt1"/>
-          </a:fontRef>
-        </p:style>
-        <p:txBody>
-          <a:bodyPr lIns="36000" tIns="36000" rIns="36000" bIns="36000" rtlCol="0" anchor="ctr"/>
-          <a:lstStyle/>
-          <a:p>
-            <a:pPr algn="ctr"/>
-            <a:r>
-              <a:rPr lang="en-CA" sz="1000" dirty="0">
-                <a:solidFill>
-                  <a:srgbClr val="002060"/>
-                </a:solidFill>
-                <a:latin typeface="Segoe UI" panose="020B0502040204020203" pitchFamily="34" charset="0"/>
-                <a:cs typeface="Segoe UI" panose="020B0502040204020203" pitchFamily="34" charset="0"/>
-              </a:rPr>
-              <a:t>Iteration n</a:t>
-            </a:r>
-          </a:p>
-        </p:txBody>
-      </p:sp>
-      <p:sp>
-        <p:nvSpPr>
-          <p:cNvPr id="75" name="Oval 74">
-            <a:extLst>
-              <a:ext uri="{FF2B5EF4-FFF2-40B4-BE49-F238E27FC236}">
-                <a16:creationId xmlns:a16="http://schemas.microsoft.com/office/drawing/2014/main" id="{F652058A-36C2-4A61-97E6-88C4249847A8}"/>
-              </a:ext>
-            </a:extLst>
-          </p:cNvPr>
-          <p:cNvSpPr/>
-          <p:nvPr/>
-        </p:nvSpPr>
-        <p:spPr bwMode="auto">
-          <a:xfrm>
-            <a:off x="4632266" y="4885190"/>
-            <a:ext cx="216000" cy="216000"/>
-          </a:xfrm>
-          <a:prstGeom prst="ellipse">
-            <a:avLst/>
-          </a:prstGeom>
-          <a:solidFill>
-            <a:schemeClr val="bg1"/>
-          </a:solidFill>
-          <a:ln w="25400">
-            <a:solidFill>
-              <a:srgbClr val="002060"/>
-            </a:solidFill>
-            <a:headEnd type="none" w="med" len="med"/>
-            <a:tailEnd type="none" w="med" len="med"/>
-          </a:ln>
-          <a:effectLst/>
-        </p:spPr>
-        <p:style>
-          <a:lnRef idx="1">
-            <a:schemeClr val="accent2"/>
-          </a:lnRef>
-          <a:fillRef idx="3">
-            <a:schemeClr val="accent2"/>
-          </a:fillRef>
-          <a:effectRef idx="2">
-            <a:schemeClr val="accent2"/>
-          </a:effectRef>
-          <a:fontRef idx="minor">
-            <a:schemeClr val="lt1"/>
-          </a:fontRef>
-        </p:style>
-        <p:txBody>
-          <a:bodyPr rot="0" spcFirstLastPara="0" vertOverflow="overflow" horzOverflow="overflow" vert="horz" wrap="square" lIns="0" tIns="0" rIns="0" bIns="0" numCol="1" spcCol="0" rtlCol="0" fromWordArt="0" anchor="b" anchorCtr="0" forceAA="0" compatLnSpc="1">
-            <a:prstTxWarp prst="textNoShape">
-              <a:avLst/>
-            </a:prstTxWarp>
-            <a:noAutofit/>
-          </a:bodyPr>
-          <a:lstStyle/>
-          <a:p>
-            <a:pPr algn="ctr" defTabSz="914099" fontAlgn="base">
-              <a:spcBef>
-                <a:spcPct val="0"/>
-              </a:spcBef>
-              <a:spcAft>
-                <a:spcPct val="0"/>
-              </a:spcAft>
-            </a:pPr>
-            <a:r>
-              <a:rPr lang="en-CA" sz="1000" spc="-50" dirty="0">
-                <a:solidFill>
-                  <a:srgbClr val="002060"/>
-                </a:solidFill>
-                <a:latin typeface="Segoe UI" pitchFamily="34" charset="0"/>
-                <a:ea typeface="Segoe UI" pitchFamily="34" charset="0"/>
-                <a:cs typeface="Segoe UI" pitchFamily="34" charset="0"/>
-              </a:rPr>
-              <a:t>C</a:t>
-            </a:r>
-          </a:p>
-        </p:txBody>
-      </p:sp>
-      <p:sp>
-        <p:nvSpPr>
-          <p:cNvPr id="35" name="TextBox 34">
-            <a:extLst>
-              <a:ext uri="{FF2B5EF4-FFF2-40B4-BE49-F238E27FC236}">
-                <a16:creationId xmlns:a16="http://schemas.microsoft.com/office/drawing/2014/main" id="{F440B7C0-23E7-4BA4-95AF-42DEC001F74E}"/>
-              </a:ext>
-            </a:extLst>
-          </p:cNvPr>
-          <p:cNvSpPr txBox="1"/>
-          <p:nvPr/>
-        </p:nvSpPr>
-        <p:spPr>
-          <a:xfrm>
-            <a:off x="10315236" y="3526567"/>
-            <a:ext cx="639599" cy="307777"/>
-          </a:xfrm>
-          <a:prstGeom prst="rect">
-            <a:avLst/>
-          </a:prstGeom>
-          <a:noFill/>
-        </p:spPr>
-        <p:txBody>
-          <a:bodyPr wrap="none" lIns="0" tIns="0" rIns="0" bIns="0" rtlCol="0">
-            <a:spAutoFit/>
-          </a:bodyPr>
-          <a:lstStyle/>
-          <a:p>
-            <a:r>
-              <a:rPr lang="en-CA" sz="2000" dirty="0">
-                <a:solidFill>
-                  <a:schemeClr val="tx1">
-                    <a:lumMod val="65000"/>
-                    <a:lumOff val="35000"/>
-                  </a:schemeClr>
-                </a:solidFill>
-                <a:latin typeface="Segoe UI Light" pitchFamily="34" charset="0"/>
-              </a:rPr>
-              <a:t> </a:t>
-            </a:r>
-            <a:r>
-              <a:rPr lang="en-CA" sz="2000" dirty="0" err="1">
-                <a:solidFill>
-                  <a:schemeClr val="tx1">
-                    <a:lumMod val="65000"/>
-                    <a:lumOff val="35000"/>
-                  </a:schemeClr>
-                </a:solidFill>
-                <a:latin typeface="Segoe UI Light" pitchFamily="34" charset="0"/>
-              </a:rPr>
-              <a:t>vnext</a:t>
-            </a:r>
-            <a:endParaRPr lang="en-CA" sz="2000" dirty="0">
-              <a:solidFill>
-                <a:schemeClr val="tx1">
-                  <a:lumMod val="65000"/>
-                  <a:lumOff val="35000"/>
-                </a:schemeClr>
-              </a:solidFill>
-              <a:latin typeface="Segoe UI Light" pitchFamily="34" charset="0"/>
-            </a:endParaRPr>
-          </a:p>
-        </p:txBody>
-      </p:sp>
-      <p:cxnSp>
-        <p:nvCxnSpPr>
-          <p:cNvPr id="38" name="Straight Arrow Connector 37">
-            <a:extLst>
-              <a:ext uri="{FF2B5EF4-FFF2-40B4-BE49-F238E27FC236}">
-                <a16:creationId xmlns:a16="http://schemas.microsoft.com/office/drawing/2014/main" id="{04FA2F02-FA2E-4CE8-8218-6C2AAA70BD30}"/>
-              </a:ext>
-            </a:extLst>
-          </p:cNvPr>
-          <p:cNvCxnSpPr>
-            <a:cxnSpLocks/>
-            <a:stCxn id="48" idx="6"/>
-          </p:cNvCxnSpPr>
-          <p:nvPr/>
-        </p:nvCxnSpPr>
-        <p:spPr>
-          <a:xfrm flipV="1">
-            <a:off x="8793831" y="4982708"/>
-            <a:ext cx="738789" cy="7222"/>
-          </a:xfrm>
-          <a:prstGeom prst="straightConnector1">
-            <a:avLst/>
-          </a:prstGeom>
-          <a:ln w="38100">
-            <a:solidFill>
-              <a:srgbClr val="002060"/>
-            </a:solidFill>
-            <a:tailEnd type="triangle" w="lg" len="med"/>
-          </a:ln>
-        </p:spPr>
-        <p:style>
-          <a:lnRef idx="2">
-            <a:schemeClr val="accent5"/>
-          </a:lnRef>
-          <a:fillRef idx="0">
-            <a:schemeClr val="accent5"/>
-          </a:fillRef>
-          <a:effectRef idx="1">
-            <a:schemeClr val="accent5"/>
-          </a:effectRef>
-          <a:fontRef idx="minor">
-            <a:schemeClr val="tx1"/>
-          </a:fontRef>
-        </p:style>
-      </p:cxnSp>
-      <p:sp>
-        <p:nvSpPr>
-          <p:cNvPr id="41" name="Oval 40">
-            <a:extLst>
-              <a:ext uri="{FF2B5EF4-FFF2-40B4-BE49-F238E27FC236}">
-                <a16:creationId xmlns:a16="http://schemas.microsoft.com/office/drawing/2014/main" id="{A21AC4CB-720A-4189-AD73-D4950F26C60D}"/>
-              </a:ext>
-            </a:extLst>
-          </p:cNvPr>
-          <p:cNvSpPr/>
-          <p:nvPr/>
-        </p:nvSpPr>
-        <p:spPr bwMode="auto">
-          <a:xfrm>
-            <a:off x="7709150" y="4881930"/>
-            <a:ext cx="216000" cy="216000"/>
-          </a:xfrm>
-          <a:prstGeom prst="ellipse">
-            <a:avLst/>
-          </a:prstGeom>
-          <a:solidFill>
-            <a:schemeClr val="bg1"/>
-          </a:solidFill>
-          <a:ln w="25400">
-            <a:solidFill>
-              <a:srgbClr val="002060"/>
-            </a:solidFill>
-            <a:headEnd type="none" w="med" len="med"/>
-            <a:tailEnd type="none" w="med" len="med"/>
-          </a:ln>
-          <a:effectLst/>
-        </p:spPr>
-        <p:style>
-          <a:lnRef idx="1">
-            <a:schemeClr val="accent2"/>
-          </a:lnRef>
-          <a:fillRef idx="3">
-            <a:schemeClr val="accent2"/>
-          </a:fillRef>
-          <a:effectRef idx="2">
-            <a:schemeClr val="accent2"/>
-          </a:effectRef>
-          <a:fontRef idx="minor">
-            <a:schemeClr val="lt1"/>
-          </a:fontRef>
-        </p:style>
-        <p:txBody>
-          <a:bodyPr rot="0" spcFirstLastPara="0" vertOverflow="overflow" horzOverflow="overflow" vert="horz" wrap="square" lIns="0" tIns="0" rIns="0" bIns="0" numCol="1" spcCol="0" rtlCol="0" fromWordArt="0" anchor="b" anchorCtr="0" forceAA="0" compatLnSpc="1">
-            <a:prstTxWarp prst="textNoShape">
-              <a:avLst/>
-            </a:prstTxWarp>
-            <a:noAutofit/>
-          </a:bodyPr>
-          <a:lstStyle/>
-          <a:p>
-            <a:pPr algn="ctr" defTabSz="914099" fontAlgn="base">
-              <a:spcBef>
-                <a:spcPct val="0"/>
-              </a:spcBef>
-              <a:spcAft>
-                <a:spcPct val="0"/>
-              </a:spcAft>
-            </a:pPr>
-            <a:r>
-              <a:rPr lang="en-CA" sz="1000" spc="-50" dirty="0">
-                <a:solidFill>
-                  <a:srgbClr val="002060"/>
-                </a:solidFill>
-                <a:latin typeface="Segoe UI" pitchFamily="34" charset="0"/>
-                <a:ea typeface="Segoe UI" pitchFamily="34" charset="0"/>
-                <a:cs typeface="Segoe UI" pitchFamily="34" charset="0"/>
-              </a:rPr>
-              <a:t>C</a:t>
-            </a:r>
-          </a:p>
-        </p:txBody>
-      </p:sp>
-      <p:cxnSp>
-        <p:nvCxnSpPr>
-          <p:cNvPr id="42" name="Curved Connector 10">
-            <a:extLst>
-              <a:ext uri="{FF2B5EF4-FFF2-40B4-BE49-F238E27FC236}">
-                <a16:creationId xmlns:a16="http://schemas.microsoft.com/office/drawing/2014/main" id="{D7BFCD1A-3569-41C0-B5D3-F44F93F9E15D}"/>
-              </a:ext>
-            </a:extLst>
-          </p:cNvPr>
-          <p:cNvCxnSpPr>
-            <a:cxnSpLocks/>
-            <a:stCxn id="44" idx="6"/>
-            <a:endCxn id="41" idx="2"/>
-          </p:cNvCxnSpPr>
-          <p:nvPr/>
-        </p:nvCxnSpPr>
-        <p:spPr>
-          <a:xfrm>
-            <a:off x="6878118" y="3680455"/>
-            <a:ext cx="831032" cy="1309475"/>
-          </a:xfrm>
-          <a:prstGeom prst="curvedConnector3">
-            <a:avLst>
-              <a:gd name="adj1" fmla="val 50000"/>
-            </a:avLst>
-          </a:prstGeom>
-          <a:ln w="38100">
-            <a:solidFill>
-              <a:srgbClr val="002060"/>
-            </a:solidFill>
-          </a:ln>
-        </p:spPr>
-        <p:style>
-          <a:lnRef idx="1">
-            <a:schemeClr val="accent1"/>
-          </a:lnRef>
-          <a:fillRef idx="0">
-            <a:schemeClr val="accent1"/>
-          </a:fillRef>
-          <a:effectRef idx="0">
-            <a:schemeClr val="accent1"/>
-          </a:effectRef>
-          <a:fontRef idx="minor">
-            <a:schemeClr val="tx1"/>
-          </a:fontRef>
-        </p:style>
-      </p:cxnSp>
-      <p:sp>
-        <p:nvSpPr>
-          <p:cNvPr id="43" name="TextBox 42">
-            <a:extLst>
-              <a:ext uri="{FF2B5EF4-FFF2-40B4-BE49-F238E27FC236}">
-                <a16:creationId xmlns:a16="http://schemas.microsoft.com/office/drawing/2014/main" id="{3541A8B8-4053-408E-A412-DD1D454345FD}"/>
-              </a:ext>
-            </a:extLst>
-          </p:cNvPr>
-          <p:cNvSpPr txBox="1"/>
-          <p:nvPr/>
-        </p:nvSpPr>
-        <p:spPr>
-          <a:xfrm>
-            <a:off x="6497423" y="4836041"/>
-            <a:ext cx="607539" cy="307777"/>
-          </a:xfrm>
-          <a:prstGeom prst="rect">
-            <a:avLst/>
-          </a:prstGeom>
-          <a:noFill/>
-        </p:spPr>
-        <p:txBody>
-          <a:bodyPr wrap="none" lIns="0" tIns="0" rIns="0" bIns="0" rtlCol="0">
-            <a:spAutoFit/>
-          </a:bodyPr>
-          <a:lstStyle/>
-          <a:p>
-            <a:r>
-              <a:rPr lang="en-CA" sz="2000" dirty="0">
-                <a:solidFill>
-                  <a:schemeClr val="tx1">
-                    <a:lumMod val="65000"/>
-                    <a:lumOff val="35000"/>
-                  </a:schemeClr>
-                </a:solidFill>
-                <a:latin typeface="Segoe UI Light" pitchFamily="34" charset="0"/>
-              </a:rPr>
-              <a:t>V2.00</a:t>
-            </a:r>
-          </a:p>
-        </p:txBody>
-      </p:sp>
-      <p:sp>
-        <p:nvSpPr>
-          <p:cNvPr id="44" name="Oval 43">
-            <a:extLst>
-              <a:ext uri="{FF2B5EF4-FFF2-40B4-BE49-F238E27FC236}">
-                <a16:creationId xmlns:a16="http://schemas.microsoft.com/office/drawing/2014/main" id="{138E82C1-BFC0-4A20-B2A1-F73FA27497C8}"/>
-              </a:ext>
-            </a:extLst>
-          </p:cNvPr>
-          <p:cNvSpPr/>
-          <p:nvPr/>
-        </p:nvSpPr>
-        <p:spPr bwMode="auto">
-          <a:xfrm>
-            <a:off x="6656971" y="3572455"/>
-            <a:ext cx="221147" cy="216000"/>
-          </a:xfrm>
-          <a:prstGeom prst="ellipse">
-            <a:avLst/>
-          </a:prstGeom>
-          <a:solidFill>
-            <a:schemeClr val="bg1"/>
-          </a:solidFill>
-          <a:ln w="25400">
-            <a:solidFill>
-              <a:srgbClr val="002060"/>
-            </a:solidFill>
-            <a:headEnd type="none" w="med" len="med"/>
-            <a:tailEnd type="none" w="med" len="med"/>
-          </a:ln>
-          <a:effectLst/>
-        </p:spPr>
-        <p:style>
-          <a:lnRef idx="1">
-            <a:schemeClr val="accent2"/>
-          </a:lnRef>
-          <a:fillRef idx="3">
-            <a:schemeClr val="accent2"/>
-          </a:fillRef>
-          <a:effectRef idx="2">
-            <a:schemeClr val="accent2"/>
-          </a:effectRef>
-          <a:fontRef idx="minor">
-            <a:schemeClr val="lt1"/>
-          </a:fontRef>
-        </p:style>
-        <p:txBody>
-          <a:bodyPr rot="0" spcFirstLastPara="0" vertOverflow="overflow" horzOverflow="overflow" vert="horz" wrap="square" lIns="0" tIns="0" rIns="0" bIns="0" numCol="1" spcCol="0" rtlCol="0" fromWordArt="0" anchor="b" anchorCtr="0" forceAA="0" compatLnSpc="1">
-            <a:prstTxWarp prst="textNoShape">
-              <a:avLst/>
-            </a:prstTxWarp>
-            <a:noAutofit/>
-          </a:bodyPr>
-          <a:lstStyle/>
-          <a:p>
-            <a:pPr algn="ctr" defTabSz="914099" fontAlgn="base">
-              <a:spcBef>
-                <a:spcPct val="0"/>
-              </a:spcBef>
-              <a:spcAft>
-                <a:spcPct val="0"/>
-              </a:spcAft>
-            </a:pPr>
-            <a:r>
-              <a:rPr lang="en-CA" sz="1000" spc="-50" dirty="0">
-                <a:solidFill>
-                  <a:srgbClr val="002060"/>
-                </a:solidFill>
-                <a:latin typeface="Segoe UI" pitchFamily="34" charset="0"/>
-                <a:ea typeface="Segoe UI" pitchFamily="34" charset="0"/>
-                <a:cs typeface="Segoe UI" pitchFamily="34" charset="0"/>
-              </a:rPr>
-              <a:t>B</a:t>
-            </a:r>
-          </a:p>
-        </p:txBody>
-      </p:sp>
-      <p:sp>
-        <p:nvSpPr>
-          <p:cNvPr id="45" name="Oval 44">
-            <a:extLst>
-              <a:ext uri="{FF2B5EF4-FFF2-40B4-BE49-F238E27FC236}">
-                <a16:creationId xmlns:a16="http://schemas.microsoft.com/office/drawing/2014/main" id="{FEE72148-F401-4715-BD96-9AC0426B04E5}"/>
-              </a:ext>
-            </a:extLst>
-          </p:cNvPr>
-          <p:cNvSpPr/>
-          <p:nvPr/>
-        </p:nvSpPr>
-        <p:spPr bwMode="auto">
-          <a:xfrm>
-            <a:off x="8662213" y="3572455"/>
-            <a:ext cx="216000" cy="216000"/>
-          </a:xfrm>
-          <a:prstGeom prst="ellipse">
-            <a:avLst/>
-          </a:prstGeom>
-          <a:solidFill>
-            <a:schemeClr val="bg1"/>
-          </a:solidFill>
-          <a:ln w="25400">
-            <a:solidFill>
-              <a:srgbClr val="002060"/>
-            </a:solidFill>
-            <a:headEnd type="none" w="med" len="med"/>
-            <a:tailEnd type="none" w="med" len="med"/>
-          </a:ln>
-          <a:effectLst/>
-        </p:spPr>
-        <p:style>
-          <a:lnRef idx="1">
-            <a:schemeClr val="accent2"/>
-          </a:lnRef>
-          <a:fillRef idx="3">
-            <a:schemeClr val="accent2"/>
-          </a:fillRef>
-          <a:effectRef idx="2">
-            <a:schemeClr val="accent2"/>
-          </a:effectRef>
-          <a:fontRef idx="minor">
-            <a:schemeClr val="lt1"/>
-          </a:fontRef>
-        </p:style>
-        <p:txBody>
-          <a:bodyPr rot="0" spcFirstLastPara="0" vertOverflow="overflow" horzOverflow="overflow" vert="horz" wrap="square" lIns="0" tIns="0" rIns="0" bIns="0" numCol="1" spcCol="0" rtlCol="0" fromWordArt="0" anchor="b" anchorCtr="0" forceAA="0" compatLnSpc="1">
-            <a:prstTxWarp prst="textNoShape">
-              <a:avLst/>
-            </a:prstTxWarp>
-            <a:noAutofit/>
-          </a:bodyPr>
-          <a:lstStyle/>
-          <a:p>
-            <a:pPr algn="ctr" defTabSz="914099" fontAlgn="base">
-              <a:spcBef>
-                <a:spcPct val="0"/>
-              </a:spcBef>
-              <a:spcAft>
-                <a:spcPct val="0"/>
-              </a:spcAft>
-            </a:pPr>
-            <a:r>
-              <a:rPr lang="en-CA" sz="1000" spc="-50" dirty="0">
-                <a:solidFill>
-                  <a:srgbClr val="002060"/>
-                </a:solidFill>
-                <a:latin typeface="Segoe UI" pitchFamily="34" charset="0"/>
-                <a:ea typeface="Segoe UI" pitchFamily="34" charset="0"/>
-                <a:cs typeface="Segoe UI" pitchFamily="34" charset="0"/>
-              </a:rPr>
-              <a:t>C</a:t>
-            </a:r>
-          </a:p>
-        </p:txBody>
-      </p:sp>
-      <p:cxnSp>
-        <p:nvCxnSpPr>
-          <p:cNvPr id="46" name="Straight Arrow Connector 45">
-            <a:extLst>
-              <a:ext uri="{FF2B5EF4-FFF2-40B4-BE49-F238E27FC236}">
-                <a16:creationId xmlns:a16="http://schemas.microsoft.com/office/drawing/2014/main" id="{2CCF40B4-80ED-4512-9370-08CEB9045256}"/>
-              </a:ext>
-            </a:extLst>
-          </p:cNvPr>
-          <p:cNvCxnSpPr>
-            <a:cxnSpLocks/>
-            <a:stCxn id="45" idx="6"/>
-            <a:endCxn id="47" idx="2"/>
-          </p:cNvCxnSpPr>
-          <p:nvPr/>
-        </p:nvCxnSpPr>
-        <p:spPr>
-          <a:xfrm>
-            <a:off x="8878213" y="3680455"/>
-            <a:ext cx="957856" cy="0"/>
-          </a:xfrm>
-          <a:prstGeom prst="straightConnector1">
-            <a:avLst/>
-          </a:prstGeom>
-          <a:ln w="38100">
-            <a:solidFill>
-              <a:srgbClr val="002060"/>
-            </a:solidFill>
-            <a:tailEnd type="none" w="lg" len="med"/>
-          </a:ln>
-        </p:spPr>
-        <p:style>
-          <a:lnRef idx="2">
-            <a:schemeClr val="accent5"/>
-          </a:lnRef>
-          <a:fillRef idx="0">
-            <a:schemeClr val="accent5"/>
-          </a:fillRef>
-          <a:effectRef idx="1">
-            <a:schemeClr val="accent5"/>
-          </a:effectRef>
-          <a:fontRef idx="minor">
-            <a:schemeClr val="tx1"/>
-          </a:fontRef>
-        </p:style>
-      </p:cxnSp>
-      <p:sp>
-        <p:nvSpPr>
-          <p:cNvPr id="47" name="Oval 46">
-            <a:extLst>
-              <a:ext uri="{FF2B5EF4-FFF2-40B4-BE49-F238E27FC236}">
-                <a16:creationId xmlns:a16="http://schemas.microsoft.com/office/drawing/2014/main" id="{8DF27064-D9AA-4ED1-9985-64BBE0DF02B6}"/>
-              </a:ext>
-            </a:extLst>
-          </p:cNvPr>
-          <p:cNvSpPr/>
-          <p:nvPr/>
-        </p:nvSpPr>
-        <p:spPr bwMode="auto">
-          <a:xfrm>
-            <a:off x="9836069" y="3572455"/>
-            <a:ext cx="216000" cy="216000"/>
-          </a:xfrm>
-          <a:prstGeom prst="ellipse">
-            <a:avLst/>
-          </a:prstGeom>
-          <a:solidFill>
-            <a:schemeClr val="bg1"/>
-          </a:solidFill>
-          <a:ln w="25400">
-            <a:solidFill>
-              <a:srgbClr val="002060"/>
-            </a:solidFill>
-            <a:headEnd type="none" w="med" len="med"/>
-            <a:tailEnd type="none" w="med" len="med"/>
-          </a:ln>
-          <a:effectLst/>
-        </p:spPr>
-        <p:style>
-          <a:lnRef idx="1">
-            <a:schemeClr val="accent2"/>
-          </a:lnRef>
-          <a:fillRef idx="3">
-            <a:schemeClr val="accent2"/>
-          </a:fillRef>
-          <a:effectRef idx="2">
-            <a:schemeClr val="accent2"/>
-          </a:effectRef>
-          <a:fontRef idx="minor">
-            <a:schemeClr val="lt1"/>
-          </a:fontRef>
-        </p:style>
-        <p:txBody>
-          <a:bodyPr rot="0" spcFirstLastPara="0" vertOverflow="overflow" horzOverflow="overflow" vert="horz" wrap="square" lIns="0" tIns="0" rIns="0" bIns="0" numCol="1" spcCol="0" rtlCol="0" fromWordArt="0" anchor="b" anchorCtr="0" forceAA="0" compatLnSpc="1">
-            <a:prstTxWarp prst="textNoShape">
-              <a:avLst/>
-            </a:prstTxWarp>
-            <a:noAutofit/>
-          </a:bodyPr>
-          <a:lstStyle/>
-          <a:p>
-            <a:pPr algn="ctr" defTabSz="914099" fontAlgn="base">
-              <a:spcBef>
-                <a:spcPct val="0"/>
-              </a:spcBef>
-              <a:spcAft>
-                <a:spcPct val="0"/>
-              </a:spcAft>
-            </a:pPr>
-            <a:r>
-              <a:rPr lang="en-CA" sz="1000" spc="-50" dirty="0">
-                <a:solidFill>
-                  <a:srgbClr val="002060"/>
-                </a:solidFill>
-                <a:latin typeface="Segoe UI" pitchFamily="34" charset="0"/>
-                <a:ea typeface="Segoe UI" pitchFamily="34" charset="0"/>
-                <a:cs typeface="Segoe UI" pitchFamily="34" charset="0"/>
-              </a:rPr>
-              <a:t>M</a:t>
-            </a:r>
-          </a:p>
-        </p:txBody>
-      </p:sp>
-      <p:sp>
-        <p:nvSpPr>
-          <p:cNvPr id="48" name="Oval 47">
-            <a:extLst>
-              <a:ext uri="{FF2B5EF4-FFF2-40B4-BE49-F238E27FC236}">
-                <a16:creationId xmlns:a16="http://schemas.microsoft.com/office/drawing/2014/main" id="{6567EF17-7E23-4E5A-8A3B-5307ED0F5214}"/>
-              </a:ext>
-            </a:extLst>
-          </p:cNvPr>
-          <p:cNvSpPr/>
-          <p:nvPr/>
-        </p:nvSpPr>
-        <p:spPr bwMode="auto">
-          <a:xfrm>
-            <a:off x="8577831" y="4881930"/>
-            <a:ext cx="216000" cy="216000"/>
-          </a:xfrm>
-          <a:prstGeom prst="ellipse">
-            <a:avLst/>
-          </a:prstGeom>
-          <a:solidFill>
-            <a:schemeClr val="bg1"/>
-          </a:solidFill>
-          <a:ln w="25400">
-            <a:solidFill>
-              <a:srgbClr val="002060"/>
-            </a:solidFill>
-            <a:headEnd type="none" w="med" len="med"/>
-            <a:tailEnd type="none" w="med" len="med"/>
-          </a:ln>
-          <a:effectLst/>
-        </p:spPr>
-        <p:style>
-          <a:lnRef idx="1">
-            <a:schemeClr val="accent2"/>
-          </a:lnRef>
-          <a:fillRef idx="3">
-            <a:schemeClr val="accent2"/>
-          </a:fillRef>
-          <a:effectRef idx="2">
-            <a:schemeClr val="accent2"/>
-          </a:effectRef>
-          <a:fontRef idx="minor">
-            <a:schemeClr val="lt1"/>
-          </a:fontRef>
-        </p:style>
-        <p:txBody>
-          <a:bodyPr rot="0" spcFirstLastPara="0" vertOverflow="overflow" horzOverflow="overflow" vert="horz" wrap="square" lIns="0" tIns="0" rIns="0" bIns="0" numCol="1" spcCol="0" rtlCol="0" fromWordArt="0" anchor="b" anchorCtr="0" forceAA="0" compatLnSpc="1">
-            <a:prstTxWarp prst="textNoShape">
-              <a:avLst/>
-            </a:prstTxWarp>
-            <a:noAutofit/>
-          </a:bodyPr>
-          <a:lstStyle/>
-          <a:p>
-            <a:pPr algn="ctr" defTabSz="914099" fontAlgn="base">
-              <a:spcBef>
-                <a:spcPct val="0"/>
-              </a:spcBef>
-              <a:spcAft>
-                <a:spcPct val="0"/>
-              </a:spcAft>
-            </a:pPr>
-            <a:r>
-              <a:rPr lang="en-CA" sz="1000" spc="-50" dirty="0">
-                <a:solidFill>
-                  <a:srgbClr val="002060"/>
-                </a:solidFill>
-                <a:latin typeface="Segoe UI" pitchFamily="34" charset="0"/>
-                <a:ea typeface="Segoe UI" pitchFamily="34" charset="0"/>
-                <a:cs typeface="Segoe UI" pitchFamily="34" charset="0"/>
-              </a:rPr>
-              <a:t>C</a:t>
-            </a:r>
-          </a:p>
-        </p:txBody>
-      </p:sp>
-      <p:cxnSp>
-        <p:nvCxnSpPr>
-          <p:cNvPr id="49" name="Straight Arrow Connector 48">
-            <a:extLst>
-              <a:ext uri="{FF2B5EF4-FFF2-40B4-BE49-F238E27FC236}">
-                <a16:creationId xmlns:a16="http://schemas.microsoft.com/office/drawing/2014/main" id="{A6440C88-B175-4F22-A21C-BE618CB43214}"/>
-              </a:ext>
-            </a:extLst>
-          </p:cNvPr>
-          <p:cNvCxnSpPr>
-            <a:cxnSpLocks/>
-            <a:stCxn id="41" idx="6"/>
-            <a:endCxn id="48" idx="2"/>
-          </p:cNvCxnSpPr>
-          <p:nvPr/>
-        </p:nvCxnSpPr>
-        <p:spPr>
-          <a:xfrm>
-            <a:off x="7925150" y="4989930"/>
-            <a:ext cx="652681" cy="0"/>
-          </a:xfrm>
-          <a:prstGeom prst="straightConnector1">
-            <a:avLst/>
-          </a:prstGeom>
-          <a:ln w="38100">
-            <a:solidFill>
-              <a:srgbClr val="002060"/>
-            </a:solidFill>
-            <a:tailEnd type="none" w="lg" len="med"/>
-          </a:ln>
-        </p:spPr>
-        <p:style>
-          <a:lnRef idx="2">
-            <a:schemeClr val="accent5"/>
-          </a:lnRef>
-          <a:fillRef idx="0">
-            <a:schemeClr val="accent5"/>
-          </a:fillRef>
-          <a:effectRef idx="1">
-            <a:schemeClr val="accent5"/>
-          </a:effectRef>
-          <a:fontRef idx="minor">
-            <a:schemeClr val="tx1"/>
-          </a:fontRef>
-        </p:style>
-      </p:cxnSp>
-      <p:cxnSp>
-        <p:nvCxnSpPr>
-          <p:cNvPr id="50" name="Curved Connector 22">
-            <a:extLst>
-              <a:ext uri="{FF2B5EF4-FFF2-40B4-BE49-F238E27FC236}">
-                <a16:creationId xmlns:a16="http://schemas.microsoft.com/office/drawing/2014/main" id="{08D7A676-22B9-40FC-9D46-449061E775B9}"/>
-              </a:ext>
-            </a:extLst>
-          </p:cNvPr>
-          <p:cNvCxnSpPr>
-            <a:cxnSpLocks/>
-            <a:stCxn id="47" idx="2"/>
-            <a:endCxn id="48" idx="6"/>
-          </p:cNvCxnSpPr>
-          <p:nvPr/>
-        </p:nvCxnSpPr>
-        <p:spPr>
-          <a:xfrm rot="10800000" flipV="1">
-            <a:off x="8793831" y="3680454"/>
-            <a:ext cx="1042238" cy="1309475"/>
-          </a:xfrm>
-          <a:prstGeom prst="curvedConnector3">
-            <a:avLst>
-              <a:gd name="adj1" fmla="val 50000"/>
-            </a:avLst>
-          </a:prstGeom>
-          <a:ln w="38100">
-            <a:solidFill>
-              <a:srgbClr val="002060"/>
-            </a:solidFill>
-          </a:ln>
-        </p:spPr>
-        <p:style>
-          <a:lnRef idx="1">
-            <a:schemeClr val="accent1"/>
-          </a:lnRef>
-          <a:fillRef idx="0">
-            <a:schemeClr val="accent1"/>
-          </a:fillRef>
-          <a:effectRef idx="0">
-            <a:schemeClr val="accent1"/>
-          </a:effectRef>
-          <a:fontRef idx="minor">
-            <a:schemeClr val="tx1"/>
-          </a:fontRef>
-        </p:style>
-      </p:cxnSp>
-      <p:sp>
-        <p:nvSpPr>
-          <p:cNvPr id="52" name="Isosceles Triangle 51">
-            <a:extLst>
-              <a:ext uri="{FF2B5EF4-FFF2-40B4-BE49-F238E27FC236}">
-                <a16:creationId xmlns:a16="http://schemas.microsoft.com/office/drawing/2014/main" id="{73FC5274-66FE-410D-A6CF-E4557024F62F}"/>
-              </a:ext>
-            </a:extLst>
-          </p:cNvPr>
-          <p:cNvSpPr/>
-          <p:nvPr/>
-        </p:nvSpPr>
-        <p:spPr>
-          <a:xfrm>
-            <a:off x="9204064" y="4249136"/>
-            <a:ext cx="216000" cy="164892"/>
-          </a:xfrm>
-          <a:prstGeom prst="triangle">
-            <a:avLst/>
-          </a:prstGeom>
-          <a:solidFill>
-            <a:srgbClr val="002060"/>
-          </a:solidFill>
-          <a:ln>
-            <a:noFill/>
-          </a:ln>
-        </p:spPr>
-        <p:style>
-          <a:lnRef idx="2">
-            <a:schemeClr val="accent1">
-              <a:shade val="50000"/>
-            </a:schemeClr>
-          </a:lnRef>
-          <a:fillRef idx="1">
-            <a:schemeClr val="accent1"/>
-          </a:fillRef>
-          <a:effectRef idx="0">
-            <a:schemeClr val="accent1"/>
-          </a:effectRef>
-          <a:fontRef idx="minor">
-            <a:schemeClr val="lt1"/>
-          </a:fontRef>
-        </p:style>
-        <p:txBody>
-          <a:bodyPr rtlCol="0" anchor="ctr"/>
-          <a:lstStyle/>
-          <a:p>
-            <a:pPr algn="ctr"/>
-            <a:endParaRPr lang="en-CA" dirty="0"/>
-          </a:p>
-        </p:txBody>
-      </p:sp>
-      <p:sp>
-        <p:nvSpPr>
-          <p:cNvPr id="53" name="TextBox 52">
-            <a:extLst>
-              <a:ext uri="{FF2B5EF4-FFF2-40B4-BE49-F238E27FC236}">
-                <a16:creationId xmlns:a16="http://schemas.microsoft.com/office/drawing/2014/main" id="{191911F1-C269-4869-826F-7CD36BD386A4}"/>
-              </a:ext>
-            </a:extLst>
-          </p:cNvPr>
-          <p:cNvSpPr txBox="1"/>
-          <p:nvPr/>
-        </p:nvSpPr>
-        <p:spPr>
-          <a:xfrm>
-            <a:off x="8847607" y="4154632"/>
-            <a:ext cx="415896" cy="369332"/>
-          </a:xfrm>
-          <a:prstGeom prst="rect">
-            <a:avLst/>
-          </a:prstGeom>
-          <a:noFill/>
-        </p:spPr>
-        <p:txBody>
-          <a:bodyPr wrap="square" rtlCol="0">
-            <a:spAutoFit/>
-          </a:bodyPr>
-          <a:lstStyle/>
-          <a:p>
-            <a:r>
-              <a:rPr lang="en-CA" dirty="0"/>
-              <a:t>RI</a:t>
-            </a:r>
-          </a:p>
-        </p:txBody>
-      </p:sp>
-      <p:cxnSp>
-        <p:nvCxnSpPr>
-          <p:cNvPr id="54" name="Straight Arrow Connector 53">
-            <a:extLst>
-              <a:ext uri="{FF2B5EF4-FFF2-40B4-BE49-F238E27FC236}">
-                <a16:creationId xmlns:a16="http://schemas.microsoft.com/office/drawing/2014/main" id="{8F8DF2F8-B6A7-467F-82C6-A34DDD95A8B3}"/>
-              </a:ext>
-            </a:extLst>
-          </p:cNvPr>
-          <p:cNvCxnSpPr>
-            <a:cxnSpLocks/>
-            <a:stCxn id="44" idx="6"/>
-            <a:endCxn id="45" idx="2"/>
-          </p:cNvCxnSpPr>
-          <p:nvPr/>
-        </p:nvCxnSpPr>
-        <p:spPr>
-          <a:xfrm>
-            <a:off x="6878118" y="3680455"/>
-            <a:ext cx="1784095" cy="0"/>
-          </a:xfrm>
-          <a:prstGeom prst="straightConnector1">
-            <a:avLst/>
-          </a:prstGeom>
-          <a:ln w="38100">
-            <a:solidFill>
-              <a:srgbClr val="002060"/>
-            </a:solidFill>
-            <a:tailEnd type="none" w="lg" len="med"/>
-          </a:ln>
-        </p:spPr>
-        <p:style>
-          <a:lnRef idx="2">
-            <a:schemeClr val="accent5"/>
-          </a:lnRef>
-          <a:fillRef idx="0">
-            <a:schemeClr val="accent5"/>
-          </a:fillRef>
-          <a:effectRef idx="1">
-            <a:schemeClr val="accent5"/>
-          </a:effectRef>
-          <a:fontRef idx="minor">
-            <a:schemeClr val="tx1"/>
-          </a:fontRef>
-        </p:style>
-      </p:cxnSp>
-      <p:sp>
-        <p:nvSpPr>
-          <p:cNvPr id="55" name="TextBox 54">
-            <a:extLst>
-              <a:ext uri="{FF2B5EF4-FFF2-40B4-BE49-F238E27FC236}">
-                <a16:creationId xmlns:a16="http://schemas.microsoft.com/office/drawing/2014/main" id="{D34CDA5E-20AC-4063-869B-1805E4F382A3}"/>
-              </a:ext>
-            </a:extLst>
-          </p:cNvPr>
-          <p:cNvSpPr txBox="1"/>
-          <p:nvPr/>
-        </p:nvSpPr>
-        <p:spPr>
-          <a:xfrm>
-            <a:off x="7293634" y="5208953"/>
-            <a:ext cx="1942519" cy="307777"/>
-          </a:xfrm>
-          <a:prstGeom prst="rect">
-            <a:avLst/>
-          </a:prstGeom>
-          <a:noFill/>
-        </p:spPr>
-        <p:txBody>
-          <a:bodyPr wrap="none" lIns="0" tIns="0" rIns="0" bIns="0" rtlCol="0">
-            <a:spAutoFit/>
-          </a:bodyPr>
-          <a:lstStyle/>
-          <a:p>
-            <a:r>
-              <a:rPr lang="en-CA" sz="2000" dirty="0">
-                <a:solidFill>
-                  <a:schemeClr val="tx1">
-                    <a:lumMod val="65000"/>
-                    <a:lumOff val="35000"/>
-                  </a:schemeClr>
-                </a:solidFill>
-                <a:latin typeface="Segoe UI Light" pitchFamily="34" charset="0"/>
-              </a:rPr>
-              <a:t>Defect corrections</a:t>
-            </a:r>
-          </a:p>
-        </p:txBody>
-      </p:sp>
-      <p:sp>
-        <p:nvSpPr>
-          <p:cNvPr id="56" name="Rounded Rectangle 4">
-            <a:extLst>
-              <a:ext uri="{FF2B5EF4-FFF2-40B4-BE49-F238E27FC236}">
-                <a16:creationId xmlns:a16="http://schemas.microsoft.com/office/drawing/2014/main" id="{88A4F3DF-E3E1-4C76-B51E-09ED7CCFB45F}"/>
-              </a:ext>
-            </a:extLst>
-          </p:cNvPr>
-          <p:cNvSpPr/>
-          <p:nvPr/>
-        </p:nvSpPr>
-        <p:spPr>
-          <a:xfrm>
-            <a:off x="6405664" y="3297204"/>
-            <a:ext cx="723759" cy="186630"/>
-          </a:xfrm>
-          <a:prstGeom prst="roundRect">
-            <a:avLst/>
-          </a:prstGeom>
-          <a:noFill/>
-          <a:ln>
-            <a:solidFill>
-              <a:schemeClr val="accent5">
-                <a:lumMod val="50000"/>
-              </a:schemeClr>
-            </a:solidFill>
-          </a:ln>
-        </p:spPr>
-        <p:style>
-          <a:lnRef idx="2">
-            <a:schemeClr val="accent1">
-              <a:shade val="50000"/>
-            </a:schemeClr>
-          </a:lnRef>
-          <a:fillRef idx="1">
-            <a:schemeClr val="accent1"/>
-          </a:fillRef>
-          <a:effectRef idx="0">
-            <a:schemeClr val="accent1"/>
-          </a:effectRef>
-          <a:fontRef idx="minor">
-            <a:schemeClr val="lt1"/>
-          </a:fontRef>
-        </p:style>
-        <p:txBody>
-          <a:bodyPr lIns="36000" tIns="36000" rIns="36000" bIns="36000" rtlCol="0" anchor="ctr"/>
-          <a:lstStyle/>
-          <a:p>
-            <a:pPr algn="ctr"/>
-            <a:r>
-              <a:rPr lang="en-CA" sz="1000" dirty="0" err="1">
-                <a:solidFill>
-                  <a:srgbClr val="002060"/>
-                </a:solidFill>
-                <a:latin typeface="Segoe UI" panose="020B0502040204020203" pitchFamily="34" charset="0"/>
-                <a:cs typeface="Segoe UI" panose="020B0502040204020203" pitchFamily="34" charset="0"/>
-              </a:rPr>
-              <a:t>Rel</a:t>
-            </a:r>
-            <a:r>
-              <a:rPr lang="en-CA" sz="1000" dirty="0">
-                <a:solidFill>
-                  <a:srgbClr val="002060"/>
-                </a:solidFill>
-                <a:latin typeface="Segoe UI" panose="020B0502040204020203" pitchFamily="34" charset="0"/>
-                <a:cs typeface="Segoe UI" panose="020B0502040204020203" pitchFamily="34" charset="0"/>
-              </a:rPr>
-              <a:t> V1.0</a:t>
-            </a:r>
-          </a:p>
-        </p:txBody>
-      </p:sp>
-      <p:cxnSp>
-        <p:nvCxnSpPr>
-          <p:cNvPr id="59" name="Straight Arrow Connector 58">
-            <a:extLst>
-              <a:ext uri="{FF2B5EF4-FFF2-40B4-BE49-F238E27FC236}">
-                <a16:creationId xmlns:a16="http://schemas.microsoft.com/office/drawing/2014/main" id="{3F50651B-02FD-423C-9B63-5F821AF00C5C}"/>
-              </a:ext>
-            </a:extLst>
-          </p:cNvPr>
-          <p:cNvCxnSpPr>
-            <a:cxnSpLocks/>
-            <a:stCxn id="83" idx="6"/>
-            <a:endCxn id="44" idx="2"/>
-          </p:cNvCxnSpPr>
-          <p:nvPr/>
-        </p:nvCxnSpPr>
-        <p:spPr>
-          <a:xfrm>
-            <a:off x="6530842" y="3680455"/>
-            <a:ext cx="126129" cy="0"/>
-          </a:xfrm>
-          <a:prstGeom prst="straightConnector1">
-            <a:avLst/>
-          </a:prstGeom>
-          <a:ln w="38100">
-            <a:solidFill>
-              <a:srgbClr val="002060"/>
-            </a:solidFill>
-            <a:tailEnd type="none" w="lg" len="med"/>
-          </a:ln>
-        </p:spPr>
-        <p:style>
-          <a:lnRef idx="2">
-            <a:schemeClr val="accent5"/>
-          </a:lnRef>
-          <a:fillRef idx="0">
-            <a:schemeClr val="accent5"/>
-          </a:fillRef>
-          <a:effectRef idx="1">
-            <a:schemeClr val="accent5"/>
-          </a:effectRef>
-          <a:fontRef idx="minor">
-            <a:schemeClr val="tx1"/>
-          </a:fontRef>
-        </p:style>
-      </p:cxnSp>
-      <p:sp>
-        <p:nvSpPr>
-          <p:cNvPr id="77" name="Oval 76">
-            <a:extLst>
-              <a:ext uri="{FF2B5EF4-FFF2-40B4-BE49-F238E27FC236}">
-                <a16:creationId xmlns:a16="http://schemas.microsoft.com/office/drawing/2014/main" id="{AC025247-256F-462B-A1C4-71F9829B40B7}"/>
-              </a:ext>
-            </a:extLst>
-          </p:cNvPr>
-          <p:cNvSpPr/>
-          <p:nvPr/>
-        </p:nvSpPr>
-        <p:spPr bwMode="auto">
-          <a:xfrm>
-            <a:off x="4295923" y="2814728"/>
-            <a:ext cx="216000" cy="216000"/>
-          </a:xfrm>
-          <a:prstGeom prst="ellipse">
-            <a:avLst/>
-          </a:prstGeom>
-          <a:solidFill>
-            <a:schemeClr val="bg1"/>
-          </a:solidFill>
-          <a:ln w="25400">
-            <a:solidFill>
-              <a:srgbClr val="002060"/>
-            </a:solidFill>
-            <a:headEnd type="none" w="med" len="med"/>
-            <a:tailEnd type="none" w="med" len="med"/>
-          </a:ln>
-          <a:effectLst/>
-        </p:spPr>
-        <p:style>
-          <a:lnRef idx="1">
-            <a:schemeClr val="accent2"/>
-          </a:lnRef>
-          <a:fillRef idx="3">
-            <a:schemeClr val="accent2"/>
-          </a:fillRef>
-          <a:effectRef idx="2">
-            <a:schemeClr val="accent2"/>
-          </a:effectRef>
-          <a:fontRef idx="minor">
-            <a:schemeClr val="lt1"/>
-          </a:fontRef>
-        </p:style>
-        <p:txBody>
-          <a:bodyPr rot="0" spcFirstLastPara="0" vertOverflow="overflow" horzOverflow="overflow" vert="horz" wrap="square" lIns="0" tIns="0" rIns="0" bIns="0" numCol="1" spcCol="0" rtlCol="0" fromWordArt="0" anchor="b" anchorCtr="0" forceAA="0" compatLnSpc="1">
-            <a:prstTxWarp prst="textNoShape">
-              <a:avLst/>
-            </a:prstTxWarp>
-            <a:noAutofit/>
-          </a:bodyPr>
-          <a:lstStyle/>
-          <a:p>
-            <a:pPr algn="ctr" defTabSz="914099" fontAlgn="base">
-              <a:spcBef>
-                <a:spcPct val="0"/>
-              </a:spcBef>
-              <a:spcAft>
-                <a:spcPct val="0"/>
-              </a:spcAft>
-            </a:pPr>
-            <a:r>
-              <a:rPr lang="en-CA" sz="1000" spc="-50" dirty="0">
-                <a:solidFill>
-                  <a:srgbClr val="002060"/>
-                </a:solidFill>
-                <a:latin typeface="Segoe UI" pitchFamily="34" charset="0"/>
-                <a:ea typeface="Segoe UI" pitchFamily="34" charset="0"/>
-                <a:cs typeface="Segoe UI" pitchFamily="34" charset="0"/>
-              </a:rPr>
-              <a:t>C</a:t>
-            </a:r>
-          </a:p>
-        </p:txBody>
-      </p:sp>
-      <p:cxnSp>
-        <p:nvCxnSpPr>
-          <p:cNvPr id="78" name="Curved Connector 10">
-            <a:extLst>
-              <a:ext uri="{FF2B5EF4-FFF2-40B4-BE49-F238E27FC236}">
-                <a16:creationId xmlns:a16="http://schemas.microsoft.com/office/drawing/2014/main" id="{267CF9EB-3E34-4023-A971-258C4144D14B}"/>
-              </a:ext>
-            </a:extLst>
-          </p:cNvPr>
-          <p:cNvCxnSpPr>
-            <a:cxnSpLocks/>
-            <a:stCxn id="39" idx="6"/>
-            <a:endCxn id="77" idx="2"/>
-          </p:cNvCxnSpPr>
-          <p:nvPr/>
-        </p:nvCxnSpPr>
-        <p:spPr>
-          <a:xfrm flipV="1">
-            <a:off x="3356891" y="2922728"/>
-            <a:ext cx="939032" cy="757727"/>
-          </a:xfrm>
-          <a:prstGeom prst="curvedConnector3">
-            <a:avLst>
-              <a:gd name="adj1" fmla="val 50000"/>
-            </a:avLst>
-          </a:prstGeom>
-          <a:ln w="38100">
-            <a:solidFill>
-              <a:srgbClr val="002060"/>
-            </a:solidFill>
-          </a:ln>
-        </p:spPr>
-        <p:style>
-          <a:lnRef idx="1">
-            <a:schemeClr val="accent1"/>
-          </a:lnRef>
-          <a:fillRef idx="0">
-            <a:schemeClr val="accent1"/>
-          </a:fillRef>
-          <a:effectRef idx="0">
-            <a:schemeClr val="accent1"/>
-          </a:effectRef>
-          <a:fontRef idx="minor">
-            <a:schemeClr val="tx1"/>
-          </a:fontRef>
-        </p:style>
-      </p:cxnSp>
-      <p:sp>
-        <p:nvSpPr>
-          <p:cNvPr id="81" name="Oval 80">
-            <a:extLst>
-              <a:ext uri="{FF2B5EF4-FFF2-40B4-BE49-F238E27FC236}">
-                <a16:creationId xmlns:a16="http://schemas.microsoft.com/office/drawing/2014/main" id="{AB8506AC-D47C-4D8B-B035-8D23B5F7C6AD}"/>
-              </a:ext>
-            </a:extLst>
-          </p:cNvPr>
-          <p:cNvSpPr/>
-          <p:nvPr/>
-        </p:nvSpPr>
-        <p:spPr bwMode="auto">
-          <a:xfrm>
-            <a:off x="5421935" y="3572455"/>
-            <a:ext cx="216000" cy="216000"/>
-          </a:xfrm>
-          <a:prstGeom prst="ellipse">
-            <a:avLst/>
-          </a:prstGeom>
-          <a:solidFill>
-            <a:schemeClr val="bg1"/>
-          </a:solidFill>
-          <a:ln w="25400">
-            <a:solidFill>
-              <a:srgbClr val="002060"/>
-            </a:solidFill>
-            <a:headEnd type="none" w="med" len="med"/>
-            <a:tailEnd type="none" w="med" len="med"/>
-          </a:ln>
-          <a:effectLst/>
-        </p:spPr>
-        <p:style>
-          <a:lnRef idx="1">
-            <a:schemeClr val="accent2"/>
-          </a:lnRef>
-          <a:fillRef idx="3">
-            <a:schemeClr val="accent2"/>
-          </a:fillRef>
-          <a:effectRef idx="2">
-            <a:schemeClr val="accent2"/>
-          </a:effectRef>
-          <a:fontRef idx="minor">
-            <a:schemeClr val="lt1"/>
-          </a:fontRef>
-        </p:style>
-        <p:txBody>
-          <a:bodyPr rot="0" spcFirstLastPara="0" vertOverflow="overflow" horzOverflow="overflow" vert="horz" wrap="square" lIns="0" tIns="0" rIns="0" bIns="0" numCol="1" spcCol="0" rtlCol="0" fromWordArt="0" anchor="b" anchorCtr="0" forceAA="0" compatLnSpc="1">
-            <a:prstTxWarp prst="textNoShape">
-              <a:avLst/>
-            </a:prstTxWarp>
-            <a:noAutofit/>
-          </a:bodyPr>
-          <a:lstStyle/>
-          <a:p>
-            <a:pPr algn="ctr" defTabSz="914099" fontAlgn="base">
-              <a:spcBef>
-                <a:spcPct val="0"/>
-              </a:spcBef>
-              <a:spcAft>
-                <a:spcPct val="0"/>
-              </a:spcAft>
-            </a:pPr>
-            <a:r>
-              <a:rPr lang="en-CA" sz="1000" spc="-50" dirty="0">
-                <a:solidFill>
-                  <a:srgbClr val="002060"/>
-                </a:solidFill>
-                <a:latin typeface="Segoe UI" pitchFamily="34" charset="0"/>
-                <a:ea typeface="Segoe UI" pitchFamily="34" charset="0"/>
-                <a:cs typeface="Segoe UI" pitchFamily="34" charset="0"/>
-              </a:rPr>
-              <a:t>M</a:t>
-            </a:r>
-          </a:p>
-        </p:txBody>
-      </p:sp>
-      <p:cxnSp>
-        <p:nvCxnSpPr>
-          <p:cNvPr id="84" name="Straight Arrow Connector 83">
-            <a:extLst>
-              <a:ext uri="{FF2B5EF4-FFF2-40B4-BE49-F238E27FC236}">
-                <a16:creationId xmlns:a16="http://schemas.microsoft.com/office/drawing/2014/main" id="{043CD200-FD60-4C96-A058-6125C5997A9C}"/>
-              </a:ext>
-            </a:extLst>
-          </p:cNvPr>
-          <p:cNvCxnSpPr>
-            <a:cxnSpLocks/>
-            <a:stCxn id="81" idx="6"/>
-            <a:endCxn id="83" idx="2"/>
-          </p:cNvCxnSpPr>
-          <p:nvPr/>
-        </p:nvCxnSpPr>
-        <p:spPr>
-          <a:xfrm>
-            <a:off x="5637935" y="3680455"/>
-            <a:ext cx="676907" cy="0"/>
-          </a:xfrm>
-          <a:prstGeom prst="straightConnector1">
-            <a:avLst/>
-          </a:prstGeom>
-          <a:ln w="38100">
-            <a:solidFill>
-              <a:srgbClr val="002060"/>
-            </a:solidFill>
-            <a:tailEnd type="none" w="lg" len="med"/>
-          </a:ln>
-        </p:spPr>
-        <p:style>
-          <a:lnRef idx="2">
-            <a:schemeClr val="accent5"/>
-          </a:lnRef>
-          <a:fillRef idx="0">
-            <a:schemeClr val="accent5"/>
-          </a:fillRef>
-          <a:effectRef idx="1">
-            <a:schemeClr val="accent5"/>
-          </a:effectRef>
-          <a:fontRef idx="minor">
-            <a:schemeClr val="tx1"/>
-          </a:fontRef>
-        </p:style>
-      </p:cxnSp>
-      <p:cxnSp>
-        <p:nvCxnSpPr>
-          <p:cNvPr id="86" name="Curved Connector 10">
-            <a:extLst>
-              <a:ext uri="{FF2B5EF4-FFF2-40B4-BE49-F238E27FC236}">
-                <a16:creationId xmlns:a16="http://schemas.microsoft.com/office/drawing/2014/main" id="{4C1A022B-1533-4334-A991-5ABC2C0D8910}"/>
-              </a:ext>
-            </a:extLst>
-          </p:cNvPr>
-          <p:cNvCxnSpPr>
-            <a:cxnSpLocks/>
-            <a:stCxn id="77" idx="6"/>
-            <a:endCxn id="81" idx="2"/>
-          </p:cNvCxnSpPr>
-          <p:nvPr/>
-        </p:nvCxnSpPr>
-        <p:spPr>
-          <a:xfrm>
-            <a:off x="4511923" y="2922728"/>
-            <a:ext cx="910012" cy="757727"/>
-          </a:xfrm>
-          <a:prstGeom prst="curvedConnector3">
-            <a:avLst>
-              <a:gd name="adj1" fmla="val 50000"/>
-            </a:avLst>
-          </a:prstGeom>
-          <a:ln w="38100">
-            <a:solidFill>
-              <a:srgbClr val="002060"/>
-            </a:solidFill>
-          </a:ln>
-        </p:spPr>
-        <p:style>
-          <a:lnRef idx="1">
-            <a:schemeClr val="accent1"/>
-          </a:lnRef>
-          <a:fillRef idx="0">
-            <a:schemeClr val="accent1"/>
-          </a:fillRef>
-          <a:effectRef idx="0">
-            <a:schemeClr val="accent1"/>
-          </a:effectRef>
-          <a:fontRef idx="minor">
-            <a:schemeClr val="tx1"/>
-          </a:fontRef>
-        </p:style>
-      </p:cxnSp>
-      <p:sp>
-        <p:nvSpPr>
-          <p:cNvPr id="93" name="TextBox 92">
-            <a:extLst>
-              <a:ext uri="{FF2B5EF4-FFF2-40B4-BE49-F238E27FC236}">
-                <a16:creationId xmlns:a16="http://schemas.microsoft.com/office/drawing/2014/main" id="{3E36F75C-4662-4C99-B02F-D6BCAF3E3378}"/>
-              </a:ext>
-            </a:extLst>
-          </p:cNvPr>
-          <p:cNvSpPr txBox="1"/>
-          <p:nvPr/>
-        </p:nvSpPr>
-        <p:spPr>
-          <a:xfrm>
-            <a:off x="3062547" y="2717737"/>
-            <a:ext cx="751488" cy="307777"/>
-          </a:xfrm>
-          <a:prstGeom prst="rect">
-            <a:avLst/>
-          </a:prstGeom>
-          <a:noFill/>
-        </p:spPr>
-        <p:txBody>
-          <a:bodyPr wrap="none" lIns="0" tIns="0" rIns="0" bIns="0" rtlCol="0">
-            <a:spAutoFit/>
-          </a:bodyPr>
-          <a:lstStyle/>
-          <a:p>
-            <a:r>
-              <a:rPr lang="en-CA" sz="2000" dirty="0">
-                <a:solidFill>
-                  <a:schemeClr val="tx1">
-                    <a:lumMod val="65000"/>
-                    <a:lumOff val="35000"/>
-                  </a:schemeClr>
-                </a:solidFill>
-                <a:latin typeface="Segoe UI Light" pitchFamily="34" charset="0"/>
-              </a:rPr>
-              <a:t>feature</a:t>
-            </a:r>
-          </a:p>
-        </p:txBody>
-      </p:sp>
-      <p:sp>
-        <p:nvSpPr>
-          <p:cNvPr id="94" name="Isosceles Triangle 93">
-            <a:extLst>
-              <a:ext uri="{FF2B5EF4-FFF2-40B4-BE49-F238E27FC236}">
-                <a16:creationId xmlns:a16="http://schemas.microsoft.com/office/drawing/2014/main" id="{5AD345A7-7A9B-46E9-BCF4-134348DEB9A7}"/>
-              </a:ext>
-            </a:extLst>
-          </p:cNvPr>
-          <p:cNvSpPr/>
-          <p:nvPr/>
-        </p:nvSpPr>
-        <p:spPr>
-          <a:xfrm rot="10800000">
-            <a:off x="4850185" y="3205973"/>
-            <a:ext cx="216000" cy="164892"/>
-          </a:xfrm>
-          <a:prstGeom prst="triangle">
-            <a:avLst/>
-          </a:prstGeom>
-          <a:solidFill>
-            <a:srgbClr val="002060"/>
-          </a:solidFill>
-          <a:ln>
-            <a:noFill/>
-          </a:ln>
-        </p:spPr>
-        <p:style>
-          <a:lnRef idx="2">
-            <a:schemeClr val="accent1">
-              <a:shade val="50000"/>
-            </a:schemeClr>
-          </a:lnRef>
-          <a:fillRef idx="1">
-            <a:schemeClr val="accent1"/>
-          </a:fillRef>
-          <a:effectRef idx="0">
-            <a:schemeClr val="accent1"/>
-          </a:effectRef>
-          <a:fontRef idx="minor">
-            <a:schemeClr val="lt1"/>
-          </a:fontRef>
-        </p:style>
-        <p:txBody>
-          <a:bodyPr rtlCol="0" anchor="ctr"/>
-          <a:lstStyle/>
-          <a:p>
-            <a:pPr algn="ctr"/>
-            <a:endParaRPr lang="en-CA" dirty="0"/>
-          </a:p>
-        </p:txBody>
-      </p:sp>
-      <p:sp>
-        <p:nvSpPr>
-          <p:cNvPr id="95" name="TextBox 94">
-            <a:extLst>
-              <a:ext uri="{FF2B5EF4-FFF2-40B4-BE49-F238E27FC236}">
-                <a16:creationId xmlns:a16="http://schemas.microsoft.com/office/drawing/2014/main" id="{A5A12982-FCC9-46EE-B129-502AA9DD9E44}"/>
-              </a:ext>
-            </a:extLst>
-          </p:cNvPr>
-          <p:cNvSpPr txBox="1"/>
-          <p:nvPr/>
-        </p:nvSpPr>
-        <p:spPr>
-          <a:xfrm>
-            <a:off x="4554375" y="3077780"/>
-            <a:ext cx="415896" cy="369332"/>
-          </a:xfrm>
-          <a:prstGeom prst="rect">
-            <a:avLst/>
-          </a:prstGeom>
-          <a:noFill/>
-        </p:spPr>
-        <p:txBody>
-          <a:bodyPr wrap="square" rtlCol="0">
-            <a:spAutoFit/>
-          </a:bodyPr>
-          <a:lstStyle/>
-          <a:p>
-            <a:r>
-              <a:rPr lang="en-CA" dirty="0"/>
-              <a:t>RI</a:t>
-            </a:r>
-          </a:p>
-        </p:txBody>
-      </p:sp>
-      <p:sp>
-        <p:nvSpPr>
-          <p:cNvPr id="57" name="TextBox 56">
-            <a:extLst>
-              <a:ext uri="{FF2B5EF4-FFF2-40B4-BE49-F238E27FC236}">
-                <a16:creationId xmlns:a16="http://schemas.microsoft.com/office/drawing/2014/main" id="{7A9C94A4-4E35-4966-A5BE-F68066D1AFC0}"/>
-              </a:ext>
-            </a:extLst>
-          </p:cNvPr>
-          <p:cNvSpPr txBox="1"/>
-          <p:nvPr/>
-        </p:nvSpPr>
-        <p:spPr>
-          <a:xfrm>
-            <a:off x="5966249" y="4185409"/>
-            <a:ext cx="625171" cy="307777"/>
-          </a:xfrm>
-          <a:prstGeom prst="rect">
-            <a:avLst/>
-          </a:prstGeom>
-          <a:noFill/>
-        </p:spPr>
-        <p:txBody>
-          <a:bodyPr wrap="none" lIns="0" tIns="0" rIns="0" bIns="0" rtlCol="0">
-            <a:spAutoFit/>
-          </a:bodyPr>
-          <a:lstStyle/>
-          <a:p>
-            <a:r>
-              <a:rPr lang="en-CA" sz="2000" dirty="0">
-                <a:solidFill>
-                  <a:schemeClr val="tx1">
-                    <a:lumMod val="65000"/>
-                    <a:lumOff val="35000"/>
-                  </a:schemeClr>
-                </a:solidFill>
-                <a:latin typeface="Segoe UI Light" pitchFamily="34" charset="0"/>
-              </a:rPr>
-              <a:t>Hotfix</a:t>
-            </a:r>
-          </a:p>
-        </p:txBody>
-      </p:sp>
-      <p:sp>
-        <p:nvSpPr>
-          <p:cNvPr id="58" name="TextBox 57">
-            <a:extLst>
-              <a:ext uri="{FF2B5EF4-FFF2-40B4-BE49-F238E27FC236}">
-                <a16:creationId xmlns:a16="http://schemas.microsoft.com/office/drawing/2014/main" id="{EF0FA4B3-860E-4B50-AA0E-CD617C50FFB8}"/>
-              </a:ext>
-            </a:extLst>
-          </p:cNvPr>
-          <p:cNvSpPr txBox="1"/>
-          <p:nvPr/>
-        </p:nvSpPr>
-        <p:spPr>
-          <a:xfrm>
-            <a:off x="9497181" y="4181306"/>
-            <a:ext cx="625171" cy="307777"/>
-          </a:xfrm>
-          <a:prstGeom prst="rect">
-            <a:avLst/>
-          </a:prstGeom>
-          <a:noFill/>
-        </p:spPr>
-        <p:txBody>
-          <a:bodyPr wrap="none" lIns="0" tIns="0" rIns="0" bIns="0" rtlCol="0">
-            <a:spAutoFit/>
-          </a:bodyPr>
-          <a:lstStyle/>
-          <a:p>
-            <a:r>
-              <a:rPr lang="en-CA" sz="2000" dirty="0">
-                <a:solidFill>
-                  <a:schemeClr val="tx1">
-                    <a:lumMod val="65000"/>
-                    <a:lumOff val="35000"/>
-                  </a:schemeClr>
-                </a:solidFill>
-                <a:latin typeface="Segoe UI Light" pitchFamily="34" charset="0"/>
-              </a:rPr>
-              <a:t>Hotfix</a:t>
-            </a:r>
-          </a:p>
-        </p:txBody>
-      </p:sp>
-    </p:spTree>
-    <p:extLst>
-      <p:ext uri="{BB962C8B-B14F-4D97-AF65-F5344CB8AC3E}">
-        <p14:creationId xmlns:p14="http://schemas.microsoft.com/office/powerpoint/2010/main" val="1575912109"/>
-      </p:ext>
-    </p:extLst>
-  </p:cSld>
-  <p:clrMapOvr>
-    <a:masterClrMapping/>
-  </p:clrMapOvr>
-  <mc:AlternateContent xmlns:mc="http://schemas.openxmlformats.org/markup-compatibility/2006" xmlns:p14="http://schemas.microsoft.com/office/powerpoint/2010/main">
-    <mc:Choice Requires="p14">
-      <p:transition spd="slow" p14:dur="1500">
-        <p:push/>
-      </p:transition>
-    </mc:Choice>
-    <mc:Fallback xmlns="">
-      <p:transition spd="slow">
-        <p:push/>
-      </p:transition>
-    </mc:Fallback>
-  </mc:AlternateContent>
-</p:sld>
-</file>
-
 <file path=ppt/theme/theme1.xml><?xml version="1.0" encoding="utf-8"?>
 <a:theme xmlns:a="http://schemas.openxmlformats.org/drawingml/2006/main" name="Office Theme">
   <a:themeElements>
